--- a/.assets/arch.pptx
+++ b/.assets/arch.pptx
@@ -6,7 +6,8 @@
   </p:sldMasterIdLst>
   <p:sldIdLst>
     <p:sldId id="256" r:id="rId2"/>
-    <p:sldId id="257" r:id="rId3"/>
+    <p:sldId id="258" r:id="rId3"/>
+    <p:sldId id="257" r:id="rId4"/>
   </p:sldIdLst>
   <p:sldSz cx="12192000" cy="6858000"/>
   <p:notesSz cx="6858000" cy="9144000"/>
@@ -105,6 +106,11 @@
       </a:defRPr>
     </a:lvl9pPr>
   </p:defaultTextStyle>
+  <p:extLst>
+    <p:ext uri="{EFAFB233-063F-42B5-8137-9DF3F51BA10A}">
+      <p15:sldGuideLst xmlns:p15="http://schemas.microsoft.com/office/powerpoint/2012/main"/>
+    </p:ext>
+  </p:extLst>
 </p:presentation>
 </file>
 
@@ -257,7 +263,7 @@
           <a:p>
             <a:fld id="{B72D12BE-FF53-C240-89F4-1996E2D2E703}" type="datetimeFigureOut">
               <a:rPr lang="en-KR" smtClean="0"/>
-              <a:t>2022/04/24</a:t>
+              <a:t>2022/05/06</a:t>
             </a:fld>
             <a:endParaRPr lang="en-KR"/>
           </a:p>
@@ -457,7 +463,7 @@
           <a:p>
             <a:fld id="{B72D12BE-FF53-C240-89F4-1996E2D2E703}" type="datetimeFigureOut">
               <a:rPr lang="en-KR" smtClean="0"/>
-              <a:t>2022/04/24</a:t>
+              <a:t>2022/05/06</a:t>
             </a:fld>
             <a:endParaRPr lang="en-KR"/>
           </a:p>
@@ -667,7 +673,7 @@
           <a:p>
             <a:fld id="{B72D12BE-FF53-C240-89F4-1996E2D2E703}" type="datetimeFigureOut">
               <a:rPr lang="en-KR" smtClean="0"/>
-              <a:t>2022/04/24</a:t>
+              <a:t>2022/05/06</a:t>
             </a:fld>
             <a:endParaRPr lang="en-KR"/>
           </a:p>
@@ -867,7 +873,7 @@
           <a:p>
             <a:fld id="{B72D12BE-FF53-C240-89F4-1996E2D2E703}" type="datetimeFigureOut">
               <a:rPr lang="en-KR" smtClean="0"/>
-              <a:t>2022/04/24</a:t>
+              <a:t>2022/05/06</a:t>
             </a:fld>
             <a:endParaRPr lang="en-KR"/>
           </a:p>
@@ -1143,7 +1149,7 @@
           <a:p>
             <a:fld id="{B72D12BE-FF53-C240-89F4-1996E2D2E703}" type="datetimeFigureOut">
               <a:rPr lang="en-KR" smtClean="0"/>
-              <a:t>2022/04/24</a:t>
+              <a:t>2022/05/06</a:t>
             </a:fld>
             <a:endParaRPr lang="en-KR"/>
           </a:p>
@@ -1411,7 +1417,7 @@
           <a:p>
             <a:fld id="{B72D12BE-FF53-C240-89F4-1996E2D2E703}" type="datetimeFigureOut">
               <a:rPr lang="en-KR" smtClean="0"/>
-              <a:t>2022/04/24</a:t>
+              <a:t>2022/05/06</a:t>
             </a:fld>
             <a:endParaRPr lang="en-KR"/>
           </a:p>
@@ -1826,7 +1832,7 @@
           <a:p>
             <a:fld id="{B72D12BE-FF53-C240-89F4-1996E2D2E703}" type="datetimeFigureOut">
               <a:rPr lang="en-KR" smtClean="0"/>
-              <a:t>2022/04/24</a:t>
+              <a:t>2022/05/06</a:t>
             </a:fld>
             <a:endParaRPr lang="en-KR"/>
           </a:p>
@@ -1968,7 +1974,7 @@
           <a:p>
             <a:fld id="{B72D12BE-FF53-C240-89F4-1996E2D2E703}" type="datetimeFigureOut">
               <a:rPr lang="en-KR" smtClean="0"/>
-              <a:t>2022/04/24</a:t>
+              <a:t>2022/05/06</a:t>
             </a:fld>
             <a:endParaRPr lang="en-KR"/>
           </a:p>
@@ -2081,7 +2087,7 @@
           <a:p>
             <a:fld id="{B72D12BE-FF53-C240-89F4-1996E2D2E703}" type="datetimeFigureOut">
               <a:rPr lang="en-KR" smtClean="0"/>
-              <a:t>2022/04/24</a:t>
+              <a:t>2022/05/06</a:t>
             </a:fld>
             <a:endParaRPr lang="en-KR"/>
           </a:p>
@@ -2394,7 +2400,7 @@
           <a:p>
             <a:fld id="{B72D12BE-FF53-C240-89F4-1996E2D2E703}" type="datetimeFigureOut">
               <a:rPr lang="en-KR" smtClean="0"/>
-              <a:t>2022/04/24</a:t>
+              <a:t>2022/05/06</a:t>
             </a:fld>
             <a:endParaRPr lang="en-KR"/>
           </a:p>
@@ -2683,7 +2689,7 @@
           <a:p>
             <a:fld id="{B72D12BE-FF53-C240-89F4-1996E2D2E703}" type="datetimeFigureOut">
               <a:rPr lang="en-KR" smtClean="0"/>
-              <a:t>2022/04/24</a:t>
+              <a:t>2022/05/06</a:t>
             </a:fld>
             <a:endParaRPr lang="en-KR"/>
           </a:p>
@@ -2926,7 +2932,7 @@
           <a:p>
             <a:fld id="{B72D12BE-FF53-C240-89F4-1996E2D2E703}" type="datetimeFigureOut">
               <a:rPr lang="en-KR" smtClean="0"/>
-              <a:t>2022/04/24</a:t>
+              <a:t>2022/05/06</a:t>
             </a:fld>
             <a:endParaRPr lang="en-KR"/>
           </a:p>
@@ -4373,6 +4379,1580 @@
       </p:grpSpPr>
       <p:sp>
         <p:nvSpPr>
+          <p:cNvPr id="32" name="TextBox 31">
+            <a:extLst>
+              <a:ext uri="{FF2B5EF4-FFF2-40B4-BE49-F238E27FC236}">
+                <a16:creationId xmlns:a16="http://schemas.microsoft.com/office/drawing/2014/main" id="{1D45A107-A77E-E1BE-A0EF-3294DB72A79A}"/>
+              </a:ext>
+            </a:extLst>
+          </p:cNvPr>
+          <p:cNvSpPr txBox="1"/>
+          <p:nvPr/>
+        </p:nvSpPr>
+        <p:spPr>
+          <a:xfrm>
+            <a:off x="2578785" y="1520264"/>
+            <a:ext cx="2108962" cy="246221"/>
+          </a:xfrm>
+          <a:prstGeom prst="rect">
+            <a:avLst/>
+          </a:prstGeom>
+          <a:noFill/>
+        </p:spPr>
+        <p:txBody>
+          <a:bodyPr wrap="square" rtlCol="0">
+            <a:spAutoFit/>
+          </a:bodyPr>
+          <a:lstStyle/>
+          <a:p>
+            <a:r>
+              <a:rPr lang="en-KR" sz="1000" b="1" dirty="0"/>
+              <a:t>Merge Request (feature </a:t>
+            </a:r>
+            <a:r>
+              <a:rPr lang="en-KR" sz="800" b="1" dirty="0">
+                <a:sym typeface="Wingdings" pitchFamily="2" charset="2"/>
+              </a:rPr>
+              <a:t></a:t>
+            </a:r>
+            <a:r>
+              <a:rPr lang="en-KR" sz="1000" b="1" dirty="0">
+                <a:sym typeface="Wingdings" pitchFamily="2" charset="2"/>
+              </a:rPr>
+              <a:t> master)</a:t>
+            </a:r>
+            <a:endParaRPr lang="en-KR" sz="1000" b="1" dirty="0"/>
+          </a:p>
+        </p:txBody>
+      </p:sp>
+      <p:sp>
+        <p:nvSpPr>
+          <p:cNvPr id="21" name="TextBox 20">
+            <a:extLst>
+              <a:ext uri="{FF2B5EF4-FFF2-40B4-BE49-F238E27FC236}">
+                <a16:creationId xmlns:a16="http://schemas.microsoft.com/office/drawing/2014/main" id="{A214064D-59F7-6908-6572-29E0EDF6FC2B}"/>
+              </a:ext>
+            </a:extLst>
+          </p:cNvPr>
+          <p:cNvSpPr txBox="1"/>
+          <p:nvPr/>
+        </p:nvSpPr>
+        <p:spPr>
+          <a:xfrm>
+            <a:off x="957017" y="1955614"/>
+            <a:ext cx="463589" cy="246221"/>
+          </a:xfrm>
+          <a:prstGeom prst="rect">
+            <a:avLst/>
+          </a:prstGeom>
+          <a:noFill/>
+        </p:spPr>
+        <p:txBody>
+          <a:bodyPr wrap="none" rtlCol="0">
+            <a:spAutoFit/>
+          </a:bodyPr>
+          <a:lstStyle/>
+          <a:p>
+            <a:pPr algn="ctr"/>
+            <a:r>
+              <a:rPr lang="en-KR" sz="1000" b="1" i="1" dirty="0"/>
+              <a:t>USER</a:t>
+            </a:r>
+          </a:p>
+        </p:txBody>
+      </p:sp>
+      <p:sp>
+        <p:nvSpPr>
+          <p:cNvPr id="24" name="Rectangle 23">
+            <a:extLst>
+              <a:ext uri="{FF2B5EF4-FFF2-40B4-BE49-F238E27FC236}">
+                <a16:creationId xmlns:a16="http://schemas.microsoft.com/office/drawing/2014/main" id="{5D8725BA-4A1B-A073-CEBE-A51215F1AD18}"/>
+              </a:ext>
+            </a:extLst>
+          </p:cNvPr>
+          <p:cNvSpPr/>
+          <p:nvPr/>
+        </p:nvSpPr>
+        <p:spPr>
+          <a:xfrm>
+            <a:off x="2578785" y="1521017"/>
+            <a:ext cx="2213133" cy="892305"/>
+          </a:xfrm>
+          <a:prstGeom prst="rect">
+            <a:avLst/>
+          </a:prstGeom>
+          <a:noFill/>
+          <a:ln w="12700">
+            <a:solidFill>
+              <a:schemeClr val="tx1"/>
+            </a:solidFill>
+            <a:prstDash val="solid"/>
+          </a:ln>
+        </p:spPr>
+        <p:style>
+          <a:lnRef idx="2">
+            <a:schemeClr val="accent1">
+              <a:shade val="50000"/>
+            </a:schemeClr>
+          </a:lnRef>
+          <a:fillRef idx="1">
+            <a:schemeClr val="accent1"/>
+          </a:fillRef>
+          <a:effectRef idx="0">
+            <a:schemeClr val="accent1"/>
+          </a:effectRef>
+          <a:fontRef idx="minor">
+            <a:schemeClr val="lt1"/>
+          </a:fontRef>
+        </p:style>
+        <p:txBody>
+          <a:bodyPr lIns="457200" tIns="91440"/>
+          <a:lstStyle/>
+          <a:p>
+            <a:pPr eaLnBrk="1" fontAlgn="auto" hangingPunct="1">
+              <a:spcBef>
+                <a:spcPts val="0"/>
+              </a:spcBef>
+              <a:spcAft>
+                <a:spcPts val="0"/>
+              </a:spcAft>
+              <a:defRPr/>
+            </a:pPr>
+            <a:endParaRPr lang="en-US" sz="1200" b="1" dirty="0">
+              <a:noFill/>
+              <a:latin typeface="Arial" panose="020B0604020202020204" pitchFamily="34" charset="0"/>
+              <a:cs typeface="Arial" panose="020B0604020202020204" pitchFamily="34" charset="0"/>
+            </a:endParaRPr>
+          </a:p>
+        </p:txBody>
+      </p:sp>
+      <p:sp>
+        <p:nvSpPr>
+          <p:cNvPr id="26" name="Rectangle 25">
+            <a:extLst>
+              <a:ext uri="{FF2B5EF4-FFF2-40B4-BE49-F238E27FC236}">
+                <a16:creationId xmlns:a16="http://schemas.microsoft.com/office/drawing/2014/main" id="{3B37C638-2432-2638-3C7D-F9BB80330363}"/>
+              </a:ext>
+            </a:extLst>
+          </p:cNvPr>
+          <p:cNvSpPr/>
+          <p:nvPr/>
+        </p:nvSpPr>
+        <p:spPr>
+          <a:xfrm>
+            <a:off x="2413187" y="985547"/>
+            <a:ext cx="2511841" cy="3741094"/>
+          </a:xfrm>
+          <a:prstGeom prst="rect">
+            <a:avLst/>
+          </a:prstGeom>
+          <a:noFill/>
+          <a:ln w="12700">
+            <a:solidFill>
+              <a:schemeClr val="tx1"/>
+            </a:solidFill>
+            <a:prstDash val="solid"/>
+          </a:ln>
+        </p:spPr>
+        <p:style>
+          <a:lnRef idx="2">
+            <a:schemeClr val="accent1">
+              <a:shade val="50000"/>
+            </a:schemeClr>
+          </a:lnRef>
+          <a:fillRef idx="1">
+            <a:schemeClr val="accent1"/>
+          </a:fillRef>
+          <a:effectRef idx="0">
+            <a:schemeClr val="accent1"/>
+          </a:effectRef>
+          <a:fontRef idx="minor">
+            <a:schemeClr val="lt1"/>
+          </a:fontRef>
+        </p:style>
+        <p:txBody>
+          <a:bodyPr lIns="457200" tIns="91440"/>
+          <a:lstStyle/>
+          <a:p>
+            <a:pPr eaLnBrk="1" fontAlgn="auto" hangingPunct="1">
+              <a:spcBef>
+                <a:spcPts val="0"/>
+              </a:spcBef>
+              <a:spcAft>
+                <a:spcPts val="0"/>
+              </a:spcAft>
+              <a:defRPr/>
+            </a:pPr>
+            <a:r>
+              <a:rPr lang="en-US" sz="1200" b="1" dirty="0">
+                <a:solidFill>
+                  <a:sysClr val="windowText" lastClr="000000"/>
+                </a:solidFill>
+                <a:latin typeface="Arial" panose="020B0604020202020204" pitchFamily="34" charset="0"/>
+                <a:cs typeface="Arial" panose="020B0604020202020204" pitchFamily="34" charset="0"/>
+              </a:rPr>
+              <a:t>Gitlab project</a:t>
+            </a:r>
+          </a:p>
+        </p:txBody>
+      </p:sp>
+      <p:pic>
+        <p:nvPicPr>
+          <p:cNvPr id="27" name="Picture 26">
+            <a:extLst>
+              <a:ext uri="{FF2B5EF4-FFF2-40B4-BE49-F238E27FC236}">
+                <a16:creationId xmlns:a16="http://schemas.microsoft.com/office/drawing/2014/main" id="{1805D623-9047-E551-3F87-A058C80B8425}"/>
+              </a:ext>
+            </a:extLst>
+          </p:cNvPr>
+          <p:cNvPicPr>
+            <a:picLocks noChangeAspect="1"/>
+          </p:cNvPicPr>
+          <p:nvPr/>
+        </p:nvPicPr>
+        <p:blipFill>
+          <a:blip r:embed="rId2"/>
+          <a:stretch>
+            <a:fillRect/>
+          </a:stretch>
+        </p:blipFill>
+        <p:spPr>
+          <a:xfrm>
+            <a:off x="2413186" y="984546"/>
+            <a:ext cx="331200" cy="331200"/>
+          </a:xfrm>
+          <a:prstGeom prst="rect">
+            <a:avLst/>
+          </a:prstGeom>
+        </p:spPr>
+      </p:pic>
+      <p:sp>
+        <p:nvSpPr>
+          <p:cNvPr id="28" name="TextBox 27">
+            <a:extLst>
+              <a:ext uri="{FF2B5EF4-FFF2-40B4-BE49-F238E27FC236}">
+                <a16:creationId xmlns:a16="http://schemas.microsoft.com/office/drawing/2014/main" id="{F9E459EA-F36D-8E57-160B-CEA03F00D4F8}"/>
+              </a:ext>
+            </a:extLst>
+          </p:cNvPr>
+          <p:cNvSpPr txBox="1"/>
+          <p:nvPr/>
+        </p:nvSpPr>
+        <p:spPr>
+          <a:xfrm>
+            <a:off x="1437618" y="2082169"/>
+            <a:ext cx="933268" cy="215444"/>
+          </a:xfrm>
+          <a:prstGeom prst="rect">
+            <a:avLst/>
+          </a:prstGeom>
+          <a:noFill/>
+        </p:spPr>
+        <p:txBody>
+          <a:bodyPr wrap="none" rtlCol="0">
+            <a:spAutoFit/>
+          </a:bodyPr>
+          <a:lstStyle/>
+          <a:p>
+            <a:pPr algn="ctr"/>
+            <a:r>
+              <a:rPr lang="en-US" sz="800" b="1" i="1" dirty="0">
+                <a:solidFill>
+                  <a:srgbClr val="FF0000"/>
+                </a:solidFill>
+              </a:rPr>
+              <a:t>1. I</a:t>
+            </a:r>
+            <a:r>
+              <a:rPr lang="en-KR" sz="800" b="1" i="1" dirty="0">
+                <a:solidFill>
+                  <a:srgbClr val="FF0000"/>
+                </a:solidFill>
+              </a:rPr>
+              <a:t>nput comment</a:t>
+            </a:r>
+          </a:p>
+        </p:txBody>
+      </p:sp>
+      <p:sp>
+        <p:nvSpPr>
+          <p:cNvPr id="30" name="TextBox 29">
+            <a:extLst>
+              <a:ext uri="{FF2B5EF4-FFF2-40B4-BE49-F238E27FC236}">
+                <a16:creationId xmlns:a16="http://schemas.microsoft.com/office/drawing/2014/main" id="{E993841C-B8B5-0A04-A9EB-A29DD2F5D155}"/>
+              </a:ext>
+            </a:extLst>
+          </p:cNvPr>
+          <p:cNvSpPr txBox="1"/>
+          <p:nvPr/>
+        </p:nvSpPr>
+        <p:spPr>
+          <a:xfrm>
+            <a:off x="2744387" y="1971003"/>
+            <a:ext cx="1879700" cy="215444"/>
+          </a:xfrm>
+          <a:prstGeom prst="rect">
+            <a:avLst/>
+          </a:prstGeom>
+          <a:noFill/>
+          <a:ln cap="rnd">
+            <a:solidFill>
+              <a:schemeClr val="tx1"/>
+            </a:solidFill>
+            <a:bevel/>
+          </a:ln>
+        </p:spPr>
+        <p:txBody>
+          <a:bodyPr wrap="square" rtlCol="0" anchor="ctr">
+            <a:spAutoFit/>
+          </a:bodyPr>
+          <a:lstStyle/>
+          <a:p>
+            <a:r>
+              <a:rPr lang="en-US" sz="800" i="1" dirty="0" err="1"/>
+              <a:t>“injeolmi</a:t>
+            </a:r>
+            <a:r>
+              <a:rPr lang="en-US" sz="800" i="1" dirty="0"/>
+              <a:t> start /app/dev”</a:t>
+            </a:r>
+            <a:endParaRPr lang="en-KR" sz="800" i="1" dirty="0"/>
+          </a:p>
+        </p:txBody>
+      </p:sp>
+      <p:cxnSp>
+        <p:nvCxnSpPr>
+          <p:cNvPr id="34" name="Straight Arrow Connector 33">
+            <a:extLst>
+              <a:ext uri="{FF2B5EF4-FFF2-40B4-BE49-F238E27FC236}">
+                <a16:creationId xmlns:a16="http://schemas.microsoft.com/office/drawing/2014/main" id="{62D13499-CB4E-6B67-B546-E67F43DB5241}"/>
+              </a:ext>
+            </a:extLst>
+          </p:cNvPr>
+          <p:cNvCxnSpPr>
+            <a:cxnSpLocks/>
+            <a:stCxn id="21" idx="3"/>
+            <a:endCxn id="30" idx="1"/>
+          </p:cNvCxnSpPr>
+          <p:nvPr/>
+        </p:nvCxnSpPr>
+        <p:spPr>
+          <a:xfrm>
+            <a:off x="1420606" y="2078725"/>
+            <a:ext cx="1323781" cy="0"/>
+          </a:xfrm>
+          <a:prstGeom prst="straightConnector1">
+            <a:avLst/>
+          </a:prstGeom>
+          <a:ln w="12700">
+            <a:solidFill>
+              <a:srgbClr val="FF0000"/>
+            </a:solidFill>
+            <a:tailEnd type="arrow"/>
+          </a:ln>
+        </p:spPr>
+        <p:style>
+          <a:lnRef idx="1">
+            <a:schemeClr val="accent1"/>
+          </a:lnRef>
+          <a:fillRef idx="0">
+            <a:schemeClr val="accent1"/>
+          </a:fillRef>
+          <a:effectRef idx="0">
+            <a:schemeClr val="accent1"/>
+          </a:effectRef>
+          <a:fontRef idx="minor">
+            <a:schemeClr val="tx1"/>
+          </a:fontRef>
+        </p:style>
+      </p:cxnSp>
+      <p:sp>
+        <p:nvSpPr>
+          <p:cNvPr id="37" name="TextBox 36">
+            <a:extLst>
+              <a:ext uri="{FF2B5EF4-FFF2-40B4-BE49-F238E27FC236}">
+                <a16:creationId xmlns:a16="http://schemas.microsoft.com/office/drawing/2014/main" id="{6528BC45-8C5C-301C-E5BD-A9D573023849}"/>
+              </a:ext>
+            </a:extLst>
+          </p:cNvPr>
+          <p:cNvSpPr txBox="1"/>
+          <p:nvPr/>
+        </p:nvSpPr>
+        <p:spPr>
+          <a:xfrm>
+            <a:off x="2578785" y="2617087"/>
+            <a:ext cx="2108962" cy="246221"/>
+          </a:xfrm>
+          <a:prstGeom prst="rect">
+            <a:avLst/>
+          </a:prstGeom>
+          <a:noFill/>
+        </p:spPr>
+        <p:txBody>
+          <a:bodyPr wrap="square" rtlCol="0">
+            <a:spAutoFit/>
+          </a:bodyPr>
+          <a:lstStyle/>
+          <a:p>
+            <a:r>
+              <a:rPr lang="en-KR" sz="1000" b="1" dirty="0"/>
+              <a:t>Webhook</a:t>
+            </a:r>
+          </a:p>
+        </p:txBody>
+      </p:sp>
+      <p:sp>
+        <p:nvSpPr>
+          <p:cNvPr id="38" name="Rectangle 37">
+            <a:extLst>
+              <a:ext uri="{FF2B5EF4-FFF2-40B4-BE49-F238E27FC236}">
+                <a16:creationId xmlns:a16="http://schemas.microsoft.com/office/drawing/2014/main" id="{16552666-6A09-15E4-90BD-37829D45D99B}"/>
+              </a:ext>
+            </a:extLst>
+          </p:cNvPr>
+          <p:cNvSpPr/>
+          <p:nvPr/>
+        </p:nvSpPr>
+        <p:spPr>
+          <a:xfrm>
+            <a:off x="2578785" y="2617840"/>
+            <a:ext cx="2213133" cy="892305"/>
+          </a:xfrm>
+          <a:prstGeom prst="rect">
+            <a:avLst/>
+          </a:prstGeom>
+          <a:noFill/>
+          <a:ln w="12700">
+            <a:solidFill>
+              <a:schemeClr val="tx1"/>
+            </a:solidFill>
+            <a:prstDash val="solid"/>
+          </a:ln>
+        </p:spPr>
+        <p:style>
+          <a:lnRef idx="2">
+            <a:schemeClr val="accent1">
+              <a:shade val="50000"/>
+            </a:schemeClr>
+          </a:lnRef>
+          <a:fillRef idx="1">
+            <a:schemeClr val="accent1"/>
+          </a:fillRef>
+          <a:effectRef idx="0">
+            <a:schemeClr val="accent1"/>
+          </a:effectRef>
+          <a:fontRef idx="minor">
+            <a:schemeClr val="lt1"/>
+          </a:fontRef>
+        </p:style>
+        <p:txBody>
+          <a:bodyPr lIns="457200" tIns="91440"/>
+          <a:lstStyle/>
+          <a:p>
+            <a:pPr eaLnBrk="1" fontAlgn="auto" hangingPunct="1">
+              <a:spcBef>
+                <a:spcPts val="0"/>
+              </a:spcBef>
+              <a:spcAft>
+                <a:spcPts val="0"/>
+              </a:spcAft>
+              <a:defRPr/>
+            </a:pPr>
+            <a:endParaRPr lang="en-US" sz="1200" b="1" dirty="0">
+              <a:noFill/>
+              <a:latin typeface="Arial" panose="020B0604020202020204" pitchFamily="34" charset="0"/>
+              <a:cs typeface="Arial" panose="020B0604020202020204" pitchFamily="34" charset="0"/>
+            </a:endParaRPr>
+          </a:p>
+        </p:txBody>
+      </p:sp>
+      <p:cxnSp>
+        <p:nvCxnSpPr>
+          <p:cNvPr id="39" name="Straight Arrow Connector 38">
+            <a:extLst>
+              <a:ext uri="{FF2B5EF4-FFF2-40B4-BE49-F238E27FC236}">
+                <a16:creationId xmlns:a16="http://schemas.microsoft.com/office/drawing/2014/main" id="{7610D342-7389-FD0F-5785-88005A0CDAAD}"/>
+              </a:ext>
+            </a:extLst>
+          </p:cNvPr>
+          <p:cNvCxnSpPr>
+            <a:cxnSpLocks/>
+            <a:stCxn id="30" idx="2"/>
+            <a:endCxn id="44" idx="0"/>
+          </p:cNvCxnSpPr>
+          <p:nvPr/>
+        </p:nvCxnSpPr>
+        <p:spPr>
+          <a:xfrm>
+            <a:off x="3684237" y="2186447"/>
+            <a:ext cx="0" cy="749015"/>
+          </a:xfrm>
+          <a:prstGeom prst="straightConnector1">
+            <a:avLst/>
+          </a:prstGeom>
+          <a:ln w="12700">
+            <a:solidFill>
+              <a:srgbClr val="FF0000"/>
+            </a:solidFill>
+            <a:tailEnd type="arrow"/>
+          </a:ln>
+        </p:spPr>
+        <p:style>
+          <a:lnRef idx="1">
+            <a:schemeClr val="accent1"/>
+          </a:lnRef>
+          <a:fillRef idx="0">
+            <a:schemeClr val="accent1"/>
+          </a:fillRef>
+          <a:effectRef idx="0">
+            <a:schemeClr val="accent1"/>
+          </a:effectRef>
+          <a:fontRef idx="minor">
+            <a:schemeClr val="tx1"/>
+          </a:fontRef>
+        </p:style>
+      </p:cxnSp>
+      <p:sp>
+        <p:nvSpPr>
+          <p:cNvPr id="44" name="TextBox 43">
+            <a:extLst>
+              <a:ext uri="{FF2B5EF4-FFF2-40B4-BE49-F238E27FC236}">
+                <a16:creationId xmlns:a16="http://schemas.microsoft.com/office/drawing/2014/main" id="{2EA8BB56-F072-61C4-FD8A-05490EC2475C}"/>
+              </a:ext>
+            </a:extLst>
+          </p:cNvPr>
+          <p:cNvSpPr txBox="1"/>
+          <p:nvPr/>
+        </p:nvSpPr>
+        <p:spPr>
+          <a:xfrm>
+            <a:off x="3120620" y="2935462"/>
+            <a:ext cx="1127233" cy="246221"/>
+          </a:xfrm>
+          <a:prstGeom prst="rect">
+            <a:avLst/>
+          </a:prstGeom>
+          <a:noFill/>
+        </p:spPr>
+        <p:txBody>
+          <a:bodyPr wrap="none" rtlCol="0">
+            <a:spAutoFit/>
+          </a:bodyPr>
+          <a:lstStyle/>
+          <a:p>
+            <a:pPr algn="ctr"/>
+            <a:r>
+              <a:rPr lang="en-KR" sz="1000" b="1" i="1" dirty="0"/>
+              <a:t>Comments events</a:t>
+            </a:r>
+          </a:p>
+        </p:txBody>
+      </p:sp>
+      <p:sp>
+        <p:nvSpPr>
+          <p:cNvPr id="48" name="Rectangle 47">
+            <a:extLst>
+              <a:ext uri="{FF2B5EF4-FFF2-40B4-BE49-F238E27FC236}">
+                <a16:creationId xmlns:a16="http://schemas.microsoft.com/office/drawing/2014/main" id="{F19B8E38-DC83-E1FF-8EF3-9F6CAE538DB6}"/>
+              </a:ext>
+            </a:extLst>
+          </p:cNvPr>
+          <p:cNvSpPr/>
+          <p:nvPr/>
+        </p:nvSpPr>
+        <p:spPr>
+          <a:xfrm>
+            <a:off x="6030480" y="985547"/>
+            <a:ext cx="3530379" cy="3741094"/>
+          </a:xfrm>
+          <a:prstGeom prst="rect">
+            <a:avLst/>
+          </a:prstGeom>
+          <a:noFill/>
+          <a:ln w="12700">
+            <a:solidFill>
+              <a:schemeClr val="tx1"/>
+            </a:solidFill>
+          </a:ln>
+        </p:spPr>
+        <p:style>
+          <a:lnRef idx="2">
+            <a:schemeClr val="accent1">
+              <a:shade val="50000"/>
+            </a:schemeClr>
+          </a:lnRef>
+          <a:fillRef idx="1">
+            <a:schemeClr val="accent1"/>
+          </a:fillRef>
+          <a:effectRef idx="0">
+            <a:schemeClr val="accent1"/>
+          </a:effectRef>
+          <a:fontRef idx="minor">
+            <a:schemeClr val="lt1"/>
+          </a:fontRef>
+        </p:style>
+        <p:txBody>
+          <a:bodyPr lIns="457200" tIns="91440"/>
+          <a:lstStyle/>
+          <a:p>
+            <a:pPr eaLnBrk="1" fontAlgn="auto" hangingPunct="1">
+              <a:spcBef>
+                <a:spcPts val="0"/>
+              </a:spcBef>
+              <a:spcAft>
+                <a:spcPts val="0"/>
+              </a:spcAft>
+              <a:defRPr/>
+            </a:pPr>
+            <a:r>
+              <a:rPr lang="en-US" sz="1200" b="1" dirty="0">
+                <a:solidFill>
+                  <a:sysClr val="windowText" lastClr="000000"/>
+                </a:solidFill>
+                <a:latin typeface="Arial" panose="020B0604020202020204" pitchFamily="34" charset="0"/>
+                <a:cs typeface="Arial" panose="020B0604020202020204" pitchFamily="34" charset="0"/>
+              </a:rPr>
+              <a:t>AWS</a:t>
+            </a:r>
+          </a:p>
+        </p:txBody>
+      </p:sp>
+      <p:pic>
+        <p:nvPicPr>
+          <p:cNvPr id="49" name="Graphic 20">
+            <a:extLst>
+              <a:ext uri="{FF2B5EF4-FFF2-40B4-BE49-F238E27FC236}">
+                <a16:creationId xmlns:a16="http://schemas.microsoft.com/office/drawing/2014/main" id="{A4325BE8-994A-14BD-223A-2FDB33C027B2}"/>
+              </a:ext>
+            </a:extLst>
+          </p:cNvPr>
+          <p:cNvPicPr>
+            <a:picLocks noChangeAspect="1" noChangeArrowheads="1"/>
+          </p:cNvPicPr>
+          <p:nvPr/>
+        </p:nvPicPr>
+        <p:blipFill>
+          <a:blip r:embed="rId3">
+            <a:extLst>
+              <a:ext uri="{28A0092B-C50C-407E-A947-70E740481C1C}">
+                <a14:useLocalDpi xmlns:a14="http://schemas.microsoft.com/office/drawing/2010/main" val="0"/>
+              </a:ext>
+            </a:extLst>
+          </a:blip>
+          <a:srcRect/>
+          <a:stretch>
+            <a:fillRect/>
+          </a:stretch>
+        </p:blipFill>
+        <p:spPr bwMode="auto">
+          <a:xfrm>
+            <a:off x="6030481" y="985546"/>
+            <a:ext cx="330200" cy="330200"/>
+          </a:xfrm>
+          <a:prstGeom prst="rect">
+            <a:avLst/>
+          </a:prstGeom>
+          <a:noFill/>
+          <a:ln>
+            <a:noFill/>
+          </a:ln>
+          <a:extLst>
+            <a:ext uri="{909E8E84-426E-40DD-AFC4-6F175D3DCCD1}">
+              <a14:hiddenFill xmlns:a14="http://schemas.microsoft.com/office/drawing/2010/main">
+                <a:solidFill>
+                  <a:srgbClr val="FFFFFF"/>
+                </a:solidFill>
+              </a14:hiddenFill>
+            </a:ext>
+            <a:ext uri="{91240B29-F687-4F45-9708-019B960494DF}">
+              <a14:hiddenLine xmlns:a14="http://schemas.microsoft.com/office/drawing/2010/main" w="9525">
+                <a:solidFill>
+                  <a:srgbClr val="000000"/>
+                </a:solidFill>
+                <a:miter lim="800000"/>
+                <a:headEnd/>
+                <a:tailEnd/>
+              </a14:hiddenLine>
+            </a:ext>
+          </a:extLst>
+        </p:spPr>
+      </p:pic>
+      <p:pic>
+        <p:nvPicPr>
+          <p:cNvPr id="50" name="Graphic 17">
+            <a:extLst>
+              <a:ext uri="{FF2B5EF4-FFF2-40B4-BE49-F238E27FC236}">
+                <a16:creationId xmlns:a16="http://schemas.microsoft.com/office/drawing/2014/main" id="{4C23C738-9039-9251-643A-1FF68B0E71C7}"/>
+              </a:ext>
+            </a:extLst>
+          </p:cNvPr>
+          <p:cNvPicPr>
+            <a:picLocks noChangeAspect="1" noChangeArrowheads="1"/>
+          </p:cNvPicPr>
+          <p:nvPr/>
+        </p:nvPicPr>
+        <p:blipFill>
+          <a:blip r:embed="rId4"/>
+          <a:srcRect/>
+          <a:stretch/>
+        </p:blipFill>
+        <p:spPr bwMode="auto">
+          <a:xfrm>
+            <a:off x="6589184" y="2788572"/>
+            <a:ext cx="540000" cy="540000"/>
+          </a:xfrm>
+          <a:prstGeom prst="rect">
+            <a:avLst/>
+          </a:prstGeom>
+          <a:noFill/>
+          <a:ln>
+            <a:noFill/>
+          </a:ln>
+          <a:extLst>
+            <a:ext uri="{909E8E84-426E-40DD-AFC4-6F175D3DCCD1}">
+              <a14:hiddenFill xmlns:a14="http://schemas.microsoft.com/office/drawing/2010/main">
+                <a:solidFill>
+                  <a:srgbClr val="FFFFFF"/>
+                </a:solidFill>
+              </a14:hiddenFill>
+            </a:ext>
+            <a:ext uri="{91240B29-F687-4F45-9708-019B960494DF}">
+              <a14:hiddenLine xmlns:a14="http://schemas.microsoft.com/office/drawing/2010/main" w="9525">
+                <a:solidFill>
+                  <a:srgbClr val="000000"/>
+                </a:solidFill>
+                <a:miter lim="800000"/>
+                <a:headEnd/>
+                <a:tailEnd/>
+              </a14:hiddenLine>
+            </a:ext>
+          </a:extLst>
+        </p:spPr>
+      </p:pic>
+      <p:pic>
+        <p:nvPicPr>
+          <p:cNvPr id="51" name="Graphic 10">
+            <a:extLst>
+              <a:ext uri="{FF2B5EF4-FFF2-40B4-BE49-F238E27FC236}">
+                <a16:creationId xmlns:a16="http://schemas.microsoft.com/office/drawing/2014/main" id="{76A261E5-AC7E-00FB-5B5B-8A92EDC82645}"/>
+              </a:ext>
+            </a:extLst>
+          </p:cNvPr>
+          <p:cNvPicPr>
+            <a:picLocks noChangeAspect="1" noChangeArrowheads="1"/>
+          </p:cNvPicPr>
+          <p:nvPr/>
+        </p:nvPicPr>
+        <p:blipFill>
+          <a:blip r:embed="rId5">
+            <a:extLst>
+              <a:ext uri="{28A0092B-C50C-407E-A947-70E740481C1C}">
+                <a14:useLocalDpi xmlns:a14="http://schemas.microsoft.com/office/drawing/2010/main" val="0"/>
+              </a:ext>
+            </a:extLst>
+          </a:blip>
+          <a:srcRect/>
+          <a:stretch>
+            <a:fillRect/>
+          </a:stretch>
+        </p:blipFill>
+        <p:spPr bwMode="auto">
+          <a:xfrm>
+            <a:off x="8539003" y="2788572"/>
+            <a:ext cx="540000" cy="540000"/>
+          </a:xfrm>
+          <a:prstGeom prst="rect">
+            <a:avLst/>
+          </a:prstGeom>
+          <a:noFill/>
+          <a:ln>
+            <a:noFill/>
+          </a:ln>
+          <a:extLst>
+            <a:ext uri="{909E8E84-426E-40DD-AFC4-6F175D3DCCD1}">
+              <a14:hiddenFill xmlns:a14="http://schemas.microsoft.com/office/drawing/2010/main">
+                <a:solidFill>
+                  <a:srgbClr val="FFFFFF"/>
+                </a:solidFill>
+              </a14:hiddenFill>
+            </a:ext>
+            <a:ext uri="{91240B29-F687-4F45-9708-019B960494DF}">
+              <a14:hiddenLine xmlns:a14="http://schemas.microsoft.com/office/drawing/2010/main" w="9525">
+                <a:solidFill>
+                  <a:srgbClr val="000000"/>
+                </a:solidFill>
+                <a:miter lim="800000"/>
+                <a:headEnd/>
+                <a:tailEnd/>
+              </a14:hiddenLine>
+            </a:ext>
+          </a:extLst>
+        </p:spPr>
+      </p:pic>
+      <p:cxnSp>
+        <p:nvCxnSpPr>
+          <p:cNvPr id="53" name="Straight Arrow Connector 52">
+            <a:extLst>
+              <a:ext uri="{FF2B5EF4-FFF2-40B4-BE49-F238E27FC236}">
+                <a16:creationId xmlns:a16="http://schemas.microsoft.com/office/drawing/2014/main" id="{E2FE1D6F-0445-B2AC-C736-8794C20E8B08}"/>
+              </a:ext>
+            </a:extLst>
+          </p:cNvPr>
+          <p:cNvCxnSpPr>
+            <a:cxnSpLocks/>
+            <a:stCxn id="44" idx="3"/>
+            <a:endCxn id="50" idx="1"/>
+          </p:cNvCxnSpPr>
+          <p:nvPr/>
+        </p:nvCxnSpPr>
+        <p:spPr>
+          <a:xfrm flipV="1">
+            <a:off x="4247853" y="3058572"/>
+            <a:ext cx="2341331" cy="1"/>
+          </a:xfrm>
+          <a:prstGeom prst="straightConnector1">
+            <a:avLst/>
+          </a:prstGeom>
+          <a:ln w="12700">
+            <a:solidFill>
+              <a:srgbClr val="FF0000"/>
+            </a:solidFill>
+            <a:headEnd type="arrow"/>
+            <a:tailEnd type="arrow"/>
+          </a:ln>
+        </p:spPr>
+        <p:style>
+          <a:lnRef idx="1">
+            <a:schemeClr val="accent1"/>
+          </a:lnRef>
+          <a:fillRef idx="0">
+            <a:schemeClr val="accent1"/>
+          </a:fillRef>
+          <a:effectRef idx="0">
+            <a:schemeClr val="accent1"/>
+          </a:effectRef>
+          <a:fontRef idx="minor">
+            <a:schemeClr val="tx1"/>
+          </a:fontRef>
+        </p:style>
+      </p:cxnSp>
+      <p:sp>
+        <p:nvSpPr>
+          <p:cNvPr id="55" name="TextBox 54">
+            <a:extLst>
+              <a:ext uri="{FF2B5EF4-FFF2-40B4-BE49-F238E27FC236}">
+                <a16:creationId xmlns:a16="http://schemas.microsoft.com/office/drawing/2014/main" id="{147BF8A1-578B-FCBA-DAA9-B7DC6B4C1A9C}"/>
+              </a:ext>
+            </a:extLst>
+          </p:cNvPr>
+          <p:cNvSpPr txBox="1"/>
+          <p:nvPr/>
+        </p:nvSpPr>
+        <p:spPr>
+          <a:xfrm>
+            <a:off x="6284816" y="3328571"/>
+            <a:ext cx="1148735" cy="246221"/>
+          </a:xfrm>
+          <a:prstGeom prst="rect">
+            <a:avLst/>
+          </a:prstGeom>
+          <a:noFill/>
+        </p:spPr>
+        <p:txBody>
+          <a:bodyPr wrap="square" rtlCol="0">
+            <a:spAutoFit/>
+          </a:bodyPr>
+          <a:lstStyle/>
+          <a:p>
+            <a:pPr algn="ctr"/>
+            <a:r>
+              <a:rPr lang="en-KR" sz="1000" b="1" dirty="0"/>
+              <a:t>AWS API Gateway</a:t>
+            </a:r>
+          </a:p>
+        </p:txBody>
+      </p:sp>
+      <p:cxnSp>
+        <p:nvCxnSpPr>
+          <p:cNvPr id="56" name="Straight Arrow Connector 55">
+            <a:extLst>
+              <a:ext uri="{FF2B5EF4-FFF2-40B4-BE49-F238E27FC236}">
+                <a16:creationId xmlns:a16="http://schemas.microsoft.com/office/drawing/2014/main" id="{39EAE254-9BFD-2713-4360-AF737D2E1146}"/>
+              </a:ext>
+            </a:extLst>
+          </p:cNvPr>
+          <p:cNvCxnSpPr>
+            <a:cxnSpLocks/>
+            <a:stCxn id="50" idx="3"/>
+            <a:endCxn id="51" idx="1"/>
+          </p:cNvCxnSpPr>
+          <p:nvPr/>
+        </p:nvCxnSpPr>
+        <p:spPr>
+          <a:xfrm>
+            <a:off x="7129184" y="3058572"/>
+            <a:ext cx="1409819" cy="0"/>
+          </a:xfrm>
+          <a:prstGeom prst="straightConnector1">
+            <a:avLst/>
+          </a:prstGeom>
+          <a:ln w="12700">
+            <a:solidFill>
+              <a:srgbClr val="FF0000"/>
+            </a:solidFill>
+            <a:headEnd type="arrow"/>
+            <a:tailEnd type="arrow"/>
+          </a:ln>
+        </p:spPr>
+        <p:style>
+          <a:lnRef idx="1">
+            <a:schemeClr val="accent1"/>
+          </a:lnRef>
+          <a:fillRef idx="0">
+            <a:schemeClr val="accent1"/>
+          </a:fillRef>
+          <a:effectRef idx="0">
+            <a:schemeClr val="accent1"/>
+          </a:effectRef>
+          <a:fontRef idx="minor">
+            <a:schemeClr val="tx1"/>
+          </a:fontRef>
+        </p:style>
+      </p:cxnSp>
+      <p:sp>
+        <p:nvSpPr>
+          <p:cNvPr id="59" name="TextBox 58">
+            <a:extLst>
+              <a:ext uri="{FF2B5EF4-FFF2-40B4-BE49-F238E27FC236}">
+                <a16:creationId xmlns:a16="http://schemas.microsoft.com/office/drawing/2014/main" id="{BE2FB1BF-17E4-2B8D-B3C7-7406301A01C9}"/>
+              </a:ext>
+            </a:extLst>
+          </p:cNvPr>
+          <p:cNvSpPr txBox="1"/>
+          <p:nvPr/>
+        </p:nvSpPr>
+        <p:spPr>
+          <a:xfrm>
+            <a:off x="8234636" y="3328571"/>
+            <a:ext cx="1148735" cy="400110"/>
+          </a:xfrm>
+          <a:prstGeom prst="rect">
+            <a:avLst/>
+          </a:prstGeom>
+          <a:noFill/>
+        </p:spPr>
+        <p:txBody>
+          <a:bodyPr wrap="square" rtlCol="0">
+            <a:spAutoFit/>
+          </a:bodyPr>
+          <a:lstStyle/>
+          <a:p>
+            <a:pPr algn="ctr"/>
+            <a:r>
+              <a:rPr lang="en-KR" sz="1000" b="1" i="1" dirty="0">
+                <a:solidFill>
+                  <a:schemeClr val="accent1"/>
+                </a:solidFill>
+              </a:rPr>
+              <a:t>AWS Lambda</a:t>
+            </a:r>
+            <a:br>
+              <a:rPr lang="en-KR" sz="1000" b="1" i="1" dirty="0">
+                <a:solidFill>
+                  <a:schemeClr val="accent1"/>
+                </a:solidFill>
+              </a:rPr>
+            </a:br>
+            <a:r>
+              <a:rPr lang="en-KR" sz="1000" b="1" i="1" dirty="0">
+                <a:solidFill>
+                  <a:schemeClr val="accent1"/>
+                </a:solidFill>
+              </a:rPr>
+              <a:t>(injeolmi)</a:t>
+            </a:r>
+          </a:p>
+        </p:txBody>
+      </p:sp>
+      <p:sp>
+        <p:nvSpPr>
+          <p:cNvPr id="60" name="TextBox 59">
+            <a:extLst>
+              <a:ext uri="{FF2B5EF4-FFF2-40B4-BE49-F238E27FC236}">
+                <a16:creationId xmlns:a16="http://schemas.microsoft.com/office/drawing/2014/main" id="{8B2AD1AB-D087-8A3F-1296-3DAE81001F46}"/>
+              </a:ext>
+            </a:extLst>
+          </p:cNvPr>
+          <p:cNvSpPr txBox="1"/>
+          <p:nvPr/>
+        </p:nvSpPr>
+        <p:spPr>
+          <a:xfrm>
+            <a:off x="2578785" y="3729345"/>
+            <a:ext cx="2108962" cy="246221"/>
+          </a:xfrm>
+          <a:prstGeom prst="rect">
+            <a:avLst/>
+          </a:prstGeom>
+          <a:noFill/>
+        </p:spPr>
+        <p:txBody>
+          <a:bodyPr wrap="square" rtlCol="0">
+            <a:spAutoFit/>
+          </a:bodyPr>
+          <a:lstStyle/>
+          <a:p>
+            <a:r>
+              <a:rPr lang="en-KR" sz="1000" b="1" dirty="0"/>
+              <a:t>CI/CD Pipeline</a:t>
+            </a:r>
+          </a:p>
+        </p:txBody>
+      </p:sp>
+      <p:sp>
+        <p:nvSpPr>
+          <p:cNvPr id="61" name="Rectangle 60">
+            <a:extLst>
+              <a:ext uri="{FF2B5EF4-FFF2-40B4-BE49-F238E27FC236}">
+                <a16:creationId xmlns:a16="http://schemas.microsoft.com/office/drawing/2014/main" id="{F5023A74-0A2B-EB9A-14AD-D69348162CDB}"/>
+              </a:ext>
+            </a:extLst>
+          </p:cNvPr>
+          <p:cNvSpPr/>
+          <p:nvPr/>
+        </p:nvSpPr>
+        <p:spPr>
+          <a:xfrm>
+            <a:off x="2578785" y="3730098"/>
+            <a:ext cx="2213133" cy="892305"/>
+          </a:xfrm>
+          <a:prstGeom prst="rect">
+            <a:avLst/>
+          </a:prstGeom>
+          <a:noFill/>
+          <a:ln w="12700">
+            <a:solidFill>
+              <a:schemeClr val="tx1"/>
+            </a:solidFill>
+            <a:prstDash val="solid"/>
+          </a:ln>
+        </p:spPr>
+        <p:style>
+          <a:lnRef idx="2">
+            <a:schemeClr val="accent1">
+              <a:shade val="50000"/>
+            </a:schemeClr>
+          </a:lnRef>
+          <a:fillRef idx="1">
+            <a:schemeClr val="accent1"/>
+          </a:fillRef>
+          <a:effectRef idx="0">
+            <a:schemeClr val="accent1"/>
+          </a:effectRef>
+          <a:fontRef idx="minor">
+            <a:schemeClr val="lt1"/>
+          </a:fontRef>
+        </p:style>
+        <p:txBody>
+          <a:bodyPr lIns="457200" tIns="91440"/>
+          <a:lstStyle/>
+          <a:p>
+            <a:pPr eaLnBrk="1" fontAlgn="auto" hangingPunct="1">
+              <a:spcBef>
+                <a:spcPts val="0"/>
+              </a:spcBef>
+              <a:spcAft>
+                <a:spcPts val="0"/>
+              </a:spcAft>
+              <a:defRPr/>
+            </a:pPr>
+            <a:endParaRPr lang="en-US" sz="1200" b="1" dirty="0">
+              <a:noFill/>
+              <a:latin typeface="Arial" panose="020B0604020202020204" pitchFamily="34" charset="0"/>
+              <a:cs typeface="Arial" panose="020B0604020202020204" pitchFamily="34" charset="0"/>
+            </a:endParaRPr>
+          </a:p>
+        </p:txBody>
+      </p:sp>
+      <p:sp>
+        <p:nvSpPr>
+          <p:cNvPr id="64" name="TextBox 63">
+            <a:extLst>
+              <a:ext uri="{FF2B5EF4-FFF2-40B4-BE49-F238E27FC236}">
+                <a16:creationId xmlns:a16="http://schemas.microsoft.com/office/drawing/2014/main" id="{FBBBEBCE-DB3B-3EC3-7EEC-6D55D447AADE}"/>
+              </a:ext>
+            </a:extLst>
+          </p:cNvPr>
+          <p:cNvSpPr txBox="1"/>
+          <p:nvPr/>
+        </p:nvSpPr>
+        <p:spPr>
+          <a:xfrm>
+            <a:off x="3058654" y="4048096"/>
+            <a:ext cx="1244250" cy="246221"/>
+          </a:xfrm>
+          <a:prstGeom prst="rect">
+            <a:avLst/>
+          </a:prstGeom>
+          <a:noFill/>
+        </p:spPr>
+        <p:txBody>
+          <a:bodyPr wrap="none" rtlCol="0">
+            <a:spAutoFit/>
+          </a:bodyPr>
+          <a:lstStyle/>
+          <a:p>
+            <a:pPr algn="ctr"/>
+            <a:r>
+              <a:rPr lang="en-US" sz="1000" b="1" i="1" dirty="0"/>
+              <a:t>Run B</a:t>
+            </a:r>
+            <a:r>
+              <a:rPr lang="en-KR" sz="1000" b="1" i="1" dirty="0"/>
+              <a:t>ranch pipeline</a:t>
+            </a:r>
+          </a:p>
+        </p:txBody>
+      </p:sp>
+      <p:cxnSp>
+        <p:nvCxnSpPr>
+          <p:cNvPr id="65" name="Straight Arrow Connector 64">
+            <a:extLst>
+              <a:ext uri="{FF2B5EF4-FFF2-40B4-BE49-F238E27FC236}">
+                <a16:creationId xmlns:a16="http://schemas.microsoft.com/office/drawing/2014/main" id="{3D064C8D-63D6-B06A-B819-5560FD4D3865}"/>
+              </a:ext>
+            </a:extLst>
+          </p:cNvPr>
+          <p:cNvCxnSpPr>
+            <a:cxnSpLocks/>
+            <a:stCxn id="59" idx="2"/>
+            <a:endCxn id="64" idx="3"/>
+          </p:cNvCxnSpPr>
+          <p:nvPr/>
+        </p:nvCxnSpPr>
+        <p:spPr>
+          <a:xfrm rot="5400000">
+            <a:off x="6334691" y="1696894"/>
+            <a:ext cx="442526" cy="4506100"/>
+          </a:xfrm>
+          <a:prstGeom prst="bentConnector2">
+            <a:avLst/>
+          </a:prstGeom>
+          <a:ln w="12700">
+            <a:solidFill>
+              <a:srgbClr val="FF0000"/>
+            </a:solidFill>
+            <a:tailEnd type="arrow"/>
+          </a:ln>
+        </p:spPr>
+        <p:style>
+          <a:lnRef idx="1">
+            <a:schemeClr val="accent1"/>
+          </a:lnRef>
+          <a:fillRef idx="0">
+            <a:schemeClr val="accent1"/>
+          </a:fillRef>
+          <a:effectRef idx="0">
+            <a:schemeClr val="accent1"/>
+          </a:effectRef>
+          <a:fontRef idx="minor">
+            <a:schemeClr val="tx1"/>
+          </a:fontRef>
+        </p:style>
+      </p:cxnSp>
+      <p:sp>
+        <p:nvSpPr>
+          <p:cNvPr id="72" name="TextBox 71">
+            <a:extLst>
+              <a:ext uri="{FF2B5EF4-FFF2-40B4-BE49-F238E27FC236}">
+                <a16:creationId xmlns:a16="http://schemas.microsoft.com/office/drawing/2014/main" id="{7ED205A1-1597-DED4-92FF-6627B003C37E}"/>
+              </a:ext>
+            </a:extLst>
+          </p:cNvPr>
+          <p:cNvSpPr txBox="1"/>
+          <p:nvPr/>
+        </p:nvSpPr>
+        <p:spPr>
+          <a:xfrm>
+            <a:off x="3680779" y="2414476"/>
+            <a:ext cx="1011816" cy="215444"/>
+          </a:xfrm>
+          <a:prstGeom prst="rect">
+            <a:avLst/>
+          </a:prstGeom>
+          <a:noFill/>
+        </p:spPr>
+        <p:txBody>
+          <a:bodyPr wrap="none" rtlCol="0">
+            <a:spAutoFit/>
+          </a:bodyPr>
+          <a:lstStyle/>
+          <a:p>
+            <a:pPr algn="ctr"/>
+            <a:r>
+              <a:rPr lang="en-US" sz="800" b="1" i="1" dirty="0">
+                <a:solidFill>
+                  <a:srgbClr val="FF0000"/>
+                </a:solidFill>
+              </a:rPr>
+              <a:t>2. Trigger webhook</a:t>
+            </a:r>
+            <a:endParaRPr lang="en-KR" sz="800" b="1" i="1" dirty="0">
+              <a:solidFill>
+                <a:srgbClr val="FF0000"/>
+              </a:solidFill>
+            </a:endParaRPr>
+          </a:p>
+        </p:txBody>
+      </p:sp>
+      <p:sp>
+        <p:nvSpPr>
+          <p:cNvPr id="73" name="TextBox 72">
+            <a:extLst>
+              <a:ext uri="{FF2B5EF4-FFF2-40B4-BE49-F238E27FC236}">
+                <a16:creationId xmlns:a16="http://schemas.microsoft.com/office/drawing/2014/main" id="{A40EF87E-BE08-3F1E-21B3-A50DFB36DE08}"/>
+              </a:ext>
+            </a:extLst>
+          </p:cNvPr>
+          <p:cNvSpPr txBox="1"/>
+          <p:nvPr/>
+        </p:nvSpPr>
+        <p:spPr>
+          <a:xfrm>
+            <a:off x="4925028" y="2841582"/>
+            <a:ext cx="941283" cy="215444"/>
+          </a:xfrm>
+          <a:prstGeom prst="rect">
+            <a:avLst/>
+          </a:prstGeom>
+          <a:noFill/>
+        </p:spPr>
+        <p:txBody>
+          <a:bodyPr wrap="none" rtlCol="0">
+            <a:spAutoFit/>
+          </a:bodyPr>
+          <a:lstStyle/>
+          <a:p>
+            <a:pPr algn="ctr"/>
+            <a:r>
+              <a:rPr lang="en-US" sz="800" b="1" i="1" dirty="0">
+                <a:solidFill>
+                  <a:srgbClr val="FF0000"/>
+                </a:solidFill>
+              </a:rPr>
+              <a:t>3. Send event info</a:t>
+            </a:r>
+            <a:endParaRPr lang="en-KR" sz="800" b="1" i="1" dirty="0">
+              <a:solidFill>
+                <a:srgbClr val="FF0000"/>
+              </a:solidFill>
+            </a:endParaRPr>
+          </a:p>
+        </p:txBody>
+      </p:sp>
+      <p:sp>
+        <p:nvSpPr>
+          <p:cNvPr id="74" name="TextBox 73">
+            <a:extLst>
+              <a:ext uri="{FF2B5EF4-FFF2-40B4-BE49-F238E27FC236}">
+                <a16:creationId xmlns:a16="http://schemas.microsoft.com/office/drawing/2014/main" id="{38832713-49BE-A3D2-A04C-A496B7DFD779}"/>
+              </a:ext>
+            </a:extLst>
+          </p:cNvPr>
+          <p:cNvSpPr txBox="1"/>
+          <p:nvPr/>
+        </p:nvSpPr>
+        <p:spPr>
+          <a:xfrm>
+            <a:off x="7348598" y="2841582"/>
+            <a:ext cx="960520" cy="215444"/>
+          </a:xfrm>
+          <a:prstGeom prst="rect">
+            <a:avLst/>
+          </a:prstGeom>
+          <a:noFill/>
+        </p:spPr>
+        <p:txBody>
+          <a:bodyPr wrap="none" rtlCol="0">
+            <a:spAutoFit/>
+          </a:bodyPr>
+          <a:lstStyle/>
+          <a:p>
+            <a:pPr algn="ctr"/>
+            <a:r>
+              <a:rPr lang="en-US" sz="800" b="1" i="1" dirty="0">
+                <a:solidFill>
+                  <a:srgbClr val="FF0000"/>
+                </a:solidFill>
+              </a:rPr>
+              <a:t>4. Execute lambda</a:t>
+            </a:r>
+            <a:endParaRPr lang="en-KR" sz="800" b="1" i="1" dirty="0">
+              <a:solidFill>
+                <a:srgbClr val="FF0000"/>
+              </a:solidFill>
+            </a:endParaRPr>
+          </a:p>
+        </p:txBody>
+      </p:sp>
+      <p:cxnSp>
+        <p:nvCxnSpPr>
+          <p:cNvPr id="80" name="Straight Arrow Connector 64">
+            <a:extLst>
+              <a:ext uri="{FF2B5EF4-FFF2-40B4-BE49-F238E27FC236}">
+                <a16:creationId xmlns:a16="http://schemas.microsoft.com/office/drawing/2014/main" id="{09E21461-3BA4-9E5F-CC50-3B2762841B05}"/>
+              </a:ext>
+            </a:extLst>
+          </p:cNvPr>
+          <p:cNvCxnSpPr>
+            <a:cxnSpLocks/>
+            <a:stCxn id="51" idx="0"/>
+            <a:endCxn id="24" idx="3"/>
+          </p:cNvCxnSpPr>
+          <p:nvPr/>
+        </p:nvCxnSpPr>
+        <p:spPr>
+          <a:xfrm rot="16200000" flipV="1">
+            <a:off x="6389760" y="369328"/>
+            <a:ext cx="821402" cy="4017085"/>
+          </a:xfrm>
+          <a:prstGeom prst="bentConnector2">
+            <a:avLst/>
+          </a:prstGeom>
+          <a:ln w="12700">
+            <a:solidFill>
+              <a:srgbClr val="FF0000"/>
+            </a:solidFill>
+            <a:tailEnd type="arrow"/>
+          </a:ln>
+        </p:spPr>
+        <p:style>
+          <a:lnRef idx="1">
+            <a:schemeClr val="accent1"/>
+          </a:lnRef>
+          <a:fillRef idx="0">
+            <a:schemeClr val="accent1"/>
+          </a:fillRef>
+          <a:effectRef idx="0">
+            <a:schemeClr val="accent1"/>
+          </a:effectRef>
+          <a:fontRef idx="minor">
+            <a:schemeClr val="tx1"/>
+          </a:fontRef>
+        </p:style>
+      </p:cxnSp>
+      <p:sp>
+        <p:nvSpPr>
+          <p:cNvPr id="83" name="TextBox 82">
+            <a:extLst>
+              <a:ext uri="{FF2B5EF4-FFF2-40B4-BE49-F238E27FC236}">
+                <a16:creationId xmlns:a16="http://schemas.microsoft.com/office/drawing/2014/main" id="{E171E0C3-432F-63E9-2432-4B8898E2CD26}"/>
+              </a:ext>
+            </a:extLst>
+          </p:cNvPr>
+          <p:cNvSpPr txBox="1"/>
+          <p:nvPr/>
+        </p:nvSpPr>
+        <p:spPr>
+          <a:xfrm>
+            <a:off x="4925028" y="1698715"/>
+            <a:ext cx="1019831" cy="215444"/>
+          </a:xfrm>
+          <a:prstGeom prst="rect">
+            <a:avLst/>
+          </a:prstGeom>
+          <a:noFill/>
+        </p:spPr>
+        <p:txBody>
+          <a:bodyPr wrap="none" rtlCol="0">
+            <a:spAutoFit/>
+          </a:bodyPr>
+          <a:lstStyle/>
+          <a:p>
+            <a:pPr algn="ctr"/>
+            <a:r>
+              <a:rPr lang="en-US" sz="800" b="1" i="1" dirty="0">
+                <a:solidFill>
+                  <a:srgbClr val="FF0000"/>
+                </a:solidFill>
+              </a:rPr>
+              <a:t>5-a. Input comment</a:t>
+            </a:r>
+            <a:endParaRPr lang="en-KR" sz="800" b="1" i="1" dirty="0">
+              <a:solidFill>
+                <a:srgbClr val="FF0000"/>
+              </a:solidFill>
+            </a:endParaRPr>
+          </a:p>
+        </p:txBody>
+      </p:sp>
+      <p:sp>
+        <p:nvSpPr>
+          <p:cNvPr id="84" name="TextBox 83">
+            <a:extLst>
+              <a:ext uri="{FF2B5EF4-FFF2-40B4-BE49-F238E27FC236}">
+                <a16:creationId xmlns:a16="http://schemas.microsoft.com/office/drawing/2014/main" id="{F231C2C7-E9CD-8A70-D870-28973B6BA1BA}"/>
+              </a:ext>
+            </a:extLst>
+          </p:cNvPr>
+          <p:cNvSpPr txBox="1"/>
+          <p:nvPr/>
+        </p:nvSpPr>
+        <p:spPr>
+          <a:xfrm>
+            <a:off x="4925028" y="3921156"/>
+            <a:ext cx="1220206" cy="215444"/>
+          </a:xfrm>
+          <a:prstGeom prst="rect">
+            <a:avLst/>
+          </a:prstGeom>
+          <a:noFill/>
+        </p:spPr>
+        <p:txBody>
+          <a:bodyPr wrap="none" rtlCol="0">
+            <a:spAutoFit/>
+          </a:bodyPr>
+          <a:lstStyle/>
+          <a:p>
+            <a:pPr algn="ctr"/>
+            <a:r>
+              <a:rPr lang="en-US" sz="800" b="1" i="1" dirty="0">
+                <a:solidFill>
+                  <a:srgbClr val="FF0000"/>
+                </a:solidFill>
+              </a:rPr>
+              <a:t>5-b. Run branch pipeline</a:t>
+            </a:r>
+            <a:endParaRPr lang="en-KR" sz="800" b="1" i="1" dirty="0">
+              <a:solidFill>
+                <a:srgbClr val="FF0000"/>
+              </a:solidFill>
+            </a:endParaRPr>
+          </a:p>
+        </p:txBody>
+      </p:sp>
+      <p:sp>
+        <p:nvSpPr>
+          <p:cNvPr id="95" name="TextBox 94">
+            <a:extLst>
+              <a:ext uri="{FF2B5EF4-FFF2-40B4-BE49-F238E27FC236}">
+                <a16:creationId xmlns:a16="http://schemas.microsoft.com/office/drawing/2014/main" id="{4FC2137E-6693-00DF-CB0E-6804E78D777F}"/>
+              </a:ext>
+            </a:extLst>
+          </p:cNvPr>
+          <p:cNvSpPr txBox="1"/>
+          <p:nvPr/>
+        </p:nvSpPr>
+        <p:spPr>
+          <a:xfrm>
+            <a:off x="7120176" y="3082351"/>
+            <a:ext cx="1417376" cy="215444"/>
+          </a:xfrm>
+          <a:prstGeom prst="rect">
+            <a:avLst/>
+          </a:prstGeom>
+          <a:noFill/>
+        </p:spPr>
+        <p:txBody>
+          <a:bodyPr wrap="none" rtlCol="0">
+            <a:spAutoFit/>
+          </a:bodyPr>
+          <a:lstStyle/>
+          <a:p>
+            <a:pPr algn="ctr"/>
+            <a:r>
+              <a:rPr lang="en-US" sz="800" b="1" i="1" dirty="0">
+                <a:solidFill>
+                  <a:srgbClr val="FF0000"/>
+                </a:solidFill>
+              </a:rPr>
+              <a:t>6. Send message, status code</a:t>
+            </a:r>
+            <a:endParaRPr lang="en-KR" sz="800" b="1" i="1" dirty="0">
+              <a:solidFill>
+                <a:srgbClr val="FF0000"/>
+              </a:solidFill>
+            </a:endParaRPr>
+          </a:p>
+        </p:txBody>
+      </p:sp>
+      <p:sp>
+        <p:nvSpPr>
+          <p:cNvPr id="96" name="TextBox 95">
+            <a:extLst>
+              <a:ext uri="{FF2B5EF4-FFF2-40B4-BE49-F238E27FC236}">
+                <a16:creationId xmlns:a16="http://schemas.microsoft.com/office/drawing/2014/main" id="{848238DC-0073-E255-A0EE-326BAE0BE6C7}"/>
+              </a:ext>
+            </a:extLst>
+          </p:cNvPr>
+          <p:cNvSpPr txBox="1"/>
+          <p:nvPr/>
+        </p:nvSpPr>
+        <p:spPr>
+          <a:xfrm>
+            <a:off x="4925028" y="3082351"/>
+            <a:ext cx="1417376" cy="215444"/>
+          </a:xfrm>
+          <a:prstGeom prst="rect">
+            <a:avLst/>
+          </a:prstGeom>
+          <a:noFill/>
+        </p:spPr>
+        <p:txBody>
+          <a:bodyPr wrap="none" rtlCol="0">
+            <a:spAutoFit/>
+          </a:bodyPr>
+          <a:lstStyle/>
+          <a:p>
+            <a:pPr algn="ctr"/>
+            <a:r>
+              <a:rPr lang="en-US" sz="800" b="1" i="1" dirty="0">
+                <a:solidFill>
+                  <a:srgbClr val="FF0000"/>
+                </a:solidFill>
+              </a:rPr>
+              <a:t>7. Send message, status code</a:t>
+            </a:r>
+            <a:endParaRPr lang="en-KR" sz="800" b="1" i="1" dirty="0">
+              <a:solidFill>
+                <a:srgbClr val="FF0000"/>
+              </a:solidFill>
+            </a:endParaRPr>
+          </a:p>
+        </p:txBody>
+      </p:sp>
+    </p:spTree>
+    <p:extLst>
+      <p:ext uri="{BB962C8B-B14F-4D97-AF65-F5344CB8AC3E}">
+        <p14:creationId xmlns:p14="http://schemas.microsoft.com/office/powerpoint/2010/main" val="791961279"/>
+      </p:ext>
+    </p:extLst>
+  </p:cSld>
+  <p:clrMapOvr>
+    <a:masterClrMapping/>
+  </p:clrMapOvr>
+</p:sld>
+</file>
+
+<file path=ppt/slides/slide3.xml><?xml version="1.0" encoding="utf-8"?>
+<p:sld xmlns:a="http://schemas.openxmlformats.org/drawingml/2006/main" xmlns:r="http://schemas.openxmlformats.org/officeDocument/2006/relationships" xmlns:p="http://schemas.openxmlformats.org/presentationml/2006/main">
+  <p:cSld>
+    <p:spTree>
+      <p:nvGrpSpPr>
+        <p:cNvPr id="1" name=""/>
+        <p:cNvGrpSpPr/>
+        <p:nvPr/>
+      </p:nvGrpSpPr>
+      <p:grpSpPr>
+        <a:xfrm>
+          <a:off x="0" y="0"/>
+          <a:ext cx="0" cy="0"/>
+          <a:chOff x="0" y="0"/>
+          <a:chExt cx="0" cy="0"/>
+        </a:xfrm>
+      </p:grpSpPr>
+      <p:sp>
+        <p:nvSpPr>
           <p:cNvPr id="4" name="Rectangle 3">
             <a:extLst>
               <a:ext uri="{FF2B5EF4-FFF2-40B4-BE49-F238E27FC236}">

--- a/.assets/arch.pptx
+++ b/.assets/arch.pptx
@@ -7,7 +7,8 @@
   <p:sldIdLst>
     <p:sldId id="256" r:id="rId2"/>
     <p:sldId id="258" r:id="rId3"/>
-    <p:sldId id="257" r:id="rId4"/>
+    <p:sldId id="259" r:id="rId4"/>
+    <p:sldId id="260" r:id="rId5"/>
   </p:sldIdLst>
   <p:sldSz cx="12192000" cy="6858000"/>
   <p:notesSz cx="6858000" cy="9144000"/>
@@ -263,7 +264,7 @@
           <a:p>
             <a:fld id="{B72D12BE-FF53-C240-89F4-1996E2D2E703}" type="datetimeFigureOut">
               <a:rPr lang="en-KR" smtClean="0"/>
-              <a:t>2022/05/06</a:t>
+              <a:t>2022/05/08</a:t>
             </a:fld>
             <a:endParaRPr lang="en-KR"/>
           </a:p>
@@ -463,7 +464,7 @@
           <a:p>
             <a:fld id="{B72D12BE-FF53-C240-89F4-1996E2D2E703}" type="datetimeFigureOut">
               <a:rPr lang="en-KR" smtClean="0"/>
-              <a:t>2022/05/06</a:t>
+              <a:t>2022/05/08</a:t>
             </a:fld>
             <a:endParaRPr lang="en-KR"/>
           </a:p>
@@ -673,7 +674,7 @@
           <a:p>
             <a:fld id="{B72D12BE-FF53-C240-89F4-1996E2D2E703}" type="datetimeFigureOut">
               <a:rPr lang="en-KR" smtClean="0"/>
-              <a:t>2022/05/06</a:t>
+              <a:t>2022/05/08</a:t>
             </a:fld>
             <a:endParaRPr lang="en-KR"/>
           </a:p>
@@ -873,7 +874,7 @@
           <a:p>
             <a:fld id="{B72D12BE-FF53-C240-89F4-1996E2D2E703}" type="datetimeFigureOut">
               <a:rPr lang="en-KR" smtClean="0"/>
-              <a:t>2022/05/06</a:t>
+              <a:t>2022/05/08</a:t>
             </a:fld>
             <a:endParaRPr lang="en-KR"/>
           </a:p>
@@ -1149,7 +1150,7 @@
           <a:p>
             <a:fld id="{B72D12BE-FF53-C240-89F4-1996E2D2E703}" type="datetimeFigureOut">
               <a:rPr lang="en-KR" smtClean="0"/>
-              <a:t>2022/05/06</a:t>
+              <a:t>2022/05/08</a:t>
             </a:fld>
             <a:endParaRPr lang="en-KR"/>
           </a:p>
@@ -1417,7 +1418,7 @@
           <a:p>
             <a:fld id="{B72D12BE-FF53-C240-89F4-1996E2D2E703}" type="datetimeFigureOut">
               <a:rPr lang="en-KR" smtClean="0"/>
-              <a:t>2022/05/06</a:t>
+              <a:t>2022/05/08</a:t>
             </a:fld>
             <a:endParaRPr lang="en-KR"/>
           </a:p>
@@ -1832,7 +1833,7 @@
           <a:p>
             <a:fld id="{B72D12BE-FF53-C240-89F4-1996E2D2E703}" type="datetimeFigureOut">
               <a:rPr lang="en-KR" smtClean="0"/>
-              <a:t>2022/05/06</a:t>
+              <a:t>2022/05/08</a:t>
             </a:fld>
             <a:endParaRPr lang="en-KR"/>
           </a:p>
@@ -1974,7 +1975,7 @@
           <a:p>
             <a:fld id="{B72D12BE-FF53-C240-89F4-1996E2D2E703}" type="datetimeFigureOut">
               <a:rPr lang="en-KR" smtClean="0"/>
-              <a:t>2022/05/06</a:t>
+              <a:t>2022/05/08</a:t>
             </a:fld>
             <a:endParaRPr lang="en-KR"/>
           </a:p>
@@ -2087,7 +2088,7 @@
           <a:p>
             <a:fld id="{B72D12BE-FF53-C240-89F4-1996E2D2E703}" type="datetimeFigureOut">
               <a:rPr lang="en-KR" smtClean="0"/>
-              <a:t>2022/05/06</a:t>
+              <a:t>2022/05/08</a:t>
             </a:fld>
             <a:endParaRPr lang="en-KR"/>
           </a:p>
@@ -2400,7 +2401,7 @@
           <a:p>
             <a:fld id="{B72D12BE-FF53-C240-89F4-1996E2D2E703}" type="datetimeFigureOut">
               <a:rPr lang="en-KR" smtClean="0"/>
-              <a:t>2022/05/06</a:t>
+              <a:t>2022/05/08</a:t>
             </a:fld>
             <a:endParaRPr lang="en-KR"/>
           </a:p>
@@ -2689,7 +2690,7 @@
           <a:p>
             <a:fld id="{B72D12BE-FF53-C240-89F4-1996E2D2E703}" type="datetimeFigureOut">
               <a:rPr lang="en-KR" smtClean="0"/>
-              <a:t>2022/05/06</a:t>
+              <a:t>2022/05/08</a:t>
             </a:fld>
             <a:endParaRPr lang="en-KR"/>
           </a:p>
@@ -2932,7 +2933,7 @@
           <a:p>
             <a:fld id="{B72D12BE-FF53-C240-89F4-1996E2D2E703}" type="datetimeFigureOut">
               <a:rPr lang="en-KR" smtClean="0"/>
-              <a:t>2022/05/06</a:t>
+              <a:t>2022/05/08</a:t>
             </a:fld>
             <a:endParaRPr lang="en-KR"/>
           </a:p>
@@ -5953,10 +5954,10 @@
       </p:grpSpPr>
       <p:sp>
         <p:nvSpPr>
-          <p:cNvPr id="4" name="Rectangle 3">
-            <a:extLst>
-              <a:ext uri="{FF2B5EF4-FFF2-40B4-BE49-F238E27FC236}">
-                <a16:creationId xmlns:a16="http://schemas.microsoft.com/office/drawing/2014/main" id="{56483D64-2B7A-9F24-E8B3-8CF493AADBC5}"/>
+          <p:cNvPr id="143" name="Rectangle 142">
+            <a:extLst>
+              <a:ext uri="{FF2B5EF4-FFF2-40B4-BE49-F238E27FC236}">
+                <a16:creationId xmlns:a16="http://schemas.microsoft.com/office/drawing/2014/main" id="{A79F9D7E-B0E0-30AD-0E40-6BB29D19A532}"/>
               </a:ext>
             </a:extLst>
           </p:cNvPr>
@@ -5965,17 +5966,20 @@
         </p:nvSpPr>
         <p:spPr>
           <a:xfrm>
-            <a:off x="4149833" y="951679"/>
-            <a:ext cx="1698531" cy="3030007"/>
+            <a:off x="1856975" y="1054891"/>
+            <a:ext cx="4073904" cy="3898764"/>
           </a:xfrm>
           <a:prstGeom prst="rect">
             <a:avLst/>
           </a:prstGeom>
-          <a:noFill/>
+          <a:solidFill>
+            <a:schemeClr val="accent2">
+              <a:alpha val="17809"/>
+            </a:schemeClr>
+          </a:solidFill>
           <a:ln w="12700">
-            <a:solidFill>
-              <a:schemeClr val="tx1"/>
-            </a:solidFill>
+            <a:noFill/>
+            <a:prstDash val="solid"/>
           </a:ln>
         </p:spPr>
         <p:style>
@@ -6007,25 +6011,2568 @@
               </a:spcAft>
               <a:defRPr/>
             </a:pPr>
-            <a:r>
-              <a:rPr lang="en-US" sz="1200" b="1" dirty="0">
+            <a:endParaRPr lang="en-US" sz="1200" b="1" dirty="0">
+              <a:noFill/>
+              <a:latin typeface="Arial" panose="020B0604020202020204" pitchFamily="34" charset="0"/>
+              <a:cs typeface="Arial" panose="020B0604020202020204" pitchFamily="34" charset="0"/>
+            </a:endParaRPr>
+          </a:p>
+        </p:txBody>
+      </p:sp>
+      <p:sp>
+        <p:nvSpPr>
+          <p:cNvPr id="32" name="TextBox 31">
+            <a:extLst>
+              <a:ext uri="{FF2B5EF4-FFF2-40B4-BE49-F238E27FC236}">
+                <a16:creationId xmlns:a16="http://schemas.microsoft.com/office/drawing/2014/main" id="{1D45A107-A77E-E1BE-A0EF-3294DB72A79A}"/>
+              </a:ext>
+            </a:extLst>
+          </p:cNvPr>
+          <p:cNvSpPr txBox="1"/>
+          <p:nvPr/>
+        </p:nvSpPr>
+        <p:spPr>
+          <a:xfrm>
+            <a:off x="1978461" y="1401880"/>
+            <a:ext cx="2108962" cy="246221"/>
+          </a:xfrm>
+          <a:prstGeom prst="rect">
+            <a:avLst/>
+          </a:prstGeom>
+          <a:noFill/>
+        </p:spPr>
+        <p:txBody>
+          <a:bodyPr wrap="square" rtlCol="0">
+            <a:spAutoFit/>
+          </a:bodyPr>
+          <a:lstStyle/>
+          <a:p>
+            <a:r>
+              <a:rPr lang="en-KR" sz="1000" b="1" dirty="0"/>
+              <a:t>Merge Request (feature </a:t>
+            </a:r>
+            <a:r>
+              <a:rPr lang="en-KR" sz="800" b="1" dirty="0">
+                <a:sym typeface="Wingdings" pitchFamily="2" charset="2"/>
+              </a:rPr>
+              <a:t></a:t>
+            </a:r>
+            <a:r>
+              <a:rPr lang="en-KR" sz="1000" b="1" dirty="0">
+                <a:sym typeface="Wingdings" pitchFamily="2" charset="2"/>
+              </a:rPr>
+              <a:t> master)</a:t>
+            </a:r>
+            <a:endParaRPr lang="en-KR" sz="1000" b="1" dirty="0"/>
+          </a:p>
+        </p:txBody>
+      </p:sp>
+      <p:sp>
+        <p:nvSpPr>
+          <p:cNvPr id="24" name="Rectangle 23">
+            <a:extLst>
+              <a:ext uri="{FF2B5EF4-FFF2-40B4-BE49-F238E27FC236}">
+                <a16:creationId xmlns:a16="http://schemas.microsoft.com/office/drawing/2014/main" id="{5D8725BA-4A1B-A073-CEBE-A51215F1AD18}"/>
+              </a:ext>
+            </a:extLst>
+          </p:cNvPr>
+          <p:cNvSpPr/>
+          <p:nvPr/>
+        </p:nvSpPr>
+        <p:spPr>
+          <a:xfrm>
+            <a:off x="1978461" y="1402634"/>
+            <a:ext cx="2384524" cy="1292858"/>
+          </a:xfrm>
+          <a:prstGeom prst="rect">
+            <a:avLst/>
+          </a:prstGeom>
+          <a:noFill/>
+          <a:ln w="12700">
+            <a:solidFill>
+              <a:schemeClr val="tx1"/>
+            </a:solidFill>
+            <a:prstDash val="solid"/>
+          </a:ln>
+        </p:spPr>
+        <p:style>
+          <a:lnRef idx="2">
+            <a:schemeClr val="accent1">
+              <a:shade val="50000"/>
+            </a:schemeClr>
+          </a:lnRef>
+          <a:fillRef idx="1">
+            <a:schemeClr val="accent1"/>
+          </a:fillRef>
+          <a:effectRef idx="0">
+            <a:schemeClr val="accent1"/>
+          </a:effectRef>
+          <a:fontRef idx="minor">
+            <a:schemeClr val="lt1"/>
+          </a:fontRef>
+        </p:style>
+        <p:txBody>
+          <a:bodyPr lIns="457200" tIns="91440"/>
+          <a:lstStyle/>
+          <a:p>
+            <a:pPr eaLnBrk="1" fontAlgn="auto" hangingPunct="1">
+              <a:spcBef>
+                <a:spcPts val="0"/>
+              </a:spcBef>
+              <a:spcAft>
+                <a:spcPts val="0"/>
+              </a:spcAft>
+              <a:defRPr/>
+            </a:pPr>
+            <a:endParaRPr lang="en-US" sz="1200" b="1" dirty="0">
+              <a:noFill/>
+              <a:latin typeface="Arial" panose="020B0604020202020204" pitchFamily="34" charset="0"/>
+              <a:cs typeface="Arial" panose="020B0604020202020204" pitchFamily="34" charset="0"/>
+            </a:endParaRPr>
+          </a:p>
+        </p:txBody>
+      </p:sp>
+      <p:sp>
+        <p:nvSpPr>
+          <p:cNvPr id="30" name="TextBox 29">
+            <a:extLst>
+              <a:ext uri="{FF2B5EF4-FFF2-40B4-BE49-F238E27FC236}">
+                <a16:creationId xmlns:a16="http://schemas.microsoft.com/office/drawing/2014/main" id="{E993841C-B8B5-0A04-A9EB-A29DD2F5D155}"/>
+              </a:ext>
+            </a:extLst>
+          </p:cNvPr>
+          <p:cNvSpPr txBox="1"/>
+          <p:nvPr/>
+        </p:nvSpPr>
+        <p:spPr>
+          <a:xfrm>
+            <a:off x="2178056" y="1985437"/>
+            <a:ext cx="1957828" cy="215444"/>
+          </a:xfrm>
+          <a:prstGeom prst="rect">
+            <a:avLst/>
+          </a:prstGeom>
+          <a:noFill/>
+          <a:ln cap="rnd">
+            <a:solidFill>
+              <a:schemeClr val="tx1"/>
+            </a:solidFill>
+            <a:bevel/>
+            <a:extLst>
+              <a:ext uri="{C807C97D-BFC1-408E-A445-0C87EB9F89A2}">
+                <ask:lineSketchStyleProps xmlns:ask="http://schemas.microsoft.com/office/drawing/2018/sketchyshapes" sd="1219033472">
+                  <a:custGeom>
+                    <a:avLst/>
+                    <a:gdLst>
+                      <a:gd name="connsiteX0" fmla="*/ 0 w 1879700"/>
+                      <a:gd name="connsiteY0" fmla="*/ 0 h 215444"/>
+                      <a:gd name="connsiteX1" fmla="*/ 451128 w 1879700"/>
+                      <a:gd name="connsiteY1" fmla="*/ 0 h 215444"/>
+                      <a:gd name="connsiteX2" fmla="*/ 864662 w 1879700"/>
+                      <a:gd name="connsiteY2" fmla="*/ 0 h 215444"/>
+                      <a:gd name="connsiteX3" fmla="*/ 1372181 w 1879700"/>
+                      <a:gd name="connsiteY3" fmla="*/ 0 h 215444"/>
+                      <a:gd name="connsiteX4" fmla="*/ 1879700 w 1879700"/>
+                      <a:gd name="connsiteY4" fmla="*/ 0 h 215444"/>
+                      <a:gd name="connsiteX5" fmla="*/ 1879700 w 1879700"/>
+                      <a:gd name="connsiteY5" fmla="*/ 215444 h 215444"/>
+                      <a:gd name="connsiteX6" fmla="*/ 1447369 w 1879700"/>
+                      <a:gd name="connsiteY6" fmla="*/ 215444 h 215444"/>
+                      <a:gd name="connsiteX7" fmla="*/ 1015038 w 1879700"/>
+                      <a:gd name="connsiteY7" fmla="*/ 215444 h 215444"/>
+                      <a:gd name="connsiteX8" fmla="*/ 507519 w 1879700"/>
+                      <a:gd name="connsiteY8" fmla="*/ 215444 h 215444"/>
+                      <a:gd name="connsiteX9" fmla="*/ 0 w 1879700"/>
+                      <a:gd name="connsiteY9" fmla="*/ 215444 h 215444"/>
+                      <a:gd name="connsiteX10" fmla="*/ 0 w 1879700"/>
+                      <a:gd name="connsiteY10" fmla="*/ 0 h 215444"/>
+                    </a:gdLst>
+                    <a:ahLst/>
+                    <a:cxnLst>
+                      <a:cxn ang="0">
+                        <a:pos x="connsiteX0" y="connsiteY0"/>
+                      </a:cxn>
+                      <a:cxn ang="0">
+                        <a:pos x="connsiteX1" y="connsiteY1"/>
+                      </a:cxn>
+                      <a:cxn ang="0">
+                        <a:pos x="connsiteX2" y="connsiteY2"/>
+                      </a:cxn>
+                      <a:cxn ang="0">
+                        <a:pos x="connsiteX3" y="connsiteY3"/>
+                      </a:cxn>
+                      <a:cxn ang="0">
+                        <a:pos x="connsiteX4" y="connsiteY4"/>
+                      </a:cxn>
+                      <a:cxn ang="0">
+                        <a:pos x="connsiteX5" y="connsiteY5"/>
+                      </a:cxn>
+                      <a:cxn ang="0">
+                        <a:pos x="connsiteX6" y="connsiteY6"/>
+                      </a:cxn>
+                      <a:cxn ang="0">
+                        <a:pos x="connsiteX7" y="connsiteY7"/>
+                      </a:cxn>
+                      <a:cxn ang="0">
+                        <a:pos x="connsiteX8" y="connsiteY8"/>
+                      </a:cxn>
+                      <a:cxn ang="0">
+                        <a:pos x="connsiteX9" y="connsiteY9"/>
+                      </a:cxn>
+                      <a:cxn ang="0">
+                        <a:pos x="connsiteX10" y="connsiteY10"/>
+                      </a:cxn>
+                    </a:cxnLst>
+                    <a:rect l="l" t="t" r="r" b="b"/>
+                    <a:pathLst>
+                      <a:path w="1879700" h="215444" extrusionOk="0">
+                        <a:moveTo>
+                          <a:pt x="0" y="0"/>
+                        </a:moveTo>
+                        <a:cubicBezTo>
+                          <a:pt x="144942" y="-577"/>
+                          <a:pt x="318370" y="3267"/>
+                          <a:pt x="451128" y="0"/>
+                        </a:cubicBezTo>
+                        <a:cubicBezTo>
+                          <a:pt x="583886" y="-3267"/>
+                          <a:pt x="742478" y="29300"/>
+                          <a:pt x="864662" y="0"/>
+                        </a:cubicBezTo>
+                        <a:cubicBezTo>
+                          <a:pt x="986846" y="-29300"/>
+                          <a:pt x="1197216" y="23725"/>
+                          <a:pt x="1372181" y="0"/>
+                        </a:cubicBezTo>
+                        <a:cubicBezTo>
+                          <a:pt x="1547146" y="-23725"/>
+                          <a:pt x="1680517" y="31914"/>
+                          <a:pt x="1879700" y="0"/>
+                        </a:cubicBezTo>
+                        <a:cubicBezTo>
+                          <a:pt x="1882440" y="70980"/>
+                          <a:pt x="1862355" y="144352"/>
+                          <a:pt x="1879700" y="215444"/>
+                        </a:cubicBezTo>
+                        <a:cubicBezTo>
+                          <a:pt x="1771231" y="256425"/>
+                          <a:pt x="1622159" y="164623"/>
+                          <a:pt x="1447369" y="215444"/>
+                        </a:cubicBezTo>
+                        <a:cubicBezTo>
+                          <a:pt x="1272579" y="266265"/>
+                          <a:pt x="1176959" y="179090"/>
+                          <a:pt x="1015038" y="215444"/>
+                        </a:cubicBezTo>
+                        <a:cubicBezTo>
+                          <a:pt x="853117" y="251798"/>
+                          <a:pt x="695042" y="169593"/>
+                          <a:pt x="507519" y="215444"/>
+                        </a:cubicBezTo>
+                        <a:cubicBezTo>
+                          <a:pt x="319996" y="261295"/>
+                          <a:pt x="221599" y="194491"/>
+                          <a:pt x="0" y="215444"/>
+                        </a:cubicBezTo>
+                        <a:cubicBezTo>
+                          <a:pt x="-22738" y="124398"/>
+                          <a:pt x="1890" y="63076"/>
+                          <a:pt x="0" y="0"/>
+                        </a:cubicBezTo>
+                        <a:close/>
+                      </a:path>
+                    </a:pathLst>
+                  </a:custGeom>
+                  <ask:type>
+                    <ask:lineSketchNone/>
+                  </ask:type>
+                </ask:lineSketchStyleProps>
+              </a:ext>
+            </a:extLst>
+          </a:ln>
+        </p:spPr>
+        <p:txBody>
+          <a:bodyPr wrap="square" rtlCol="0" anchor="ctr">
+            <a:spAutoFit/>
+          </a:bodyPr>
+          <a:lstStyle/>
+          <a:p>
+            <a:r>
+              <a:rPr lang="en-US" sz="800" i="1" dirty="0" err="1"/>
+              <a:t>injeolmi</a:t>
+            </a:r>
+            <a:r>
+              <a:rPr lang="en-US" sz="800" i="1" dirty="0"/>
+              <a:t> start /app/dev</a:t>
+            </a:r>
+            <a:endParaRPr lang="en-KR" sz="800" i="1" dirty="0"/>
+          </a:p>
+        </p:txBody>
+      </p:sp>
+      <p:sp>
+        <p:nvSpPr>
+          <p:cNvPr id="3" name="TextBox 2">
+            <a:extLst>
+              <a:ext uri="{FF2B5EF4-FFF2-40B4-BE49-F238E27FC236}">
+                <a16:creationId xmlns:a16="http://schemas.microsoft.com/office/drawing/2014/main" id="{BE2FE653-18C5-5B1E-C5E8-22F0FB158C69}"/>
+              </a:ext>
+            </a:extLst>
+          </p:cNvPr>
+          <p:cNvSpPr txBox="1"/>
+          <p:nvPr/>
+        </p:nvSpPr>
+        <p:spPr>
+          <a:xfrm>
+            <a:off x="2095413" y="1744403"/>
+            <a:ext cx="736099" cy="246221"/>
+          </a:xfrm>
+          <a:prstGeom prst="rect">
+            <a:avLst/>
+          </a:prstGeom>
+          <a:noFill/>
+        </p:spPr>
+        <p:txBody>
+          <a:bodyPr wrap="square" rtlCol="0">
+            <a:spAutoFit/>
+          </a:bodyPr>
+          <a:lstStyle/>
+          <a:p>
+            <a:r>
+              <a:rPr lang="en-KR" sz="1000" b="1" i="1"/>
+              <a:t>comments</a:t>
+            </a:r>
+          </a:p>
+        </p:txBody>
+      </p:sp>
+      <p:sp>
+        <p:nvSpPr>
+          <p:cNvPr id="40" name="TextBox 39">
+            <a:extLst>
+              <a:ext uri="{FF2B5EF4-FFF2-40B4-BE49-F238E27FC236}">
+                <a16:creationId xmlns:a16="http://schemas.microsoft.com/office/drawing/2014/main" id="{D06FCBBD-D7D3-BA79-87D7-DAD1F1970640}"/>
+              </a:ext>
+            </a:extLst>
+          </p:cNvPr>
+          <p:cNvSpPr txBox="1"/>
+          <p:nvPr/>
+        </p:nvSpPr>
+        <p:spPr>
+          <a:xfrm>
+            <a:off x="2178056" y="2268688"/>
+            <a:ext cx="1957828" cy="215444"/>
+          </a:xfrm>
+          <a:prstGeom prst="rect">
+            <a:avLst/>
+          </a:prstGeom>
+          <a:noFill/>
+          <a:ln cap="rnd">
+            <a:solidFill>
+              <a:schemeClr val="tx1"/>
+            </a:solidFill>
+            <a:bevel/>
+          </a:ln>
+        </p:spPr>
+        <p:txBody>
+          <a:bodyPr wrap="square" rtlCol="0" anchor="ctr">
+            <a:spAutoFit/>
+          </a:bodyPr>
+          <a:lstStyle/>
+          <a:p>
+            <a:r>
+              <a:rPr lang="en-US" sz="800" b="1" i="1" dirty="0">
                 <a:solidFill>
-                  <a:sysClr val="windowText" lastClr="000000"/>
+                  <a:srgbClr val="0070C0"/>
                 </a:solidFill>
-                <a:latin typeface="Arial" panose="020B0604020202020204" pitchFamily="34" charset="0"/>
-                <a:cs typeface="Arial" panose="020B0604020202020204" pitchFamily="34" charset="0"/>
               </a:rPr>
-              <a:t>AWS</a:t>
-            </a:r>
-          </a:p>
-        </p:txBody>
-      </p:sp>
+              <a:t>[injeolmi] Success to pipeline (/app/dev)</a:t>
+            </a:r>
+            <a:endParaRPr lang="en-KR" sz="800" b="1" i="1" dirty="0">
+              <a:solidFill>
+                <a:srgbClr val="0070C0"/>
+              </a:solidFill>
+            </a:endParaRPr>
+          </a:p>
+        </p:txBody>
+      </p:sp>
+      <p:sp>
+        <p:nvSpPr>
+          <p:cNvPr id="4" name="Rectangle 3">
+            <a:extLst>
+              <a:ext uri="{FF2B5EF4-FFF2-40B4-BE49-F238E27FC236}">
+                <a16:creationId xmlns:a16="http://schemas.microsoft.com/office/drawing/2014/main" id="{B8075E31-7D91-3215-4B2E-6E747DC66110}"/>
+              </a:ext>
+            </a:extLst>
+          </p:cNvPr>
+          <p:cNvSpPr/>
+          <p:nvPr/>
+        </p:nvSpPr>
+        <p:spPr>
+          <a:xfrm>
+            <a:off x="2095413" y="1748367"/>
+            <a:ext cx="2108962" cy="835808"/>
+          </a:xfrm>
+          <a:custGeom>
+            <a:avLst/>
+            <a:gdLst>
+              <a:gd name="connsiteX0" fmla="*/ 0 w 2108962"/>
+              <a:gd name="connsiteY0" fmla="*/ 0 h 835808"/>
+              <a:gd name="connsiteX1" fmla="*/ 506151 w 2108962"/>
+              <a:gd name="connsiteY1" fmla="*/ 0 h 835808"/>
+              <a:gd name="connsiteX2" fmla="*/ 970123 w 2108962"/>
+              <a:gd name="connsiteY2" fmla="*/ 0 h 835808"/>
+              <a:gd name="connsiteX3" fmla="*/ 1539542 w 2108962"/>
+              <a:gd name="connsiteY3" fmla="*/ 0 h 835808"/>
+              <a:gd name="connsiteX4" fmla="*/ 2108962 w 2108962"/>
+              <a:gd name="connsiteY4" fmla="*/ 0 h 835808"/>
+              <a:gd name="connsiteX5" fmla="*/ 2108962 w 2108962"/>
+              <a:gd name="connsiteY5" fmla="*/ 409546 h 835808"/>
+              <a:gd name="connsiteX6" fmla="*/ 2108962 w 2108962"/>
+              <a:gd name="connsiteY6" fmla="*/ 835808 h 835808"/>
+              <a:gd name="connsiteX7" fmla="*/ 1581722 w 2108962"/>
+              <a:gd name="connsiteY7" fmla="*/ 835808 h 835808"/>
+              <a:gd name="connsiteX8" fmla="*/ 1012302 w 2108962"/>
+              <a:gd name="connsiteY8" fmla="*/ 835808 h 835808"/>
+              <a:gd name="connsiteX9" fmla="*/ 548330 w 2108962"/>
+              <a:gd name="connsiteY9" fmla="*/ 835808 h 835808"/>
+              <a:gd name="connsiteX10" fmla="*/ 0 w 2108962"/>
+              <a:gd name="connsiteY10" fmla="*/ 835808 h 835808"/>
+              <a:gd name="connsiteX11" fmla="*/ 0 w 2108962"/>
+              <a:gd name="connsiteY11" fmla="*/ 417904 h 835808"/>
+              <a:gd name="connsiteX12" fmla="*/ 0 w 2108962"/>
+              <a:gd name="connsiteY12" fmla="*/ 0 h 835808"/>
+            </a:gdLst>
+            <a:ahLst/>
+            <a:cxnLst>
+              <a:cxn ang="0">
+                <a:pos x="connsiteX0" y="connsiteY0"/>
+              </a:cxn>
+              <a:cxn ang="0">
+                <a:pos x="connsiteX1" y="connsiteY1"/>
+              </a:cxn>
+              <a:cxn ang="0">
+                <a:pos x="connsiteX2" y="connsiteY2"/>
+              </a:cxn>
+              <a:cxn ang="0">
+                <a:pos x="connsiteX3" y="connsiteY3"/>
+              </a:cxn>
+              <a:cxn ang="0">
+                <a:pos x="connsiteX4" y="connsiteY4"/>
+              </a:cxn>
+              <a:cxn ang="0">
+                <a:pos x="connsiteX5" y="connsiteY5"/>
+              </a:cxn>
+              <a:cxn ang="0">
+                <a:pos x="connsiteX6" y="connsiteY6"/>
+              </a:cxn>
+              <a:cxn ang="0">
+                <a:pos x="connsiteX7" y="connsiteY7"/>
+              </a:cxn>
+              <a:cxn ang="0">
+                <a:pos x="connsiteX8" y="connsiteY8"/>
+              </a:cxn>
+              <a:cxn ang="0">
+                <a:pos x="connsiteX9" y="connsiteY9"/>
+              </a:cxn>
+              <a:cxn ang="0">
+                <a:pos x="connsiteX10" y="connsiteY10"/>
+              </a:cxn>
+              <a:cxn ang="0">
+                <a:pos x="connsiteX11" y="connsiteY11"/>
+              </a:cxn>
+              <a:cxn ang="0">
+                <a:pos x="connsiteX12" y="connsiteY12"/>
+              </a:cxn>
+            </a:cxnLst>
+            <a:rect l="l" t="t" r="r" b="b"/>
+            <a:pathLst>
+              <a:path w="2108962" h="835808" extrusionOk="0">
+                <a:moveTo>
+                  <a:pt x="0" y="0"/>
+                </a:moveTo>
+                <a:cubicBezTo>
+                  <a:pt x="128828" y="-43297"/>
+                  <a:pt x="373068" y="44872"/>
+                  <a:pt x="506151" y="0"/>
+                </a:cubicBezTo>
+                <a:cubicBezTo>
+                  <a:pt x="639234" y="-44872"/>
+                  <a:pt x="867843" y="22824"/>
+                  <a:pt x="970123" y="0"/>
+                </a:cubicBezTo>
+                <a:cubicBezTo>
+                  <a:pt x="1072403" y="-22824"/>
+                  <a:pt x="1363000" y="38789"/>
+                  <a:pt x="1539542" y="0"/>
+                </a:cubicBezTo>
+                <a:cubicBezTo>
+                  <a:pt x="1716084" y="-38789"/>
+                  <a:pt x="1877145" y="30271"/>
+                  <a:pt x="2108962" y="0"/>
+                </a:cubicBezTo>
+                <a:cubicBezTo>
+                  <a:pt x="2113281" y="84347"/>
+                  <a:pt x="2104265" y="256900"/>
+                  <a:pt x="2108962" y="409546"/>
+                </a:cubicBezTo>
+                <a:cubicBezTo>
+                  <a:pt x="2113659" y="562192"/>
+                  <a:pt x="2090690" y="742694"/>
+                  <a:pt x="2108962" y="835808"/>
+                </a:cubicBezTo>
+                <a:cubicBezTo>
+                  <a:pt x="1903437" y="839210"/>
+                  <a:pt x="1737766" y="819350"/>
+                  <a:pt x="1581722" y="835808"/>
+                </a:cubicBezTo>
+                <a:cubicBezTo>
+                  <a:pt x="1425678" y="852266"/>
+                  <a:pt x="1194112" y="830575"/>
+                  <a:pt x="1012302" y="835808"/>
+                </a:cubicBezTo>
+                <a:cubicBezTo>
+                  <a:pt x="830492" y="841041"/>
+                  <a:pt x="709645" y="816294"/>
+                  <a:pt x="548330" y="835808"/>
+                </a:cubicBezTo>
+                <a:cubicBezTo>
+                  <a:pt x="387015" y="855322"/>
+                  <a:pt x="119016" y="791782"/>
+                  <a:pt x="0" y="835808"/>
+                </a:cubicBezTo>
+                <a:cubicBezTo>
+                  <a:pt x="-39588" y="744684"/>
+                  <a:pt x="6818" y="596490"/>
+                  <a:pt x="0" y="417904"/>
+                </a:cubicBezTo>
+                <a:cubicBezTo>
+                  <a:pt x="-6818" y="239318"/>
+                  <a:pt x="37604" y="206354"/>
+                  <a:pt x="0" y="0"/>
+                </a:cubicBezTo>
+                <a:close/>
+              </a:path>
+            </a:pathLst>
+          </a:custGeom>
+          <a:noFill/>
+          <a:ln>
+            <a:solidFill>
+              <a:schemeClr val="tx1"/>
+            </a:solidFill>
+            <a:extLst>
+              <a:ext uri="{C807C97D-BFC1-408E-A445-0C87EB9F89A2}">
+                <ask:lineSketchStyleProps xmlns:ask="http://schemas.microsoft.com/office/drawing/2018/sketchyshapes" sd="1219033472">
+                  <a:prstGeom prst="rect">
+                    <a:avLst/>
+                  </a:prstGeom>
+                  <ask:type>
+                    <ask:lineSketchScribble/>
+                  </ask:type>
+                </ask:lineSketchStyleProps>
+              </a:ext>
+            </a:extLst>
+          </a:ln>
+        </p:spPr>
+        <p:style>
+          <a:lnRef idx="2">
+            <a:schemeClr val="accent1">
+              <a:shade val="50000"/>
+            </a:schemeClr>
+          </a:lnRef>
+          <a:fillRef idx="1">
+            <a:schemeClr val="accent1"/>
+          </a:fillRef>
+          <a:effectRef idx="0">
+            <a:schemeClr val="accent1"/>
+          </a:effectRef>
+          <a:fontRef idx="minor">
+            <a:schemeClr val="lt1"/>
+          </a:fontRef>
+        </p:style>
+        <p:txBody>
+          <a:bodyPr rtlCol="0" anchor="ctr"/>
+          <a:lstStyle/>
+          <a:p>
+            <a:pPr algn="ctr"/>
+            <a:endParaRPr lang="en-KR"/>
+          </a:p>
+        </p:txBody>
+      </p:sp>
+      <p:sp>
+        <p:nvSpPr>
+          <p:cNvPr id="67" name="TextBox 66">
+            <a:extLst>
+              <a:ext uri="{FF2B5EF4-FFF2-40B4-BE49-F238E27FC236}">
+                <a16:creationId xmlns:a16="http://schemas.microsoft.com/office/drawing/2014/main" id="{342B008C-AEA4-B615-AFAD-EE669FD4BA7F}"/>
+              </a:ext>
+            </a:extLst>
+          </p:cNvPr>
+          <p:cNvSpPr txBox="1"/>
+          <p:nvPr/>
+        </p:nvSpPr>
+        <p:spPr>
+          <a:xfrm>
+            <a:off x="1978461" y="2945139"/>
+            <a:ext cx="2108962" cy="246221"/>
+          </a:xfrm>
+          <a:prstGeom prst="rect">
+            <a:avLst/>
+          </a:prstGeom>
+          <a:noFill/>
+        </p:spPr>
+        <p:txBody>
+          <a:bodyPr wrap="square" rtlCol="0">
+            <a:spAutoFit/>
+          </a:bodyPr>
+          <a:lstStyle/>
+          <a:p>
+            <a:r>
+              <a:rPr lang="en-KR" sz="1000" b="1" dirty="0"/>
+              <a:t>CI/CD Pipelines</a:t>
+            </a:r>
+          </a:p>
+        </p:txBody>
+      </p:sp>
+      <p:sp>
+        <p:nvSpPr>
+          <p:cNvPr id="68" name="Rectangle 67">
+            <a:extLst>
+              <a:ext uri="{FF2B5EF4-FFF2-40B4-BE49-F238E27FC236}">
+                <a16:creationId xmlns:a16="http://schemas.microsoft.com/office/drawing/2014/main" id="{C19F47B6-1521-B2A5-4462-4558AAEC93C4}"/>
+              </a:ext>
+            </a:extLst>
+          </p:cNvPr>
+          <p:cNvSpPr/>
+          <p:nvPr/>
+        </p:nvSpPr>
+        <p:spPr>
+          <a:xfrm>
+            <a:off x="1978461" y="2945892"/>
+            <a:ext cx="2384524" cy="1888501"/>
+          </a:xfrm>
+          <a:prstGeom prst="rect">
+            <a:avLst/>
+          </a:prstGeom>
+          <a:noFill/>
+          <a:ln w="12700">
+            <a:solidFill>
+              <a:schemeClr val="tx1"/>
+            </a:solidFill>
+            <a:prstDash val="solid"/>
+          </a:ln>
+        </p:spPr>
+        <p:style>
+          <a:lnRef idx="2">
+            <a:schemeClr val="accent1">
+              <a:shade val="50000"/>
+            </a:schemeClr>
+          </a:lnRef>
+          <a:fillRef idx="1">
+            <a:schemeClr val="accent1"/>
+          </a:fillRef>
+          <a:effectRef idx="0">
+            <a:schemeClr val="accent1"/>
+          </a:effectRef>
+          <a:fontRef idx="minor">
+            <a:schemeClr val="lt1"/>
+          </a:fontRef>
+        </p:style>
+        <p:txBody>
+          <a:bodyPr lIns="457200" tIns="91440"/>
+          <a:lstStyle/>
+          <a:p>
+            <a:pPr eaLnBrk="1" fontAlgn="auto" hangingPunct="1">
+              <a:spcBef>
+                <a:spcPts val="0"/>
+              </a:spcBef>
+              <a:spcAft>
+                <a:spcPts val="0"/>
+              </a:spcAft>
+              <a:defRPr/>
+            </a:pPr>
+            <a:endParaRPr lang="en-US" sz="1200" b="1" dirty="0">
+              <a:noFill/>
+              <a:latin typeface="Arial" panose="020B0604020202020204" pitchFamily="34" charset="0"/>
+              <a:cs typeface="Arial" panose="020B0604020202020204" pitchFamily="34" charset="0"/>
+            </a:endParaRPr>
+          </a:p>
+        </p:txBody>
+      </p:sp>
+      <p:sp>
+        <p:nvSpPr>
+          <p:cNvPr id="70" name="TextBox 69">
+            <a:extLst>
+              <a:ext uri="{FF2B5EF4-FFF2-40B4-BE49-F238E27FC236}">
+                <a16:creationId xmlns:a16="http://schemas.microsoft.com/office/drawing/2014/main" id="{341C98B4-B669-4E50-43E3-E3029CA13357}"/>
+              </a:ext>
+            </a:extLst>
+          </p:cNvPr>
+          <p:cNvSpPr txBox="1"/>
+          <p:nvPr/>
+        </p:nvSpPr>
+        <p:spPr>
+          <a:xfrm>
+            <a:off x="2095413" y="3287662"/>
+            <a:ext cx="1283891" cy="246221"/>
+          </a:xfrm>
+          <a:prstGeom prst="rect">
+            <a:avLst/>
+          </a:prstGeom>
+          <a:noFill/>
+        </p:spPr>
+        <p:txBody>
+          <a:bodyPr wrap="square" rtlCol="0">
+            <a:spAutoFit/>
+          </a:bodyPr>
+          <a:lstStyle/>
+          <a:p>
+            <a:r>
+              <a:rPr lang="en-KR" sz="1000" b="1" i="1"/>
+              <a:t>branch </a:t>
+            </a:r>
+            <a:r>
+              <a:rPr lang="en-US" sz="1000" b="1" i="1"/>
+              <a:t>p</a:t>
+            </a:r>
+            <a:r>
+              <a:rPr lang="en-KR" sz="1000" b="1" i="1"/>
+              <a:t>ipeline</a:t>
+            </a:r>
+          </a:p>
+        </p:txBody>
+      </p:sp>
+      <p:sp>
+        <p:nvSpPr>
+          <p:cNvPr id="75" name="Rectangle 74">
+            <a:extLst>
+              <a:ext uri="{FF2B5EF4-FFF2-40B4-BE49-F238E27FC236}">
+                <a16:creationId xmlns:a16="http://schemas.microsoft.com/office/drawing/2014/main" id="{35EAE3F1-7AB7-426A-C761-F7037268A427}"/>
+              </a:ext>
+            </a:extLst>
+          </p:cNvPr>
+          <p:cNvSpPr/>
+          <p:nvPr/>
+        </p:nvSpPr>
+        <p:spPr>
+          <a:xfrm>
+            <a:off x="2095413" y="3291626"/>
+            <a:ext cx="2108962" cy="1431450"/>
+          </a:xfrm>
+          <a:custGeom>
+            <a:avLst/>
+            <a:gdLst>
+              <a:gd name="connsiteX0" fmla="*/ 0 w 2108962"/>
+              <a:gd name="connsiteY0" fmla="*/ 0 h 1431450"/>
+              <a:gd name="connsiteX1" fmla="*/ 506151 w 2108962"/>
+              <a:gd name="connsiteY1" fmla="*/ 0 h 1431450"/>
+              <a:gd name="connsiteX2" fmla="*/ 970123 w 2108962"/>
+              <a:gd name="connsiteY2" fmla="*/ 0 h 1431450"/>
+              <a:gd name="connsiteX3" fmla="*/ 1539542 w 2108962"/>
+              <a:gd name="connsiteY3" fmla="*/ 0 h 1431450"/>
+              <a:gd name="connsiteX4" fmla="*/ 2108962 w 2108962"/>
+              <a:gd name="connsiteY4" fmla="*/ 0 h 1431450"/>
+              <a:gd name="connsiteX5" fmla="*/ 2108962 w 2108962"/>
+              <a:gd name="connsiteY5" fmla="*/ 462835 h 1431450"/>
+              <a:gd name="connsiteX6" fmla="*/ 2108962 w 2108962"/>
+              <a:gd name="connsiteY6" fmla="*/ 911356 h 1431450"/>
+              <a:gd name="connsiteX7" fmla="*/ 2108962 w 2108962"/>
+              <a:gd name="connsiteY7" fmla="*/ 1431450 h 1431450"/>
+              <a:gd name="connsiteX8" fmla="*/ 1581722 w 2108962"/>
+              <a:gd name="connsiteY8" fmla="*/ 1431450 h 1431450"/>
+              <a:gd name="connsiteX9" fmla="*/ 1117750 w 2108962"/>
+              <a:gd name="connsiteY9" fmla="*/ 1431450 h 1431450"/>
+              <a:gd name="connsiteX10" fmla="*/ 590509 w 2108962"/>
+              <a:gd name="connsiteY10" fmla="*/ 1431450 h 1431450"/>
+              <a:gd name="connsiteX11" fmla="*/ 0 w 2108962"/>
+              <a:gd name="connsiteY11" fmla="*/ 1431450 h 1431450"/>
+              <a:gd name="connsiteX12" fmla="*/ 0 w 2108962"/>
+              <a:gd name="connsiteY12" fmla="*/ 968615 h 1431450"/>
+              <a:gd name="connsiteX13" fmla="*/ 0 w 2108962"/>
+              <a:gd name="connsiteY13" fmla="*/ 505779 h 1431450"/>
+              <a:gd name="connsiteX14" fmla="*/ 0 w 2108962"/>
+              <a:gd name="connsiteY14" fmla="*/ 0 h 1431450"/>
+            </a:gdLst>
+            <a:ahLst/>
+            <a:cxnLst>
+              <a:cxn ang="0">
+                <a:pos x="connsiteX0" y="connsiteY0"/>
+              </a:cxn>
+              <a:cxn ang="0">
+                <a:pos x="connsiteX1" y="connsiteY1"/>
+              </a:cxn>
+              <a:cxn ang="0">
+                <a:pos x="connsiteX2" y="connsiteY2"/>
+              </a:cxn>
+              <a:cxn ang="0">
+                <a:pos x="connsiteX3" y="connsiteY3"/>
+              </a:cxn>
+              <a:cxn ang="0">
+                <a:pos x="connsiteX4" y="connsiteY4"/>
+              </a:cxn>
+              <a:cxn ang="0">
+                <a:pos x="connsiteX5" y="connsiteY5"/>
+              </a:cxn>
+              <a:cxn ang="0">
+                <a:pos x="connsiteX6" y="connsiteY6"/>
+              </a:cxn>
+              <a:cxn ang="0">
+                <a:pos x="connsiteX7" y="connsiteY7"/>
+              </a:cxn>
+              <a:cxn ang="0">
+                <a:pos x="connsiteX8" y="connsiteY8"/>
+              </a:cxn>
+              <a:cxn ang="0">
+                <a:pos x="connsiteX9" y="connsiteY9"/>
+              </a:cxn>
+              <a:cxn ang="0">
+                <a:pos x="connsiteX10" y="connsiteY10"/>
+              </a:cxn>
+              <a:cxn ang="0">
+                <a:pos x="connsiteX11" y="connsiteY11"/>
+              </a:cxn>
+              <a:cxn ang="0">
+                <a:pos x="connsiteX12" y="connsiteY12"/>
+              </a:cxn>
+              <a:cxn ang="0">
+                <a:pos x="connsiteX13" y="connsiteY13"/>
+              </a:cxn>
+              <a:cxn ang="0">
+                <a:pos x="connsiteX14" y="connsiteY14"/>
+              </a:cxn>
+            </a:cxnLst>
+            <a:rect l="l" t="t" r="r" b="b"/>
+            <a:pathLst>
+              <a:path w="2108962" h="1431450" extrusionOk="0">
+                <a:moveTo>
+                  <a:pt x="0" y="0"/>
+                </a:moveTo>
+                <a:cubicBezTo>
+                  <a:pt x="128828" y="-43297"/>
+                  <a:pt x="373068" y="44872"/>
+                  <a:pt x="506151" y="0"/>
+                </a:cubicBezTo>
+                <a:cubicBezTo>
+                  <a:pt x="639234" y="-44872"/>
+                  <a:pt x="867843" y="22824"/>
+                  <a:pt x="970123" y="0"/>
+                </a:cubicBezTo>
+                <a:cubicBezTo>
+                  <a:pt x="1072403" y="-22824"/>
+                  <a:pt x="1363000" y="38789"/>
+                  <a:pt x="1539542" y="0"/>
+                </a:cubicBezTo>
+                <a:cubicBezTo>
+                  <a:pt x="1716084" y="-38789"/>
+                  <a:pt x="1877145" y="30271"/>
+                  <a:pt x="2108962" y="0"/>
+                </a:cubicBezTo>
+                <a:cubicBezTo>
+                  <a:pt x="2159233" y="217305"/>
+                  <a:pt x="2075736" y="341589"/>
+                  <a:pt x="2108962" y="462835"/>
+                </a:cubicBezTo>
+                <a:cubicBezTo>
+                  <a:pt x="2142188" y="584081"/>
+                  <a:pt x="2084149" y="714612"/>
+                  <a:pt x="2108962" y="911356"/>
+                </a:cubicBezTo>
+                <a:cubicBezTo>
+                  <a:pt x="2133775" y="1108100"/>
+                  <a:pt x="2079263" y="1205297"/>
+                  <a:pt x="2108962" y="1431450"/>
+                </a:cubicBezTo>
+                <a:cubicBezTo>
+                  <a:pt x="1930181" y="1434063"/>
+                  <a:pt x="1817594" y="1406905"/>
+                  <a:pt x="1581722" y="1431450"/>
+                </a:cubicBezTo>
+                <a:cubicBezTo>
+                  <a:pt x="1345850" y="1455995"/>
+                  <a:pt x="1279065" y="1411936"/>
+                  <a:pt x="1117750" y="1431450"/>
+                </a:cubicBezTo>
+                <a:cubicBezTo>
+                  <a:pt x="956435" y="1450964"/>
+                  <a:pt x="826756" y="1401000"/>
+                  <a:pt x="590509" y="1431450"/>
+                </a:cubicBezTo>
+                <a:cubicBezTo>
+                  <a:pt x="354262" y="1461900"/>
+                  <a:pt x="140220" y="1406828"/>
+                  <a:pt x="0" y="1431450"/>
+                </a:cubicBezTo>
+                <a:cubicBezTo>
+                  <a:pt x="-16963" y="1319890"/>
+                  <a:pt x="16065" y="1150196"/>
+                  <a:pt x="0" y="968615"/>
+                </a:cubicBezTo>
+                <a:cubicBezTo>
+                  <a:pt x="-16065" y="787034"/>
+                  <a:pt x="51940" y="608090"/>
+                  <a:pt x="0" y="505779"/>
+                </a:cubicBezTo>
+                <a:cubicBezTo>
+                  <a:pt x="-51940" y="403468"/>
+                  <a:pt x="33710" y="177045"/>
+                  <a:pt x="0" y="0"/>
+                </a:cubicBezTo>
+                <a:close/>
+              </a:path>
+            </a:pathLst>
+          </a:custGeom>
+          <a:noFill/>
+          <a:ln>
+            <a:solidFill>
+              <a:schemeClr val="tx1"/>
+            </a:solidFill>
+            <a:extLst>
+              <a:ext uri="{C807C97D-BFC1-408E-A445-0C87EB9F89A2}">
+                <ask:lineSketchStyleProps xmlns:ask="http://schemas.microsoft.com/office/drawing/2018/sketchyshapes" sd="1219033472">
+                  <a:prstGeom prst="rect">
+                    <a:avLst/>
+                  </a:prstGeom>
+                  <ask:type>
+                    <ask:lineSketchScribble/>
+                  </ask:type>
+                </ask:lineSketchStyleProps>
+              </a:ext>
+            </a:extLst>
+          </a:ln>
+        </p:spPr>
+        <p:style>
+          <a:lnRef idx="2">
+            <a:schemeClr val="accent1">
+              <a:shade val="50000"/>
+            </a:schemeClr>
+          </a:lnRef>
+          <a:fillRef idx="1">
+            <a:schemeClr val="accent1"/>
+          </a:fillRef>
+          <a:effectRef idx="0">
+            <a:schemeClr val="accent1"/>
+          </a:effectRef>
+          <a:fontRef idx="minor">
+            <a:schemeClr val="lt1"/>
+          </a:fontRef>
+        </p:style>
+        <p:txBody>
+          <a:bodyPr rtlCol="0" anchor="ctr"/>
+          <a:lstStyle/>
+          <a:p>
+            <a:pPr algn="ctr"/>
+            <a:endParaRPr lang="en-KR"/>
+          </a:p>
+        </p:txBody>
+      </p:sp>
+      <p:sp>
+        <p:nvSpPr>
+          <p:cNvPr id="76" name="TextBox 75">
+            <a:extLst>
+              <a:ext uri="{FF2B5EF4-FFF2-40B4-BE49-F238E27FC236}">
+                <a16:creationId xmlns:a16="http://schemas.microsoft.com/office/drawing/2014/main" id="{CAF1C999-FB3A-AAA2-E147-AC7EA05AD23D}"/>
+              </a:ext>
+            </a:extLst>
+          </p:cNvPr>
+          <p:cNvSpPr txBox="1"/>
+          <p:nvPr/>
+        </p:nvSpPr>
+        <p:spPr>
+          <a:xfrm>
+            <a:off x="2301069" y="4270307"/>
+            <a:ext cx="526883" cy="215444"/>
+          </a:xfrm>
+          <a:prstGeom prst="rect">
+            <a:avLst/>
+          </a:prstGeom>
+          <a:noFill/>
+          <a:ln cap="rnd">
+            <a:solidFill>
+              <a:schemeClr val="tx1"/>
+            </a:solidFill>
+            <a:bevel/>
+            <a:extLst>
+              <a:ext uri="{C807C97D-BFC1-408E-A445-0C87EB9F89A2}">
+                <ask:lineSketchStyleProps xmlns:ask="http://schemas.microsoft.com/office/drawing/2018/sketchyshapes" sd="1219033472">
+                  <a:custGeom>
+                    <a:avLst/>
+                    <a:gdLst>
+                      <a:gd name="connsiteX0" fmla="*/ 0 w 1879700"/>
+                      <a:gd name="connsiteY0" fmla="*/ 0 h 215444"/>
+                      <a:gd name="connsiteX1" fmla="*/ 451128 w 1879700"/>
+                      <a:gd name="connsiteY1" fmla="*/ 0 h 215444"/>
+                      <a:gd name="connsiteX2" fmla="*/ 864662 w 1879700"/>
+                      <a:gd name="connsiteY2" fmla="*/ 0 h 215444"/>
+                      <a:gd name="connsiteX3" fmla="*/ 1372181 w 1879700"/>
+                      <a:gd name="connsiteY3" fmla="*/ 0 h 215444"/>
+                      <a:gd name="connsiteX4" fmla="*/ 1879700 w 1879700"/>
+                      <a:gd name="connsiteY4" fmla="*/ 0 h 215444"/>
+                      <a:gd name="connsiteX5" fmla="*/ 1879700 w 1879700"/>
+                      <a:gd name="connsiteY5" fmla="*/ 215444 h 215444"/>
+                      <a:gd name="connsiteX6" fmla="*/ 1447369 w 1879700"/>
+                      <a:gd name="connsiteY6" fmla="*/ 215444 h 215444"/>
+                      <a:gd name="connsiteX7" fmla="*/ 1015038 w 1879700"/>
+                      <a:gd name="connsiteY7" fmla="*/ 215444 h 215444"/>
+                      <a:gd name="connsiteX8" fmla="*/ 507519 w 1879700"/>
+                      <a:gd name="connsiteY8" fmla="*/ 215444 h 215444"/>
+                      <a:gd name="connsiteX9" fmla="*/ 0 w 1879700"/>
+                      <a:gd name="connsiteY9" fmla="*/ 215444 h 215444"/>
+                      <a:gd name="connsiteX10" fmla="*/ 0 w 1879700"/>
+                      <a:gd name="connsiteY10" fmla="*/ 0 h 215444"/>
+                    </a:gdLst>
+                    <a:ahLst/>
+                    <a:cxnLst>
+                      <a:cxn ang="0">
+                        <a:pos x="connsiteX0" y="connsiteY0"/>
+                      </a:cxn>
+                      <a:cxn ang="0">
+                        <a:pos x="connsiteX1" y="connsiteY1"/>
+                      </a:cxn>
+                      <a:cxn ang="0">
+                        <a:pos x="connsiteX2" y="connsiteY2"/>
+                      </a:cxn>
+                      <a:cxn ang="0">
+                        <a:pos x="connsiteX3" y="connsiteY3"/>
+                      </a:cxn>
+                      <a:cxn ang="0">
+                        <a:pos x="connsiteX4" y="connsiteY4"/>
+                      </a:cxn>
+                      <a:cxn ang="0">
+                        <a:pos x="connsiteX5" y="connsiteY5"/>
+                      </a:cxn>
+                      <a:cxn ang="0">
+                        <a:pos x="connsiteX6" y="connsiteY6"/>
+                      </a:cxn>
+                      <a:cxn ang="0">
+                        <a:pos x="connsiteX7" y="connsiteY7"/>
+                      </a:cxn>
+                      <a:cxn ang="0">
+                        <a:pos x="connsiteX8" y="connsiteY8"/>
+                      </a:cxn>
+                      <a:cxn ang="0">
+                        <a:pos x="connsiteX9" y="connsiteY9"/>
+                      </a:cxn>
+                      <a:cxn ang="0">
+                        <a:pos x="connsiteX10" y="connsiteY10"/>
+                      </a:cxn>
+                    </a:cxnLst>
+                    <a:rect l="l" t="t" r="r" b="b"/>
+                    <a:pathLst>
+                      <a:path w="1879700" h="215444" extrusionOk="0">
+                        <a:moveTo>
+                          <a:pt x="0" y="0"/>
+                        </a:moveTo>
+                        <a:cubicBezTo>
+                          <a:pt x="144942" y="-577"/>
+                          <a:pt x="318370" y="3267"/>
+                          <a:pt x="451128" y="0"/>
+                        </a:cubicBezTo>
+                        <a:cubicBezTo>
+                          <a:pt x="583886" y="-3267"/>
+                          <a:pt x="742478" y="29300"/>
+                          <a:pt x="864662" y="0"/>
+                        </a:cubicBezTo>
+                        <a:cubicBezTo>
+                          <a:pt x="986846" y="-29300"/>
+                          <a:pt x="1197216" y="23725"/>
+                          <a:pt x="1372181" y="0"/>
+                        </a:cubicBezTo>
+                        <a:cubicBezTo>
+                          <a:pt x="1547146" y="-23725"/>
+                          <a:pt x="1680517" y="31914"/>
+                          <a:pt x="1879700" y="0"/>
+                        </a:cubicBezTo>
+                        <a:cubicBezTo>
+                          <a:pt x="1882440" y="70980"/>
+                          <a:pt x="1862355" y="144352"/>
+                          <a:pt x="1879700" y="215444"/>
+                        </a:cubicBezTo>
+                        <a:cubicBezTo>
+                          <a:pt x="1771231" y="256425"/>
+                          <a:pt x="1622159" y="164623"/>
+                          <a:pt x="1447369" y="215444"/>
+                        </a:cubicBezTo>
+                        <a:cubicBezTo>
+                          <a:pt x="1272579" y="266265"/>
+                          <a:pt x="1176959" y="179090"/>
+                          <a:pt x="1015038" y="215444"/>
+                        </a:cubicBezTo>
+                        <a:cubicBezTo>
+                          <a:pt x="853117" y="251798"/>
+                          <a:pt x="695042" y="169593"/>
+                          <a:pt x="507519" y="215444"/>
+                        </a:cubicBezTo>
+                        <a:cubicBezTo>
+                          <a:pt x="319996" y="261295"/>
+                          <a:pt x="221599" y="194491"/>
+                          <a:pt x="0" y="215444"/>
+                        </a:cubicBezTo>
+                        <a:cubicBezTo>
+                          <a:pt x="-22738" y="124398"/>
+                          <a:pt x="1890" y="63076"/>
+                          <a:pt x="0" y="0"/>
+                        </a:cubicBezTo>
+                        <a:close/>
+                      </a:path>
+                    </a:pathLst>
+                  </a:custGeom>
+                  <ask:type>
+                    <ask:lineSketchNone/>
+                  </ask:type>
+                </ask:lineSketchStyleProps>
+              </a:ext>
+            </a:extLst>
+          </a:ln>
+        </p:spPr>
+        <p:txBody>
+          <a:bodyPr wrap="square" rtlCol="0" anchor="ctr">
+            <a:spAutoFit/>
+          </a:bodyPr>
+          <a:lstStyle/>
+          <a:p>
+            <a:pPr algn="ctr"/>
+            <a:r>
+              <a:rPr lang="en-US" sz="800" i="1" dirty="0" err="1"/>
+              <a:t>validate</a:t>
+            </a:r>
+            <a:endParaRPr lang="en-KR" sz="800" i="1" dirty="0"/>
+          </a:p>
+        </p:txBody>
+      </p:sp>
+      <p:sp>
+        <p:nvSpPr>
+          <p:cNvPr id="78" name="TextBox 77">
+            <a:extLst>
+              <a:ext uri="{FF2B5EF4-FFF2-40B4-BE49-F238E27FC236}">
+                <a16:creationId xmlns:a16="http://schemas.microsoft.com/office/drawing/2014/main" id="{3C57FEAC-8098-AB91-368C-9498FEE957A7}"/>
+              </a:ext>
+            </a:extLst>
+          </p:cNvPr>
+          <p:cNvSpPr txBox="1"/>
+          <p:nvPr/>
+        </p:nvSpPr>
+        <p:spPr>
+          <a:xfrm>
+            <a:off x="2902026" y="4270307"/>
+            <a:ext cx="526883" cy="215444"/>
+          </a:xfrm>
+          <a:prstGeom prst="rect">
+            <a:avLst/>
+          </a:prstGeom>
+          <a:noFill/>
+          <a:ln cap="rnd">
+            <a:solidFill>
+              <a:schemeClr val="tx1"/>
+            </a:solidFill>
+            <a:bevel/>
+            <a:extLst>
+              <a:ext uri="{C807C97D-BFC1-408E-A445-0C87EB9F89A2}">
+                <ask:lineSketchStyleProps xmlns:ask="http://schemas.microsoft.com/office/drawing/2018/sketchyshapes" sd="1219033472">
+                  <a:custGeom>
+                    <a:avLst/>
+                    <a:gdLst>
+                      <a:gd name="connsiteX0" fmla="*/ 0 w 1879700"/>
+                      <a:gd name="connsiteY0" fmla="*/ 0 h 215444"/>
+                      <a:gd name="connsiteX1" fmla="*/ 451128 w 1879700"/>
+                      <a:gd name="connsiteY1" fmla="*/ 0 h 215444"/>
+                      <a:gd name="connsiteX2" fmla="*/ 864662 w 1879700"/>
+                      <a:gd name="connsiteY2" fmla="*/ 0 h 215444"/>
+                      <a:gd name="connsiteX3" fmla="*/ 1372181 w 1879700"/>
+                      <a:gd name="connsiteY3" fmla="*/ 0 h 215444"/>
+                      <a:gd name="connsiteX4" fmla="*/ 1879700 w 1879700"/>
+                      <a:gd name="connsiteY4" fmla="*/ 0 h 215444"/>
+                      <a:gd name="connsiteX5" fmla="*/ 1879700 w 1879700"/>
+                      <a:gd name="connsiteY5" fmla="*/ 215444 h 215444"/>
+                      <a:gd name="connsiteX6" fmla="*/ 1447369 w 1879700"/>
+                      <a:gd name="connsiteY6" fmla="*/ 215444 h 215444"/>
+                      <a:gd name="connsiteX7" fmla="*/ 1015038 w 1879700"/>
+                      <a:gd name="connsiteY7" fmla="*/ 215444 h 215444"/>
+                      <a:gd name="connsiteX8" fmla="*/ 507519 w 1879700"/>
+                      <a:gd name="connsiteY8" fmla="*/ 215444 h 215444"/>
+                      <a:gd name="connsiteX9" fmla="*/ 0 w 1879700"/>
+                      <a:gd name="connsiteY9" fmla="*/ 215444 h 215444"/>
+                      <a:gd name="connsiteX10" fmla="*/ 0 w 1879700"/>
+                      <a:gd name="connsiteY10" fmla="*/ 0 h 215444"/>
+                    </a:gdLst>
+                    <a:ahLst/>
+                    <a:cxnLst>
+                      <a:cxn ang="0">
+                        <a:pos x="connsiteX0" y="connsiteY0"/>
+                      </a:cxn>
+                      <a:cxn ang="0">
+                        <a:pos x="connsiteX1" y="connsiteY1"/>
+                      </a:cxn>
+                      <a:cxn ang="0">
+                        <a:pos x="connsiteX2" y="connsiteY2"/>
+                      </a:cxn>
+                      <a:cxn ang="0">
+                        <a:pos x="connsiteX3" y="connsiteY3"/>
+                      </a:cxn>
+                      <a:cxn ang="0">
+                        <a:pos x="connsiteX4" y="connsiteY4"/>
+                      </a:cxn>
+                      <a:cxn ang="0">
+                        <a:pos x="connsiteX5" y="connsiteY5"/>
+                      </a:cxn>
+                      <a:cxn ang="0">
+                        <a:pos x="connsiteX6" y="connsiteY6"/>
+                      </a:cxn>
+                      <a:cxn ang="0">
+                        <a:pos x="connsiteX7" y="connsiteY7"/>
+                      </a:cxn>
+                      <a:cxn ang="0">
+                        <a:pos x="connsiteX8" y="connsiteY8"/>
+                      </a:cxn>
+                      <a:cxn ang="0">
+                        <a:pos x="connsiteX9" y="connsiteY9"/>
+                      </a:cxn>
+                      <a:cxn ang="0">
+                        <a:pos x="connsiteX10" y="connsiteY10"/>
+                      </a:cxn>
+                    </a:cxnLst>
+                    <a:rect l="l" t="t" r="r" b="b"/>
+                    <a:pathLst>
+                      <a:path w="1879700" h="215444" extrusionOk="0">
+                        <a:moveTo>
+                          <a:pt x="0" y="0"/>
+                        </a:moveTo>
+                        <a:cubicBezTo>
+                          <a:pt x="144942" y="-577"/>
+                          <a:pt x="318370" y="3267"/>
+                          <a:pt x="451128" y="0"/>
+                        </a:cubicBezTo>
+                        <a:cubicBezTo>
+                          <a:pt x="583886" y="-3267"/>
+                          <a:pt x="742478" y="29300"/>
+                          <a:pt x="864662" y="0"/>
+                        </a:cubicBezTo>
+                        <a:cubicBezTo>
+                          <a:pt x="986846" y="-29300"/>
+                          <a:pt x="1197216" y="23725"/>
+                          <a:pt x="1372181" y="0"/>
+                        </a:cubicBezTo>
+                        <a:cubicBezTo>
+                          <a:pt x="1547146" y="-23725"/>
+                          <a:pt x="1680517" y="31914"/>
+                          <a:pt x="1879700" y="0"/>
+                        </a:cubicBezTo>
+                        <a:cubicBezTo>
+                          <a:pt x="1882440" y="70980"/>
+                          <a:pt x="1862355" y="144352"/>
+                          <a:pt x="1879700" y="215444"/>
+                        </a:cubicBezTo>
+                        <a:cubicBezTo>
+                          <a:pt x="1771231" y="256425"/>
+                          <a:pt x="1622159" y="164623"/>
+                          <a:pt x="1447369" y="215444"/>
+                        </a:cubicBezTo>
+                        <a:cubicBezTo>
+                          <a:pt x="1272579" y="266265"/>
+                          <a:pt x="1176959" y="179090"/>
+                          <a:pt x="1015038" y="215444"/>
+                        </a:cubicBezTo>
+                        <a:cubicBezTo>
+                          <a:pt x="853117" y="251798"/>
+                          <a:pt x="695042" y="169593"/>
+                          <a:pt x="507519" y="215444"/>
+                        </a:cubicBezTo>
+                        <a:cubicBezTo>
+                          <a:pt x="319996" y="261295"/>
+                          <a:pt x="221599" y="194491"/>
+                          <a:pt x="0" y="215444"/>
+                        </a:cubicBezTo>
+                        <a:cubicBezTo>
+                          <a:pt x="-22738" y="124398"/>
+                          <a:pt x="1890" y="63076"/>
+                          <a:pt x="0" y="0"/>
+                        </a:cubicBezTo>
+                        <a:close/>
+                      </a:path>
+                    </a:pathLst>
+                  </a:custGeom>
+                  <ask:type>
+                    <ask:lineSketchNone/>
+                  </ask:type>
+                </ask:lineSketchStyleProps>
+              </a:ext>
+            </a:extLst>
+          </a:ln>
+        </p:spPr>
+        <p:txBody>
+          <a:bodyPr wrap="square" rtlCol="0" anchor="ctr">
+            <a:spAutoFit/>
+          </a:bodyPr>
+          <a:lstStyle/>
+          <a:p>
+            <a:pPr algn="ctr"/>
+            <a:r>
+              <a:rPr lang="en-US" sz="800" i="1" dirty="0" err="1"/>
+              <a:t>plan</a:t>
+            </a:r>
+            <a:endParaRPr lang="en-KR" sz="800" i="1" dirty="0"/>
+          </a:p>
+        </p:txBody>
+      </p:sp>
+      <p:sp>
+        <p:nvSpPr>
+          <p:cNvPr id="79" name="TextBox 78">
+            <a:extLst>
+              <a:ext uri="{FF2B5EF4-FFF2-40B4-BE49-F238E27FC236}">
+                <a16:creationId xmlns:a16="http://schemas.microsoft.com/office/drawing/2014/main" id="{8C7A46E5-F4A1-62D7-7020-E41F89AD6219}"/>
+              </a:ext>
+            </a:extLst>
+          </p:cNvPr>
+          <p:cNvSpPr txBox="1"/>
+          <p:nvPr/>
+        </p:nvSpPr>
+        <p:spPr>
+          <a:xfrm>
+            <a:off x="3502984" y="4270307"/>
+            <a:ext cx="526883" cy="215444"/>
+          </a:xfrm>
+          <a:prstGeom prst="rect">
+            <a:avLst/>
+          </a:prstGeom>
+          <a:noFill/>
+          <a:ln cap="rnd">
+            <a:solidFill>
+              <a:schemeClr val="tx1"/>
+            </a:solidFill>
+            <a:bevel/>
+            <a:extLst>
+              <a:ext uri="{C807C97D-BFC1-408E-A445-0C87EB9F89A2}">
+                <ask:lineSketchStyleProps xmlns:ask="http://schemas.microsoft.com/office/drawing/2018/sketchyshapes" sd="1219033472">
+                  <a:custGeom>
+                    <a:avLst/>
+                    <a:gdLst>
+                      <a:gd name="connsiteX0" fmla="*/ 0 w 1879700"/>
+                      <a:gd name="connsiteY0" fmla="*/ 0 h 215444"/>
+                      <a:gd name="connsiteX1" fmla="*/ 451128 w 1879700"/>
+                      <a:gd name="connsiteY1" fmla="*/ 0 h 215444"/>
+                      <a:gd name="connsiteX2" fmla="*/ 864662 w 1879700"/>
+                      <a:gd name="connsiteY2" fmla="*/ 0 h 215444"/>
+                      <a:gd name="connsiteX3" fmla="*/ 1372181 w 1879700"/>
+                      <a:gd name="connsiteY3" fmla="*/ 0 h 215444"/>
+                      <a:gd name="connsiteX4" fmla="*/ 1879700 w 1879700"/>
+                      <a:gd name="connsiteY4" fmla="*/ 0 h 215444"/>
+                      <a:gd name="connsiteX5" fmla="*/ 1879700 w 1879700"/>
+                      <a:gd name="connsiteY5" fmla="*/ 215444 h 215444"/>
+                      <a:gd name="connsiteX6" fmla="*/ 1447369 w 1879700"/>
+                      <a:gd name="connsiteY6" fmla="*/ 215444 h 215444"/>
+                      <a:gd name="connsiteX7" fmla="*/ 1015038 w 1879700"/>
+                      <a:gd name="connsiteY7" fmla="*/ 215444 h 215444"/>
+                      <a:gd name="connsiteX8" fmla="*/ 507519 w 1879700"/>
+                      <a:gd name="connsiteY8" fmla="*/ 215444 h 215444"/>
+                      <a:gd name="connsiteX9" fmla="*/ 0 w 1879700"/>
+                      <a:gd name="connsiteY9" fmla="*/ 215444 h 215444"/>
+                      <a:gd name="connsiteX10" fmla="*/ 0 w 1879700"/>
+                      <a:gd name="connsiteY10" fmla="*/ 0 h 215444"/>
+                    </a:gdLst>
+                    <a:ahLst/>
+                    <a:cxnLst>
+                      <a:cxn ang="0">
+                        <a:pos x="connsiteX0" y="connsiteY0"/>
+                      </a:cxn>
+                      <a:cxn ang="0">
+                        <a:pos x="connsiteX1" y="connsiteY1"/>
+                      </a:cxn>
+                      <a:cxn ang="0">
+                        <a:pos x="connsiteX2" y="connsiteY2"/>
+                      </a:cxn>
+                      <a:cxn ang="0">
+                        <a:pos x="connsiteX3" y="connsiteY3"/>
+                      </a:cxn>
+                      <a:cxn ang="0">
+                        <a:pos x="connsiteX4" y="connsiteY4"/>
+                      </a:cxn>
+                      <a:cxn ang="0">
+                        <a:pos x="connsiteX5" y="connsiteY5"/>
+                      </a:cxn>
+                      <a:cxn ang="0">
+                        <a:pos x="connsiteX6" y="connsiteY6"/>
+                      </a:cxn>
+                      <a:cxn ang="0">
+                        <a:pos x="connsiteX7" y="connsiteY7"/>
+                      </a:cxn>
+                      <a:cxn ang="0">
+                        <a:pos x="connsiteX8" y="connsiteY8"/>
+                      </a:cxn>
+                      <a:cxn ang="0">
+                        <a:pos x="connsiteX9" y="connsiteY9"/>
+                      </a:cxn>
+                      <a:cxn ang="0">
+                        <a:pos x="connsiteX10" y="connsiteY10"/>
+                      </a:cxn>
+                    </a:cxnLst>
+                    <a:rect l="l" t="t" r="r" b="b"/>
+                    <a:pathLst>
+                      <a:path w="1879700" h="215444" extrusionOk="0">
+                        <a:moveTo>
+                          <a:pt x="0" y="0"/>
+                        </a:moveTo>
+                        <a:cubicBezTo>
+                          <a:pt x="144942" y="-577"/>
+                          <a:pt x="318370" y="3267"/>
+                          <a:pt x="451128" y="0"/>
+                        </a:cubicBezTo>
+                        <a:cubicBezTo>
+                          <a:pt x="583886" y="-3267"/>
+                          <a:pt x="742478" y="29300"/>
+                          <a:pt x="864662" y="0"/>
+                        </a:cubicBezTo>
+                        <a:cubicBezTo>
+                          <a:pt x="986846" y="-29300"/>
+                          <a:pt x="1197216" y="23725"/>
+                          <a:pt x="1372181" y="0"/>
+                        </a:cubicBezTo>
+                        <a:cubicBezTo>
+                          <a:pt x="1547146" y="-23725"/>
+                          <a:pt x="1680517" y="31914"/>
+                          <a:pt x="1879700" y="0"/>
+                        </a:cubicBezTo>
+                        <a:cubicBezTo>
+                          <a:pt x="1882440" y="70980"/>
+                          <a:pt x="1862355" y="144352"/>
+                          <a:pt x="1879700" y="215444"/>
+                        </a:cubicBezTo>
+                        <a:cubicBezTo>
+                          <a:pt x="1771231" y="256425"/>
+                          <a:pt x="1622159" y="164623"/>
+                          <a:pt x="1447369" y="215444"/>
+                        </a:cubicBezTo>
+                        <a:cubicBezTo>
+                          <a:pt x="1272579" y="266265"/>
+                          <a:pt x="1176959" y="179090"/>
+                          <a:pt x="1015038" y="215444"/>
+                        </a:cubicBezTo>
+                        <a:cubicBezTo>
+                          <a:pt x="853117" y="251798"/>
+                          <a:pt x="695042" y="169593"/>
+                          <a:pt x="507519" y="215444"/>
+                        </a:cubicBezTo>
+                        <a:cubicBezTo>
+                          <a:pt x="319996" y="261295"/>
+                          <a:pt x="221599" y="194491"/>
+                          <a:pt x="0" y="215444"/>
+                        </a:cubicBezTo>
+                        <a:cubicBezTo>
+                          <a:pt x="-22738" y="124398"/>
+                          <a:pt x="1890" y="63076"/>
+                          <a:pt x="0" y="0"/>
+                        </a:cubicBezTo>
+                        <a:close/>
+                      </a:path>
+                    </a:pathLst>
+                  </a:custGeom>
+                  <ask:type>
+                    <ask:lineSketchNone/>
+                  </ask:type>
+                </ask:lineSketchStyleProps>
+              </a:ext>
+            </a:extLst>
+          </a:ln>
+        </p:spPr>
+        <p:txBody>
+          <a:bodyPr wrap="square" rtlCol="0" anchor="ctr">
+            <a:spAutoFit/>
+          </a:bodyPr>
+          <a:lstStyle/>
+          <a:p>
+            <a:pPr algn="ctr"/>
+            <a:r>
+              <a:rPr lang="en-US" sz="800" i="1" dirty="0" err="1"/>
+              <a:t>apply</a:t>
+            </a:r>
+            <a:endParaRPr lang="en-KR" sz="800" i="1" dirty="0"/>
+          </a:p>
+        </p:txBody>
+      </p:sp>
+      <p:sp>
+        <p:nvSpPr>
+          <p:cNvPr id="81" name="TextBox 80">
+            <a:extLst>
+              <a:ext uri="{FF2B5EF4-FFF2-40B4-BE49-F238E27FC236}">
+                <a16:creationId xmlns:a16="http://schemas.microsoft.com/office/drawing/2014/main" id="{C4B2DBF4-1CFC-C72B-298D-091BD95345D2}"/>
+              </a:ext>
+            </a:extLst>
+          </p:cNvPr>
+          <p:cNvSpPr txBox="1"/>
+          <p:nvPr/>
+        </p:nvSpPr>
+        <p:spPr>
+          <a:xfrm>
+            <a:off x="2186007" y="3932036"/>
+            <a:ext cx="1283891" cy="246221"/>
+          </a:xfrm>
+          <a:prstGeom prst="rect">
+            <a:avLst/>
+          </a:prstGeom>
+          <a:noFill/>
+        </p:spPr>
+        <p:txBody>
+          <a:bodyPr wrap="square" rtlCol="0">
+            <a:spAutoFit/>
+          </a:bodyPr>
+          <a:lstStyle/>
+          <a:p>
+            <a:r>
+              <a:rPr lang="en-US" sz="1000" b="1" i="1"/>
+              <a:t>stage/job</a:t>
+            </a:r>
+            <a:endParaRPr lang="en-KR" sz="1000" b="1" i="1"/>
+          </a:p>
+        </p:txBody>
+      </p:sp>
+      <p:sp>
+        <p:nvSpPr>
+          <p:cNvPr id="82" name="Rectangle 81">
+            <a:extLst>
+              <a:ext uri="{FF2B5EF4-FFF2-40B4-BE49-F238E27FC236}">
+                <a16:creationId xmlns:a16="http://schemas.microsoft.com/office/drawing/2014/main" id="{25EE6AFD-E300-4A52-EB5C-61398304ADF0}"/>
+              </a:ext>
+            </a:extLst>
+          </p:cNvPr>
+          <p:cNvSpPr/>
+          <p:nvPr/>
+        </p:nvSpPr>
+        <p:spPr>
+          <a:xfrm>
+            <a:off x="2186007" y="3932037"/>
+            <a:ext cx="1901416" cy="671756"/>
+          </a:xfrm>
+          <a:custGeom>
+            <a:avLst/>
+            <a:gdLst>
+              <a:gd name="connsiteX0" fmla="*/ 0 w 1901416"/>
+              <a:gd name="connsiteY0" fmla="*/ 0 h 671756"/>
+              <a:gd name="connsiteX1" fmla="*/ 456340 w 1901416"/>
+              <a:gd name="connsiteY1" fmla="*/ 0 h 671756"/>
+              <a:gd name="connsiteX2" fmla="*/ 874651 w 1901416"/>
+              <a:gd name="connsiteY2" fmla="*/ 0 h 671756"/>
+              <a:gd name="connsiteX3" fmla="*/ 1388034 w 1901416"/>
+              <a:gd name="connsiteY3" fmla="*/ 0 h 671756"/>
+              <a:gd name="connsiteX4" fmla="*/ 1901416 w 1901416"/>
+              <a:gd name="connsiteY4" fmla="*/ 0 h 671756"/>
+              <a:gd name="connsiteX5" fmla="*/ 1901416 w 1901416"/>
+              <a:gd name="connsiteY5" fmla="*/ 329160 h 671756"/>
+              <a:gd name="connsiteX6" fmla="*/ 1901416 w 1901416"/>
+              <a:gd name="connsiteY6" fmla="*/ 671756 h 671756"/>
+              <a:gd name="connsiteX7" fmla="*/ 1426062 w 1901416"/>
+              <a:gd name="connsiteY7" fmla="*/ 671756 h 671756"/>
+              <a:gd name="connsiteX8" fmla="*/ 912680 w 1901416"/>
+              <a:gd name="connsiteY8" fmla="*/ 671756 h 671756"/>
+              <a:gd name="connsiteX9" fmla="*/ 494368 w 1901416"/>
+              <a:gd name="connsiteY9" fmla="*/ 671756 h 671756"/>
+              <a:gd name="connsiteX10" fmla="*/ 0 w 1901416"/>
+              <a:gd name="connsiteY10" fmla="*/ 671756 h 671756"/>
+              <a:gd name="connsiteX11" fmla="*/ 0 w 1901416"/>
+              <a:gd name="connsiteY11" fmla="*/ 335878 h 671756"/>
+              <a:gd name="connsiteX12" fmla="*/ 0 w 1901416"/>
+              <a:gd name="connsiteY12" fmla="*/ 0 h 671756"/>
+            </a:gdLst>
+            <a:ahLst/>
+            <a:cxnLst>
+              <a:cxn ang="0">
+                <a:pos x="connsiteX0" y="connsiteY0"/>
+              </a:cxn>
+              <a:cxn ang="0">
+                <a:pos x="connsiteX1" y="connsiteY1"/>
+              </a:cxn>
+              <a:cxn ang="0">
+                <a:pos x="connsiteX2" y="connsiteY2"/>
+              </a:cxn>
+              <a:cxn ang="0">
+                <a:pos x="connsiteX3" y="connsiteY3"/>
+              </a:cxn>
+              <a:cxn ang="0">
+                <a:pos x="connsiteX4" y="connsiteY4"/>
+              </a:cxn>
+              <a:cxn ang="0">
+                <a:pos x="connsiteX5" y="connsiteY5"/>
+              </a:cxn>
+              <a:cxn ang="0">
+                <a:pos x="connsiteX6" y="connsiteY6"/>
+              </a:cxn>
+              <a:cxn ang="0">
+                <a:pos x="connsiteX7" y="connsiteY7"/>
+              </a:cxn>
+              <a:cxn ang="0">
+                <a:pos x="connsiteX8" y="connsiteY8"/>
+              </a:cxn>
+              <a:cxn ang="0">
+                <a:pos x="connsiteX9" y="connsiteY9"/>
+              </a:cxn>
+              <a:cxn ang="0">
+                <a:pos x="connsiteX10" y="connsiteY10"/>
+              </a:cxn>
+              <a:cxn ang="0">
+                <a:pos x="connsiteX11" y="connsiteY11"/>
+              </a:cxn>
+              <a:cxn ang="0">
+                <a:pos x="connsiteX12" y="connsiteY12"/>
+              </a:cxn>
+            </a:cxnLst>
+            <a:rect l="l" t="t" r="r" b="b"/>
+            <a:pathLst>
+              <a:path w="1901416" h="671756" extrusionOk="0">
+                <a:moveTo>
+                  <a:pt x="0" y="0"/>
+                </a:moveTo>
+                <a:cubicBezTo>
+                  <a:pt x="105971" y="-978"/>
+                  <a:pt x="243819" y="22547"/>
+                  <a:pt x="456340" y="0"/>
+                </a:cubicBezTo>
+                <a:cubicBezTo>
+                  <a:pt x="668861" y="-22547"/>
+                  <a:pt x="671423" y="41800"/>
+                  <a:pt x="874651" y="0"/>
+                </a:cubicBezTo>
+                <a:cubicBezTo>
+                  <a:pt x="1077879" y="-41800"/>
+                  <a:pt x="1236728" y="40783"/>
+                  <a:pt x="1388034" y="0"/>
+                </a:cubicBezTo>
+                <a:cubicBezTo>
+                  <a:pt x="1539340" y="-40783"/>
+                  <a:pt x="1748318" y="32003"/>
+                  <a:pt x="1901416" y="0"/>
+                </a:cubicBezTo>
+                <a:cubicBezTo>
+                  <a:pt x="1922746" y="82445"/>
+                  <a:pt x="1884272" y="177402"/>
+                  <a:pt x="1901416" y="329160"/>
+                </a:cubicBezTo>
+                <a:cubicBezTo>
+                  <a:pt x="1918560" y="480918"/>
+                  <a:pt x="1865972" y="598789"/>
+                  <a:pt x="1901416" y="671756"/>
+                </a:cubicBezTo>
+                <a:cubicBezTo>
+                  <a:pt x="1663993" y="679976"/>
+                  <a:pt x="1605987" y="660474"/>
+                  <a:pt x="1426062" y="671756"/>
+                </a:cubicBezTo>
+                <a:cubicBezTo>
+                  <a:pt x="1246137" y="683038"/>
+                  <a:pt x="1064540" y="639326"/>
+                  <a:pt x="912680" y="671756"/>
+                </a:cubicBezTo>
+                <a:cubicBezTo>
+                  <a:pt x="760820" y="704186"/>
+                  <a:pt x="648564" y="667581"/>
+                  <a:pt x="494368" y="671756"/>
+                </a:cubicBezTo>
+                <a:cubicBezTo>
+                  <a:pt x="340172" y="675931"/>
+                  <a:pt x="124032" y="643019"/>
+                  <a:pt x="0" y="671756"/>
+                </a:cubicBezTo>
+                <a:cubicBezTo>
+                  <a:pt x="-35074" y="599680"/>
+                  <a:pt x="27504" y="415367"/>
+                  <a:pt x="0" y="335878"/>
+                </a:cubicBezTo>
+                <a:cubicBezTo>
+                  <a:pt x="-27504" y="256389"/>
+                  <a:pt x="7481" y="87158"/>
+                  <a:pt x="0" y="0"/>
+                </a:cubicBezTo>
+                <a:close/>
+              </a:path>
+            </a:pathLst>
+          </a:custGeom>
+          <a:noFill/>
+          <a:ln>
+            <a:solidFill>
+              <a:schemeClr val="tx1"/>
+            </a:solidFill>
+            <a:extLst>
+              <a:ext uri="{C807C97D-BFC1-408E-A445-0C87EB9F89A2}">
+                <ask:lineSketchStyleProps xmlns:ask="http://schemas.microsoft.com/office/drawing/2018/sketchyshapes" sd="1219033472">
+                  <a:prstGeom prst="rect">
+                    <a:avLst/>
+                  </a:prstGeom>
+                  <ask:type>
+                    <ask:lineSketchScribble/>
+                  </ask:type>
+                </ask:lineSketchStyleProps>
+              </a:ext>
+            </a:extLst>
+          </a:ln>
+        </p:spPr>
+        <p:style>
+          <a:lnRef idx="2">
+            <a:schemeClr val="accent1">
+              <a:shade val="50000"/>
+            </a:schemeClr>
+          </a:lnRef>
+          <a:fillRef idx="1">
+            <a:schemeClr val="accent1"/>
+          </a:fillRef>
+          <a:effectRef idx="0">
+            <a:schemeClr val="accent1"/>
+          </a:effectRef>
+          <a:fontRef idx="minor">
+            <a:schemeClr val="lt1"/>
+          </a:fontRef>
+        </p:style>
+        <p:txBody>
+          <a:bodyPr rtlCol="0" anchor="ctr"/>
+          <a:lstStyle/>
+          <a:p>
+            <a:pPr algn="ctr"/>
+            <a:endParaRPr lang="en-KR"/>
+          </a:p>
+        </p:txBody>
+      </p:sp>
+      <p:sp>
+        <p:nvSpPr>
+          <p:cNvPr id="85" name="TextBox 84">
+            <a:extLst>
+              <a:ext uri="{FF2B5EF4-FFF2-40B4-BE49-F238E27FC236}">
+                <a16:creationId xmlns:a16="http://schemas.microsoft.com/office/drawing/2014/main" id="{4DCEA081-9128-62E4-3887-310630646A33}"/>
+              </a:ext>
+            </a:extLst>
+          </p:cNvPr>
+          <p:cNvSpPr txBox="1"/>
+          <p:nvPr/>
+        </p:nvSpPr>
+        <p:spPr>
+          <a:xfrm>
+            <a:off x="2298357" y="3586302"/>
+            <a:ext cx="851537" cy="215444"/>
+          </a:xfrm>
+          <a:prstGeom prst="rect">
+            <a:avLst/>
+          </a:prstGeom>
+          <a:noFill/>
+          <a:ln cap="rnd">
+            <a:solidFill>
+              <a:schemeClr val="tx1"/>
+            </a:solidFill>
+            <a:bevel/>
+            <a:extLst>
+              <a:ext uri="{C807C97D-BFC1-408E-A445-0C87EB9F89A2}">
+                <ask:lineSketchStyleProps xmlns:ask="http://schemas.microsoft.com/office/drawing/2018/sketchyshapes" sd="1219033472">
+                  <a:custGeom>
+                    <a:avLst/>
+                    <a:gdLst>
+                      <a:gd name="connsiteX0" fmla="*/ 0 w 1879700"/>
+                      <a:gd name="connsiteY0" fmla="*/ 0 h 215444"/>
+                      <a:gd name="connsiteX1" fmla="*/ 451128 w 1879700"/>
+                      <a:gd name="connsiteY1" fmla="*/ 0 h 215444"/>
+                      <a:gd name="connsiteX2" fmla="*/ 864662 w 1879700"/>
+                      <a:gd name="connsiteY2" fmla="*/ 0 h 215444"/>
+                      <a:gd name="connsiteX3" fmla="*/ 1372181 w 1879700"/>
+                      <a:gd name="connsiteY3" fmla="*/ 0 h 215444"/>
+                      <a:gd name="connsiteX4" fmla="*/ 1879700 w 1879700"/>
+                      <a:gd name="connsiteY4" fmla="*/ 0 h 215444"/>
+                      <a:gd name="connsiteX5" fmla="*/ 1879700 w 1879700"/>
+                      <a:gd name="connsiteY5" fmla="*/ 215444 h 215444"/>
+                      <a:gd name="connsiteX6" fmla="*/ 1447369 w 1879700"/>
+                      <a:gd name="connsiteY6" fmla="*/ 215444 h 215444"/>
+                      <a:gd name="connsiteX7" fmla="*/ 1015038 w 1879700"/>
+                      <a:gd name="connsiteY7" fmla="*/ 215444 h 215444"/>
+                      <a:gd name="connsiteX8" fmla="*/ 507519 w 1879700"/>
+                      <a:gd name="connsiteY8" fmla="*/ 215444 h 215444"/>
+                      <a:gd name="connsiteX9" fmla="*/ 0 w 1879700"/>
+                      <a:gd name="connsiteY9" fmla="*/ 215444 h 215444"/>
+                      <a:gd name="connsiteX10" fmla="*/ 0 w 1879700"/>
+                      <a:gd name="connsiteY10" fmla="*/ 0 h 215444"/>
+                    </a:gdLst>
+                    <a:ahLst/>
+                    <a:cxnLst>
+                      <a:cxn ang="0">
+                        <a:pos x="connsiteX0" y="connsiteY0"/>
+                      </a:cxn>
+                      <a:cxn ang="0">
+                        <a:pos x="connsiteX1" y="connsiteY1"/>
+                      </a:cxn>
+                      <a:cxn ang="0">
+                        <a:pos x="connsiteX2" y="connsiteY2"/>
+                      </a:cxn>
+                      <a:cxn ang="0">
+                        <a:pos x="connsiteX3" y="connsiteY3"/>
+                      </a:cxn>
+                      <a:cxn ang="0">
+                        <a:pos x="connsiteX4" y="connsiteY4"/>
+                      </a:cxn>
+                      <a:cxn ang="0">
+                        <a:pos x="connsiteX5" y="connsiteY5"/>
+                      </a:cxn>
+                      <a:cxn ang="0">
+                        <a:pos x="connsiteX6" y="connsiteY6"/>
+                      </a:cxn>
+                      <a:cxn ang="0">
+                        <a:pos x="connsiteX7" y="connsiteY7"/>
+                      </a:cxn>
+                      <a:cxn ang="0">
+                        <a:pos x="connsiteX8" y="connsiteY8"/>
+                      </a:cxn>
+                      <a:cxn ang="0">
+                        <a:pos x="connsiteX9" y="connsiteY9"/>
+                      </a:cxn>
+                      <a:cxn ang="0">
+                        <a:pos x="connsiteX10" y="connsiteY10"/>
+                      </a:cxn>
+                    </a:cxnLst>
+                    <a:rect l="l" t="t" r="r" b="b"/>
+                    <a:pathLst>
+                      <a:path w="1879700" h="215444" extrusionOk="0">
+                        <a:moveTo>
+                          <a:pt x="0" y="0"/>
+                        </a:moveTo>
+                        <a:cubicBezTo>
+                          <a:pt x="144942" y="-577"/>
+                          <a:pt x="318370" y="3267"/>
+                          <a:pt x="451128" y="0"/>
+                        </a:cubicBezTo>
+                        <a:cubicBezTo>
+                          <a:pt x="583886" y="-3267"/>
+                          <a:pt x="742478" y="29300"/>
+                          <a:pt x="864662" y="0"/>
+                        </a:cubicBezTo>
+                        <a:cubicBezTo>
+                          <a:pt x="986846" y="-29300"/>
+                          <a:pt x="1197216" y="23725"/>
+                          <a:pt x="1372181" y="0"/>
+                        </a:cubicBezTo>
+                        <a:cubicBezTo>
+                          <a:pt x="1547146" y="-23725"/>
+                          <a:pt x="1680517" y="31914"/>
+                          <a:pt x="1879700" y="0"/>
+                        </a:cubicBezTo>
+                        <a:cubicBezTo>
+                          <a:pt x="1882440" y="70980"/>
+                          <a:pt x="1862355" y="144352"/>
+                          <a:pt x="1879700" y="215444"/>
+                        </a:cubicBezTo>
+                        <a:cubicBezTo>
+                          <a:pt x="1771231" y="256425"/>
+                          <a:pt x="1622159" y="164623"/>
+                          <a:pt x="1447369" y="215444"/>
+                        </a:cubicBezTo>
+                        <a:cubicBezTo>
+                          <a:pt x="1272579" y="266265"/>
+                          <a:pt x="1176959" y="179090"/>
+                          <a:pt x="1015038" y="215444"/>
+                        </a:cubicBezTo>
+                        <a:cubicBezTo>
+                          <a:pt x="853117" y="251798"/>
+                          <a:pt x="695042" y="169593"/>
+                          <a:pt x="507519" y="215444"/>
+                        </a:cubicBezTo>
+                        <a:cubicBezTo>
+                          <a:pt x="319996" y="261295"/>
+                          <a:pt x="221599" y="194491"/>
+                          <a:pt x="0" y="215444"/>
+                        </a:cubicBezTo>
+                        <a:cubicBezTo>
+                          <a:pt x="-22738" y="124398"/>
+                          <a:pt x="1890" y="63076"/>
+                          <a:pt x="0" y="0"/>
+                        </a:cubicBezTo>
+                        <a:close/>
+                      </a:path>
+                    </a:pathLst>
+                  </a:custGeom>
+                  <ask:type>
+                    <ask:lineSketchNone/>
+                  </ask:type>
+                </ask:lineSketchStyleProps>
+              </a:ext>
+            </a:extLst>
+          </a:ln>
+        </p:spPr>
+        <p:txBody>
+          <a:bodyPr wrap="square" rtlCol="0" anchor="ctr">
+            <a:spAutoFit/>
+          </a:bodyPr>
+          <a:lstStyle/>
+          <a:p>
+            <a:pPr algn="ctr"/>
+            <a:r>
+              <a:rPr lang="en-US" sz="800" i="1" dirty="0"/>
+              <a:t>approval</a:t>
+            </a:r>
+            <a:endParaRPr lang="en-KR" sz="800" i="1" dirty="0"/>
+          </a:p>
+        </p:txBody>
+      </p:sp>
+      <p:sp>
+        <p:nvSpPr>
+          <p:cNvPr id="86" name="TextBox 85">
+            <a:extLst>
+              <a:ext uri="{FF2B5EF4-FFF2-40B4-BE49-F238E27FC236}">
+                <a16:creationId xmlns:a16="http://schemas.microsoft.com/office/drawing/2014/main" id="{201D4E84-0E47-3F63-E08B-7FBF89836D06}"/>
+              </a:ext>
+            </a:extLst>
+          </p:cNvPr>
+          <p:cNvSpPr txBox="1"/>
+          <p:nvPr/>
+        </p:nvSpPr>
+        <p:spPr>
+          <a:xfrm>
+            <a:off x="3149894" y="3586302"/>
+            <a:ext cx="874213" cy="215444"/>
+          </a:xfrm>
+          <a:prstGeom prst="rect">
+            <a:avLst/>
+          </a:prstGeom>
+          <a:noFill/>
+          <a:ln cap="rnd">
+            <a:solidFill>
+              <a:schemeClr val="tx1"/>
+            </a:solidFill>
+            <a:bevel/>
+            <a:extLst>
+              <a:ext uri="{C807C97D-BFC1-408E-A445-0C87EB9F89A2}">
+                <ask:lineSketchStyleProps xmlns:ask="http://schemas.microsoft.com/office/drawing/2018/sketchyshapes" sd="1219033472">
+                  <a:custGeom>
+                    <a:avLst/>
+                    <a:gdLst>
+                      <a:gd name="connsiteX0" fmla="*/ 0 w 1879700"/>
+                      <a:gd name="connsiteY0" fmla="*/ 0 h 215444"/>
+                      <a:gd name="connsiteX1" fmla="*/ 451128 w 1879700"/>
+                      <a:gd name="connsiteY1" fmla="*/ 0 h 215444"/>
+                      <a:gd name="connsiteX2" fmla="*/ 864662 w 1879700"/>
+                      <a:gd name="connsiteY2" fmla="*/ 0 h 215444"/>
+                      <a:gd name="connsiteX3" fmla="*/ 1372181 w 1879700"/>
+                      <a:gd name="connsiteY3" fmla="*/ 0 h 215444"/>
+                      <a:gd name="connsiteX4" fmla="*/ 1879700 w 1879700"/>
+                      <a:gd name="connsiteY4" fmla="*/ 0 h 215444"/>
+                      <a:gd name="connsiteX5" fmla="*/ 1879700 w 1879700"/>
+                      <a:gd name="connsiteY5" fmla="*/ 215444 h 215444"/>
+                      <a:gd name="connsiteX6" fmla="*/ 1447369 w 1879700"/>
+                      <a:gd name="connsiteY6" fmla="*/ 215444 h 215444"/>
+                      <a:gd name="connsiteX7" fmla="*/ 1015038 w 1879700"/>
+                      <a:gd name="connsiteY7" fmla="*/ 215444 h 215444"/>
+                      <a:gd name="connsiteX8" fmla="*/ 507519 w 1879700"/>
+                      <a:gd name="connsiteY8" fmla="*/ 215444 h 215444"/>
+                      <a:gd name="connsiteX9" fmla="*/ 0 w 1879700"/>
+                      <a:gd name="connsiteY9" fmla="*/ 215444 h 215444"/>
+                      <a:gd name="connsiteX10" fmla="*/ 0 w 1879700"/>
+                      <a:gd name="connsiteY10" fmla="*/ 0 h 215444"/>
+                    </a:gdLst>
+                    <a:ahLst/>
+                    <a:cxnLst>
+                      <a:cxn ang="0">
+                        <a:pos x="connsiteX0" y="connsiteY0"/>
+                      </a:cxn>
+                      <a:cxn ang="0">
+                        <a:pos x="connsiteX1" y="connsiteY1"/>
+                      </a:cxn>
+                      <a:cxn ang="0">
+                        <a:pos x="connsiteX2" y="connsiteY2"/>
+                      </a:cxn>
+                      <a:cxn ang="0">
+                        <a:pos x="connsiteX3" y="connsiteY3"/>
+                      </a:cxn>
+                      <a:cxn ang="0">
+                        <a:pos x="connsiteX4" y="connsiteY4"/>
+                      </a:cxn>
+                      <a:cxn ang="0">
+                        <a:pos x="connsiteX5" y="connsiteY5"/>
+                      </a:cxn>
+                      <a:cxn ang="0">
+                        <a:pos x="connsiteX6" y="connsiteY6"/>
+                      </a:cxn>
+                      <a:cxn ang="0">
+                        <a:pos x="connsiteX7" y="connsiteY7"/>
+                      </a:cxn>
+                      <a:cxn ang="0">
+                        <a:pos x="connsiteX8" y="connsiteY8"/>
+                      </a:cxn>
+                      <a:cxn ang="0">
+                        <a:pos x="connsiteX9" y="connsiteY9"/>
+                      </a:cxn>
+                      <a:cxn ang="0">
+                        <a:pos x="connsiteX10" y="connsiteY10"/>
+                      </a:cxn>
+                    </a:cxnLst>
+                    <a:rect l="l" t="t" r="r" b="b"/>
+                    <a:pathLst>
+                      <a:path w="1879700" h="215444" extrusionOk="0">
+                        <a:moveTo>
+                          <a:pt x="0" y="0"/>
+                        </a:moveTo>
+                        <a:cubicBezTo>
+                          <a:pt x="144942" y="-577"/>
+                          <a:pt x="318370" y="3267"/>
+                          <a:pt x="451128" y="0"/>
+                        </a:cubicBezTo>
+                        <a:cubicBezTo>
+                          <a:pt x="583886" y="-3267"/>
+                          <a:pt x="742478" y="29300"/>
+                          <a:pt x="864662" y="0"/>
+                        </a:cubicBezTo>
+                        <a:cubicBezTo>
+                          <a:pt x="986846" y="-29300"/>
+                          <a:pt x="1197216" y="23725"/>
+                          <a:pt x="1372181" y="0"/>
+                        </a:cubicBezTo>
+                        <a:cubicBezTo>
+                          <a:pt x="1547146" y="-23725"/>
+                          <a:pt x="1680517" y="31914"/>
+                          <a:pt x="1879700" y="0"/>
+                        </a:cubicBezTo>
+                        <a:cubicBezTo>
+                          <a:pt x="1882440" y="70980"/>
+                          <a:pt x="1862355" y="144352"/>
+                          <a:pt x="1879700" y="215444"/>
+                        </a:cubicBezTo>
+                        <a:cubicBezTo>
+                          <a:pt x="1771231" y="256425"/>
+                          <a:pt x="1622159" y="164623"/>
+                          <a:pt x="1447369" y="215444"/>
+                        </a:cubicBezTo>
+                        <a:cubicBezTo>
+                          <a:pt x="1272579" y="266265"/>
+                          <a:pt x="1176959" y="179090"/>
+                          <a:pt x="1015038" y="215444"/>
+                        </a:cubicBezTo>
+                        <a:cubicBezTo>
+                          <a:pt x="853117" y="251798"/>
+                          <a:pt x="695042" y="169593"/>
+                          <a:pt x="507519" y="215444"/>
+                        </a:cubicBezTo>
+                        <a:cubicBezTo>
+                          <a:pt x="319996" y="261295"/>
+                          <a:pt x="221599" y="194491"/>
+                          <a:pt x="0" y="215444"/>
+                        </a:cubicBezTo>
+                        <a:cubicBezTo>
+                          <a:pt x="-22738" y="124398"/>
+                          <a:pt x="1890" y="63076"/>
+                          <a:pt x="0" y="0"/>
+                        </a:cubicBezTo>
+                        <a:close/>
+                      </a:path>
+                    </a:pathLst>
+                  </a:custGeom>
+                  <ask:type>
+                    <ask:lineSketchNone/>
+                  </ask:type>
+                </ask:lineSketchStyleProps>
+              </a:ext>
+            </a:extLst>
+          </a:ln>
+        </p:spPr>
+        <p:txBody>
+          <a:bodyPr wrap="square" rtlCol="0" anchor="ctr">
+            <a:spAutoFit/>
+          </a:bodyPr>
+          <a:lstStyle/>
+          <a:p>
+            <a:pPr algn="ctr"/>
+            <a:r>
+              <a:rPr lang="en-US" sz="800" i="1" dirty="0"/>
+              <a:t>variable</a:t>
+            </a:r>
+            <a:endParaRPr lang="en-KR" sz="800" i="1" dirty="0"/>
+          </a:p>
+        </p:txBody>
+      </p:sp>
+      <p:sp>
+        <p:nvSpPr>
+          <p:cNvPr id="87" name="TextBox 86">
+            <a:extLst>
+              <a:ext uri="{FF2B5EF4-FFF2-40B4-BE49-F238E27FC236}">
+                <a16:creationId xmlns:a16="http://schemas.microsoft.com/office/drawing/2014/main" id="{FCEFFC8B-E1F5-41CC-C94D-115738323BAA}"/>
+              </a:ext>
+            </a:extLst>
+          </p:cNvPr>
+          <p:cNvSpPr txBox="1"/>
+          <p:nvPr/>
+        </p:nvSpPr>
+        <p:spPr>
+          <a:xfrm>
+            <a:off x="4602391" y="1404600"/>
+            <a:ext cx="860154" cy="246221"/>
+          </a:xfrm>
+          <a:prstGeom prst="rect">
+            <a:avLst/>
+          </a:prstGeom>
+          <a:noFill/>
+        </p:spPr>
+        <p:txBody>
+          <a:bodyPr wrap="square" rtlCol="0">
+            <a:spAutoFit/>
+          </a:bodyPr>
+          <a:lstStyle/>
+          <a:p>
+            <a:r>
+              <a:rPr lang="en-KR" sz="1000" b="1" dirty="0"/>
+              <a:t>webhooks</a:t>
+            </a:r>
+          </a:p>
+        </p:txBody>
+      </p:sp>
+      <p:sp>
+        <p:nvSpPr>
+          <p:cNvPr id="88" name="Rectangle 87">
+            <a:extLst>
+              <a:ext uri="{FF2B5EF4-FFF2-40B4-BE49-F238E27FC236}">
+                <a16:creationId xmlns:a16="http://schemas.microsoft.com/office/drawing/2014/main" id="{4246B310-4CFB-0426-C562-483E66E7D66C}"/>
+              </a:ext>
+            </a:extLst>
+          </p:cNvPr>
+          <p:cNvSpPr/>
+          <p:nvPr/>
+        </p:nvSpPr>
+        <p:spPr>
+          <a:xfrm>
+            <a:off x="6389435" y="1054891"/>
+            <a:ext cx="1251342" cy="3898764"/>
+          </a:xfrm>
+          <a:prstGeom prst="rect">
+            <a:avLst/>
+          </a:prstGeom>
+          <a:noFill/>
+          <a:ln w="12700">
+            <a:solidFill>
+              <a:schemeClr val="tx1"/>
+            </a:solidFill>
+            <a:prstDash val="solid"/>
+          </a:ln>
+        </p:spPr>
+        <p:style>
+          <a:lnRef idx="2">
+            <a:schemeClr val="accent1">
+              <a:shade val="50000"/>
+            </a:schemeClr>
+          </a:lnRef>
+          <a:fillRef idx="1">
+            <a:schemeClr val="accent1"/>
+          </a:fillRef>
+          <a:effectRef idx="0">
+            <a:schemeClr val="accent1"/>
+          </a:effectRef>
+          <a:fontRef idx="minor">
+            <a:schemeClr val="lt1"/>
+          </a:fontRef>
+        </p:style>
+        <p:txBody>
+          <a:bodyPr lIns="457200" tIns="91440"/>
+          <a:lstStyle/>
+          <a:p>
+            <a:pPr eaLnBrk="1" fontAlgn="auto" hangingPunct="1">
+              <a:spcBef>
+                <a:spcPts val="0"/>
+              </a:spcBef>
+              <a:spcAft>
+                <a:spcPts val="0"/>
+              </a:spcAft>
+              <a:defRPr/>
+            </a:pPr>
+            <a:endParaRPr lang="en-US" sz="1200" b="1" dirty="0">
+              <a:noFill/>
+              <a:latin typeface="Arial" panose="020B0604020202020204" pitchFamily="34" charset="0"/>
+              <a:cs typeface="Arial" panose="020B0604020202020204" pitchFamily="34" charset="0"/>
+            </a:endParaRPr>
+          </a:p>
+        </p:txBody>
+      </p:sp>
+      <p:sp>
+        <p:nvSpPr>
+          <p:cNvPr id="89" name="TextBox 88">
+            <a:extLst>
+              <a:ext uri="{FF2B5EF4-FFF2-40B4-BE49-F238E27FC236}">
+                <a16:creationId xmlns:a16="http://schemas.microsoft.com/office/drawing/2014/main" id="{B818B279-0A36-2693-4734-6246DE56FD6C}"/>
+              </a:ext>
+            </a:extLst>
+          </p:cNvPr>
+          <p:cNvSpPr txBox="1"/>
+          <p:nvPr/>
+        </p:nvSpPr>
+        <p:spPr>
+          <a:xfrm>
+            <a:off x="4785604" y="1985437"/>
+            <a:ext cx="851537" cy="215444"/>
+          </a:xfrm>
+          <a:prstGeom prst="rect">
+            <a:avLst/>
+          </a:prstGeom>
+          <a:noFill/>
+          <a:ln cap="rnd">
+            <a:solidFill>
+              <a:schemeClr val="tx1"/>
+            </a:solidFill>
+            <a:bevel/>
+            <a:extLst>
+              <a:ext uri="{C807C97D-BFC1-408E-A445-0C87EB9F89A2}">
+                <ask:lineSketchStyleProps xmlns:ask="http://schemas.microsoft.com/office/drawing/2018/sketchyshapes" sd="1219033472">
+                  <a:custGeom>
+                    <a:avLst/>
+                    <a:gdLst>
+                      <a:gd name="connsiteX0" fmla="*/ 0 w 1879700"/>
+                      <a:gd name="connsiteY0" fmla="*/ 0 h 215444"/>
+                      <a:gd name="connsiteX1" fmla="*/ 451128 w 1879700"/>
+                      <a:gd name="connsiteY1" fmla="*/ 0 h 215444"/>
+                      <a:gd name="connsiteX2" fmla="*/ 864662 w 1879700"/>
+                      <a:gd name="connsiteY2" fmla="*/ 0 h 215444"/>
+                      <a:gd name="connsiteX3" fmla="*/ 1372181 w 1879700"/>
+                      <a:gd name="connsiteY3" fmla="*/ 0 h 215444"/>
+                      <a:gd name="connsiteX4" fmla="*/ 1879700 w 1879700"/>
+                      <a:gd name="connsiteY4" fmla="*/ 0 h 215444"/>
+                      <a:gd name="connsiteX5" fmla="*/ 1879700 w 1879700"/>
+                      <a:gd name="connsiteY5" fmla="*/ 215444 h 215444"/>
+                      <a:gd name="connsiteX6" fmla="*/ 1447369 w 1879700"/>
+                      <a:gd name="connsiteY6" fmla="*/ 215444 h 215444"/>
+                      <a:gd name="connsiteX7" fmla="*/ 1015038 w 1879700"/>
+                      <a:gd name="connsiteY7" fmla="*/ 215444 h 215444"/>
+                      <a:gd name="connsiteX8" fmla="*/ 507519 w 1879700"/>
+                      <a:gd name="connsiteY8" fmla="*/ 215444 h 215444"/>
+                      <a:gd name="connsiteX9" fmla="*/ 0 w 1879700"/>
+                      <a:gd name="connsiteY9" fmla="*/ 215444 h 215444"/>
+                      <a:gd name="connsiteX10" fmla="*/ 0 w 1879700"/>
+                      <a:gd name="connsiteY10" fmla="*/ 0 h 215444"/>
+                    </a:gdLst>
+                    <a:ahLst/>
+                    <a:cxnLst>
+                      <a:cxn ang="0">
+                        <a:pos x="connsiteX0" y="connsiteY0"/>
+                      </a:cxn>
+                      <a:cxn ang="0">
+                        <a:pos x="connsiteX1" y="connsiteY1"/>
+                      </a:cxn>
+                      <a:cxn ang="0">
+                        <a:pos x="connsiteX2" y="connsiteY2"/>
+                      </a:cxn>
+                      <a:cxn ang="0">
+                        <a:pos x="connsiteX3" y="connsiteY3"/>
+                      </a:cxn>
+                      <a:cxn ang="0">
+                        <a:pos x="connsiteX4" y="connsiteY4"/>
+                      </a:cxn>
+                      <a:cxn ang="0">
+                        <a:pos x="connsiteX5" y="connsiteY5"/>
+                      </a:cxn>
+                      <a:cxn ang="0">
+                        <a:pos x="connsiteX6" y="connsiteY6"/>
+                      </a:cxn>
+                      <a:cxn ang="0">
+                        <a:pos x="connsiteX7" y="connsiteY7"/>
+                      </a:cxn>
+                      <a:cxn ang="0">
+                        <a:pos x="connsiteX8" y="connsiteY8"/>
+                      </a:cxn>
+                      <a:cxn ang="0">
+                        <a:pos x="connsiteX9" y="connsiteY9"/>
+                      </a:cxn>
+                      <a:cxn ang="0">
+                        <a:pos x="connsiteX10" y="connsiteY10"/>
+                      </a:cxn>
+                    </a:cxnLst>
+                    <a:rect l="l" t="t" r="r" b="b"/>
+                    <a:pathLst>
+                      <a:path w="1879700" h="215444" extrusionOk="0">
+                        <a:moveTo>
+                          <a:pt x="0" y="0"/>
+                        </a:moveTo>
+                        <a:cubicBezTo>
+                          <a:pt x="144942" y="-577"/>
+                          <a:pt x="318370" y="3267"/>
+                          <a:pt x="451128" y="0"/>
+                        </a:cubicBezTo>
+                        <a:cubicBezTo>
+                          <a:pt x="583886" y="-3267"/>
+                          <a:pt x="742478" y="29300"/>
+                          <a:pt x="864662" y="0"/>
+                        </a:cubicBezTo>
+                        <a:cubicBezTo>
+                          <a:pt x="986846" y="-29300"/>
+                          <a:pt x="1197216" y="23725"/>
+                          <a:pt x="1372181" y="0"/>
+                        </a:cubicBezTo>
+                        <a:cubicBezTo>
+                          <a:pt x="1547146" y="-23725"/>
+                          <a:pt x="1680517" y="31914"/>
+                          <a:pt x="1879700" y="0"/>
+                        </a:cubicBezTo>
+                        <a:cubicBezTo>
+                          <a:pt x="1882440" y="70980"/>
+                          <a:pt x="1862355" y="144352"/>
+                          <a:pt x="1879700" y="215444"/>
+                        </a:cubicBezTo>
+                        <a:cubicBezTo>
+                          <a:pt x="1771231" y="256425"/>
+                          <a:pt x="1622159" y="164623"/>
+                          <a:pt x="1447369" y="215444"/>
+                        </a:cubicBezTo>
+                        <a:cubicBezTo>
+                          <a:pt x="1272579" y="266265"/>
+                          <a:pt x="1176959" y="179090"/>
+                          <a:pt x="1015038" y="215444"/>
+                        </a:cubicBezTo>
+                        <a:cubicBezTo>
+                          <a:pt x="853117" y="251798"/>
+                          <a:pt x="695042" y="169593"/>
+                          <a:pt x="507519" y="215444"/>
+                        </a:cubicBezTo>
+                        <a:cubicBezTo>
+                          <a:pt x="319996" y="261295"/>
+                          <a:pt x="221599" y="194491"/>
+                          <a:pt x="0" y="215444"/>
+                        </a:cubicBezTo>
+                        <a:cubicBezTo>
+                          <a:pt x="-22738" y="124398"/>
+                          <a:pt x="1890" y="63076"/>
+                          <a:pt x="0" y="0"/>
+                        </a:cubicBezTo>
+                        <a:close/>
+                      </a:path>
+                    </a:pathLst>
+                  </a:custGeom>
+                  <ask:type>
+                    <ask:lineSketchNone/>
+                  </ask:type>
+                </ask:lineSketchStyleProps>
+              </a:ext>
+            </a:extLst>
+          </a:ln>
+        </p:spPr>
+        <p:txBody>
+          <a:bodyPr wrap="square" rtlCol="0" anchor="ctr">
+            <a:spAutoFit/>
+          </a:bodyPr>
+          <a:lstStyle/>
+          <a:p>
+            <a:pPr algn="ctr"/>
+            <a:r>
+              <a:rPr lang="en-US" sz="800" i="1" dirty="0"/>
+              <a:t>c</a:t>
+            </a:r>
+            <a:r>
+              <a:rPr lang="en-KR" sz="800" i="1" dirty="0"/>
+              <a:t>omment event</a:t>
+            </a:r>
+          </a:p>
+        </p:txBody>
+      </p:sp>
+      <p:cxnSp>
+        <p:nvCxnSpPr>
+          <p:cNvPr id="91" name="Straight Arrow Connector 90">
+            <a:extLst>
+              <a:ext uri="{FF2B5EF4-FFF2-40B4-BE49-F238E27FC236}">
+                <a16:creationId xmlns:a16="http://schemas.microsoft.com/office/drawing/2014/main" id="{B86471DA-BC93-2FA3-56DD-CB85CDD16104}"/>
+              </a:ext>
+            </a:extLst>
+          </p:cNvPr>
+          <p:cNvCxnSpPr>
+            <a:cxnSpLocks/>
+            <a:stCxn id="24" idx="2"/>
+            <a:endCxn id="85" idx="0"/>
+          </p:cNvCxnSpPr>
+          <p:nvPr/>
+        </p:nvCxnSpPr>
+        <p:spPr>
+          <a:xfrm rot="5400000">
+            <a:off x="2502020" y="2917599"/>
+            <a:ext cx="890810" cy="446597"/>
+          </a:xfrm>
+          <a:prstGeom prst="curvedConnector3">
+            <a:avLst/>
+          </a:prstGeom>
+          <a:ln w="12700">
+            <a:solidFill>
+              <a:srgbClr val="FF0000"/>
+            </a:solidFill>
+            <a:tailEnd type="arrow"/>
+          </a:ln>
+        </p:spPr>
+        <p:style>
+          <a:lnRef idx="1">
+            <a:schemeClr val="accent1"/>
+          </a:lnRef>
+          <a:fillRef idx="0">
+            <a:schemeClr val="accent1"/>
+          </a:fillRef>
+          <a:effectRef idx="0">
+            <a:schemeClr val="accent1"/>
+          </a:effectRef>
+          <a:fontRef idx="minor">
+            <a:schemeClr val="tx1"/>
+          </a:fontRef>
+        </p:style>
+      </p:cxnSp>
+      <p:sp>
+        <p:nvSpPr>
+          <p:cNvPr id="92" name="TextBox 91">
+            <a:extLst>
+              <a:ext uri="{FF2B5EF4-FFF2-40B4-BE49-F238E27FC236}">
+                <a16:creationId xmlns:a16="http://schemas.microsoft.com/office/drawing/2014/main" id="{F1636D47-FD10-B149-3813-41DDD77C9B65}"/>
+              </a:ext>
+            </a:extLst>
+          </p:cNvPr>
+          <p:cNvSpPr txBox="1"/>
+          <p:nvPr/>
+        </p:nvSpPr>
+        <p:spPr>
+          <a:xfrm>
+            <a:off x="893406" y="1970049"/>
+            <a:ext cx="463589" cy="246221"/>
+          </a:xfrm>
+          <a:prstGeom prst="rect">
+            <a:avLst/>
+          </a:prstGeom>
+          <a:noFill/>
+        </p:spPr>
+        <p:txBody>
+          <a:bodyPr wrap="square" rtlCol="0">
+            <a:spAutoFit/>
+          </a:bodyPr>
+          <a:lstStyle/>
+          <a:p>
+            <a:pPr algn="ctr"/>
+            <a:r>
+              <a:rPr lang="en-KR" sz="1000" b="1" i="1" dirty="0"/>
+              <a:t>USER</a:t>
+            </a:r>
+          </a:p>
+        </p:txBody>
+      </p:sp>
+      <p:cxnSp>
+        <p:nvCxnSpPr>
+          <p:cNvPr id="93" name="Straight Arrow Connector 90">
+            <a:extLst>
+              <a:ext uri="{FF2B5EF4-FFF2-40B4-BE49-F238E27FC236}">
+                <a16:creationId xmlns:a16="http://schemas.microsoft.com/office/drawing/2014/main" id="{8AE31E14-489B-4CB0-2310-2B930C4D2F4B}"/>
+              </a:ext>
+            </a:extLst>
+          </p:cNvPr>
+          <p:cNvCxnSpPr>
+            <a:cxnSpLocks/>
+          </p:cNvCxnSpPr>
+          <p:nvPr/>
+        </p:nvCxnSpPr>
+        <p:spPr>
+          <a:xfrm flipV="1">
+            <a:off x="1356995" y="2085465"/>
+            <a:ext cx="829012" cy="1"/>
+          </a:xfrm>
+          <a:prstGeom prst="straightConnector1">
+            <a:avLst/>
+          </a:prstGeom>
+          <a:ln w="12700">
+            <a:solidFill>
+              <a:srgbClr val="FF0000"/>
+            </a:solidFill>
+            <a:tailEnd type="arrow"/>
+          </a:ln>
+        </p:spPr>
+        <p:style>
+          <a:lnRef idx="1">
+            <a:schemeClr val="accent1"/>
+          </a:lnRef>
+          <a:fillRef idx="0">
+            <a:schemeClr val="accent1"/>
+          </a:fillRef>
+          <a:effectRef idx="0">
+            <a:schemeClr val="accent1"/>
+          </a:effectRef>
+          <a:fontRef idx="minor">
+            <a:schemeClr val="tx1"/>
+          </a:fontRef>
+        </p:style>
+      </p:cxnSp>
+      <p:cxnSp>
+        <p:nvCxnSpPr>
+          <p:cNvPr id="94" name="Straight Arrow Connector 90">
+            <a:extLst>
+              <a:ext uri="{FF2B5EF4-FFF2-40B4-BE49-F238E27FC236}">
+                <a16:creationId xmlns:a16="http://schemas.microsoft.com/office/drawing/2014/main" id="{5DEC12FA-7C9C-76FC-414A-AB584CCA259B}"/>
+              </a:ext>
+            </a:extLst>
+          </p:cNvPr>
+          <p:cNvCxnSpPr>
+            <a:cxnSpLocks/>
+            <a:stCxn id="30" idx="3"/>
+            <a:endCxn id="89" idx="1"/>
+          </p:cNvCxnSpPr>
+          <p:nvPr/>
+        </p:nvCxnSpPr>
+        <p:spPr>
+          <a:xfrm>
+            <a:off x="4135884" y="2093159"/>
+            <a:ext cx="649720" cy="0"/>
+          </a:xfrm>
+          <a:prstGeom prst="straightConnector1">
+            <a:avLst/>
+          </a:prstGeom>
+          <a:ln w="12700">
+            <a:solidFill>
+              <a:srgbClr val="FF0000"/>
+            </a:solidFill>
+            <a:tailEnd type="arrow"/>
+          </a:ln>
+        </p:spPr>
+        <p:style>
+          <a:lnRef idx="1">
+            <a:schemeClr val="accent1"/>
+          </a:lnRef>
+          <a:fillRef idx="0">
+            <a:schemeClr val="accent1"/>
+          </a:fillRef>
+          <a:effectRef idx="0">
+            <a:schemeClr val="accent1"/>
+          </a:effectRef>
+          <a:fontRef idx="minor">
+            <a:schemeClr val="tx1"/>
+          </a:fontRef>
+        </p:style>
+      </p:cxnSp>
+      <p:cxnSp>
+        <p:nvCxnSpPr>
+          <p:cNvPr id="97" name="Straight Arrow Connector 90">
+            <a:extLst>
+              <a:ext uri="{FF2B5EF4-FFF2-40B4-BE49-F238E27FC236}">
+                <a16:creationId xmlns:a16="http://schemas.microsoft.com/office/drawing/2014/main" id="{BEBD503B-76F2-E63F-B227-48DE90BD77A2}"/>
+              </a:ext>
+            </a:extLst>
+          </p:cNvPr>
+          <p:cNvCxnSpPr>
+            <a:cxnSpLocks/>
+            <a:stCxn id="85" idx="2"/>
+            <a:endCxn id="79" idx="0"/>
+          </p:cNvCxnSpPr>
+          <p:nvPr/>
+        </p:nvCxnSpPr>
+        <p:spPr>
+          <a:xfrm rot="16200000" flipH="1">
+            <a:off x="3010996" y="3514876"/>
+            <a:ext cx="468561" cy="1042300"/>
+          </a:xfrm>
+          <a:prstGeom prst="curvedConnector3">
+            <a:avLst/>
+          </a:prstGeom>
+          <a:ln w="12700">
+            <a:solidFill>
+              <a:srgbClr val="FF0000"/>
+            </a:solidFill>
+            <a:tailEnd type="arrow"/>
+          </a:ln>
+        </p:spPr>
+        <p:style>
+          <a:lnRef idx="1">
+            <a:schemeClr val="accent1"/>
+          </a:lnRef>
+          <a:fillRef idx="0">
+            <a:schemeClr val="accent1"/>
+          </a:fillRef>
+          <a:effectRef idx="0">
+            <a:schemeClr val="accent1"/>
+          </a:effectRef>
+          <a:fontRef idx="minor">
+            <a:schemeClr val="tx1"/>
+          </a:fontRef>
+        </p:style>
+      </p:cxnSp>
       <p:pic>
         <p:nvPicPr>
-          <p:cNvPr id="5" name="Graphic 20">
-            <a:extLst>
-              <a:ext uri="{FF2B5EF4-FFF2-40B4-BE49-F238E27FC236}">
-                <a16:creationId xmlns:a16="http://schemas.microsoft.com/office/drawing/2014/main" id="{BD776C4B-92D6-030C-733C-EDD1BE8F786C}"/>
+          <p:cNvPr id="98" name="Graphic 17">
+            <a:extLst>
+              <a:ext uri="{FF2B5EF4-FFF2-40B4-BE49-F238E27FC236}">
+                <a16:creationId xmlns:a16="http://schemas.microsoft.com/office/drawing/2014/main" id="{6C66924B-9DDA-899A-3C45-AF31A7F91961}"/>
               </a:ext>
             </a:extLst>
           </p:cNvPr>
@@ -6035,22 +8582,14 @@
           <p:nvPr/>
         </p:nvPicPr>
         <p:blipFill>
-          <a:blip r:embed="rId2">
-            <a:extLst>
-              <a:ext uri="{28A0092B-C50C-407E-A947-70E740481C1C}">
-                <a14:useLocalDpi xmlns:a14="http://schemas.microsoft.com/office/drawing/2010/main" val="0"/>
-              </a:ext>
-            </a:extLst>
-          </a:blip>
+          <a:blip r:embed="rId2"/>
           <a:srcRect/>
-          <a:stretch>
-            <a:fillRect/>
-          </a:stretch>
+          <a:stretch/>
         </p:blipFill>
         <p:spPr bwMode="auto">
           <a:xfrm>
-            <a:off x="4149834" y="951679"/>
-            <a:ext cx="330200" cy="330200"/>
+            <a:off x="6789240" y="1877159"/>
+            <a:ext cx="432000" cy="432000"/>
           </a:xfrm>
           <a:prstGeom prst="rect">
             <a:avLst/>
@@ -6082,10 +8621,10 @@
       </p:pic>
       <p:pic>
         <p:nvPicPr>
-          <p:cNvPr id="6" name="Graphic 17">
-            <a:extLst>
-              <a:ext uri="{FF2B5EF4-FFF2-40B4-BE49-F238E27FC236}">
-                <a16:creationId xmlns:a16="http://schemas.microsoft.com/office/drawing/2014/main" id="{749710AB-A5DA-703A-BFE2-5EBC90D22A31}"/>
+          <p:cNvPr id="99" name="Graphic 10">
+            <a:extLst>
+              <a:ext uri="{FF2B5EF4-FFF2-40B4-BE49-F238E27FC236}">
+                <a16:creationId xmlns:a16="http://schemas.microsoft.com/office/drawing/2014/main" id="{1D6D2098-C184-B463-A4D1-ACFA5B3708B4}"/>
               </a:ext>
             </a:extLst>
           </p:cNvPr>
@@ -6095,14 +8634,22 @@
           <p:nvPr/>
         </p:nvPicPr>
         <p:blipFill>
-          <a:blip r:embed="rId3"/>
+          <a:blip r:embed="rId3">
+            <a:extLst>
+              <a:ext uri="{28A0092B-C50C-407E-A947-70E740481C1C}">
+                <a14:useLocalDpi xmlns:a14="http://schemas.microsoft.com/office/drawing/2010/main" val="0"/>
+              </a:ext>
+            </a:extLst>
+          </a:blip>
           <a:srcRect/>
-          <a:stretch/>
+          <a:stretch>
+            <a:fillRect/>
+          </a:stretch>
         </p:blipFill>
         <p:spPr bwMode="auto">
           <a:xfrm>
-            <a:off x="4708537" y="1584172"/>
-            <a:ext cx="540000" cy="540000"/>
+            <a:off x="6789240" y="3586302"/>
+            <a:ext cx="432000" cy="432000"/>
           </a:xfrm>
           <a:prstGeom prst="rect">
             <a:avLst/>
@@ -6132,12 +8679,204 @@
           </a:extLst>
         </p:spPr>
       </p:pic>
+      <p:sp>
+        <p:nvSpPr>
+          <p:cNvPr id="100" name="TextBox 99">
+            <a:extLst>
+              <a:ext uri="{FF2B5EF4-FFF2-40B4-BE49-F238E27FC236}">
+                <a16:creationId xmlns:a16="http://schemas.microsoft.com/office/drawing/2014/main" id="{3EA27D75-8003-0D4A-D0A9-05DC268D81A8}"/>
+              </a:ext>
+            </a:extLst>
+          </p:cNvPr>
+          <p:cNvSpPr txBox="1"/>
+          <p:nvPr/>
+        </p:nvSpPr>
+        <p:spPr>
+          <a:xfrm>
+            <a:off x="6566415" y="2309159"/>
+            <a:ext cx="877650" cy="400110"/>
+          </a:xfrm>
+          <a:prstGeom prst="rect">
+            <a:avLst/>
+          </a:prstGeom>
+          <a:noFill/>
+        </p:spPr>
+        <p:txBody>
+          <a:bodyPr wrap="square" rtlCol="0">
+            <a:spAutoFit/>
+          </a:bodyPr>
+          <a:lstStyle/>
+          <a:p>
+            <a:pPr algn="ctr"/>
+            <a:r>
+              <a:rPr lang="en-KR" sz="1000" b="1" dirty="0"/>
+              <a:t>AWS</a:t>
+            </a:r>
+          </a:p>
+          <a:p>
+            <a:pPr algn="ctr"/>
+            <a:r>
+              <a:rPr lang="en-KR" sz="1000" b="1" dirty="0"/>
+              <a:t>API Gateway</a:t>
+            </a:r>
+          </a:p>
+        </p:txBody>
+      </p:sp>
+      <p:sp>
+        <p:nvSpPr>
+          <p:cNvPr id="102" name="TextBox 101">
+            <a:extLst>
+              <a:ext uri="{FF2B5EF4-FFF2-40B4-BE49-F238E27FC236}">
+                <a16:creationId xmlns:a16="http://schemas.microsoft.com/office/drawing/2014/main" id="{B2B6A750-BF2E-58B3-59A1-7F55BD81F13D}"/>
+              </a:ext>
+            </a:extLst>
+          </p:cNvPr>
+          <p:cNvSpPr txBox="1"/>
+          <p:nvPr/>
+        </p:nvSpPr>
+        <p:spPr>
+          <a:xfrm>
+            <a:off x="6531509" y="4017041"/>
+            <a:ext cx="947462" cy="400110"/>
+          </a:xfrm>
+          <a:prstGeom prst="rect">
+            <a:avLst/>
+          </a:prstGeom>
+          <a:noFill/>
+        </p:spPr>
+        <p:txBody>
+          <a:bodyPr wrap="square" rtlCol="0">
+            <a:spAutoFit/>
+          </a:bodyPr>
+          <a:lstStyle/>
+          <a:p>
+            <a:pPr algn="ctr"/>
+            <a:r>
+              <a:rPr lang="en-KR" sz="1000" b="1" dirty="0">
+                <a:solidFill>
+                  <a:schemeClr val="accent1"/>
+                </a:solidFill>
+              </a:rPr>
+              <a:t>AWS Lambda</a:t>
+            </a:r>
+            <a:br>
+              <a:rPr lang="en-KR" sz="1000" b="1" dirty="0">
+                <a:solidFill>
+                  <a:schemeClr val="accent1"/>
+                </a:solidFill>
+              </a:rPr>
+            </a:br>
+            <a:r>
+              <a:rPr lang="en-KR" sz="1000" b="1" dirty="0">
+                <a:solidFill>
+                  <a:schemeClr val="accent1"/>
+                </a:solidFill>
+              </a:rPr>
+              <a:t>(injeolmi)</a:t>
+            </a:r>
+          </a:p>
+        </p:txBody>
+      </p:sp>
+      <p:cxnSp>
+        <p:nvCxnSpPr>
+          <p:cNvPr id="105" name="Straight Arrow Connector 90">
+            <a:extLst>
+              <a:ext uri="{FF2B5EF4-FFF2-40B4-BE49-F238E27FC236}">
+                <a16:creationId xmlns:a16="http://schemas.microsoft.com/office/drawing/2014/main" id="{FF9F6128-2E0F-1722-36FC-099FFA725D82}"/>
+              </a:ext>
+            </a:extLst>
+          </p:cNvPr>
+          <p:cNvCxnSpPr>
+            <a:cxnSpLocks/>
+            <a:stCxn id="89" idx="3"/>
+            <a:endCxn id="98" idx="1"/>
+          </p:cNvCxnSpPr>
+          <p:nvPr/>
+        </p:nvCxnSpPr>
+        <p:spPr>
+          <a:xfrm>
+            <a:off x="5637141" y="2093159"/>
+            <a:ext cx="1152099" cy="0"/>
+          </a:xfrm>
+          <a:prstGeom prst="straightConnector1">
+            <a:avLst/>
+          </a:prstGeom>
+          <a:ln w="12700">
+            <a:solidFill>
+              <a:srgbClr val="FF0000"/>
+            </a:solidFill>
+            <a:headEnd type="arrow"/>
+            <a:tailEnd type="arrow"/>
+          </a:ln>
+        </p:spPr>
+        <p:style>
+          <a:lnRef idx="1">
+            <a:schemeClr val="accent1"/>
+          </a:lnRef>
+          <a:fillRef idx="0">
+            <a:schemeClr val="accent1"/>
+          </a:fillRef>
+          <a:effectRef idx="0">
+            <a:schemeClr val="accent1"/>
+          </a:effectRef>
+          <a:fontRef idx="minor">
+            <a:schemeClr val="tx1"/>
+          </a:fontRef>
+        </p:style>
+      </p:cxnSp>
+      <p:cxnSp>
+        <p:nvCxnSpPr>
+          <p:cNvPr id="106" name="Straight Arrow Connector 90">
+            <a:extLst>
+              <a:ext uri="{FF2B5EF4-FFF2-40B4-BE49-F238E27FC236}">
+                <a16:creationId xmlns:a16="http://schemas.microsoft.com/office/drawing/2014/main" id="{9E535BE3-8DDC-3309-7B60-A1F5B7D5BF9C}"/>
+              </a:ext>
+            </a:extLst>
+          </p:cNvPr>
+          <p:cNvCxnSpPr>
+            <a:cxnSpLocks/>
+            <a:stCxn id="100" idx="2"/>
+            <a:endCxn id="99" idx="0"/>
+          </p:cNvCxnSpPr>
+          <p:nvPr/>
+        </p:nvCxnSpPr>
+        <p:spPr>
+          <a:xfrm>
+            <a:off x="7005240" y="2709269"/>
+            <a:ext cx="0" cy="877033"/>
+          </a:xfrm>
+          <a:prstGeom prst="straightConnector1">
+            <a:avLst/>
+          </a:prstGeom>
+          <a:ln w="12700">
+            <a:solidFill>
+              <a:srgbClr val="FF0000"/>
+            </a:solidFill>
+            <a:headEnd type="arrow"/>
+            <a:tailEnd type="arrow"/>
+          </a:ln>
+        </p:spPr>
+        <p:style>
+          <a:lnRef idx="1">
+            <a:schemeClr val="accent1"/>
+          </a:lnRef>
+          <a:fillRef idx="0">
+            <a:schemeClr val="accent1"/>
+          </a:fillRef>
+          <a:effectRef idx="0">
+            <a:schemeClr val="accent1"/>
+          </a:effectRef>
+          <a:fontRef idx="minor">
+            <a:schemeClr val="tx1"/>
+          </a:fontRef>
+        </p:style>
+      </p:cxnSp>
       <p:pic>
         <p:nvPicPr>
-          <p:cNvPr id="8" name="Graphic 10">
-            <a:extLst>
-              <a:ext uri="{FF2B5EF4-FFF2-40B4-BE49-F238E27FC236}">
-                <a16:creationId xmlns:a16="http://schemas.microsoft.com/office/drawing/2014/main" id="{CB0C1D73-3AC3-23AB-F15F-580CCAC4CF06}"/>
+          <p:cNvPr id="108" name="Graphic 20">
+            <a:extLst>
+              <a:ext uri="{FF2B5EF4-FFF2-40B4-BE49-F238E27FC236}">
+                <a16:creationId xmlns:a16="http://schemas.microsoft.com/office/drawing/2014/main" id="{A5D1DDB5-2C52-E13F-C026-E6A40737A147}"/>
               </a:ext>
             </a:extLst>
           </p:cNvPr>
@@ -6161,8 +8900,8 @@
         </p:blipFill>
         <p:spPr bwMode="auto">
           <a:xfrm>
-            <a:off x="4708537" y="2917637"/>
-            <a:ext cx="540000" cy="540000"/>
+            <a:off x="6389435" y="1061159"/>
+            <a:ext cx="251999" cy="251999"/>
           </a:xfrm>
           <a:prstGeom prst="rect">
             <a:avLst/>
@@ -6194,22 +8933,3321 @@
       </p:pic>
       <p:sp>
         <p:nvSpPr>
-          <p:cNvPr id="10" name="TextBox 12">
-            <a:extLst>
-              <a:ext uri="{FF2B5EF4-FFF2-40B4-BE49-F238E27FC236}">
-                <a16:creationId xmlns:a16="http://schemas.microsoft.com/office/drawing/2014/main" id="{84039A6D-C47C-3245-22D7-B315352C0C35}"/>
-              </a:ext>
-            </a:extLst>
-          </p:cNvPr>
-          <p:cNvSpPr txBox="1">
-            <a:spLocks noChangeArrowheads="1"/>
-          </p:cNvSpPr>
-          <p:nvPr/>
-        </p:nvSpPr>
+          <p:cNvPr id="109" name="Rectangle 108">
+            <a:extLst>
+              <a:ext uri="{FF2B5EF4-FFF2-40B4-BE49-F238E27FC236}">
+                <a16:creationId xmlns:a16="http://schemas.microsoft.com/office/drawing/2014/main" id="{90D86EEA-E2CC-C44F-3F69-D0C983E70647}"/>
+              </a:ext>
+            </a:extLst>
+          </p:cNvPr>
+          <p:cNvSpPr/>
+          <p:nvPr/>
+        </p:nvSpPr>
+        <p:spPr>
+          <a:xfrm>
+            <a:off x="4602391" y="1402633"/>
+            <a:ext cx="1200176" cy="1292859"/>
+          </a:xfrm>
+          <a:prstGeom prst="rect">
+            <a:avLst/>
+          </a:prstGeom>
+          <a:noFill/>
+          <a:ln w="12700">
+            <a:solidFill>
+              <a:schemeClr val="tx1"/>
+            </a:solidFill>
+            <a:prstDash val="solid"/>
+          </a:ln>
+        </p:spPr>
+        <p:style>
+          <a:lnRef idx="2">
+            <a:schemeClr val="accent1">
+              <a:shade val="50000"/>
+            </a:schemeClr>
+          </a:lnRef>
+          <a:fillRef idx="1">
+            <a:schemeClr val="accent1"/>
+          </a:fillRef>
+          <a:effectRef idx="0">
+            <a:schemeClr val="accent1"/>
+          </a:effectRef>
+          <a:fontRef idx="minor">
+            <a:schemeClr val="lt1"/>
+          </a:fontRef>
+        </p:style>
+        <p:txBody>
+          <a:bodyPr lIns="457200" tIns="91440"/>
+          <a:lstStyle/>
+          <a:p>
+            <a:pPr eaLnBrk="1" fontAlgn="auto" hangingPunct="1">
+              <a:spcBef>
+                <a:spcPts val="0"/>
+              </a:spcBef>
+              <a:spcAft>
+                <a:spcPts val="0"/>
+              </a:spcAft>
+              <a:defRPr/>
+            </a:pPr>
+            <a:endParaRPr lang="en-US" sz="1200" b="1" dirty="0">
+              <a:noFill/>
+              <a:latin typeface="Arial" panose="020B0604020202020204" pitchFamily="34" charset="0"/>
+              <a:cs typeface="Arial" panose="020B0604020202020204" pitchFamily="34" charset="0"/>
+            </a:endParaRPr>
+          </a:p>
+        </p:txBody>
+      </p:sp>
+      <p:cxnSp>
+        <p:nvCxnSpPr>
+          <p:cNvPr id="113" name="Straight Arrow Connector 90">
+            <a:extLst>
+              <a:ext uri="{FF2B5EF4-FFF2-40B4-BE49-F238E27FC236}">
+                <a16:creationId xmlns:a16="http://schemas.microsoft.com/office/drawing/2014/main" id="{690EDB2B-981B-D078-E3C7-2F99CE82F9B3}"/>
+              </a:ext>
+            </a:extLst>
+          </p:cNvPr>
+          <p:cNvCxnSpPr>
+            <a:cxnSpLocks/>
+            <a:stCxn id="99" idx="1"/>
+            <a:endCxn id="75" idx="3"/>
+          </p:cNvCxnSpPr>
+          <p:nvPr/>
+        </p:nvCxnSpPr>
+        <p:spPr>
+          <a:xfrm rot="10800000" flipV="1">
+            <a:off x="4204376" y="3802301"/>
+            <a:ext cx="2584865" cy="205049"/>
+          </a:xfrm>
+          <a:prstGeom prst="bentConnector3">
+            <a:avLst>
+              <a:gd name="adj1" fmla="val 89375"/>
+            </a:avLst>
+          </a:prstGeom>
+          <a:ln w="12700">
+            <a:solidFill>
+              <a:srgbClr val="0070C0"/>
+            </a:solidFill>
+            <a:tailEnd type="arrow"/>
+          </a:ln>
+        </p:spPr>
+        <p:style>
+          <a:lnRef idx="1">
+            <a:schemeClr val="accent1"/>
+          </a:lnRef>
+          <a:fillRef idx="0">
+            <a:schemeClr val="accent1"/>
+          </a:fillRef>
+          <a:effectRef idx="0">
+            <a:schemeClr val="accent1"/>
+          </a:effectRef>
+          <a:fontRef idx="minor">
+            <a:schemeClr val="tx1"/>
+          </a:fontRef>
+        </p:style>
+      </p:cxnSp>
+      <p:cxnSp>
+        <p:nvCxnSpPr>
+          <p:cNvPr id="127" name="Straight Arrow Connector 90">
+            <a:extLst>
+              <a:ext uri="{FF2B5EF4-FFF2-40B4-BE49-F238E27FC236}">
+                <a16:creationId xmlns:a16="http://schemas.microsoft.com/office/drawing/2014/main" id="{2B82F27B-CFD2-44D4-7D79-F5D8935F0397}"/>
+              </a:ext>
+            </a:extLst>
+          </p:cNvPr>
+          <p:cNvCxnSpPr>
+            <a:cxnSpLocks/>
+            <a:stCxn id="99" idx="1"/>
+            <a:endCxn id="40" idx="3"/>
+          </p:cNvCxnSpPr>
+          <p:nvPr/>
+        </p:nvCxnSpPr>
+        <p:spPr>
+          <a:xfrm rot="10800000">
+            <a:off x="4135884" y="2376410"/>
+            <a:ext cx="2653356" cy="1425892"/>
+          </a:xfrm>
+          <a:prstGeom prst="bentConnector3">
+            <a:avLst>
+              <a:gd name="adj1" fmla="val 86859"/>
+            </a:avLst>
+          </a:prstGeom>
+          <a:ln w="12700">
+            <a:solidFill>
+              <a:srgbClr val="0070C0"/>
+            </a:solidFill>
+            <a:tailEnd type="arrow"/>
+          </a:ln>
+        </p:spPr>
+        <p:style>
+          <a:lnRef idx="1">
+            <a:schemeClr val="accent1"/>
+          </a:lnRef>
+          <a:fillRef idx="0">
+            <a:schemeClr val="accent1"/>
+          </a:fillRef>
+          <a:effectRef idx="0">
+            <a:schemeClr val="accent1"/>
+          </a:effectRef>
+          <a:fontRef idx="minor">
+            <a:schemeClr val="tx1"/>
+          </a:fontRef>
+        </p:style>
+      </p:cxnSp>
+      <p:pic>
+        <p:nvPicPr>
+          <p:cNvPr id="142" name="Picture 141">
+            <a:extLst>
+              <a:ext uri="{FF2B5EF4-FFF2-40B4-BE49-F238E27FC236}">
+                <a16:creationId xmlns:a16="http://schemas.microsoft.com/office/drawing/2014/main" id="{3711B9BB-23A3-074D-436B-04961A45AAF0}"/>
+              </a:ext>
+            </a:extLst>
+          </p:cNvPr>
+          <p:cNvPicPr>
+            <a:picLocks noChangeAspect="1"/>
+          </p:cNvPicPr>
+          <p:nvPr/>
+        </p:nvPicPr>
+        <p:blipFill>
+          <a:blip r:embed="rId5"/>
+          <a:stretch>
+            <a:fillRect/>
+          </a:stretch>
+        </p:blipFill>
+        <p:spPr>
+          <a:xfrm>
+            <a:off x="1856975" y="1059298"/>
+            <a:ext cx="251999" cy="251999"/>
+          </a:xfrm>
+          <a:prstGeom prst="rect">
+            <a:avLst/>
+          </a:prstGeom>
+        </p:spPr>
+      </p:pic>
+      <p:sp>
+        <p:nvSpPr>
+          <p:cNvPr id="150" name="TextBox 149">
+            <a:extLst>
+              <a:ext uri="{FF2B5EF4-FFF2-40B4-BE49-F238E27FC236}">
+                <a16:creationId xmlns:a16="http://schemas.microsoft.com/office/drawing/2014/main" id="{7435DC62-1B50-B164-1D28-12898C693837}"/>
+              </a:ext>
+            </a:extLst>
+          </p:cNvPr>
+          <p:cNvSpPr txBox="1"/>
+          <p:nvPr/>
+        </p:nvSpPr>
+        <p:spPr>
+          <a:xfrm>
+            <a:off x="2108974" y="1062186"/>
+            <a:ext cx="1040920" cy="246221"/>
+          </a:xfrm>
+          <a:prstGeom prst="rect">
+            <a:avLst/>
+          </a:prstGeom>
+          <a:noFill/>
+        </p:spPr>
+        <p:txBody>
+          <a:bodyPr wrap="square" rtlCol="0">
+            <a:spAutoFit/>
+          </a:bodyPr>
+          <a:lstStyle/>
+          <a:p>
+            <a:r>
+              <a:rPr lang="en-KR" sz="1000" b="1" dirty="0"/>
+              <a:t>Gitlab project</a:t>
+            </a:r>
+          </a:p>
+        </p:txBody>
+      </p:sp>
+      <p:sp>
+        <p:nvSpPr>
+          <p:cNvPr id="151" name="TextBox 150">
+            <a:extLst>
+              <a:ext uri="{FF2B5EF4-FFF2-40B4-BE49-F238E27FC236}">
+                <a16:creationId xmlns:a16="http://schemas.microsoft.com/office/drawing/2014/main" id="{C60EB272-BD85-97FF-14D0-4AA5BC067A38}"/>
+              </a:ext>
+            </a:extLst>
+          </p:cNvPr>
+          <p:cNvSpPr txBox="1"/>
+          <p:nvPr/>
+        </p:nvSpPr>
+        <p:spPr>
+          <a:xfrm>
+            <a:off x="6645054" y="1062186"/>
+            <a:ext cx="1040920" cy="246221"/>
+          </a:xfrm>
+          <a:prstGeom prst="rect">
+            <a:avLst/>
+          </a:prstGeom>
+          <a:noFill/>
+        </p:spPr>
+        <p:txBody>
+          <a:bodyPr wrap="square" rtlCol="0">
+            <a:spAutoFit/>
+          </a:bodyPr>
+          <a:lstStyle/>
+          <a:p>
+            <a:r>
+              <a:rPr lang="en-KR" sz="1000" b="1" dirty="0"/>
+              <a:t>AWS</a:t>
+            </a:r>
+          </a:p>
+        </p:txBody>
+      </p:sp>
+      <p:sp>
+        <p:nvSpPr>
+          <p:cNvPr id="156" name="TextBox 155">
+            <a:extLst>
+              <a:ext uri="{FF2B5EF4-FFF2-40B4-BE49-F238E27FC236}">
+                <a16:creationId xmlns:a16="http://schemas.microsoft.com/office/drawing/2014/main" id="{802731D7-5B4F-BF60-05C9-A81031665ED9}"/>
+              </a:ext>
+            </a:extLst>
+          </p:cNvPr>
+          <p:cNvSpPr txBox="1"/>
+          <p:nvPr/>
+        </p:nvSpPr>
+        <p:spPr>
+          <a:xfrm>
+            <a:off x="4785604" y="2268688"/>
+            <a:ext cx="851537" cy="215444"/>
+          </a:xfrm>
+          <a:prstGeom prst="rect">
+            <a:avLst/>
+          </a:prstGeom>
+          <a:noFill/>
+          <a:ln cap="rnd">
+            <a:solidFill>
+              <a:schemeClr val="tx1"/>
+            </a:solidFill>
+            <a:bevel/>
+            <a:extLst>
+              <a:ext uri="{C807C97D-BFC1-408E-A445-0C87EB9F89A2}">
+                <ask:lineSketchStyleProps xmlns:ask="http://schemas.microsoft.com/office/drawing/2018/sketchyshapes" sd="1219033472">
+                  <a:custGeom>
+                    <a:avLst/>
+                    <a:gdLst>
+                      <a:gd name="connsiteX0" fmla="*/ 0 w 1879700"/>
+                      <a:gd name="connsiteY0" fmla="*/ 0 h 215444"/>
+                      <a:gd name="connsiteX1" fmla="*/ 451128 w 1879700"/>
+                      <a:gd name="connsiteY1" fmla="*/ 0 h 215444"/>
+                      <a:gd name="connsiteX2" fmla="*/ 864662 w 1879700"/>
+                      <a:gd name="connsiteY2" fmla="*/ 0 h 215444"/>
+                      <a:gd name="connsiteX3" fmla="*/ 1372181 w 1879700"/>
+                      <a:gd name="connsiteY3" fmla="*/ 0 h 215444"/>
+                      <a:gd name="connsiteX4" fmla="*/ 1879700 w 1879700"/>
+                      <a:gd name="connsiteY4" fmla="*/ 0 h 215444"/>
+                      <a:gd name="connsiteX5" fmla="*/ 1879700 w 1879700"/>
+                      <a:gd name="connsiteY5" fmla="*/ 215444 h 215444"/>
+                      <a:gd name="connsiteX6" fmla="*/ 1447369 w 1879700"/>
+                      <a:gd name="connsiteY6" fmla="*/ 215444 h 215444"/>
+                      <a:gd name="connsiteX7" fmla="*/ 1015038 w 1879700"/>
+                      <a:gd name="connsiteY7" fmla="*/ 215444 h 215444"/>
+                      <a:gd name="connsiteX8" fmla="*/ 507519 w 1879700"/>
+                      <a:gd name="connsiteY8" fmla="*/ 215444 h 215444"/>
+                      <a:gd name="connsiteX9" fmla="*/ 0 w 1879700"/>
+                      <a:gd name="connsiteY9" fmla="*/ 215444 h 215444"/>
+                      <a:gd name="connsiteX10" fmla="*/ 0 w 1879700"/>
+                      <a:gd name="connsiteY10" fmla="*/ 0 h 215444"/>
+                    </a:gdLst>
+                    <a:ahLst/>
+                    <a:cxnLst>
+                      <a:cxn ang="0">
+                        <a:pos x="connsiteX0" y="connsiteY0"/>
+                      </a:cxn>
+                      <a:cxn ang="0">
+                        <a:pos x="connsiteX1" y="connsiteY1"/>
+                      </a:cxn>
+                      <a:cxn ang="0">
+                        <a:pos x="connsiteX2" y="connsiteY2"/>
+                      </a:cxn>
+                      <a:cxn ang="0">
+                        <a:pos x="connsiteX3" y="connsiteY3"/>
+                      </a:cxn>
+                      <a:cxn ang="0">
+                        <a:pos x="connsiteX4" y="connsiteY4"/>
+                      </a:cxn>
+                      <a:cxn ang="0">
+                        <a:pos x="connsiteX5" y="connsiteY5"/>
+                      </a:cxn>
+                      <a:cxn ang="0">
+                        <a:pos x="connsiteX6" y="connsiteY6"/>
+                      </a:cxn>
+                      <a:cxn ang="0">
+                        <a:pos x="connsiteX7" y="connsiteY7"/>
+                      </a:cxn>
+                      <a:cxn ang="0">
+                        <a:pos x="connsiteX8" y="connsiteY8"/>
+                      </a:cxn>
+                      <a:cxn ang="0">
+                        <a:pos x="connsiteX9" y="connsiteY9"/>
+                      </a:cxn>
+                      <a:cxn ang="0">
+                        <a:pos x="connsiteX10" y="connsiteY10"/>
+                      </a:cxn>
+                    </a:cxnLst>
+                    <a:rect l="l" t="t" r="r" b="b"/>
+                    <a:pathLst>
+                      <a:path w="1879700" h="215444" extrusionOk="0">
+                        <a:moveTo>
+                          <a:pt x="0" y="0"/>
+                        </a:moveTo>
+                        <a:cubicBezTo>
+                          <a:pt x="144942" y="-577"/>
+                          <a:pt x="318370" y="3267"/>
+                          <a:pt x="451128" y="0"/>
+                        </a:cubicBezTo>
+                        <a:cubicBezTo>
+                          <a:pt x="583886" y="-3267"/>
+                          <a:pt x="742478" y="29300"/>
+                          <a:pt x="864662" y="0"/>
+                        </a:cubicBezTo>
+                        <a:cubicBezTo>
+                          <a:pt x="986846" y="-29300"/>
+                          <a:pt x="1197216" y="23725"/>
+                          <a:pt x="1372181" y="0"/>
+                        </a:cubicBezTo>
+                        <a:cubicBezTo>
+                          <a:pt x="1547146" y="-23725"/>
+                          <a:pt x="1680517" y="31914"/>
+                          <a:pt x="1879700" y="0"/>
+                        </a:cubicBezTo>
+                        <a:cubicBezTo>
+                          <a:pt x="1882440" y="70980"/>
+                          <a:pt x="1862355" y="144352"/>
+                          <a:pt x="1879700" y="215444"/>
+                        </a:cubicBezTo>
+                        <a:cubicBezTo>
+                          <a:pt x="1771231" y="256425"/>
+                          <a:pt x="1622159" y="164623"/>
+                          <a:pt x="1447369" y="215444"/>
+                        </a:cubicBezTo>
+                        <a:cubicBezTo>
+                          <a:pt x="1272579" y="266265"/>
+                          <a:pt x="1176959" y="179090"/>
+                          <a:pt x="1015038" y="215444"/>
+                        </a:cubicBezTo>
+                        <a:cubicBezTo>
+                          <a:pt x="853117" y="251798"/>
+                          <a:pt x="695042" y="169593"/>
+                          <a:pt x="507519" y="215444"/>
+                        </a:cubicBezTo>
+                        <a:cubicBezTo>
+                          <a:pt x="319996" y="261295"/>
+                          <a:pt x="221599" y="194491"/>
+                          <a:pt x="0" y="215444"/>
+                        </a:cubicBezTo>
+                        <a:cubicBezTo>
+                          <a:pt x="-22738" y="124398"/>
+                          <a:pt x="1890" y="63076"/>
+                          <a:pt x="0" y="0"/>
+                        </a:cubicBezTo>
+                        <a:close/>
+                      </a:path>
+                    </a:pathLst>
+                  </a:custGeom>
+                  <ask:type>
+                    <ask:lineSketchNone/>
+                  </ask:type>
+                </ask:lineSketchStyleProps>
+              </a:ext>
+            </a:extLst>
+          </a:ln>
+        </p:spPr>
+        <p:txBody>
+          <a:bodyPr wrap="square" rtlCol="0" anchor="ctr">
+            <a:spAutoFit/>
+          </a:bodyPr>
+          <a:lstStyle/>
+          <a:p>
+            <a:pPr algn="ctr"/>
+            <a:r>
+              <a:rPr lang="en-US" sz="800" i="1" dirty="0"/>
+              <a:t>pipeline</a:t>
+            </a:r>
+            <a:r>
+              <a:rPr lang="en-KR" sz="800" i="1" dirty="0"/>
+              <a:t> event</a:t>
+            </a:r>
+          </a:p>
+        </p:txBody>
+      </p:sp>
+      <p:sp>
+        <p:nvSpPr>
+          <p:cNvPr id="157" name="TextBox 156">
+            <a:extLst>
+              <a:ext uri="{FF2B5EF4-FFF2-40B4-BE49-F238E27FC236}">
+                <a16:creationId xmlns:a16="http://schemas.microsoft.com/office/drawing/2014/main" id="{62946F2D-1E47-0B8F-F861-97AC7F19B010}"/>
+              </a:ext>
+            </a:extLst>
+          </p:cNvPr>
+          <p:cNvSpPr txBox="1"/>
+          <p:nvPr/>
+        </p:nvSpPr>
+        <p:spPr>
+          <a:xfrm>
+            <a:off x="1076846" y="1733492"/>
+            <a:ext cx="933268" cy="215444"/>
+          </a:xfrm>
+          <a:prstGeom prst="rect">
+            <a:avLst/>
+          </a:prstGeom>
+          <a:noFill/>
+        </p:spPr>
+        <p:txBody>
+          <a:bodyPr wrap="none" rtlCol="0">
+            <a:spAutoFit/>
+          </a:bodyPr>
+          <a:lstStyle/>
+          <a:p>
+            <a:pPr algn="ctr"/>
+            <a:r>
+              <a:rPr lang="en-US" sz="800" b="1" i="1" dirty="0">
+                <a:solidFill>
+                  <a:srgbClr val="FF0000"/>
+                </a:solidFill>
+              </a:rPr>
+              <a:t>1. I</a:t>
+            </a:r>
+            <a:r>
+              <a:rPr lang="en-KR" sz="800" b="1" i="1" dirty="0">
+                <a:solidFill>
+                  <a:srgbClr val="FF0000"/>
+                </a:solidFill>
+              </a:rPr>
+              <a:t>nput comment</a:t>
+            </a:r>
+          </a:p>
+        </p:txBody>
+      </p:sp>
+      <p:sp>
+        <p:nvSpPr>
+          <p:cNvPr id="158" name="TextBox 157">
+            <a:extLst>
+              <a:ext uri="{FF2B5EF4-FFF2-40B4-BE49-F238E27FC236}">
+                <a16:creationId xmlns:a16="http://schemas.microsoft.com/office/drawing/2014/main" id="{E5161610-1553-3364-DBE7-1EE75B911795}"/>
+              </a:ext>
+            </a:extLst>
+          </p:cNvPr>
+          <p:cNvSpPr txBox="1"/>
+          <p:nvPr/>
+        </p:nvSpPr>
+        <p:spPr>
+          <a:xfrm>
+            <a:off x="4307442" y="1730100"/>
+            <a:ext cx="1011816" cy="215444"/>
+          </a:xfrm>
+          <a:prstGeom prst="rect">
+            <a:avLst/>
+          </a:prstGeom>
+          <a:noFill/>
+        </p:spPr>
+        <p:txBody>
+          <a:bodyPr wrap="none" rtlCol="0">
+            <a:spAutoFit/>
+          </a:bodyPr>
+          <a:lstStyle/>
+          <a:p>
+            <a:pPr algn="ctr"/>
+            <a:r>
+              <a:rPr lang="en-US" sz="800" b="1" i="1" dirty="0">
+                <a:solidFill>
+                  <a:srgbClr val="FF0000"/>
+                </a:solidFill>
+              </a:rPr>
+              <a:t>2. Trigger webhook</a:t>
+            </a:r>
+            <a:endParaRPr lang="en-KR" sz="800" b="1" i="1" dirty="0">
+              <a:solidFill>
+                <a:srgbClr val="FF0000"/>
+              </a:solidFill>
+            </a:endParaRPr>
+          </a:p>
+        </p:txBody>
+      </p:sp>
+      <p:sp>
+        <p:nvSpPr>
+          <p:cNvPr id="159" name="TextBox 158">
+            <a:extLst>
+              <a:ext uri="{FF2B5EF4-FFF2-40B4-BE49-F238E27FC236}">
+                <a16:creationId xmlns:a16="http://schemas.microsoft.com/office/drawing/2014/main" id="{34337642-C4D2-7220-A7A3-0AADA95C9213}"/>
+              </a:ext>
+            </a:extLst>
+          </p:cNvPr>
+          <p:cNvSpPr txBox="1"/>
+          <p:nvPr/>
+        </p:nvSpPr>
+        <p:spPr>
+          <a:xfrm>
+            <a:off x="5718879" y="1732521"/>
+            <a:ext cx="941283" cy="215444"/>
+          </a:xfrm>
+          <a:prstGeom prst="rect">
+            <a:avLst/>
+          </a:prstGeom>
+          <a:noFill/>
+        </p:spPr>
+        <p:txBody>
+          <a:bodyPr wrap="none" rtlCol="0">
+            <a:spAutoFit/>
+          </a:bodyPr>
+          <a:lstStyle/>
+          <a:p>
+            <a:pPr algn="ctr"/>
+            <a:r>
+              <a:rPr lang="en-US" sz="800" b="1" i="1" dirty="0">
+                <a:solidFill>
+                  <a:srgbClr val="FF0000"/>
+                </a:solidFill>
+              </a:rPr>
+              <a:t>3. Send event info</a:t>
+            </a:r>
+            <a:endParaRPr lang="en-KR" sz="800" b="1" i="1" dirty="0">
+              <a:solidFill>
+                <a:srgbClr val="FF0000"/>
+              </a:solidFill>
+            </a:endParaRPr>
+          </a:p>
+        </p:txBody>
+      </p:sp>
+      <p:sp>
+        <p:nvSpPr>
+          <p:cNvPr id="160" name="TextBox 159">
+            <a:extLst>
+              <a:ext uri="{FF2B5EF4-FFF2-40B4-BE49-F238E27FC236}">
+                <a16:creationId xmlns:a16="http://schemas.microsoft.com/office/drawing/2014/main" id="{160A7A4F-DECE-AF06-22BE-988417952E48}"/>
+              </a:ext>
+            </a:extLst>
+          </p:cNvPr>
+          <p:cNvSpPr txBox="1"/>
+          <p:nvPr/>
+        </p:nvSpPr>
+        <p:spPr>
+          <a:xfrm>
+            <a:off x="7005240" y="3186192"/>
+            <a:ext cx="960520" cy="215444"/>
+          </a:xfrm>
+          <a:prstGeom prst="rect">
+            <a:avLst/>
+          </a:prstGeom>
+          <a:noFill/>
+        </p:spPr>
+        <p:txBody>
+          <a:bodyPr wrap="none" rtlCol="0">
+            <a:spAutoFit/>
+          </a:bodyPr>
+          <a:lstStyle/>
+          <a:p>
+            <a:pPr algn="ctr"/>
+            <a:r>
+              <a:rPr lang="en-US" sz="800" b="1" i="1" dirty="0">
+                <a:solidFill>
+                  <a:srgbClr val="FF0000"/>
+                </a:solidFill>
+              </a:rPr>
+              <a:t>4. Execute lambda</a:t>
+            </a:r>
+            <a:endParaRPr lang="en-KR" sz="800" b="1" i="1" dirty="0">
+              <a:solidFill>
+                <a:srgbClr val="FF0000"/>
+              </a:solidFill>
+            </a:endParaRPr>
+          </a:p>
+        </p:txBody>
+      </p:sp>
+      <p:sp>
+        <p:nvSpPr>
+          <p:cNvPr id="169" name="TextBox 168">
+            <a:extLst>
+              <a:ext uri="{FF2B5EF4-FFF2-40B4-BE49-F238E27FC236}">
+                <a16:creationId xmlns:a16="http://schemas.microsoft.com/office/drawing/2014/main" id="{9D2A1396-3952-3A44-A1F7-9EBEE89C2C2C}"/>
+              </a:ext>
+            </a:extLst>
+          </p:cNvPr>
+          <p:cNvSpPr txBox="1"/>
+          <p:nvPr/>
+        </p:nvSpPr>
+        <p:spPr>
+          <a:xfrm>
+            <a:off x="5985582" y="3191086"/>
+            <a:ext cx="934871" cy="338554"/>
+          </a:xfrm>
+          <a:prstGeom prst="rect">
+            <a:avLst/>
+          </a:prstGeom>
+          <a:noFill/>
+        </p:spPr>
+        <p:txBody>
+          <a:bodyPr wrap="none" rtlCol="0">
+            <a:spAutoFit/>
+          </a:bodyPr>
+          <a:lstStyle/>
+          <a:p>
+            <a:pPr algn="ctr"/>
+            <a:r>
+              <a:rPr lang="en-US" sz="800" b="1" i="1" dirty="0">
+                <a:solidFill>
+                  <a:srgbClr val="FF0000"/>
+                </a:solidFill>
+              </a:rPr>
+              <a:t>6. Send message, </a:t>
+            </a:r>
+            <a:br>
+              <a:rPr lang="en-US" sz="800" b="1" i="1" dirty="0">
+                <a:solidFill>
+                  <a:srgbClr val="FF0000"/>
+                </a:solidFill>
+              </a:rPr>
+            </a:br>
+            <a:r>
+              <a:rPr lang="en-US" sz="800" b="1" i="1" dirty="0">
+                <a:solidFill>
+                  <a:srgbClr val="FF0000"/>
+                </a:solidFill>
+              </a:rPr>
+              <a:t>status code</a:t>
+            </a:r>
+            <a:endParaRPr lang="en-KR" sz="800" b="1" i="1" dirty="0">
+              <a:solidFill>
+                <a:srgbClr val="FF0000"/>
+              </a:solidFill>
+            </a:endParaRPr>
+          </a:p>
+        </p:txBody>
+      </p:sp>
+      <p:sp>
+        <p:nvSpPr>
+          <p:cNvPr id="171" name="TextBox 170">
+            <a:extLst>
+              <a:ext uri="{FF2B5EF4-FFF2-40B4-BE49-F238E27FC236}">
+                <a16:creationId xmlns:a16="http://schemas.microsoft.com/office/drawing/2014/main" id="{8D5463B6-BBE4-836A-0270-499AA91E5C3F}"/>
+              </a:ext>
+            </a:extLst>
+          </p:cNvPr>
+          <p:cNvSpPr txBox="1"/>
+          <p:nvPr/>
+        </p:nvSpPr>
+        <p:spPr>
+          <a:xfrm>
+            <a:off x="4483224" y="3523130"/>
+            <a:ext cx="1019831" cy="215444"/>
+          </a:xfrm>
+          <a:prstGeom prst="rect">
+            <a:avLst/>
+          </a:prstGeom>
+          <a:noFill/>
+        </p:spPr>
+        <p:txBody>
+          <a:bodyPr wrap="none" rtlCol="0">
+            <a:spAutoFit/>
+          </a:bodyPr>
+          <a:lstStyle/>
+          <a:p>
+            <a:pPr algn="ctr"/>
+            <a:r>
+              <a:rPr lang="en-US" sz="800" b="1" i="1" dirty="0">
+                <a:solidFill>
+                  <a:srgbClr val="0070C0"/>
+                </a:solidFill>
+              </a:rPr>
+              <a:t>5-a. Input comment</a:t>
+            </a:r>
+            <a:endParaRPr lang="en-KR" sz="800" b="1" i="1" dirty="0">
+              <a:solidFill>
+                <a:srgbClr val="0070C0"/>
+              </a:solidFill>
+            </a:endParaRPr>
+          </a:p>
+        </p:txBody>
+      </p:sp>
+      <p:sp>
+        <p:nvSpPr>
+          <p:cNvPr id="173" name="TextBox 172">
+            <a:extLst>
+              <a:ext uri="{FF2B5EF4-FFF2-40B4-BE49-F238E27FC236}">
+                <a16:creationId xmlns:a16="http://schemas.microsoft.com/office/drawing/2014/main" id="{47E345ED-EB41-2EEF-8822-265C8D22DD4D}"/>
+              </a:ext>
+            </a:extLst>
+          </p:cNvPr>
+          <p:cNvSpPr txBox="1"/>
+          <p:nvPr/>
+        </p:nvSpPr>
+        <p:spPr>
+          <a:xfrm>
+            <a:off x="4483224" y="3844010"/>
+            <a:ext cx="1220206" cy="215444"/>
+          </a:xfrm>
+          <a:prstGeom prst="rect">
+            <a:avLst/>
+          </a:prstGeom>
+          <a:noFill/>
+        </p:spPr>
+        <p:txBody>
+          <a:bodyPr wrap="none" rtlCol="0">
+            <a:spAutoFit/>
+          </a:bodyPr>
+          <a:lstStyle/>
+          <a:p>
+            <a:pPr algn="ctr"/>
+            <a:r>
+              <a:rPr lang="en-US" sz="800" b="1" i="1" dirty="0">
+                <a:solidFill>
+                  <a:srgbClr val="0070C0"/>
+                </a:solidFill>
+              </a:rPr>
+              <a:t>5-b. Run branch pipeline</a:t>
+            </a:r>
+            <a:endParaRPr lang="en-KR" sz="800" b="1" i="1" dirty="0">
+              <a:solidFill>
+                <a:srgbClr val="0070C0"/>
+              </a:solidFill>
+            </a:endParaRPr>
+          </a:p>
+        </p:txBody>
+      </p:sp>
+      <p:sp>
+        <p:nvSpPr>
+          <p:cNvPr id="174" name="TextBox 173">
+            <a:extLst>
+              <a:ext uri="{FF2B5EF4-FFF2-40B4-BE49-F238E27FC236}">
+                <a16:creationId xmlns:a16="http://schemas.microsoft.com/office/drawing/2014/main" id="{373B4B4C-EBAC-8D08-459C-65E8020DE96F}"/>
+              </a:ext>
+            </a:extLst>
+          </p:cNvPr>
+          <p:cNvSpPr txBox="1"/>
+          <p:nvPr/>
+        </p:nvSpPr>
+        <p:spPr>
+          <a:xfrm>
+            <a:off x="5773996" y="2173319"/>
+            <a:ext cx="934872" cy="338554"/>
+          </a:xfrm>
+          <a:prstGeom prst="rect">
+            <a:avLst/>
+          </a:prstGeom>
+          <a:noFill/>
+        </p:spPr>
+        <p:txBody>
+          <a:bodyPr wrap="none" rtlCol="0">
+            <a:spAutoFit/>
+          </a:bodyPr>
+          <a:lstStyle/>
+          <a:p>
+            <a:pPr algn="ctr"/>
+            <a:r>
+              <a:rPr lang="en-US" sz="800" b="1" i="1" dirty="0">
+                <a:solidFill>
+                  <a:srgbClr val="FF0000"/>
+                </a:solidFill>
+              </a:rPr>
+              <a:t>7. Send message, </a:t>
+            </a:r>
+            <a:br>
+              <a:rPr lang="en-US" sz="800" b="1" i="1" dirty="0">
+                <a:solidFill>
+                  <a:srgbClr val="FF0000"/>
+                </a:solidFill>
+              </a:rPr>
+            </a:br>
+            <a:r>
+              <a:rPr lang="en-US" sz="800" b="1" i="1" dirty="0">
+                <a:solidFill>
+                  <a:srgbClr val="FF0000"/>
+                </a:solidFill>
+              </a:rPr>
+              <a:t>status code</a:t>
+            </a:r>
+            <a:endParaRPr lang="en-KR" sz="800" b="1" i="1" dirty="0">
+              <a:solidFill>
+                <a:srgbClr val="FF0000"/>
+              </a:solidFill>
+            </a:endParaRPr>
+          </a:p>
+        </p:txBody>
+      </p:sp>
+    </p:spTree>
+    <p:extLst>
+      <p:ext uri="{BB962C8B-B14F-4D97-AF65-F5344CB8AC3E}">
+        <p14:creationId xmlns:p14="http://schemas.microsoft.com/office/powerpoint/2010/main" val="579347649"/>
+      </p:ext>
+    </p:extLst>
+  </p:cSld>
+  <p:clrMapOvr>
+    <a:masterClrMapping/>
+  </p:clrMapOvr>
+</p:sld>
+</file>
+
+<file path=ppt/slides/slide4.xml><?xml version="1.0" encoding="utf-8"?>
+<p:sld xmlns:a="http://schemas.openxmlformats.org/drawingml/2006/main" xmlns:r="http://schemas.openxmlformats.org/officeDocument/2006/relationships" xmlns:p="http://schemas.openxmlformats.org/presentationml/2006/main">
+  <p:cSld>
+    <p:spTree>
+      <p:nvGrpSpPr>
+        <p:cNvPr id="1" name=""/>
+        <p:cNvGrpSpPr/>
+        <p:nvPr/>
+      </p:nvGrpSpPr>
+      <p:grpSpPr>
+        <a:xfrm>
+          <a:off x="0" y="0"/>
+          <a:ext cx="0" cy="0"/>
+          <a:chOff x="0" y="0"/>
+          <a:chExt cx="0" cy="0"/>
+        </a:xfrm>
+      </p:grpSpPr>
+      <p:sp>
+        <p:nvSpPr>
+          <p:cNvPr id="143" name="Rectangle 142">
+            <a:extLst>
+              <a:ext uri="{FF2B5EF4-FFF2-40B4-BE49-F238E27FC236}">
+                <a16:creationId xmlns:a16="http://schemas.microsoft.com/office/drawing/2014/main" id="{A79F9D7E-B0E0-30AD-0E40-6BB29D19A532}"/>
+              </a:ext>
+            </a:extLst>
+          </p:cNvPr>
+          <p:cNvSpPr/>
+          <p:nvPr/>
+        </p:nvSpPr>
+        <p:spPr>
+          <a:xfrm>
+            <a:off x="1856975" y="1054891"/>
+            <a:ext cx="4073904" cy="3898764"/>
+          </a:xfrm>
+          <a:prstGeom prst="rect">
+            <a:avLst/>
+          </a:prstGeom>
+          <a:solidFill>
+            <a:schemeClr val="accent2">
+              <a:alpha val="17809"/>
+            </a:schemeClr>
+          </a:solidFill>
+          <a:ln w="12700">
+            <a:noFill/>
+            <a:prstDash val="solid"/>
+          </a:ln>
+        </p:spPr>
+        <p:style>
+          <a:lnRef idx="2">
+            <a:schemeClr val="accent1">
+              <a:shade val="50000"/>
+            </a:schemeClr>
+          </a:lnRef>
+          <a:fillRef idx="1">
+            <a:schemeClr val="accent1"/>
+          </a:fillRef>
+          <a:effectRef idx="0">
+            <a:schemeClr val="accent1"/>
+          </a:effectRef>
+          <a:fontRef idx="minor">
+            <a:schemeClr val="lt1"/>
+          </a:fontRef>
+        </p:style>
+        <p:txBody>
+          <a:bodyPr lIns="457200" tIns="91440"/>
+          <a:lstStyle/>
+          <a:p>
+            <a:pPr eaLnBrk="1" fontAlgn="auto" hangingPunct="1">
+              <a:spcBef>
+                <a:spcPts val="0"/>
+              </a:spcBef>
+              <a:spcAft>
+                <a:spcPts val="0"/>
+              </a:spcAft>
+              <a:defRPr/>
+            </a:pPr>
+            <a:endParaRPr lang="en-US" sz="1200" b="1" dirty="0">
+              <a:noFill/>
+              <a:latin typeface="Arial" panose="020B0604020202020204" pitchFamily="34" charset="0"/>
+              <a:cs typeface="Arial" panose="020B0604020202020204" pitchFamily="34" charset="0"/>
+            </a:endParaRPr>
+          </a:p>
+        </p:txBody>
+      </p:sp>
+      <p:sp>
+        <p:nvSpPr>
+          <p:cNvPr id="32" name="TextBox 31">
+            <a:extLst>
+              <a:ext uri="{FF2B5EF4-FFF2-40B4-BE49-F238E27FC236}">
+                <a16:creationId xmlns:a16="http://schemas.microsoft.com/office/drawing/2014/main" id="{1D45A107-A77E-E1BE-A0EF-3294DB72A79A}"/>
+              </a:ext>
+            </a:extLst>
+          </p:cNvPr>
+          <p:cNvSpPr txBox="1"/>
+          <p:nvPr/>
+        </p:nvSpPr>
+        <p:spPr>
+          <a:xfrm>
+            <a:off x="1978461" y="1401880"/>
+            <a:ext cx="2108962" cy="246221"/>
+          </a:xfrm>
+          <a:prstGeom prst="rect">
+            <a:avLst/>
+          </a:prstGeom>
+          <a:noFill/>
+        </p:spPr>
+        <p:txBody>
+          <a:bodyPr wrap="square" rtlCol="0">
+            <a:spAutoFit/>
+          </a:bodyPr>
+          <a:lstStyle/>
+          <a:p>
+            <a:r>
+              <a:rPr lang="en-KR" sz="1000" b="1" dirty="0"/>
+              <a:t>Merge Request (feature </a:t>
+            </a:r>
+            <a:r>
+              <a:rPr lang="en-KR" sz="800" b="1" dirty="0">
+                <a:sym typeface="Wingdings" pitchFamily="2" charset="2"/>
+              </a:rPr>
+              <a:t></a:t>
+            </a:r>
+            <a:r>
+              <a:rPr lang="en-KR" sz="1000" b="1" dirty="0">
+                <a:sym typeface="Wingdings" pitchFamily="2" charset="2"/>
+              </a:rPr>
+              <a:t> master)</a:t>
+            </a:r>
+            <a:endParaRPr lang="en-KR" sz="1000" b="1" dirty="0"/>
+          </a:p>
+        </p:txBody>
+      </p:sp>
+      <p:sp>
+        <p:nvSpPr>
+          <p:cNvPr id="24" name="Rectangle 23">
+            <a:extLst>
+              <a:ext uri="{FF2B5EF4-FFF2-40B4-BE49-F238E27FC236}">
+                <a16:creationId xmlns:a16="http://schemas.microsoft.com/office/drawing/2014/main" id="{5D8725BA-4A1B-A073-CEBE-A51215F1AD18}"/>
+              </a:ext>
+            </a:extLst>
+          </p:cNvPr>
+          <p:cNvSpPr/>
+          <p:nvPr/>
+        </p:nvSpPr>
+        <p:spPr>
+          <a:xfrm>
+            <a:off x="1978461" y="1402634"/>
+            <a:ext cx="2384524" cy="1292858"/>
+          </a:xfrm>
+          <a:prstGeom prst="rect">
+            <a:avLst/>
+          </a:prstGeom>
+          <a:noFill/>
+          <a:ln w="12700">
+            <a:solidFill>
+              <a:schemeClr val="tx1"/>
+            </a:solidFill>
+            <a:prstDash val="solid"/>
+          </a:ln>
+        </p:spPr>
+        <p:style>
+          <a:lnRef idx="2">
+            <a:schemeClr val="accent1">
+              <a:shade val="50000"/>
+            </a:schemeClr>
+          </a:lnRef>
+          <a:fillRef idx="1">
+            <a:schemeClr val="accent1"/>
+          </a:fillRef>
+          <a:effectRef idx="0">
+            <a:schemeClr val="accent1"/>
+          </a:effectRef>
+          <a:fontRef idx="minor">
+            <a:schemeClr val="lt1"/>
+          </a:fontRef>
+        </p:style>
+        <p:txBody>
+          <a:bodyPr lIns="457200" tIns="91440"/>
+          <a:lstStyle/>
+          <a:p>
+            <a:pPr eaLnBrk="1" fontAlgn="auto" hangingPunct="1">
+              <a:spcBef>
+                <a:spcPts val="0"/>
+              </a:spcBef>
+              <a:spcAft>
+                <a:spcPts val="0"/>
+              </a:spcAft>
+              <a:defRPr/>
+            </a:pPr>
+            <a:endParaRPr lang="en-US" sz="1200" b="1" dirty="0">
+              <a:noFill/>
+              <a:latin typeface="Arial" panose="020B0604020202020204" pitchFamily="34" charset="0"/>
+              <a:cs typeface="Arial" panose="020B0604020202020204" pitchFamily="34" charset="0"/>
+            </a:endParaRPr>
+          </a:p>
+        </p:txBody>
+      </p:sp>
+      <p:sp>
+        <p:nvSpPr>
+          <p:cNvPr id="30" name="TextBox 29">
+            <a:extLst>
+              <a:ext uri="{FF2B5EF4-FFF2-40B4-BE49-F238E27FC236}">
+                <a16:creationId xmlns:a16="http://schemas.microsoft.com/office/drawing/2014/main" id="{E993841C-B8B5-0A04-A9EB-A29DD2F5D155}"/>
+              </a:ext>
+            </a:extLst>
+          </p:cNvPr>
+          <p:cNvSpPr txBox="1"/>
+          <p:nvPr/>
+        </p:nvSpPr>
+        <p:spPr>
+          <a:xfrm>
+            <a:off x="2178056" y="1985437"/>
+            <a:ext cx="1957828" cy="215444"/>
+          </a:xfrm>
+          <a:prstGeom prst="rect">
+            <a:avLst/>
+          </a:prstGeom>
+          <a:noFill/>
+          <a:ln cap="rnd">
+            <a:solidFill>
+              <a:schemeClr val="tx1"/>
+            </a:solidFill>
+            <a:bevel/>
+            <a:extLst>
+              <a:ext uri="{C807C97D-BFC1-408E-A445-0C87EB9F89A2}">
+                <ask:lineSketchStyleProps xmlns:ask="http://schemas.microsoft.com/office/drawing/2018/sketchyshapes" sd="1219033472">
+                  <a:custGeom>
+                    <a:avLst/>
+                    <a:gdLst>
+                      <a:gd name="connsiteX0" fmla="*/ 0 w 1879700"/>
+                      <a:gd name="connsiteY0" fmla="*/ 0 h 215444"/>
+                      <a:gd name="connsiteX1" fmla="*/ 451128 w 1879700"/>
+                      <a:gd name="connsiteY1" fmla="*/ 0 h 215444"/>
+                      <a:gd name="connsiteX2" fmla="*/ 864662 w 1879700"/>
+                      <a:gd name="connsiteY2" fmla="*/ 0 h 215444"/>
+                      <a:gd name="connsiteX3" fmla="*/ 1372181 w 1879700"/>
+                      <a:gd name="connsiteY3" fmla="*/ 0 h 215444"/>
+                      <a:gd name="connsiteX4" fmla="*/ 1879700 w 1879700"/>
+                      <a:gd name="connsiteY4" fmla="*/ 0 h 215444"/>
+                      <a:gd name="connsiteX5" fmla="*/ 1879700 w 1879700"/>
+                      <a:gd name="connsiteY5" fmla="*/ 215444 h 215444"/>
+                      <a:gd name="connsiteX6" fmla="*/ 1447369 w 1879700"/>
+                      <a:gd name="connsiteY6" fmla="*/ 215444 h 215444"/>
+                      <a:gd name="connsiteX7" fmla="*/ 1015038 w 1879700"/>
+                      <a:gd name="connsiteY7" fmla="*/ 215444 h 215444"/>
+                      <a:gd name="connsiteX8" fmla="*/ 507519 w 1879700"/>
+                      <a:gd name="connsiteY8" fmla="*/ 215444 h 215444"/>
+                      <a:gd name="connsiteX9" fmla="*/ 0 w 1879700"/>
+                      <a:gd name="connsiteY9" fmla="*/ 215444 h 215444"/>
+                      <a:gd name="connsiteX10" fmla="*/ 0 w 1879700"/>
+                      <a:gd name="connsiteY10" fmla="*/ 0 h 215444"/>
+                    </a:gdLst>
+                    <a:ahLst/>
+                    <a:cxnLst>
+                      <a:cxn ang="0">
+                        <a:pos x="connsiteX0" y="connsiteY0"/>
+                      </a:cxn>
+                      <a:cxn ang="0">
+                        <a:pos x="connsiteX1" y="connsiteY1"/>
+                      </a:cxn>
+                      <a:cxn ang="0">
+                        <a:pos x="connsiteX2" y="connsiteY2"/>
+                      </a:cxn>
+                      <a:cxn ang="0">
+                        <a:pos x="connsiteX3" y="connsiteY3"/>
+                      </a:cxn>
+                      <a:cxn ang="0">
+                        <a:pos x="connsiteX4" y="connsiteY4"/>
+                      </a:cxn>
+                      <a:cxn ang="0">
+                        <a:pos x="connsiteX5" y="connsiteY5"/>
+                      </a:cxn>
+                      <a:cxn ang="0">
+                        <a:pos x="connsiteX6" y="connsiteY6"/>
+                      </a:cxn>
+                      <a:cxn ang="0">
+                        <a:pos x="connsiteX7" y="connsiteY7"/>
+                      </a:cxn>
+                      <a:cxn ang="0">
+                        <a:pos x="connsiteX8" y="connsiteY8"/>
+                      </a:cxn>
+                      <a:cxn ang="0">
+                        <a:pos x="connsiteX9" y="connsiteY9"/>
+                      </a:cxn>
+                      <a:cxn ang="0">
+                        <a:pos x="connsiteX10" y="connsiteY10"/>
+                      </a:cxn>
+                    </a:cxnLst>
+                    <a:rect l="l" t="t" r="r" b="b"/>
+                    <a:pathLst>
+                      <a:path w="1879700" h="215444" extrusionOk="0">
+                        <a:moveTo>
+                          <a:pt x="0" y="0"/>
+                        </a:moveTo>
+                        <a:cubicBezTo>
+                          <a:pt x="144942" y="-577"/>
+                          <a:pt x="318370" y="3267"/>
+                          <a:pt x="451128" y="0"/>
+                        </a:cubicBezTo>
+                        <a:cubicBezTo>
+                          <a:pt x="583886" y="-3267"/>
+                          <a:pt x="742478" y="29300"/>
+                          <a:pt x="864662" y="0"/>
+                        </a:cubicBezTo>
+                        <a:cubicBezTo>
+                          <a:pt x="986846" y="-29300"/>
+                          <a:pt x="1197216" y="23725"/>
+                          <a:pt x="1372181" y="0"/>
+                        </a:cubicBezTo>
+                        <a:cubicBezTo>
+                          <a:pt x="1547146" y="-23725"/>
+                          <a:pt x="1680517" y="31914"/>
+                          <a:pt x="1879700" y="0"/>
+                        </a:cubicBezTo>
+                        <a:cubicBezTo>
+                          <a:pt x="1882440" y="70980"/>
+                          <a:pt x="1862355" y="144352"/>
+                          <a:pt x="1879700" y="215444"/>
+                        </a:cubicBezTo>
+                        <a:cubicBezTo>
+                          <a:pt x="1771231" y="256425"/>
+                          <a:pt x="1622159" y="164623"/>
+                          <a:pt x="1447369" y="215444"/>
+                        </a:cubicBezTo>
+                        <a:cubicBezTo>
+                          <a:pt x="1272579" y="266265"/>
+                          <a:pt x="1176959" y="179090"/>
+                          <a:pt x="1015038" y="215444"/>
+                        </a:cubicBezTo>
+                        <a:cubicBezTo>
+                          <a:pt x="853117" y="251798"/>
+                          <a:pt x="695042" y="169593"/>
+                          <a:pt x="507519" y="215444"/>
+                        </a:cubicBezTo>
+                        <a:cubicBezTo>
+                          <a:pt x="319996" y="261295"/>
+                          <a:pt x="221599" y="194491"/>
+                          <a:pt x="0" y="215444"/>
+                        </a:cubicBezTo>
+                        <a:cubicBezTo>
+                          <a:pt x="-22738" y="124398"/>
+                          <a:pt x="1890" y="63076"/>
+                          <a:pt x="0" y="0"/>
+                        </a:cubicBezTo>
+                        <a:close/>
+                      </a:path>
+                    </a:pathLst>
+                  </a:custGeom>
+                  <ask:type>
+                    <ask:lineSketchNone/>
+                  </ask:type>
+                </ask:lineSketchStyleProps>
+              </a:ext>
+            </a:extLst>
+          </a:ln>
+        </p:spPr>
+        <p:txBody>
+          <a:bodyPr wrap="square" rtlCol="0" anchor="ctr">
+            <a:spAutoFit/>
+          </a:bodyPr>
+          <a:lstStyle/>
+          <a:p>
+            <a:r>
+              <a:rPr lang="en-US" sz="800" i="1" dirty="0" err="1"/>
+              <a:t>injeolmi</a:t>
+            </a:r>
+            <a:r>
+              <a:rPr lang="en-US" sz="800" i="1" dirty="0"/>
+              <a:t> start /app/dev</a:t>
+            </a:r>
+            <a:endParaRPr lang="en-KR" sz="800" i="1" dirty="0"/>
+          </a:p>
+        </p:txBody>
+      </p:sp>
+      <p:sp>
+        <p:nvSpPr>
+          <p:cNvPr id="3" name="TextBox 2">
+            <a:extLst>
+              <a:ext uri="{FF2B5EF4-FFF2-40B4-BE49-F238E27FC236}">
+                <a16:creationId xmlns:a16="http://schemas.microsoft.com/office/drawing/2014/main" id="{BE2FE653-18C5-5B1E-C5E8-22F0FB158C69}"/>
+              </a:ext>
+            </a:extLst>
+          </p:cNvPr>
+          <p:cNvSpPr txBox="1"/>
+          <p:nvPr/>
+        </p:nvSpPr>
+        <p:spPr>
+          <a:xfrm>
+            <a:off x="2095413" y="1744403"/>
+            <a:ext cx="736099" cy="246221"/>
+          </a:xfrm>
+          <a:prstGeom prst="rect">
+            <a:avLst/>
+          </a:prstGeom>
+          <a:noFill/>
+        </p:spPr>
+        <p:txBody>
+          <a:bodyPr wrap="square" rtlCol="0">
+            <a:spAutoFit/>
+          </a:bodyPr>
+          <a:lstStyle/>
+          <a:p>
+            <a:r>
+              <a:rPr lang="en-KR" sz="1000" b="1" i="1"/>
+              <a:t>comments</a:t>
+            </a:r>
+          </a:p>
+        </p:txBody>
+      </p:sp>
+      <p:sp>
+        <p:nvSpPr>
+          <p:cNvPr id="40" name="TextBox 39">
+            <a:extLst>
+              <a:ext uri="{FF2B5EF4-FFF2-40B4-BE49-F238E27FC236}">
+                <a16:creationId xmlns:a16="http://schemas.microsoft.com/office/drawing/2014/main" id="{D06FCBBD-D7D3-BA79-87D7-DAD1F1970640}"/>
+              </a:ext>
+            </a:extLst>
+          </p:cNvPr>
+          <p:cNvSpPr txBox="1"/>
+          <p:nvPr/>
+        </p:nvSpPr>
+        <p:spPr>
+          <a:xfrm>
+            <a:off x="2178056" y="2268688"/>
+            <a:ext cx="1957828" cy="215444"/>
+          </a:xfrm>
+          <a:prstGeom prst="rect">
+            <a:avLst/>
+          </a:prstGeom>
+          <a:noFill/>
+          <a:ln cap="rnd">
+            <a:solidFill>
+              <a:schemeClr val="tx1"/>
+            </a:solidFill>
+            <a:bevel/>
+          </a:ln>
+        </p:spPr>
+        <p:txBody>
+          <a:bodyPr wrap="square" rtlCol="0" anchor="ctr">
+            <a:spAutoFit/>
+          </a:bodyPr>
+          <a:lstStyle/>
+          <a:p>
+            <a:r>
+              <a:rPr lang="en-US" sz="800" b="1" i="1" dirty="0">
+                <a:solidFill>
+                  <a:srgbClr val="0070C0"/>
+                </a:solidFill>
+              </a:rPr>
+              <a:t>[injeolmi] Success to pipeline (/app/dev)</a:t>
+            </a:r>
+            <a:endParaRPr lang="en-KR" sz="800" b="1" i="1" dirty="0">
+              <a:solidFill>
+                <a:srgbClr val="0070C0"/>
+              </a:solidFill>
+            </a:endParaRPr>
+          </a:p>
+        </p:txBody>
+      </p:sp>
+      <p:sp>
+        <p:nvSpPr>
+          <p:cNvPr id="4" name="Rectangle 3">
+            <a:extLst>
+              <a:ext uri="{FF2B5EF4-FFF2-40B4-BE49-F238E27FC236}">
+                <a16:creationId xmlns:a16="http://schemas.microsoft.com/office/drawing/2014/main" id="{B8075E31-7D91-3215-4B2E-6E747DC66110}"/>
+              </a:ext>
+            </a:extLst>
+          </p:cNvPr>
+          <p:cNvSpPr/>
+          <p:nvPr/>
+        </p:nvSpPr>
+        <p:spPr>
+          <a:xfrm>
+            <a:off x="2095413" y="1748367"/>
+            <a:ext cx="2108962" cy="835808"/>
+          </a:xfrm>
+          <a:custGeom>
+            <a:avLst/>
+            <a:gdLst>
+              <a:gd name="connsiteX0" fmla="*/ 0 w 2108962"/>
+              <a:gd name="connsiteY0" fmla="*/ 0 h 835808"/>
+              <a:gd name="connsiteX1" fmla="*/ 506151 w 2108962"/>
+              <a:gd name="connsiteY1" fmla="*/ 0 h 835808"/>
+              <a:gd name="connsiteX2" fmla="*/ 970123 w 2108962"/>
+              <a:gd name="connsiteY2" fmla="*/ 0 h 835808"/>
+              <a:gd name="connsiteX3" fmla="*/ 1539542 w 2108962"/>
+              <a:gd name="connsiteY3" fmla="*/ 0 h 835808"/>
+              <a:gd name="connsiteX4" fmla="*/ 2108962 w 2108962"/>
+              <a:gd name="connsiteY4" fmla="*/ 0 h 835808"/>
+              <a:gd name="connsiteX5" fmla="*/ 2108962 w 2108962"/>
+              <a:gd name="connsiteY5" fmla="*/ 409546 h 835808"/>
+              <a:gd name="connsiteX6" fmla="*/ 2108962 w 2108962"/>
+              <a:gd name="connsiteY6" fmla="*/ 835808 h 835808"/>
+              <a:gd name="connsiteX7" fmla="*/ 1581722 w 2108962"/>
+              <a:gd name="connsiteY7" fmla="*/ 835808 h 835808"/>
+              <a:gd name="connsiteX8" fmla="*/ 1012302 w 2108962"/>
+              <a:gd name="connsiteY8" fmla="*/ 835808 h 835808"/>
+              <a:gd name="connsiteX9" fmla="*/ 548330 w 2108962"/>
+              <a:gd name="connsiteY9" fmla="*/ 835808 h 835808"/>
+              <a:gd name="connsiteX10" fmla="*/ 0 w 2108962"/>
+              <a:gd name="connsiteY10" fmla="*/ 835808 h 835808"/>
+              <a:gd name="connsiteX11" fmla="*/ 0 w 2108962"/>
+              <a:gd name="connsiteY11" fmla="*/ 417904 h 835808"/>
+              <a:gd name="connsiteX12" fmla="*/ 0 w 2108962"/>
+              <a:gd name="connsiteY12" fmla="*/ 0 h 835808"/>
+            </a:gdLst>
+            <a:ahLst/>
+            <a:cxnLst>
+              <a:cxn ang="0">
+                <a:pos x="connsiteX0" y="connsiteY0"/>
+              </a:cxn>
+              <a:cxn ang="0">
+                <a:pos x="connsiteX1" y="connsiteY1"/>
+              </a:cxn>
+              <a:cxn ang="0">
+                <a:pos x="connsiteX2" y="connsiteY2"/>
+              </a:cxn>
+              <a:cxn ang="0">
+                <a:pos x="connsiteX3" y="connsiteY3"/>
+              </a:cxn>
+              <a:cxn ang="0">
+                <a:pos x="connsiteX4" y="connsiteY4"/>
+              </a:cxn>
+              <a:cxn ang="0">
+                <a:pos x="connsiteX5" y="connsiteY5"/>
+              </a:cxn>
+              <a:cxn ang="0">
+                <a:pos x="connsiteX6" y="connsiteY6"/>
+              </a:cxn>
+              <a:cxn ang="0">
+                <a:pos x="connsiteX7" y="connsiteY7"/>
+              </a:cxn>
+              <a:cxn ang="0">
+                <a:pos x="connsiteX8" y="connsiteY8"/>
+              </a:cxn>
+              <a:cxn ang="0">
+                <a:pos x="connsiteX9" y="connsiteY9"/>
+              </a:cxn>
+              <a:cxn ang="0">
+                <a:pos x="connsiteX10" y="connsiteY10"/>
+              </a:cxn>
+              <a:cxn ang="0">
+                <a:pos x="connsiteX11" y="connsiteY11"/>
+              </a:cxn>
+              <a:cxn ang="0">
+                <a:pos x="connsiteX12" y="connsiteY12"/>
+              </a:cxn>
+            </a:cxnLst>
+            <a:rect l="l" t="t" r="r" b="b"/>
+            <a:pathLst>
+              <a:path w="2108962" h="835808" extrusionOk="0">
+                <a:moveTo>
+                  <a:pt x="0" y="0"/>
+                </a:moveTo>
+                <a:cubicBezTo>
+                  <a:pt x="128828" y="-43297"/>
+                  <a:pt x="373068" y="44872"/>
+                  <a:pt x="506151" y="0"/>
+                </a:cubicBezTo>
+                <a:cubicBezTo>
+                  <a:pt x="639234" y="-44872"/>
+                  <a:pt x="867843" y="22824"/>
+                  <a:pt x="970123" y="0"/>
+                </a:cubicBezTo>
+                <a:cubicBezTo>
+                  <a:pt x="1072403" y="-22824"/>
+                  <a:pt x="1363000" y="38789"/>
+                  <a:pt x="1539542" y="0"/>
+                </a:cubicBezTo>
+                <a:cubicBezTo>
+                  <a:pt x="1716084" y="-38789"/>
+                  <a:pt x="1877145" y="30271"/>
+                  <a:pt x="2108962" y="0"/>
+                </a:cubicBezTo>
+                <a:cubicBezTo>
+                  <a:pt x="2113281" y="84347"/>
+                  <a:pt x="2104265" y="256900"/>
+                  <a:pt x="2108962" y="409546"/>
+                </a:cubicBezTo>
+                <a:cubicBezTo>
+                  <a:pt x="2113659" y="562192"/>
+                  <a:pt x="2090690" y="742694"/>
+                  <a:pt x="2108962" y="835808"/>
+                </a:cubicBezTo>
+                <a:cubicBezTo>
+                  <a:pt x="1903437" y="839210"/>
+                  <a:pt x="1737766" y="819350"/>
+                  <a:pt x="1581722" y="835808"/>
+                </a:cubicBezTo>
+                <a:cubicBezTo>
+                  <a:pt x="1425678" y="852266"/>
+                  <a:pt x="1194112" y="830575"/>
+                  <a:pt x="1012302" y="835808"/>
+                </a:cubicBezTo>
+                <a:cubicBezTo>
+                  <a:pt x="830492" y="841041"/>
+                  <a:pt x="709645" y="816294"/>
+                  <a:pt x="548330" y="835808"/>
+                </a:cubicBezTo>
+                <a:cubicBezTo>
+                  <a:pt x="387015" y="855322"/>
+                  <a:pt x="119016" y="791782"/>
+                  <a:pt x="0" y="835808"/>
+                </a:cubicBezTo>
+                <a:cubicBezTo>
+                  <a:pt x="-39588" y="744684"/>
+                  <a:pt x="6818" y="596490"/>
+                  <a:pt x="0" y="417904"/>
+                </a:cubicBezTo>
+                <a:cubicBezTo>
+                  <a:pt x="-6818" y="239318"/>
+                  <a:pt x="37604" y="206354"/>
+                  <a:pt x="0" y="0"/>
+                </a:cubicBezTo>
+                <a:close/>
+              </a:path>
+            </a:pathLst>
+          </a:custGeom>
+          <a:noFill/>
+          <a:ln>
+            <a:solidFill>
+              <a:schemeClr val="tx1"/>
+            </a:solidFill>
+            <a:extLst>
+              <a:ext uri="{C807C97D-BFC1-408E-A445-0C87EB9F89A2}">
+                <ask:lineSketchStyleProps xmlns:ask="http://schemas.microsoft.com/office/drawing/2018/sketchyshapes" sd="1219033472">
+                  <a:prstGeom prst="rect">
+                    <a:avLst/>
+                  </a:prstGeom>
+                  <ask:type>
+                    <ask:lineSketchScribble/>
+                  </ask:type>
+                </ask:lineSketchStyleProps>
+              </a:ext>
+            </a:extLst>
+          </a:ln>
+        </p:spPr>
+        <p:style>
+          <a:lnRef idx="2">
+            <a:schemeClr val="accent1">
+              <a:shade val="50000"/>
+            </a:schemeClr>
+          </a:lnRef>
+          <a:fillRef idx="1">
+            <a:schemeClr val="accent1"/>
+          </a:fillRef>
+          <a:effectRef idx="0">
+            <a:schemeClr val="accent1"/>
+          </a:effectRef>
+          <a:fontRef idx="minor">
+            <a:schemeClr val="lt1"/>
+          </a:fontRef>
+        </p:style>
+        <p:txBody>
+          <a:bodyPr rtlCol="0" anchor="ctr"/>
+          <a:lstStyle/>
+          <a:p>
+            <a:pPr algn="ctr"/>
+            <a:endParaRPr lang="en-KR"/>
+          </a:p>
+        </p:txBody>
+      </p:sp>
+      <p:sp>
+        <p:nvSpPr>
+          <p:cNvPr id="67" name="TextBox 66">
+            <a:extLst>
+              <a:ext uri="{FF2B5EF4-FFF2-40B4-BE49-F238E27FC236}">
+                <a16:creationId xmlns:a16="http://schemas.microsoft.com/office/drawing/2014/main" id="{342B008C-AEA4-B615-AFAD-EE669FD4BA7F}"/>
+              </a:ext>
+            </a:extLst>
+          </p:cNvPr>
+          <p:cNvSpPr txBox="1"/>
+          <p:nvPr/>
+        </p:nvSpPr>
+        <p:spPr>
+          <a:xfrm>
+            <a:off x="1978461" y="2945139"/>
+            <a:ext cx="2108962" cy="246221"/>
+          </a:xfrm>
+          <a:prstGeom prst="rect">
+            <a:avLst/>
+          </a:prstGeom>
+          <a:noFill/>
+        </p:spPr>
+        <p:txBody>
+          <a:bodyPr wrap="square" rtlCol="0">
+            <a:spAutoFit/>
+          </a:bodyPr>
+          <a:lstStyle/>
+          <a:p>
+            <a:r>
+              <a:rPr lang="en-KR" sz="1000" b="1" dirty="0"/>
+              <a:t>CI/CD Pipelines</a:t>
+            </a:r>
+          </a:p>
+        </p:txBody>
+      </p:sp>
+      <p:sp>
+        <p:nvSpPr>
+          <p:cNvPr id="68" name="Rectangle 67">
+            <a:extLst>
+              <a:ext uri="{FF2B5EF4-FFF2-40B4-BE49-F238E27FC236}">
+                <a16:creationId xmlns:a16="http://schemas.microsoft.com/office/drawing/2014/main" id="{C19F47B6-1521-B2A5-4462-4558AAEC93C4}"/>
+              </a:ext>
+            </a:extLst>
+          </p:cNvPr>
+          <p:cNvSpPr/>
+          <p:nvPr/>
+        </p:nvSpPr>
+        <p:spPr>
+          <a:xfrm>
+            <a:off x="1978461" y="2945892"/>
+            <a:ext cx="2384524" cy="1888501"/>
+          </a:xfrm>
+          <a:prstGeom prst="rect">
+            <a:avLst/>
+          </a:prstGeom>
+          <a:noFill/>
+          <a:ln w="12700">
+            <a:solidFill>
+              <a:schemeClr val="tx1"/>
+            </a:solidFill>
+            <a:prstDash val="solid"/>
+          </a:ln>
+        </p:spPr>
+        <p:style>
+          <a:lnRef idx="2">
+            <a:schemeClr val="accent1">
+              <a:shade val="50000"/>
+            </a:schemeClr>
+          </a:lnRef>
+          <a:fillRef idx="1">
+            <a:schemeClr val="accent1"/>
+          </a:fillRef>
+          <a:effectRef idx="0">
+            <a:schemeClr val="accent1"/>
+          </a:effectRef>
+          <a:fontRef idx="minor">
+            <a:schemeClr val="lt1"/>
+          </a:fontRef>
+        </p:style>
+        <p:txBody>
+          <a:bodyPr lIns="457200" tIns="91440"/>
+          <a:lstStyle/>
+          <a:p>
+            <a:pPr eaLnBrk="1" fontAlgn="auto" hangingPunct="1">
+              <a:spcBef>
+                <a:spcPts val="0"/>
+              </a:spcBef>
+              <a:spcAft>
+                <a:spcPts val="0"/>
+              </a:spcAft>
+              <a:defRPr/>
+            </a:pPr>
+            <a:endParaRPr lang="en-US" sz="1200" b="1" dirty="0">
+              <a:noFill/>
+              <a:latin typeface="Arial" panose="020B0604020202020204" pitchFamily="34" charset="0"/>
+              <a:cs typeface="Arial" panose="020B0604020202020204" pitchFamily="34" charset="0"/>
+            </a:endParaRPr>
+          </a:p>
+        </p:txBody>
+      </p:sp>
+      <p:sp>
+        <p:nvSpPr>
+          <p:cNvPr id="70" name="TextBox 69">
+            <a:extLst>
+              <a:ext uri="{FF2B5EF4-FFF2-40B4-BE49-F238E27FC236}">
+                <a16:creationId xmlns:a16="http://schemas.microsoft.com/office/drawing/2014/main" id="{341C98B4-B669-4E50-43E3-E3029CA13357}"/>
+              </a:ext>
+            </a:extLst>
+          </p:cNvPr>
+          <p:cNvSpPr txBox="1"/>
+          <p:nvPr/>
+        </p:nvSpPr>
+        <p:spPr>
+          <a:xfrm>
+            <a:off x="2095413" y="3287662"/>
+            <a:ext cx="1283891" cy="246221"/>
+          </a:xfrm>
+          <a:prstGeom prst="rect">
+            <a:avLst/>
+          </a:prstGeom>
+          <a:noFill/>
+        </p:spPr>
+        <p:txBody>
+          <a:bodyPr wrap="square" rtlCol="0">
+            <a:spAutoFit/>
+          </a:bodyPr>
+          <a:lstStyle/>
+          <a:p>
+            <a:r>
+              <a:rPr lang="en-KR" sz="1000" b="1" i="1"/>
+              <a:t>branch </a:t>
+            </a:r>
+            <a:r>
+              <a:rPr lang="en-US" sz="1000" b="1" i="1"/>
+              <a:t>p</a:t>
+            </a:r>
+            <a:r>
+              <a:rPr lang="en-KR" sz="1000" b="1" i="1"/>
+              <a:t>ipeline</a:t>
+            </a:r>
+          </a:p>
+        </p:txBody>
+      </p:sp>
+      <p:sp>
+        <p:nvSpPr>
+          <p:cNvPr id="75" name="Rectangle 74">
+            <a:extLst>
+              <a:ext uri="{FF2B5EF4-FFF2-40B4-BE49-F238E27FC236}">
+                <a16:creationId xmlns:a16="http://schemas.microsoft.com/office/drawing/2014/main" id="{35EAE3F1-7AB7-426A-C761-F7037268A427}"/>
+              </a:ext>
+            </a:extLst>
+          </p:cNvPr>
+          <p:cNvSpPr/>
+          <p:nvPr/>
+        </p:nvSpPr>
+        <p:spPr>
+          <a:xfrm>
+            <a:off x="2095413" y="3291626"/>
+            <a:ext cx="2108962" cy="1431450"/>
+          </a:xfrm>
+          <a:custGeom>
+            <a:avLst/>
+            <a:gdLst>
+              <a:gd name="connsiteX0" fmla="*/ 0 w 2108962"/>
+              <a:gd name="connsiteY0" fmla="*/ 0 h 1431450"/>
+              <a:gd name="connsiteX1" fmla="*/ 506151 w 2108962"/>
+              <a:gd name="connsiteY1" fmla="*/ 0 h 1431450"/>
+              <a:gd name="connsiteX2" fmla="*/ 970123 w 2108962"/>
+              <a:gd name="connsiteY2" fmla="*/ 0 h 1431450"/>
+              <a:gd name="connsiteX3" fmla="*/ 1539542 w 2108962"/>
+              <a:gd name="connsiteY3" fmla="*/ 0 h 1431450"/>
+              <a:gd name="connsiteX4" fmla="*/ 2108962 w 2108962"/>
+              <a:gd name="connsiteY4" fmla="*/ 0 h 1431450"/>
+              <a:gd name="connsiteX5" fmla="*/ 2108962 w 2108962"/>
+              <a:gd name="connsiteY5" fmla="*/ 462835 h 1431450"/>
+              <a:gd name="connsiteX6" fmla="*/ 2108962 w 2108962"/>
+              <a:gd name="connsiteY6" fmla="*/ 911356 h 1431450"/>
+              <a:gd name="connsiteX7" fmla="*/ 2108962 w 2108962"/>
+              <a:gd name="connsiteY7" fmla="*/ 1431450 h 1431450"/>
+              <a:gd name="connsiteX8" fmla="*/ 1581722 w 2108962"/>
+              <a:gd name="connsiteY8" fmla="*/ 1431450 h 1431450"/>
+              <a:gd name="connsiteX9" fmla="*/ 1117750 w 2108962"/>
+              <a:gd name="connsiteY9" fmla="*/ 1431450 h 1431450"/>
+              <a:gd name="connsiteX10" fmla="*/ 590509 w 2108962"/>
+              <a:gd name="connsiteY10" fmla="*/ 1431450 h 1431450"/>
+              <a:gd name="connsiteX11" fmla="*/ 0 w 2108962"/>
+              <a:gd name="connsiteY11" fmla="*/ 1431450 h 1431450"/>
+              <a:gd name="connsiteX12" fmla="*/ 0 w 2108962"/>
+              <a:gd name="connsiteY12" fmla="*/ 968615 h 1431450"/>
+              <a:gd name="connsiteX13" fmla="*/ 0 w 2108962"/>
+              <a:gd name="connsiteY13" fmla="*/ 505779 h 1431450"/>
+              <a:gd name="connsiteX14" fmla="*/ 0 w 2108962"/>
+              <a:gd name="connsiteY14" fmla="*/ 0 h 1431450"/>
+            </a:gdLst>
+            <a:ahLst/>
+            <a:cxnLst>
+              <a:cxn ang="0">
+                <a:pos x="connsiteX0" y="connsiteY0"/>
+              </a:cxn>
+              <a:cxn ang="0">
+                <a:pos x="connsiteX1" y="connsiteY1"/>
+              </a:cxn>
+              <a:cxn ang="0">
+                <a:pos x="connsiteX2" y="connsiteY2"/>
+              </a:cxn>
+              <a:cxn ang="0">
+                <a:pos x="connsiteX3" y="connsiteY3"/>
+              </a:cxn>
+              <a:cxn ang="0">
+                <a:pos x="connsiteX4" y="connsiteY4"/>
+              </a:cxn>
+              <a:cxn ang="0">
+                <a:pos x="connsiteX5" y="connsiteY5"/>
+              </a:cxn>
+              <a:cxn ang="0">
+                <a:pos x="connsiteX6" y="connsiteY6"/>
+              </a:cxn>
+              <a:cxn ang="0">
+                <a:pos x="connsiteX7" y="connsiteY7"/>
+              </a:cxn>
+              <a:cxn ang="0">
+                <a:pos x="connsiteX8" y="connsiteY8"/>
+              </a:cxn>
+              <a:cxn ang="0">
+                <a:pos x="connsiteX9" y="connsiteY9"/>
+              </a:cxn>
+              <a:cxn ang="0">
+                <a:pos x="connsiteX10" y="connsiteY10"/>
+              </a:cxn>
+              <a:cxn ang="0">
+                <a:pos x="connsiteX11" y="connsiteY11"/>
+              </a:cxn>
+              <a:cxn ang="0">
+                <a:pos x="connsiteX12" y="connsiteY12"/>
+              </a:cxn>
+              <a:cxn ang="0">
+                <a:pos x="connsiteX13" y="connsiteY13"/>
+              </a:cxn>
+              <a:cxn ang="0">
+                <a:pos x="connsiteX14" y="connsiteY14"/>
+              </a:cxn>
+            </a:cxnLst>
+            <a:rect l="l" t="t" r="r" b="b"/>
+            <a:pathLst>
+              <a:path w="2108962" h="1431450" extrusionOk="0">
+                <a:moveTo>
+                  <a:pt x="0" y="0"/>
+                </a:moveTo>
+                <a:cubicBezTo>
+                  <a:pt x="128828" y="-43297"/>
+                  <a:pt x="373068" y="44872"/>
+                  <a:pt x="506151" y="0"/>
+                </a:cubicBezTo>
+                <a:cubicBezTo>
+                  <a:pt x="639234" y="-44872"/>
+                  <a:pt x="867843" y="22824"/>
+                  <a:pt x="970123" y="0"/>
+                </a:cubicBezTo>
+                <a:cubicBezTo>
+                  <a:pt x="1072403" y="-22824"/>
+                  <a:pt x="1363000" y="38789"/>
+                  <a:pt x="1539542" y="0"/>
+                </a:cubicBezTo>
+                <a:cubicBezTo>
+                  <a:pt x="1716084" y="-38789"/>
+                  <a:pt x="1877145" y="30271"/>
+                  <a:pt x="2108962" y="0"/>
+                </a:cubicBezTo>
+                <a:cubicBezTo>
+                  <a:pt x="2159233" y="217305"/>
+                  <a:pt x="2075736" y="341589"/>
+                  <a:pt x="2108962" y="462835"/>
+                </a:cubicBezTo>
+                <a:cubicBezTo>
+                  <a:pt x="2142188" y="584081"/>
+                  <a:pt x="2084149" y="714612"/>
+                  <a:pt x="2108962" y="911356"/>
+                </a:cubicBezTo>
+                <a:cubicBezTo>
+                  <a:pt x="2133775" y="1108100"/>
+                  <a:pt x="2079263" y="1205297"/>
+                  <a:pt x="2108962" y="1431450"/>
+                </a:cubicBezTo>
+                <a:cubicBezTo>
+                  <a:pt x="1930181" y="1434063"/>
+                  <a:pt x="1817594" y="1406905"/>
+                  <a:pt x="1581722" y="1431450"/>
+                </a:cubicBezTo>
+                <a:cubicBezTo>
+                  <a:pt x="1345850" y="1455995"/>
+                  <a:pt x="1279065" y="1411936"/>
+                  <a:pt x="1117750" y="1431450"/>
+                </a:cubicBezTo>
+                <a:cubicBezTo>
+                  <a:pt x="956435" y="1450964"/>
+                  <a:pt x="826756" y="1401000"/>
+                  <a:pt x="590509" y="1431450"/>
+                </a:cubicBezTo>
+                <a:cubicBezTo>
+                  <a:pt x="354262" y="1461900"/>
+                  <a:pt x="140220" y="1406828"/>
+                  <a:pt x="0" y="1431450"/>
+                </a:cubicBezTo>
+                <a:cubicBezTo>
+                  <a:pt x="-16963" y="1319890"/>
+                  <a:pt x="16065" y="1150196"/>
+                  <a:pt x="0" y="968615"/>
+                </a:cubicBezTo>
+                <a:cubicBezTo>
+                  <a:pt x="-16065" y="787034"/>
+                  <a:pt x="51940" y="608090"/>
+                  <a:pt x="0" y="505779"/>
+                </a:cubicBezTo>
+                <a:cubicBezTo>
+                  <a:pt x="-51940" y="403468"/>
+                  <a:pt x="33710" y="177045"/>
+                  <a:pt x="0" y="0"/>
+                </a:cubicBezTo>
+                <a:close/>
+              </a:path>
+            </a:pathLst>
+          </a:custGeom>
+          <a:noFill/>
+          <a:ln>
+            <a:solidFill>
+              <a:schemeClr val="tx1"/>
+            </a:solidFill>
+            <a:extLst>
+              <a:ext uri="{C807C97D-BFC1-408E-A445-0C87EB9F89A2}">
+                <ask:lineSketchStyleProps xmlns:ask="http://schemas.microsoft.com/office/drawing/2018/sketchyshapes" sd="1219033472">
+                  <a:prstGeom prst="rect">
+                    <a:avLst/>
+                  </a:prstGeom>
+                  <ask:type>
+                    <ask:lineSketchScribble/>
+                  </ask:type>
+                </ask:lineSketchStyleProps>
+              </a:ext>
+            </a:extLst>
+          </a:ln>
+        </p:spPr>
+        <p:style>
+          <a:lnRef idx="2">
+            <a:schemeClr val="accent1">
+              <a:shade val="50000"/>
+            </a:schemeClr>
+          </a:lnRef>
+          <a:fillRef idx="1">
+            <a:schemeClr val="accent1"/>
+          </a:fillRef>
+          <a:effectRef idx="0">
+            <a:schemeClr val="accent1"/>
+          </a:effectRef>
+          <a:fontRef idx="minor">
+            <a:schemeClr val="lt1"/>
+          </a:fontRef>
+        </p:style>
+        <p:txBody>
+          <a:bodyPr rtlCol="0" anchor="ctr"/>
+          <a:lstStyle/>
+          <a:p>
+            <a:pPr algn="ctr"/>
+            <a:endParaRPr lang="en-KR"/>
+          </a:p>
+        </p:txBody>
+      </p:sp>
+      <p:sp>
+        <p:nvSpPr>
+          <p:cNvPr id="76" name="TextBox 75">
+            <a:extLst>
+              <a:ext uri="{FF2B5EF4-FFF2-40B4-BE49-F238E27FC236}">
+                <a16:creationId xmlns:a16="http://schemas.microsoft.com/office/drawing/2014/main" id="{CAF1C999-FB3A-AAA2-E147-AC7EA05AD23D}"/>
+              </a:ext>
+            </a:extLst>
+          </p:cNvPr>
+          <p:cNvSpPr txBox="1"/>
+          <p:nvPr/>
+        </p:nvSpPr>
+        <p:spPr>
+          <a:xfrm>
+            <a:off x="2301069" y="4270307"/>
+            <a:ext cx="526883" cy="215444"/>
+          </a:xfrm>
+          <a:prstGeom prst="rect">
+            <a:avLst/>
+          </a:prstGeom>
+          <a:noFill/>
+          <a:ln cap="rnd">
+            <a:solidFill>
+              <a:schemeClr val="tx1"/>
+            </a:solidFill>
+            <a:bevel/>
+            <a:extLst>
+              <a:ext uri="{C807C97D-BFC1-408E-A445-0C87EB9F89A2}">
+                <ask:lineSketchStyleProps xmlns:ask="http://schemas.microsoft.com/office/drawing/2018/sketchyshapes" sd="1219033472">
+                  <a:custGeom>
+                    <a:avLst/>
+                    <a:gdLst>
+                      <a:gd name="connsiteX0" fmla="*/ 0 w 1879700"/>
+                      <a:gd name="connsiteY0" fmla="*/ 0 h 215444"/>
+                      <a:gd name="connsiteX1" fmla="*/ 451128 w 1879700"/>
+                      <a:gd name="connsiteY1" fmla="*/ 0 h 215444"/>
+                      <a:gd name="connsiteX2" fmla="*/ 864662 w 1879700"/>
+                      <a:gd name="connsiteY2" fmla="*/ 0 h 215444"/>
+                      <a:gd name="connsiteX3" fmla="*/ 1372181 w 1879700"/>
+                      <a:gd name="connsiteY3" fmla="*/ 0 h 215444"/>
+                      <a:gd name="connsiteX4" fmla="*/ 1879700 w 1879700"/>
+                      <a:gd name="connsiteY4" fmla="*/ 0 h 215444"/>
+                      <a:gd name="connsiteX5" fmla="*/ 1879700 w 1879700"/>
+                      <a:gd name="connsiteY5" fmla="*/ 215444 h 215444"/>
+                      <a:gd name="connsiteX6" fmla="*/ 1447369 w 1879700"/>
+                      <a:gd name="connsiteY6" fmla="*/ 215444 h 215444"/>
+                      <a:gd name="connsiteX7" fmla="*/ 1015038 w 1879700"/>
+                      <a:gd name="connsiteY7" fmla="*/ 215444 h 215444"/>
+                      <a:gd name="connsiteX8" fmla="*/ 507519 w 1879700"/>
+                      <a:gd name="connsiteY8" fmla="*/ 215444 h 215444"/>
+                      <a:gd name="connsiteX9" fmla="*/ 0 w 1879700"/>
+                      <a:gd name="connsiteY9" fmla="*/ 215444 h 215444"/>
+                      <a:gd name="connsiteX10" fmla="*/ 0 w 1879700"/>
+                      <a:gd name="connsiteY10" fmla="*/ 0 h 215444"/>
+                    </a:gdLst>
+                    <a:ahLst/>
+                    <a:cxnLst>
+                      <a:cxn ang="0">
+                        <a:pos x="connsiteX0" y="connsiteY0"/>
+                      </a:cxn>
+                      <a:cxn ang="0">
+                        <a:pos x="connsiteX1" y="connsiteY1"/>
+                      </a:cxn>
+                      <a:cxn ang="0">
+                        <a:pos x="connsiteX2" y="connsiteY2"/>
+                      </a:cxn>
+                      <a:cxn ang="0">
+                        <a:pos x="connsiteX3" y="connsiteY3"/>
+                      </a:cxn>
+                      <a:cxn ang="0">
+                        <a:pos x="connsiteX4" y="connsiteY4"/>
+                      </a:cxn>
+                      <a:cxn ang="0">
+                        <a:pos x="connsiteX5" y="connsiteY5"/>
+                      </a:cxn>
+                      <a:cxn ang="0">
+                        <a:pos x="connsiteX6" y="connsiteY6"/>
+                      </a:cxn>
+                      <a:cxn ang="0">
+                        <a:pos x="connsiteX7" y="connsiteY7"/>
+                      </a:cxn>
+                      <a:cxn ang="0">
+                        <a:pos x="connsiteX8" y="connsiteY8"/>
+                      </a:cxn>
+                      <a:cxn ang="0">
+                        <a:pos x="connsiteX9" y="connsiteY9"/>
+                      </a:cxn>
+                      <a:cxn ang="0">
+                        <a:pos x="connsiteX10" y="connsiteY10"/>
+                      </a:cxn>
+                    </a:cxnLst>
+                    <a:rect l="l" t="t" r="r" b="b"/>
+                    <a:pathLst>
+                      <a:path w="1879700" h="215444" extrusionOk="0">
+                        <a:moveTo>
+                          <a:pt x="0" y="0"/>
+                        </a:moveTo>
+                        <a:cubicBezTo>
+                          <a:pt x="144942" y="-577"/>
+                          <a:pt x="318370" y="3267"/>
+                          <a:pt x="451128" y="0"/>
+                        </a:cubicBezTo>
+                        <a:cubicBezTo>
+                          <a:pt x="583886" y="-3267"/>
+                          <a:pt x="742478" y="29300"/>
+                          <a:pt x="864662" y="0"/>
+                        </a:cubicBezTo>
+                        <a:cubicBezTo>
+                          <a:pt x="986846" y="-29300"/>
+                          <a:pt x="1197216" y="23725"/>
+                          <a:pt x="1372181" y="0"/>
+                        </a:cubicBezTo>
+                        <a:cubicBezTo>
+                          <a:pt x="1547146" y="-23725"/>
+                          <a:pt x="1680517" y="31914"/>
+                          <a:pt x="1879700" y="0"/>
+                        </a:cubicBezTo>
+                        <a:cubicBezTo>
+                          <a:pt x="1882440" y="70980"/>
+                          <a:pt x="1862355" y="144352"/>
+                          <a:pt x="1879700" y="215444"/>
+                        </a:cubicBezTo>
+                        <a:cubicBezTo>
+                          <a:pt x="1771231" y="256425"/>
+                          <a:pt x="1622159" y="164623"/>
+                          <a:pt x="1447369" y="215444"/>
+                        </a:cubicBezTo>
+                        <a:cubicBezTo>
+                          <a:pt x="1272579" y="266265"/>
+                          <a:pt x="1176959" y="179090"/>
+                          <a:pt x="1015038" y="215444"/>
+                        </a:cubicBezTo>
+                        <a:cubicBezTo>
+                          <a:pt x="853117" y="251798"/>
+                          <a:pt x="695042" y="169593"/>
+                          <a:pt x="507519" y="215444"/>
+                        </a:cubicBezTo>
+                        <a:cubicBezTo>
+                          <a:pt x="319996" y="261295"/>
+                          <a:pt x="221599" y="194491"/>
+                          <a:pt x="0" y="215444"/>
+                        </a:cubicBezTo>
+                        <a:cubicBezTo>
+                          <a:pt x="-22738" y="124398"/>
+                          <a:pt x="1890" y="63076"/>
+                          <a:pt x="0" y="0"/>
+                        </a:cubicBezTo>
+                        <a:close/>
+                      </a:path>
+                    </a:pathLst>
+                  </a:custGeom>
+                  <ask:type>
+                    <ask:lineSketchNone/>
+                  </ask:type>
+                </ask:lineSketchStyleProps>
+              </a:ext>
+            </a:extLst>
+          </a:ln>
+        </p:spPr>
+        <p:txBody>
+          <a:bodyPr wrap="square" rtlCol="0" anchor="ctr">
+            <a:spAutoFit/>
+          </a:bodyPr>
+          <a:lstStyle/>
+          <a:p>
+            <a:pPr algn="ctr"/>
+            <a:r>
+              <a:rPr lang="en-US" sz="800" i="1" dirty="0" err="1"/>
+              <a:t>validate</a:t>
+            </a:r>
+            <a:endParaRPr lang="en-KR" sz="800" i="1" dirty="0"/>
+          </a:p>
+        </p:txBody>
+      </p:sp>
+      <p:sp>
+        <p:nvSpPr>
+          <p:cNvPr id="78" name="TextBox 77">
+            <a:extLst>
+              <a:ext uri="{FF2B5EF4-FFF2-40B4-BE49-F238E27FC236}">
+                <a16:creationId xmlns:a16="http://schemas.microsoft.com/office/drawing/2014/main" id="{3C57FEAC-8098-AB91-368C-9498FEE957A7}"/>
+              </a:ext>
+            </a:extLst>
+          </p:cNvPr>
+          <p:cNvSpPr txBox="1"/>
+          <p:nvPr/>
+        </p:nvSpPr>
+        <p:spPr>
+          <a:xfrm>
+            <a:off x="2902026" y="4270307"/>
+            <a:ext cx="526883" cy="215444"/>
+          </a:xfrm>
+          <a:prstGeom prst="rect">
+            <a:avLst/>
+          </a:prstGeom>
+          <a:noFill/>
+          <a:ln cap="rnd">
+            <a:solidFill>
+              <a:schemeClr val="tx1"/>
+            </a:solidFill>
+            <a:bevel/>
+            <a:extLst>
+              <a:ext uri="{C807C97D-BFC1-408E-A445-0C87EB9F89A2}">
+                <ask:lineSketchStyleProps xmlns:ask="http://schemas.microsoft.com/office/drawing/2018/sketchyshapes" sd="1219033472">
+                  <a:custGeom>
+                    <a:avLst/>
+                    <a:gdLst>
+                      <a:gd name="connsiteX0" fmla="*/ 0 w 1879700"/>
+                      <a:gd name="connsiteY0" fmla="*/ 0 h 215444"/>
+                      <a:gd name="connsiteX1" fmla="*/ 451128 w 1879700"/>
+                      <a:gd name="connsiteY1" fmla="*/ 0 h 215444"/>
+                      <a:gd name="connsiteX2" fmla="*/ 864662 w 1879700"/>
+                      <a:gd name="connsiteY2" fmla="*/ 0 h 215444"/>
+                      <a:gd name="connsiteX3" fmla="*/ 1372181 w 1879700"/>
+                      <a:gd name="connsiteY3" fmla="*/ 0 h 215444"/>
+                      <a:gd name="connsiteX4" fmla="*/ 1879700 w 1879700"/>
+                      <a:gd name="connsiteY4" fmla="*/ 0 h 215444"/>
+                      <a:gd name="connsiteX5" fmla="*/ 1879700 w 1879700"/>
+                      <a:gd name="connsiteY5" fmla="*/ 215444 h 215444"/>
+                      <a:gd name="connsiteX6" fmla="*/ 1447369 w 1879700"/>
+                      <a:gd name="connsiteY6" fmla="*/ 215444 h 215444"/>
+                      <a:gd name="connsiteX7" fmla="*/ 1015038 w 1879700"/>
+                      <a:gd name="connsiteY7" fmla="*/ 215444 h 215444"/>
+                      <a:gd name="connsiteX8" fmla="*/ 507519 w 1879700"/>
+                      <a:gd name="connsiteY8" fmla="*/ 215444 h 215444"/>
+                      <a:gd name="connsiteX9" fmla="*/ 0 w 1879700"/>
+                      <a:gd name="connsiteY9" fmla="*/ 215444 h 215444"/>
+                      <a:gd name="connsiteX10" fmla="*/ 0 w 1879700"/>
+                      <a:gd name="connsiteY10" fmla="*/ 0 h 215444"/>
+                    </a:gdLst>
+                    <a:ahLst/>
+                    <a:cxnLst>
+                      <a:cxn ang="0">
+                        <a:pos x="connsiteX0" y="connsiteY0"/>
+                      </a:cxn>
+                      <a:cxn ang="0">
+                        <a:pos x="connsiteX1" y="connsiteY1"/>
+                      </a:cxn>
+                      <a:cxn ang="0">
+                        <a:pos x="connsiteX2" y="connsiteY2"/>
+                      </a:cxn>
+                      <a:cxn ang="0">
+                        <a:pos x="connsiteX3" y="connsiteY3"/>
+                      </a:cxn>
+                      <a:cxn ang="0">
+                        <a:pos x="connsiteX4" y="connsiteY4"/>
+                      </a:cxn>
+                      <a:cxn ang="0">
+                        <a:pos x="connsiteX5" y="connsiteY5"/>
+                      </a:cxn>
+                      <a:cxn ang="0">
+                        <a:pos x="connsiteX6" y="connsiteY6"/>
+                      </a:cxn>
+                      <a:cxn ang="0">
+                        <a:pos x="connsiteX7" y="connsiteY7"/>
+                      </a:cxn>
+                      <a:cxn ang="0">
+                        <a:pos x="connsiteX8" y="connsiteY8"/>
+                      </a:cxn>
+                      <a:cxn ang="0">
+                        <a:pos x="connsiteX9" y="connsiteY9"/>
+                      </a:cxn>
+                      <a:cxn ang="0">
+                        <a:pos x="connsiteX10" y="connsiteY10"/>
+                      </a:cxn>
+                    </a:cxnLst>
+                    <a:rect l="l" t="t" r="r" b="b"/>
+                    <a:pathLst>
+                      <a:path w="1879700" h="215444" extrusionOk="0">
+                        <a:moveTo>
+                          <a:pt x="0" y="0"/>
+                        </a:moveTo>
+                        <a:cubicBezTo>
+                          <a:pt x="144942" y="-577"/>
+                          <a:pt x="318370" y="3267"/>
+                          <a:pt x="451128" y="0"/>
+                        </a:cubicBezTo>
+                        <a:cubicBezTo>
+                          <a:pt x="583886" y="-3267"/>
+                          <a:pt x="742478" y="29300"/>
+                          <a:pt x="864662" y="0"/>
+                        </a:cubicBezTo>
+                        <a:cubicBezTo>
+                          <a:pt x="986846" y="-29300"/>
+                          <a:pt x="1197216" y="23725"/>
+                          <a:pt x="1372181" y="0"/>
+                        </a:cubicBezTo>
+                        <a:cubicBezTo>
+                          <a:pt x="1547146" y="-23725"/>
+                          <a:pt x="1680517" y="31914"/>
+                          <a:pt x="1879700" y="0"/>
+                        </a:cubicBezTo>
+                        <a:cubicBezTo>
+                          <a:pt x="1882440" y="70980"/>
+                          <a:pt x="1862355" y="144352"/>
+                          <a:pt x="1879700" y="215444"/>
+                        </a:cubicBezTo>
+                        <a:cubicBezTo>
+                          <a:pt x="1771231" y="256425"/>
+                          <a:pt x="1622159" y="164623"/>
+                          <a:pt x="1447369" y="215444"/>
+                        </a:cubicBezTo>
+                        <a:cubicBezTo>
+                          <a:pt x="1272579" y="266265"/>
+                          <a:pt x="1176959" y="179090"/>
+                          <a:pt x="1015038" y="215444"/>
+                        </a:cubicBezTo>
+                        <a:cubicBezTo>
+                          <a:pt x="853117" y="251798"/>
+                          <a:pt x="695042" y="169593"/>
+                          <a:pt x="507519" y="215444"/>
+                        </a:cubicBezTo>
+                        <a:cubicBezTo>
+                          <a:pt x="319996" y="261295"/>
+                          <a:pt x="221599" y="194491"/>
+                          <a:pt x="0" y="215444"/>
+                        </a:cubicBezTo>
+                        <a:cubicBezTo>
+                          <a:pt x="-22738" y="124398"/>
+                          <a:pt x="1890" y="63076"/>
+                          <a:pt x="0" y="0"/>
+                        </a:cubicBezTo>
+                        <a:close/>
+                      </a:path>
+                    </a:pathLst>
+                  </a:custGeom>
+                  <ask:type>
+                    <ask:lineSketchNone/>
+                  </ask:type>
+                </ask:lineSketchStyleProps>
+              </a:ext>
+            </a:extLst>
+          </a:ln>
+        </p:spPr>
+        <p:txBody>
+          <a:bodyPr wrap="square" rtlCol="0" anchor="ctr">
+            <a:spAutoFit/>
+          </a:bodyPr>
+          <a:lstStyle/>
+          <a:p>
+            <a:pPr algn="ctr"/>
+            <a:r>
+              <a:rPr lang="en-US" sz="800" i="1" dirty="0" err="1"/>
+              <a:t>plan</a:t>
+            </a:r>
+            <a:endParaRPr lang="en-KR" sz="800" i="1" dirty="0"/>
+          </a:p>
+        </p:txBody>
+      </p:sp>
+      <p:sp>
+        <p:nvSpPr>
+          <p:cNvPr id="79" name="TextBox 78">
+            <a:extLst>
+              <a:ext uri="{FF2B5EF4-FFF2-40B4-BE49-F238E27FC236}">
+                <a16:creationId xmlns:a16="http://schemas.microsoft.com/office/drawing/2014/main" id="{8C7A46E5-F4A1-62D7-7020-E41F89AD6219}"/>
+              </a:ext>
+            </a:extLst>
+          </p:cNvPr>
+          <p:cNvSpPr txBox="1"/>
+          <p:nvPr/>
+        </p:nvSpPr>
+        <p:spPr>
+          <a:xfrm>
+            <a:off x="3502984" y="4270307"/>
+            <a:ext cx="526883" cy="215444"/>
+          </a:xfrm>
+          <a:prstGeom prst="rect">
+            <a:avLst/>
+          </a:prstGeom>
+          <a:noFill/>
+          <a:ln cap="rnd">
+            <a:solidFill>
+              <a:schemeClr val="tx1"/>
+            </a:solidFill>
+            <a:bevel/>
+            <a:extLst>
+              <a:ext uri="{C807C97D-BFC1-408E-A445-0C87EB9F89A2}">
+                <ask:lineSketchStyleProps xmlns:ask="http://schemas.microsoft.com/office/drawing/2018/sketchyshapes" sd="1219033472">
+                  <a:custGeom>
+                    <a:avLst/>
+                    <a:gdLst>
+                      <a:gd name="connsiteX0" fmla="*/ 0 w 1879700"/>
+                      <a:gd name="connsiteY0" fmla="*/ 0 h 215444"/>
+                      <a:gd name="connsiteX1" fmla="*/ 451128 w 1879700"/>
+                      <a:gd name="connsiteY1" fmla="*/ 0 h 215444"/>
+                      <a:gd name="connsiteX2" fmla="*/ 864662 w 1879700"/>
+                      <a:gd name="connsiteY2" fmla="*/ 0 h 215444"/>
+                      <a:gd name="connsiteX3" fmla="*/ 1372181 w 1879700"/>
+                      <a:gd name="connsiteY3" fmla="*/ 0 h 215444"/>
+                      <a:gd name="connsiteX4" fmla="*/ 1879700 w 1879700"/>
+                      <a:gd name="connsiteY4" fmla="*/ 0 h 215444"/>
+                      <a:gd name="connsiteX5" fmla="*/ 1879700 w 1879700"/>
+                      <a:gd name="connsiteY5" fmla="*/ 215444 h 215444"/>
+                      <a:gd name="connsiteX6" fmla="*/ 1447369 w 1879700"/>
+                      <a:gd name="connsiteY6" fmla="*/ 215444 h 215444"/>
+                      <a:gd name="connsiteX7" fmla="*/ 1015038 w 1879700"/>
+                      <a:gd name="connsiteY7" fmla="*/ 215444 h 215444"/>
+                      <a:gd name="connsiteX8" fmla="*/ 507519 w 1879700"/>
+                      <a:gd name="connsiteY8" fmla="*/ 215444 h 215444"/>
+                      <a:gd name="connsiteX9" fmla="*/ 0 w 1879700"/>
+                      <a:gd name="connsiteY9" fmla="*/ 215444 h 215444"/>
+                      <a:gd name="connsiteX10" fmla="*/ 0 w 1879700"/>
+                      <a:gd name="connsiteY10" fmla="*/ 0 h 215444"/>
+                    </a:gdLst>
+                    <a:ahLst/>
+                    <a:cxnLst>
+                      <a:cxn ang="0">
+                        <a:pos x="connsiteX0" y="connsiteY0"/>
+                      </a:cxn>
+                      <a:cxn ang="0">
+                        <a:pos x="connsiteX1" y="connsiteY1"/>
+                      </a:cxn>
+                      <a:cxn ang="0">
+                        <a:pos x="connsiteX2" y="connsiteY2"/>
+                      </a:cxn>
+                      <a:cxn ang="0">
+                        <a:pos x="connsiteX3" y="connsiteY3"/>
+                      </a:cxn>
+                      <a:cxn ang="0">
+                        <a:pos x="connsiteX4" y="connsiteY4"/>
+                      </a:cxn>
+                      <a:cxn ang="0">
+                        <a:pos x="connsiteX5" y="connsiteY5"/>
+                      </a:cxn>
+                      <a:cxn ang="0">
+                        <a:pos x="connsiteX6" y="connsiteY6"/>
+                      </a:cxn>
+                      <a:cxn ang="0">
+                        <a:pos x="connsiteX7" y="connsiteY7"/>
+                      </a:cxn>
+                      <a:cxn ang="0">
+                        <a:pos x="connsiteX8" y="connsiteY8"/>
+                      </a:cxn>
+                      <a:cxn ang="0">
+                        <a:pos x="connsiteX9" y="connsiteY9"/>
+                      </a:cxn>
+                      <a:cxn ang="0">
+                        <a:pos x="connsiteX10" y="connsiteY10"/>
+                      </a:cxn>
+                    </a:cxnLst>
+                    <a:rect l="l" t="t" r="r" b="b"/>
+                    <a:pathLst>
+                      <a:path w="1879700" h="215444" extrusionOk="0">
+                        <a:moveTo>
+                          <a:pt x="0" y="0"/>
+                        </a:moveTo>
+                        <a:cubicBezTo>
+                          <a:pt x="144942" y="-577"/>
+                          <a:pt x="318370" y="3267"/>
+                          <a:pt x="451128" y="0"/>
+                        </a:cubicBezTo>
+                        <a:cubicBezTo>
+                          <a:pt x="583886" y="-3267"/>
+                          <a:pt x="742478" y="29300"/>
+                          <a:pt x="864662" y="0"/>
+                        </a:cubicBezTo>
+                        <a:cubicBezTo>
+                          <a:pt x="986846" y="-29300"/>
+                          <a:pt x="1197216" y="23725"/>
+                          <a:pt x="1372181" y="0"/>
+                        </a:cubicBezTo>
+                        <a:cubicBezTo>
+                          <a:pt x="1547146" y="-23725"/>
+                          <a:pt x="1680517" y="31914"/>
+                          <a:pt x="1879700" y="0"/>
+                        </a:cubicBezTo>
+                        <a:cubicBezTo>
+                          <a:pt x="1882440" y="70980"/>
+                          <a:pt x="1862355" y="144352"/>
+                          <a:pt x="1879700" y="215444"/>
+                        </a:cubicBezTo>
+                        <a:cubicBezTo>
+                          <a:pt x="1771231" y="256425"/>
+                          <a:pt x="1622159" y="164623"/>
+                          <a:pt x="1447369" y="215444"/>
+                        </a:cubicBezTo>
+                        <a:cubicBezTo>
+                          <a:pt x="1272579" y="266265"/>
+                          <a:pt x="1176959" y="179090"/>
+                          <a:pt x="1015038" y="215444"/>
+                        </a:cubicBezTo>
+                        <a:cubicBezTo>
+                          <a:pt x="853117" y="251798"/>
+                          <a:pt x="695042" y="169593"/>
+                          <a:pt x="507519" y="215444"/>
+                        </a:cubicBezTo>
+                        <a:cubicBezTo>
+                          <a:pt x="319996" y="261295"/>
+                          <a:pt x="221599" y="194491"/>
+                          <a:pt x="0" y="215444"/>
+                        </a:cubicBezTo>
+                        <a:cubicBezTo>
+                          <a:pt x="-22738" y="124398"/>
+                          <a:pt x="1890" y="63076"/>
+                          <a:pt x="0" y="0"/>
+                        </a:cubicBezTo>
+                        <a:close/>
+                      </a:path>
+                    </a:pathLst>
+                  </a:custGeom>
+                  <ask:type>
+                    <ask:lineSketchNone/>
+                  </ask:type>
+                </ask:lineSketchStyleProps>
+              </a:ext>
+            </a:extLst>
+          </a:ln>
+        </p:spPr>
+        <p:txBody>
+          <a:bodyPr wrap="square" rtlCol="0" anchor="ctr">
+            <a:spAutoFit/>
+          </a:bodyPr>
+          <a:lstStyle/>
+          <a:p>
+            <a:pPr algn="ctr"/>
+            <a:r>
+              <a:rPr lang="en-US" sz="800" i="1" dirty="0" err="1"/>
+              <a:t>apply</a:t>
+            </a:r>
+            <a:endParaRPr lang="en-KR" sz="800" i="1" dirty="0"/>
+          </a:p>
+        </p:txBody>
+      </p:sp>
+      <p:sp>
+        <p:nvSpPr>
+          <p:cNvPr id="81" name="TextBox 80">
+            <a:extLst>
+              <a:ext uri="{FF2B5EF4-FFF2-40B4-BE49-F238E27FC236}">
+                <a16:creationId xmlns:a16="http://schemas.microsoft.com/office/drawing/2014/main" id="{C4B2DBF4-1CFC-C72B-298D-091BD95345D2}"/>
+              </a:ext>
+            </a:extLst>
+          </p:cNvPr>
+          <p:cNvSpPr txBox="1"/>
+          <p:nvPr/>
+        </p:nvSpPr>
+        <p:spPr>
+          <a:xfrm>
+            <a:off x="2186007" y="3932036"/>
+            <a:ext cx="1283891" cy="246221"/>
+          </a:xfrm>
+          <a:prstGeom prst="rect">
+            <a:avLst/>
+          </a:prstGeom>
+          <a:noFill/>
+        </p:spPr>
+        <p:txBody>
+          <a:bodyPr wrap="square" rtlCol="0">
+            <a:spAutoFit/>
+          </a:bodyPr>
+          <a:lstStyle/>
+          <a:p>
+            <a:r>
+              <a:rPr lang="en-US" sz="1000" b="1" i="1"/>
+              <a:t>stage/job</a:t>
+            </a:r>
+            <a:endParaRPr lang="en-KR" sz="1000" b="1" i="1"/>
+          </a:p>
+        </p:txBody>
+      </p:sp>
+      <p:sp>
+        <p:nvSpPr>
+          <p:cNvPr id="82" name="Rectangle 81">
+            <a:extLst>
+              <a:ext uri="{FF2B5EF4-FFF2-40B4-BE49-F238E27FC236}">
+                <a16:creationId xmlns:a16="http://schemas.microsoft.com/office/drawing/2014/main" id="{25EE6AFD-E300-4A52-EB5C-61398304ADF0}"/>
+              </a:ext>
+            </a:extLst>
+          </p:cNvPr>
+          <p:cNvSpPr/>
+          <p:nvPr/>
+        </p:nvSpPr>
+        <p:spPr>
+          <a:xfrm>
+            <a:off x="2186007" y="3932037"/>
+            <a:ext cx="1901416" cy="671756"/>
+          </a:xfrm>
+          <a:custGeom>
+            <a:avLst/>
+            <a:gdLst>
+              <a:gd name="connsiteX0" fmla="*/ 0 w 1901416"/>
+              <a:gd name="connsiteY0" fmla="*/ 0 h 671756"/>
+              <a:gd name="connsiteX1" fmla="*/ 456340 w 1901416"/>
+              <a:gd name="connsiteY1" fmla="*/ 0 h 671756"/>
+              <a:gd name="connsiteX2" fmla="*/ 874651 w 1901416"/>
+              <a:gd name="connsiteY2" fmla="*/ 0 h 671756"/>
+              <a:gd name="connsiteX3" fmla="*/ 1388034 w 1901416"/>
+              <a:gd name="connsiteY3" fmla="*/ 0 h 671756"/>
+              <a:gd name="connsiteX4" fmla="*/ 1901416 w 1901416"/>
+              <a:gd name="connsiteY4" fmla="*/ 0 h 671756"/>
+              <a:gd name="connsiteX5" fmla="*/ 1901416 w 1901416"/>
+              <a:gd name="connsiteY5" fmla="*/ 329160 h 671756"/>
+              <a:gd name="connsiteX6" fmla="*/ 1901416 w 1901416"/>
+              <a:gd name="connsiteY6" fmla="*/ 671756 h 671756"/>
+              <a:gd name="connsiteX7" fmla="*/ 1426062 w 1901416"/>
+              <a:gd name="connsiteY7" fmla="*/ 671756 h 671756"/>
+              <a:gd name="connsiteX8" fmla="*/ 912680 w 1901416"/>
+              <a:gd name="connsiteY8" fmla="*/ 671756 h 671756"/>
+              <a:gd name="connsiteX9" fmla="*/ 494368 w 1901416"/>
+              <a:gd name="connsiteY9" fmla="*/ 671756 h 671756"/>
+              <a:gd name="connsiteX10" fmla="*/ 0 w 1901416"/>
+              <a:gd name="connsiteY10" fmla="*/ 671756 h 671756"/>
+              <a:gd name="connsiteX11" fmla="*/ 0 w 1901416"/>
+              <a:gd name="connsiteY11" fmla="*/ 335878 h 671756"/>
+              <a:gd name="connsiteX12" fmla="*/ 0 w 1901416"/>
+              <a:gd name="connsiteY12" fmla="*/ 0 h 671756"/>
+            </a:gdLst>
+            <a:ahLst/>
+            <a:cxnLst>
+              <a:cxn ang="0">
+                <a:pos x="connsiteX0" y="connsiteY0"/>
+              </a:cxn>
+              <a:cxn ang="0">
+                <a:pos x="connsiteX1" y="connsiteY1"/>
+              </a:cxn>
+              <a:cxn ang="0">
+                <a:pos x="connsiteX2" y="connsiteY2"/>
+              </a:cxn>
+              <a:cxn ang="0">
+                <a:pos x="connsiteX3" y="connsiteY3"/>
+              </a:cxn>
+              <a:cxn ang="0">
+                <a:pos x="connsiteX4" y="connsiteY4"/>
+              </a:cxn>
+              <a:cxn ang="0">
+                <a:pos x="connsiteX5" y="connsiteY5"/>
+              </a:cxn>
+              <a:cxn ang="0">
+                <a:pos x="connsiteX6" y="connsiteY6"/>
+              </a:cxn>
+              <a:cxn ang="0">
+                <a:pos x="connsiteX7" y="connsiteY7"/>
+              </a:cxn>
+              <a:cxn ang="0">
+                <a:pos x="connsiteX8" y="connsiteY8"/>
+              </a:cxn>
+              <a:cxn ang="0">
+                <a:pos x="connsiteX9" y="connsiteY9"/>
+              </a:cxn>
+              <a:cxn ang="0">
+                <a:pos x="connsiteX10" y="connsiteY10"/>
+              </a:cxn>
+              <a:cxn ang="0">
+                <a:pos x="connsiteX11" y="connsiteY11"/>
+              </a:cxn>
+              <a:cxn ang="0">
+                <a:pos x="connsiteX12" y="connsiteY12"/>
+              </a:cxn>
+            </a:cxnLst>
+            <a:rect l="l" t="t" r="r" b="b"/>
+            <a:pathLst>
+              <a:path w="1901416" h="671756" extrusionOk="0">
+                <a:moveTo>
+                  <a:pt x="0" y="0"/>
+                </a:moveTo>
+                <a:cubicBezTo>
+                  <a:pt x="105971" y="-978"/>
+                  <a:pt x="243819" y="22547"/>
+                  <a:pt x="456340" y="0"/>
+                </a:cubicBezTo>
+                <a:cubicBezTo>
+                  <a:pt x="668861" y="-22547"/>
+                  <a:pt x="671423" y="41800"/>
+                  <a:pt x="874651" y="0"/>
+                </a:cubicBezTo>
+                <a:cubicBezTo>
+                  <a:pt x="1077879" y="-41800"/>
+                  <a:pt x="1236728" y="40783"/>
+                  <a:pt x="1388034" y="0"/>
+                </a:cubicBezTo>
+                <a:cubicBezTo>
+                  <a:pt x="1539340" y="-40783"/>
+                  <a:pt x="1748318" y="32003"/>
+                  <a:pt x="1901416" y="0"/>
+                </a:cubicBezTo>
+                <a:cubicBezTo>
+                  <a:pt x="1922746" y="82445"/>
+                  <a:pt x="1884272" y="177402"/>
+                  <a:pt x="1901416" y="329160"/>
+                </a:cubicBezTo>
+                <a:cubicBezTo>
+                  <a:pt x="1918560" y="480918"/>
+                  <a:pt x="1865972" y="598789"/>
+                  <a:pt x="1901416" y="671756"/>
+                </a:cubicBezTo>
+                <a:cubicBezTo>
+                  <a:pt x="1663993" y="679976"/>
+                  <a:pt x="1605987" y="660474"/>
+                  <a:pt x="1426062" y="671756"/>
+                </a:cubicBezTo>
+                <a:cubicBezTo>
+                  <a:pt x="1246137" y="683038"/>
+                  <a:pt x="1064540" y="639326"/>
+                  <a:pt x="912680" y="671756"/>
+                </a:cubicBezTo>
+                <a:cubicBezTo>
+                  <a:pt x="760820" y="704186"/>
+                  <a:pt x="648564" y="667581"/>
+                  <a:pt x="494368" y="671756"/>
+                </a:cubicBezTo>
+                <a:cubicBezTo>
+                  <a:pt x="340172" y="675931"/>
+                  <a:pt x="124032" y="643019"/>
+                  <a:pt x="0" y="671756"/>
+                </a:cubicBezTo>
+                <a:cubicBezTo>
+                  <a:pt x="-35074" y="599680"/>
+                  <a:pt x="27504" y="415367"/>
+                  <a:pt x="0" y="335878"/>
+                </a:cubicBezTo>
+                <a:cubicBezTo>
+                  <a:pt x="-27504" y="256389"/>
+                  <a:pt x="7481" y="87158"/>
+                  <a:pt x="0" y="0"/>
+                </a:cubicBezTo>
+                <a:close/>
+              </a:path>
+            </a:pathLst>
+          </a:custGeom>
+          <a:noFill/>
+          <a:ln>
+            <a:solidFill>
+              <a:schemeClr val="tx1"/>
+            </a:solidFill>
+            <a:extLst>
+              <a:ext uri="{C807C97D-BFC1-408E-A445-0C87EB9F89A2}">
+                <ask:lineSketchStyleProps xmlns:ask="http://schemas.microsoft.com/office/drawing/2018/sketchyshapes" sd="1219033472">
+                  <a:prstGeom prst="rect">
+                    <a:avLst/>
+                  </a:prstGeom>
+                  <ask:type>
+                    <ask:lineSketchScribble/>
+                  </ask:type>
+                </ask:lineSketchStyleProps>
+              </a:ext>
+            </a:extLst>
+          </a:ln>
+        </p:spPr>
+        <p:style>
+          <a:lnRef idx="2">
+            <a:schemeClr val="accent1">
+              <a:shade val="50000"/>
+            </a:schemeClr>
+          </a:lnRef>
+          <a:fillRef idx="1">
+            <a:schemeClr val="accent1"/>
+          </a:fillRef>
+          <a:effectRef idx="0">
+            <a:schemeClr val="accent1"/>
+          </a:effectRef>
+          <a:fontRef idx="minor">
+            <a:schemeClr val="lt1"/>
+          </a:fontRef>
+        </p:style>
+        <p:txBody>
+          <a:bodyPr rtlCol="0" anchor="ctr"/>
+          <a:lstStyle/>
+          <a:p>
+            <a:pPr algn="ctr"/>
+            <a:endParaRPr lang="en-KR"/>
+          </a:p>
+        </p:txBody>
+      </p:sp>
+      <p:sp>
+        <p:nvSpPr>
+          <p:cNvPr id="85" name="TextBox 84">
+            <a:extLst>
+              <a:ext uri="{FF2B5EF4-FFF2-40B4-BE49-F238E27FC236}">
+                <a16:creationId xmlns:a16="http://schemas.microsoft.com/office/drawing/2014/main" id="{4DCEA081-9128-62E4-3887-310630646A33}"/>
+              </a:ext>
+            </a:extLst>
+          </p:cNvPr>
+          <p:cNvSpPr txBox="1"/>
+          <p:nvPr/>
+        </p:nvSpPr>
+        <p:spPr>
+          <a:xfrm>
+            <a:off x="2298357" y="3586302"/>
+            <a:ext cx="851537" cy="215444"/>
+          </a:xfrm>
+          <a:prstGeom prst="rect">
+            <a:avLst/>
+          </a:prstGeom>
+          <a:noFill/>
+          <a:ln cap="rnd">
+            <a:solidFill>
+              <a:schemeClr val="tx1"/>
+            </a:solidFill>
+            <a:bevel/>
+            <a:extLst>
+              <a:ext uri="{C807C97D-BFC1-408E-A445-0C87EB9F89A2}">
+                <ask:lineSketchStyleProps xmlns:ask="http://schemas.microsoft.com/office/drawing/2018/sketchyshapes" sd="1219033472">
+                  <a:custGeom>
+                    <a:avLst/>
+                    <a:gdLst>
+                      <a:gd name="connsiteX0" fmla="*/ 0 w 1879700"/>
+                      <a:gd name="connsiteY0" fmla="*/ 0 h 215444"/>
+                      <a:gd name="connsiteX1" fmla="*/ 451128 w 1879700"/>
+                      <a:gd name="connsiteY1" fmla="*/ 0 h 215444"/>
+                      <a:gd name="connsiteX2" fmla="*/ 864662 w 1879700"/>
+                      <a:gd name="connsiteY2" fmla="*/ 0 h 215444"/>
+                      <a:gd name="connsiteX3" fmla="*/ 1372181 w 1879700"/>
+                      <a:gd name="connsiteY3" fmla="*/ 0 h 215444"/>
+                      <a:gd name="connsiteX4" fmla="*/ 1879700 w 1879700"/>
+                      <a:gd name="connsiteY4" fmla="*/ 0 h 215444"/>
+                      <a:gd name="connsiteX5" fmla="*/ 1879700 w 1879700"/>
+                      <a:gd name="connsiteY5" fmla="*/ 215444 h 215444"/>
+                      <a:gd name="connsiteX6" fmla="*/ 1447369 w 1879700"/>
+                      <a:gd name="connsiteY6" fmla="*/ 215444 h 215444"/>
+                      <a:gd name="connsiteX7" fmla="*/ 1015038 w 1879700"/>
+                      <a:gd name="connsiteY7" fmla="*/ 215444 h 215444"/>
+                      <a:gd name="connsiteX8" fmla="*/ 507519 w 1879700"/>
+                      <a:gd name="connsiteY8" fmla="*/ 215444 h 215444"/>
+                      <a:gd name="connsiteX9" fmla="*/ 0 w 1879700"/>
+                      <a:gd name="connsiteY9" fmla="*/ 215444 h 215444"/>
+                      <a:gd name="connsiteX10" fmla="*/ 0 w 1879700"/>
+                      <a:gd name="connsiteY10" fmla="*/ 0 h 215444"/>
+                    </a:gdLst>
+                    <a:ahLst/>
+                    <a:cxnLst>
+                      <a:cxn ang="0">
+                        <a:pos x="connsiteX0" y="connsiteY0"/>
+                      </a:cxn>
+                      <a:cxn ang="0">
+                        <a:pos x="connsiteX1" y="connsiteY1"/>
+                      </a:cxn>
+                      <a:cxn ang="0">
+                        <a:pos x="connsiteX2" y="connsiteY2"/>
+                      </a:cxn>
+                      <a:cxn ang="0">
+                        <a:pos x="connsiteX3" y="connsiteY3"/>
+                      </a:cxn>
+                      <a:cxn ang="0">
+                        <a:pos x="connsiteX4" y="connsiteY4"/>
+                      </a:cxn>
+                      <a:cxn ang="0">
+                        <a:pos x="connsiteX5" y="connsiteY5"/>
+                      </a:cxn>
+                      <a:cxn ang="0">
+                        <a:pos x="connsiteX6" y="connsiteY6"/>
+                      </a:cxn>
+                      <a:cxn ang="0">
+                        <a:pos x="connsiteX7" y="connsiteY7"/>
+                      </a:cxn>
+                      <a:cxn ang="0">
+                        <a:pos x="connsiteX8" y="connsiteY8"/>
+                      </a:cxn>
+                      <a:cxn ang="0">
+                        <a:pos x="connsiteX9" y="connsiteY9"/>
+                      </a:cxn>
+                      <a:cxn ang="0">
+                        <a:pos x="connsiteX10" y="connsiteY10"/>
+                      </a:cxn>
+                    </a:cxnLst>
+                    <a:rect l="l" t="t" r="r" b="b"/>
+                    <a:pathLst>
+                      <a:path w="1879700" h="215444" extrusionOk="0">
+                        <a:moveTo>
+                          <a:pt x="0" y="0"/>
+                        </a:moveTo>
+                        <a:cubicBezTo>
+                          <a:pt x="144942" y="-577"/>
+                          <a:pt x="318370" y="3267"/>
+                          <a:pt x="451128" y="0"/>
+                        </a:cubicBezTo>
+                        <a:cubicBezTo>
+                          <a:pt x="583886" y="-3267"/>
+                          <a:pt x="742478" y="29300"/>
+                          <a:pt x="864662" y="0"/>
+                        </a:cubicBezTo>
+                        <a:cubicBezTo>
+                          <a:pt x="986846" y="-29300"/>
+                          <a:pt x="1197216" y="23725"/>
+                          <a:pt x="1372181" y="0"/>
+                        </a:cubicBezTo>
+                        <a:cubicBezTo>
+                          <a:pt x="1547146" y="-23725"/>
+                          <a:pt x="1680517" y="31914"/>
+                          <a:pt x="1879700" y="0"/>
+                        </a:cubicBezTo>
+                        <a:cubicBezTo>
+                          <a:pt x="1882440" y="70980"/>
+                          <a:pt x="1862355" y="144352"/>
+                          <a:pt x="1879700" y="215444"/>
+                        </a:cubicBezTo>
+                        <a:cubicBezTo>
+                          <a:pt x="1771231" y="256425"/>
+                          <a:pt x="1622159" y="164623"/>
+                          <a:pt x="1447369" y="215444"/>
+                        </a:cubicBezTo>
+                        <a:cubicBezTo>
+                          <a:pt x="1272579" y="266265"/>
+                          <a:pt x="1176959" y="179090"/>
+                          <a:pt x="1015038" y="215444"/>
+                        </a:cubicBezTo>
+                        <a:cubicBezTo>
+                          <a:pt x="853117" y="251798"/>
+                          <a:pt x="695042" y="169593"/>
+                          <a:pt x="507519" y="215444"/>
+                        </a:cubicBezTo>
+                        <a:cubicBezTo>
+                          <a:pt x="319996" y="261295"/>
+                          <a:pt x="221599" y="194491"/>
+                          <a:pt x="0" y="215444"/>
+                        </a:cubicBezTo>
+                        <a:cubicBezTo>
+                          <a:pt x="-22738" y="124398"/>
+                          <a:pt x="1890" y="63076"/>
+                          <a:pt x="0" y="0"/>
+                        </a:cubicBezTo>
+                        <a:close/>
+                      </a:path>
+                    </a:pathLst>
+                  </a:custGeom>
+                  <ask:type>
+                    <ask:lineSketchNone/>
+                  </ask:type>
+                </ask:lineSketchStyleProps>
+              </a:ext>
+            </a:extLst>
+          </a:ln>
+        </p:spPr>
+        <p:txBody>
+          <a:bodyPr wrap="square" rtlCol="0" anchor="ctr">
+            <a:spAutoFit/>
+          </a:bodyPr>
+          <a:lstStyle/>
+          <a:p>
+            <a:pPr algn="ctr"/>
+            <a:r>
+              <a:rPr lang="en-US" sz="800" i="1" dirty="0"/>
+              <a:t>approval</a:t>
+            </a:r>
+            <a:endParaRPr lang="en-KR" sz="800" i="1" dirty="0"/>
+          </a:p>
+        </p:txBody>
+      </p:sp>
+      <p:sp>
+        <p:nvSpPr>
+          <p:cNvPr id="86" name="TextBox 85">
+            <a:extLst>
+              <a:ext uri="{FF2B5EF4-FFF2-40B4-BE49-F238E27FC236}">
+                <a16:creationId xmlns:a16="http://schemas.microsoft.com/office/drawing/2014/main" id="{201D4E84-0E47-3F63-E08B-7FBF89836D06}"/>
+              </a:ext>
+            </a:extLst>
+          </p:cNvPr>
+          <p:cNvSpPr txBox="1"/>
+          <p:nvPr/>
+        </p:nvSpPr>
+        <p:spPr>
+          <a:xfrm>
+            <a:off x="3149894" y="3586302"/>
+            <a:ext cx="874213" cy="215444"/>
+          </a:xfrm>
+          <a:prstGeom prst="rect">
+            <a:avLst/>
+          </a:prstGeom>
+          <a:noFill/>
+          <a:ln cap="rnd">
+            <a:solidFill>
+              <a:schemeClr val="tx1"/>
+            </a:solidFill>
+            <a:bevel/>
+            <a:extLst>
+              <a:ext uri="{C807C97D-BFC1-408E-A445-0C87EB9F89A2}">
+                <ask:lineSketchStyleProps xmlns:ask="http://schemas.microsoft.com/office/drawing/2018/sketchyshapes" sd="1219033472">
+                  <a:custGeom>
+                    <a:avLst/>
+                    <a:gdLst>
+                      <a:gd name="connsiteX0" fmla="*/ 0 w 1879700"/>
+                      <a:gd name="connsiteY0" fmla="*/ 0 h 215444"/>
+                      <a:gd name="connsiteX1" fmla="*/ 451128 w 1879700"/>
+                      <a:gd name="connsiteY1" fmla="*/ 0 h 215444"/>
+                      <a:gd name="connsiteX2" fmla="*/ 864662 w 1879700"/>
+                      <a:gd name="connsiteY2" fmla="*/ 0 h 215444"/>
+                      <a:gd name="connsiteX3" fmla="*/ 1372181 w 1879700"/>
+                      <a:gd name="connsiteY3" fmla="*/ 0 h 215444"/>
+                      <a:gd name="connsiteX4" fmla="*/ 1879700 w 1879700"/>
+                      <a:gd name="connsiteY4" fmla="*/ 0 h 215444"/>
+                      <a:gd name="connsiteX5" fmla="*/ 1879700 w 1879700"/>
+                      <a:gd name="connsiteY5" fmla="*/ 215444 h 215444"/>
+                      <a:gd name="connsiteX6" fmla="*/ 1447369 w 1879700"/>
+                      <a:gd name="connsiteY6" fmla="*/ 215444 h 215444"/>
+                      <a:gd name="connsiteX7" fmla="*/ 1015038 w 1879700"/>
+                      <a:gd name="connsiteY7" fmla="*/ 215444 h 215444"/>
+                      <a:gd name="connsiteX8" fmla="*/ 507519 w 1879700"/>
+                      <a:gd name="connsiteY8" fmla="*/ 215444 h 215444"/>
+                      <a:gd name="connsiteX9" fmla="*/ 0 w 1879700"/>
+                      <a:gd name="connsiteY9" fmla="*/ 215444 h 215444"/>
+                      <a:gd name="connsiteX10" fmla="*/ 0 w 1879700"/>
+                      <a:gd name="connsiteY10" fmla="*/ 0 h 215444"/>
+                    </a:gdLst>
+                    <a:ahLst/>
+                    <a:cxnLst>
+                      <a:cxn ang="0">
+                        <a:pos x="connsiteX0" y="connsiteY0"/>
+                      </a:cxn>
+                      <a:cxn ang="0">
+                        <a:pos x="connsiteX1" y="connsiteY1"/>
+                      </a:cxn>
+                      <a:cxn ang="0">
+                        <a:pos x="connsiteX2" y="connsiteY2"/>
+                      </a:cxn>
+                      <a:cxn ang="0">
+                        <a:pos x="connsiteX3" y="connsiteY3"/>
+                      </a:cxn>
+                      <a:cxn ang="0">
+                        <a:pos x="connsiteX4" y="connsiteY4"/>
+                      </a:cxn>
+                      <a:cxn ang="0">
+                        <a:pos x="connsiteX5" y="connsiteY5"/>
+                      </a:cxn>
+                      <a:cxn ang="0">
+                        <a:pos x="connsiteX6" y="connsiteY6"/>
+                      </a:cxn>
+                      <a:cxn ang="0">
+                        <a:pos x="connsiteX7" y="connsiteY7"/>
+                      </a:cxn>
+                      <a:cxn ang="0">
+                        <a:pos x="connsiteX8" y="connsiteY8"/>
+                      </a:cxn>
+                      <a:cxn ang="0">
+                        <a:pos x="connsiteX9" y="connsiteY9"/>
+                      </a:cxn>
+                      <a:cxn ang="0">
+                        <a:pos x="connsiteX10" y="connsiteY10"/>
+                      </a:cxn>
+                    </a:cxnLst>
+                    <a:rect l="l" t="t" r="r" b="b"/>
+                    <a:pathLst>
+                      <a:path w="1879700" h="215444" extrusionOk="0">
+                        <a:moveTo>
+                          <a:pt x="0" y="0"/>
+                        </a:moveTo>
+                        <a:cubicBezTo>
+                          <a:pt x="144942" y="-577"/>
+                          <a:pt x="318370" y="3267"/>
+                          <a:pt x="451128" y="0"/>
+                        </a:cubicBezTo>
+                        <a:cubicBezTo>
+                          <a:pt x="583886" y="-3267"/>
+                          <a:pt x="742478" y="29300"/>
+                          <a:pt x="864662" y="0"/>
+                        </a:cubicBezTo>
+                        <a:cubicBezTo>
+                          <a:pt x="986846" y="-29300"/>
+                          <a:pt x="1197216" y="23725"/>
+                          <a:pt x="1372181" y="0"/>
+                        </a:cubicBezTo>
+                        <a:cubicBezTo>
+                          <a:pt x="1547146" y="-23725"/>
+                          <a:pt x="1680517" y="31914"/>
+                          <a:pt x="1879700" y="0"/>
+                        </a:cubicBezTo>
+                        <a:cubicBezTo>
+                          <a:pt x="1882440" y="70980"/>
+                          <a:pt x="1862355" y="144352"/>
+                          <a:pt x="1879700" y="215444"/>
+                        </a:cubicBezTo>
+                        <a:cubicBezTo>
+                          <a:pt x="1771231" y="256425"/>
+                          <a:pt x="1622159" y="164623"/>
+                          <a:pt x="1447369" y="215444"/>
+                        </a:cubicBezTo>
+                        <a:cubicBezTo>
+                          <a:pt x="1272579" y="266265"/>
+                          <a:pt x="1176959" y="179090"/>
+                          <a:pt x="1015038" y="215444"/>
+                        </a:cubicBezTo>
+                        <a:cubicBezTo>
+                          <a:pt x="853117" y="251798"/>
+                          <a:pt x="695042" y="169593"/>
+                          <a:pt x="507519" y="215444"/>
+                        </a:cubicBezTo>
+                        <a:cubicBezTo>
+                          <a:pt x="319996" y="261295"/>
+                          <a:pt x="221599" y="194491"/>
+                          <a:pt x="0" y="215444"/>
+                        </a:cubicBezTo>
+                        <a:cubicBezTo>
+                          <a:pt x="-22738" y="124398"/>
+                          <a:pt x="1890" y="63076"/>
+                          <a:pt x="0" y="0"/>
+                        </a:cubicBezTo>
+                        <a:close/>
+                      </a:path>
+                    </a:pathLst>
+                  </a:custGeom>
+                  <ask:type>
+                    <ask:lineSketchNone/>
+                  </ask:type>
+                </ask:lineSketchStyleProps>
+              </a:ext>
+            </a:extLst>
+          </a:ln>
+        </p:spPr>
+        <p:txBody>
+          <a:bodyPr wrap="square" rtlCol="0" anchor="ctr">
+            <a:spAutoFit/>
+          </a:bodyPr>
+          <a:lstStyle/>
+          <a:p>
+            <a:pPr algn="ctr"/>
+            <a:r>
+              <a:rPr lang="en-US" sz="800" i="1" dirty="0"/>
+              <a:t>variable</a:t>
+            </a:r>
+            <a:endParaRPr lang="en-KR" sz="800" i="1" dirty="0"/>
+          </a:p>
+        </p:txBody>
+      </p:sp>
+      <p:sp>
+        <p:nvSpPr>
+          <p:cNvPr id="87" name="TextBox 86">
+            <a:extLst>
+              <a:ext uri="{FF2B5EF4-FFF2-40B4-BE49-F238E27FC236}">
+                <a16:creationId xmlns:a16="http://schemas.microsoft.com/office/drawing/2014/main" id="{FCEFFC8B-E1F5-41CC-C94D-115738323BAA}"/>
+              </a:ext>
+            </a:extLst>
+          </p:cNvPr>
+          <p:cNvSpPr txBox="1"/>
+          <p:nvPr/>
+        </p:nvSpPr>
+        <p:spPr>
+          <a:xfrm>
+            <a:off x="4602391" y="1404600"/>
+            <a:ext cx="860154" cy="246221"/>
+          </a:xfrm>
+          <a:prstGeom prst="rect">
+            <a:avLst/>
+          </a:prstGeom>
+          <a:noFill/>
+        </p:spPr>
+        <p:txBody>
+          <a:bodyPr wrap="square" rtlCol="0">
+            <a:spAutoFit/>
+          </a:bodyPr>
+          <a:lstStyle/>
+          <a:p>
+            <a:r>
+              <a:rPr lang="en-KR" sz="1000" b="1" dirty="0"/>
+              <a:t>webhooks</a:t>
+            </a:r>
+          </a:p>
+        </p:txBody>
+      </p:sp>
+      <p:sp>
+        <p:nvSpPr>
+          <p:cNvPr id="88" name="Rectangle 87">
+            <a:extLst>
+              <a:ext uri="{FF2B5EF4-FFF2-40B4-BE49-F238E27FC236}">
+                <a16:creationId xmlns:a16="http://schemas.microsoft.com/office/drawing/2014/main" id="{4246B310-4CFB-0426-C562-483E66E7D66C}"/>
+              </a:ext>
+            </a:extLst>
+          </p:cNvPr>
+          <p:cNvSpPr/>
+          <p:nvPr/>
+        </p:nvSpPr>
+        <p:spPr>
+          <a:xfrm>
+            <a:off x="6389435" y="1054891"/>
+            <a:ext cx="1251342" cy="3898764"/>
+          </a:xfrm>
+          <a:prstGeom prst="rect">
+            <a:avLst/>
+          </a:prstGeom>
+          <a:noFill/>
+          <a:ln w="12700">
+            <a:solidFill>
+              <a:schemeClr val="tx1"/>
+            </a:solidFill>
+            <a:prstDash val="solid"/>
+          </a:ln>
+        </p:spPr>
+        <p:style>
+          <a:lnRef idx="2">
+            <a:schemeClr val="accent1">
+              <a:shade val="50000"/>
+            </a:schemeClr>
+          </a:lnRef>
+          <a:fillRef idx="1">
+            <a:schemeClr val="accent1"/>
+          </a:fillRef>
+          <a:effectRef idx="0">
+            <a:schemeClr val="accent1"/>
+          </a:effectRef>
+          <a:fontRef idx="minor">
+            <a:schemeClr val="lt1"/>
+          </a:fontRef>
+        </p:style>
+        <p:txBody>
+          <a:bodyPr lIns="457200" tIns="91440"/>
+          <a:lstStyle/>
+          <a:p>
+            <a:pPr eaLnBrk="1" fontAlgn="auto" hangingPunct="1">
+              <a:spcBef>
+                <a:spcPts val="0"/>
+              </a:spcBef>
+              <a:spcAft>
+                <a:spcPts val="0"/>
+              </a:spcAft>
+              <a:defRPr/>
+            </a:pPr>
+            <a:endParaRPr lang="en-US" sz="1200" b="1" dirty="0">
+              <a:noFill/>
+              <a:latin typeface="Arial" panose="020B0604020202020204" pitchFamily="34" charset="0"/>
+              <a:cs typeface="Arial" panose="020B0604020202020204" pitchFamily="34" charset="0"/>
+            </a:endParaRPr>
+          </a:p>
+        </p:txBody>
+      </p:sp>
+      <p:sp>
+        <p:nvSpPr>
+          <p:cNvPr id="89" name="TextBox 88">
+            <a:extLst>
+              <a:ext uri="{FF2B5EF4-FFF2-40B4-BE49-F238E27FC236}">
+                <a16:creationId xmlns:a16="http://schemas.microsoft.com/office/drawing/2014/main" id="{B818B279-0A36-2693-4734-6246DE56FD6C}"/>
+              </a:ext>
+            </a:extLst>
+          </p:cNvPr>
+          <p:cNvSpPr txBox="1"/>
+          <p:nvPr/>
+        </p:nvSpPr>
+        <p:spPr>
+          <a:xfrm>
+            <a:off x="4785604" y="1985437"/>
+            <a:ext cx="851537" cy="215444"/>
+          </a:xfrm>
+          <a:prstGeom prst="rect">
+            <a:avLst/>
+          </a:prstGeom>
+          <a:noFill/>
+          <a:ln cap="rnd">
+            <a:solidFill>
+              <a:schemeClr val="tx1"/>
+            </a:solidFill>
+            <a:bevel/>
+            <a:extLst>
+              <a:ext uri="{C807C97D-BFC1-408E-A445-0C87EB9F89A2}">
+                <ask:lineSketchStyleProps xmlns:ask="http://schemas.microsoft.com/office/drawing/2018/sketchyshapes" sd="1219033472">
+                  <a:custGeom>
+                    <a:avLst/>
+                    <a:gdLst>
+                      <a:gd name="connsiteX0" fmla="*/ 0 w 1879700"/>
+                      <a:gd name="connsiteY0" fmla="*/ 0 h 215444"/>
+                      <a:gd name="connsiteX1" fmla="*/ 451128 w 1879700"/>
+                      <a:gd name="connsiteY1" fmla="*/ 0 h 215444"/>
+                      <a:gd name="connsiteX2" fmla="*/ 864662 w 1879700"/>
+                      <a:gd name="connsiteY2" fmla="*/ 0 h 215444"/>
+                      <a:gd name="connsiteX3" fmla="*/ 1372181 w 1879700"/>
+                      <a:gd name="connsiteY3" fmla="*/ 0 h 215444"/>
+                      <a:gd name="connsiteX4" fmla="*/ 1879700 w 1879700"/>
+                      <a:gd name="connsiteY4" fmla="*/ 0 h 215444"/>
+                      <a:gd name="connsiteX5" fmla="*/ 1879700 w 1879700"/>
+                      <a:gd name="connsiteY5" fmla="*/ 215444 h 215444"/>
+                      <a:gd name="connsiteX6" fmla="*/ 1447369 w 1879700"/>
+                      <a:gd name="connsiteY6" fmla="*/ 215444 h 215444"/>
+                      <a:gd name="connsiteX7" fmla="*/ 1015038 w 1879700"/>
+                      <a:gd name="connsiteY7" fmla="*/ 215444 h 215444"/>
+                      <a:gd name="connsiteX8" fmla="*/ 507519 w 1879700"/>
+                      <a:gd name="connsiteY8" fmla="*/ 215444 h 215444"/>
+                      <a:gd name="connsiteX9" fmla="*/ 0 w 1879700"/>
+                      <a:gd name="connsiteY9" fmla="*/ 215444 h 215444"/>
+                      <a:gd name="connsiteX10" fmla="*/ 0 w 1879700"/>
+                      <a:gd name="connsiteY10" fmla="*/ 0 h 215444"/>
+                    </a:gdLst>
+                    <a:ahLst/>
+                    <a:cxnLst>
+                      <a:cxn ang="0">
+                        <a:pos x="connsiteX0" y="connsiteY0"/>
+                      </a:cxn>
+                      <a:cxn ang="0">
+                        <a:pos x="connsiteX1" y="connsiteY1"/>
+                      </a:cxn>
+                      <a:cxn ang="0">
+                        <a:pos x="connsiteX2" y="connsiteY2"/>
+                      </a:cxn>
+                      <a:cxn ang="0">
+                        <a:pos x="connsiteX3" y="connsiteY3"/>
+                      </a:cxn>
+                      <a:cxn ang="0">
+                        <a:pos x="connsiteX4" y="connsiteY4"/>
+                      </a:cxn>
+                      <a:cxn ang="0">
+                        <a:pos x="connsiteX5" y="connsiteY5"/>
+                      </a:cxn>
+                      <a:cxn ang="0">
+                        <a:pos x="connsiteX6" y="connsiteY6"/>
+                      </a:cxn>
+                      <a:cxn ang="0">
+                        <a:pos x="connsiteX7" y="connsiteY7"/>
+                      </a:cxn>
+                      <a:cxn ang="0">
+                        <a:pos x="connsiteX8" y="connsiteY8"/>
+                      </a:cxn>
+                      <a:cxn ang="0">
+                        <a:pos x="connsiteX9" y="connsiteY9"/>
+                      </a:cxn>
+                      <a:cxn ang="0">
+                        <a:pos x="connsiteX10" y="connsiteY10"/>
+                      </a:cxn>
+                    </a:cxnLst>
+                    <a:rect l="l" t="t" r="r" b="b"/>
+                    <a:pathLst>
+                      <a:path w="1879700" h="215444" extrusionOk="0">
+                        <a:moveTo>
+                          <a:pt x="0" y="0"/>
+                        </a:moveTo>
+                        <a:cubicBezTo>
+                          <a:pt x="144942" y="-577"/>
+                          <a:pt x="318370" y="3267"/>
+                          <a:pt x="451128" y="0"/>
+                        </a:cubicBezTo>
+                        <a:cubicBezTo>
+                          <a:pt x="583886" y="-3267"/>
+                          <a:pt x="742478" y="29300"/>
+                          <a:pt x="864662" y="0"/>
+                        </a:cubicBezTo>
+                        <a:cubicBezTo>
+                          <a:pt x="986846" y="-29300"/>
+                          <a:pt x="1197216" y="23725"/>
+                          <a:pt x="1372181" y="0"/>
+                        </a:cubicBezTo>
+                        <a:cubicBezTo>
+                          <a:pt x="1547146" y="-23725"/>
+                          <a:pt x="1680517" y="31914"/>
+                          <a:pt x="1879700" y="0"/>
+                        </a:cubicBezTo>
+                        <a:cubicBezTo>
+                          <a:pt x="1882440" y="70980"/>
+                          <a:pt x="1862355" y="144352"/>
+                          <a:pt x="1879700" y="215444"/>
+                        </a:cubicBezTo>
+                        <a:cubicBezTo>
+                          <a:pt x="1771231" y="256425"/>
+                          <a:pt x="1622159" y="164623"/>
+                          <a:pt x="1447369" y="215444"/>
+                        </a:cubicBezTo>
+                        <a:cubicBezTo>
+                          <a:pt x="1272579" y="266265"/>
+                          <a:pt x="1176959" y="179090"/>
+                          <a:pt x="1015038" y="215444"/>
+                        </a:cubicBezTo>
+                        <a:cubicBezTo>
+                          <a:pt x="853117" y="251798"/>
+                          <a:pt x="695042" y="169593"/>
+                          <a:pt x="507519" y="215444"/>
+                        </a:cubicBezTo>
+                        <a:cubicBezTo>
+                          <a:pt x="319996" y="261295"/>
+                          <a:pt x="221599" y="194491"/>
+                          <a:pt x="0" y="215444"/>
+                        </a:cubicBezTo>
+                        <a:cubicBezTo>
+                          <a:pt x="-22738" y="124398"/>
+                          <a:pt x="1890" y="63076"/>
+                          <a:pt x="0" y="0"/>
+                        </a:cubicBezTo>
+                        <a:close/>
+                      </a:path>
+                    </a:pathLst>
+                  </a:custGeom>
+                  <ask:type>
+                    <ask:lineSketchNone/>
+                  </ask:type>
+                </ask:lineSketchStyleProps>
+              </a:ext>
+            </a:extLst>
+          </a:ln>
+        </p:spPr>
+        <p:txBody>
+          <a:bodyPr wrap="square" rtlCol="0" anchor="ctr">
+            <a:spAutoFit/>
+          </a:bodyPr>
+          <a:lstStyle/>
+          <a:p>
+            <a:pPr algn="ctr"/>
+            <a:r>
+              <a:rPr lang="en-US" sz="800" i="1" dirty="0"/>
+              <a:t>c</a:t>
+            </a:r>
+            <a:r>
+              <a:rPr lang="en-KR" sz="800" i="1" dirty="0"/>
+              <a:t>omment event</a:t>
+            </a:r>
+          </a:p>
+        </p:txBody>
+      </p:sp>
+      <p:sp>
+        <p:nvSpPr>
+          <p:cNvPr id="92" name="TextBox 91">
+            <a:extLst>
+              <a:ext uri="{FF2B5EF4-FFF2-40B4-BE49-F238E27FC236}">
+                <a16:creationId xmlns:a16="http://schemas.microsoft.com/office/drawing/2014/main" id="{F1636D47-FD10-B149-3813-41DDD77C9B65}"/>
+              </a:ext>
+            </a:extLst>
+          </p:cNvPr>
+          <p:cNvSpPr txBox="1"/>
+          <p:nvPr/>
+        </p:nvSpPr>
+        <p:spPr>
+          <a:xfrm>
+            <a:off x="893406" y="1970049"/>
+            <a:ext cx="463589" cy="246221"/>
+          </a:xfrm>
+          <a:prstGeom prst="rect">
+            <a:avLst/>
+          </a:prstGeom>
+          <a:noFill/>
+        </p:spPr>
+        <p:txBody>
+          <a:bodyPr wrap="square" rtlCol="0">
+            <a:spAutoFit/>
+          </a:bodyPr>
+          <a:lstStyle/>
+          <a:p>
+            <a:pPr algn="ctr"/>
+            <a:r>
+              <a:rPr lang="en-KR" sz="1000" b="1" i="1" dirty="0"/>
+              <a:t>USER</a:t>
+            </a:r>
+          </a:p>
+        </p:txBody>
+      </p:sp>
+      <p:pic>
+        <p:nvPicPr>
+          <p:cNvPr id="98" name="Graphic 17">
+            <a:extLst>
+              <a:ext uri="{FF2B5EF4-FFF2-40B4-BE49-F238E27FC236}">
+                <a16:creationId xmlns:a16="http://schemas.microsoft.com/office/drawing/2014/main" id="{6C66924B-9DDA-899A-3C45-AF31A7F91961}"/>
+              </a:ext>
+            </a:extLst>
+          </p:cNvPr>
+          <p:cNvPicPr>
+            <a:picLocks noChangeAspect="1" noChangeArrowheads="1"/>
+          </p:cNvPicPr>
+          <p:nvPr/>
+        </p:nvPicPr>
+        <p:blipFill>
+          <a:blip r:embed="rId2"/>
+          <a:srcRect/>
+          <a:stretch/>
+        </p:blipFill>
         <p:spPr bwMode="auto">
           <a:xfrm>
-            <a:off x="3838712" y="2124172"/>
-            <a:ext cx="2279650" cy="276999"/>
+            <a:off x="6789240" y="1877159"/>
+            <a:ext cx="432000" cy="432000"/>
           </a:xfrm>
           <a:prstGeom prst="rect">
             <a:avLst/>
@@ -6238,139 +12276,38 @@
             </a:ext>
           </a:extLst>
         </p:spPr>
-        <p:txBody>
-          <a:bodyPr>
-            <a:spAutoFit/>
-          </a:bodyPr>
-          <a:lstStyle>
-            <a:lvl1pPr>
-              <a:defRPr>
-                <a:solidFill>
-                  <a:schemeClr val="tx1"/>
-                </a:solidFill>
-                <a:latin typeface="Calibri" panose="020F0502020204030204" pitchFamily="34" charset="0"/>
-              </a:defRPr>
-            </a:lvl1pPr>
-            <a:lvl2pPr marL="742950" indent="-285750">
-              <a:defRPr>
-                <a:solidFill>
-                  <a:schemeClr val="tx1"/>
-                </a:solidFill>
-                <a:latin typeface="Calibri" panose="020F0502020204030204" pitchFamily="34" charset="0"/>
-              </a:defRPr>
-            </a:lvl2pPr>
-            <a:lvl3pPr marL="1143000" indent="-228600">
-              <a:defRPr>
-                <a:solidFill>
-                  <a:schemeClr val="tx1"/>
-                </a:solidFill>
-                <a:latin typeface="Calibri" panose="020F0502020204030204" pitchFamily="34" charset="0"/>
-              </a:defRPr>
-            </a:lvl3pPr>
-            <a:lvl4pPr marL="1600200" indent="-228600">
-              <a:defRPr>
-                <a:solidFill>
-                  <a:schemeClr val="tx1"/>
-                </a:solidFill>
-                <a:latin typeface="Calibri" panose="020F0502020204030204" pitchFamily="34" charset="0"/>
-              </a:defRPr>
-            </a:lvl4pPr>
-            <a:lvl5pPr marL="2057400" indent="-228600">
-              <a:defRPr>
-                <a:solidFill>
-                  <a:schemeClr val="tx1"/>
-                </a:solidFill>
-                <a:latin typeface="Calibri" panose="020F0502020204030204" pitchFamily="34" charset="0"/>
-              </a:defRPr>
-            </a:lvl5pPr>
-            <a:lvl6pPr marL="2514600" indent="-228600" eaLnBrk="0" fontAlgn="base" hangingPunct="0">
-              <a:spcBef>
-                <a:spcPct val="0"/>
-              </a:spcBef>
-              <a:spcAft>
-                <a:spcPct val="0"/>
-              </a:spcAft>
-              <a:defRPr>
-                <a:solidFill>
-                  <a:schemeClr val="tx1"/>
-                </a:solidFill>
-                <a:latin typeface="Calibri" panose="020F0502020204030204" pitchFamily="34" charset="0"/>
-              </a:defRPr>
-            </a:lvl6pPr>
-            <a:lvl7pPr marL="2971800" indent="-228600" eaLnBrk="0" fontAlgn="base" hangingPunct="0">
-              <a:spcBef>
-                <a:spcPct val="0"/>
-              </a:spcBef>
-              <a:spcAft>
-                <a:spcPct val="0"/>
-              </a:spcAft>
-              <a:defRPr>
-                <a:solidFill>
-                  <a:schemeClr val="tx1"/>
-                </a:solidFill>
-                <a:latin typeface="Calibri" panose="020F0502020204030204" pitchFamily="34" charset="0"/>
-              </a:defRPr>
-            </a:lvl7pPr>
-            <a:lvl8pPr marL="3429000" indent="-228600" eaLnBrk="0" fontAlgn="base" hangingPunct="0">
-              <a:spcBef>
-                <a:spcPct val="0"/>
-              </a:spcBef>
-              <a:spcAft>
-                <a:spcPct val="0"/>
-              </a:spcAft>
-              <a:defRPr>
-                <a:solidFill>
-                  <a:schemeClr val="tx1"/>
-                </a:solidFill>
-                <a:latin typeface="Calibri" panose="020F0502020204030204" pitchFamily="34" charset="0"/>
-              </a:defRPr>
-            </a:lvl8pPr>
-            <a:lvl9pPr marL="3886200" indent="-228600" eaLnBrk="0" fontAlgn="base" hangingPunct="0">
-              <a:spcBef>
-                <a:spcPct val="0"/>
-              </a:spcBef>
-              <a:spcAft>
-                <a:spcPct val="0"/>
-              </a:spcAft>
-              <a:defRPr>
-                <a:solidFill>
-                  <a:schemeClr val="tx1"/>
-                </a:solidFill>
-                <a:latin typeface="Calibri" panose="020F0502020204030204" pitchFamily="34" charset="0"/>
-              </a:defRPr>
-            </a:lvl9pPr>
-          </a:lstStyle>
-          <a:p>
-            <a:pPr algn="ctr" eaLnBrk="1" hangingPunct="1"/>
-            <a:r>
-              <a:rPr lang="en-US" altLang="en-US" sz="1200" b="1" dirty="0">
-                <a:latin typeface="Arial" panose="020B0604020202020204" pitchFamily="34" charset="0"/>
-                <a:ea typeface="Amazon Ember" panose="020B0603020204020204" pitchFamily="34" charset="0"/>
-                <a:cs typeface="Arial" panose="020B0604020202020204" pitchFamily="34" charset="0"/>
-              </a:rPr>
-              <a:t>API Gateway</a:t>
-            </a:r>
-          </a:p>
-        </p:txBody>
-      </p:sp>
-      <p:sp>
-        <p:nvSpPr>
-          <p:cNvPr id="11" name="TextBox 12">
-            <a:extLst>
-              <a:ext uri="{FF2B5EF4-FFF2-40B4-BE49-F238E27FC236}">
-                <a16:creationId xmlns:a16="http://schemas.microsoft.com/office/drawing/2014/main" id="{0C8141F8-EBA4-5B3C-1AE1-BE3081700295}"/>
-              </a:ext>
-            </a:extLst>
-          </p:cNvPr>
-          <p:cNvSpPr txBox="1">
-            <a:spLocks noChangeArrowheads="1"/>
-          </p:cNvSpPr>
-          <p:nvPr/>
-        </p:nvSpPr>
+      </p:pic>
+      <p:pic>
+        <p:nvPicPr>
+          <p:cNvPr id="99" name="Graphic 10">
+            <a:extLst>
+              <a:ext uri="{FF2B5EF4-FFF2-40B4-BE49-F238E27FC236}">
+                <a16:creationId xmlns:a16="http://schemas.microsoft.com/office/drawing/2014/main" id="{1D6D2098-C184-B463-A4D1-ACFA5B3708B4}"/>
+              </a:ext>
+            </a:extLst>
+          </p:cNvPr>
+          <p:cNvPicPr>
+            <a:picLocks noChangeAspect="1" noChangeArrowheads="1"/>
+          </p:cNvPicPr>
+          <p:nvPr/>
+        </p:nvPicPr>
+        <p:blipFill>
+          <a:blip r:embed="rId3">
+            <a:extLst>
+              <a:ext uri="{28A0092B-C50C-407E-A947-70E740481C1C}">
+                <a14:useLocalDpi xmlns:a14="http://schemas.microsoft.com/office/drawing/2010/main" val="0"/>
+              </a:ext>
+            </a:extLst>
+          </a:blip>
+          <a:srcRect/>
+          <a:stretch>
+            <a:fillRect/>
+          </a:stretch>
+        </p:blipFill>
         <p:spPr bwMode="auto">
           <a:xfrm>
-            <a:off x="3838712" y="3457637"/>
-            <a:ext cx="2279650" cy="276999"/>
+            <a:off x="6789240" y="3586302"/>
+            <a:ext cx="432000" cy="432000"/>
           </a:xfrm>
           <a:prstGeom prst="rect">
             <a:avLst/>
@@ -6399,169 +12336,136 @@
             </a:ext>
           </a:extLst>
         </p:spPr>
-        <p:txBody>
-          <a:bodyPr>
+      </p:pic>
+      <p:sp>
+        <p:nvSpPr>
+          <p:cNvPr id="100" name="TextBox 99">
+            <a:extLst>
+              <a:ext uri="{FF2B5EF4-FFF2-40B4-BE49-F238E27FC236}">
+                <a16:creationId xmlns:a16="http://schemas.microsoft.com/office/drawing/2014/main" id="{3EA27D75-8003-0D4A-D0A9-05DC268D81A8}"/>
+              </a:ext>
+            </a:extLst>
+          </p:cNvPr>
+          <p:cNvSpPr txBox="1"/>
+          <p:nvPr/>
+        </p:nvSpPr>
+        <p:spPr>
+          <a:xfrm>
+            <a:off x="6566415" y="2309159"/>
+            <a:ext cx="877650" cy="400110"/>
+          </a:xfrm>
+          <a:prstGeom prst="rect">
+            <a:avLst/>
+          </a:prstGeom>
+          <a:noFill/>
+        </p:spPr>
+        <p:txBody>
+          <a:bodyPr wrap="square" rtlCol="0">
             <a:spAutoFit/>
           </a:bodyPr>
-          <a:lstStyle>
-            <a:lvl1pPr>
-              <a:defRPr>
+          <a:lstStyle/>
+          <a:p>
+            <a:pPr algn="ctr"/>
+            <a:r>
+              <a:rPr lang="en-KR" sz="1000" b="1" dirty="0"/>
+              <a:t>AWS</a:t>
+            </a:r>
+          </a:p>
+          <a:p>
+            <a:pPr algn="ctr"/>
+            <a:r>
+              <a:rPr lang="en-KR" sz="1000" b="1" dirty="0"/>
+              <a:t>API Gateway</a:t>
+            </a:r>
+          </a:p>
+        </p:txBody>
+      </p:sp>
+      <p:sp>
+        <p:nvSpPr>
+          <p:cNvPr id="102" name="TextBox 101">
+            <a:extLst>
+              <a:ext uri="{FF2B5EF4-FFF2-40B4-BE49-F238E27FC236}">
+                <a16:creationId xmlns:a16="http://schemas.microsoft.com/office/drawing/2014/main" id="{B2B6A750-BF2E-58B3-59A1-7F55BD81F13D}"/>
+              </a:ext>
+            </a:extLst>
+          </p:cNvPr>
+          <p:cNvSpPr txBox="1"/>
+          <p:nvPr/>
+        </p:nvSpPr>
+        <p:spPr>
+          <a:xfrm>
+            <a:off x="6531509" y="4017041"/>
+            <a:ext cx="947462" cy="400110"/>
+          </a:xfrm>
+          <a:prstGeom prst="rect">
+            <a:avLst/>
+          </a:prstGeom>
+          <a:noFill/>
+        </p:spPr>
+        <p:txBody>
+          <a:bodyPr wrap="square" rtlCol="0">
+            <a:spAutoFit/>
+          </a:bodyPr>
+          <a:lstStyle/>
+          <a:p>
+            <a:pPr algn="ctr"/>
+            <a:r>
+              <a:rPr lang="en-KR" sz="1000" b="1" dirty="0">
                 <a:solidFill>
-                  <a:schemeClr val="tx1"/>
+                  <a:schemeClr val="accent1"/>
                 </a:solidFill>
-                <a:latin typeface="Calibri" panose="020F0502020204030204" pitchFamily="34" charset="0"/>
-              </a:defRPr>
-            </a:lvl1pPr>
-            <a:lvl2pPr marL="742950" indent="-285750">
-              <a:defRPr>
+              </a:rPr>
+              <a:t>AWS Lambda</a:t>
+            </a:r>
+            <a:br>
+              <a:rPr lang="en-KR" sz="1000" b="1" dirty="0">
                 <a:solidFill>
-                  <a:schemeClr val="tx1"/>
+                  <a:schemeClr val="accent1"/>
                 </a:solidFill>
-                <a:latin typeface="Calibri" panose="020F0502020204030204" pitchFamily="34" charset="0"/>
-              </a:defRPr>
-            </a:lvl2pPr>
-            <a:lvl3pPr marL="1143000" indent="-228600">
-              <a:defRPr>
+              </a:rPr>
+            </a:br>
+            <a:r>
+              <a:rPr lang="en-KR" sz="1000" b="1" dirty="0">
                 <a:solidFill>
-                  <a:schemeClr val="tx1"/>
+                  <a:schemeClr val="accent1"/>
                 </a:solidFill>
-                <a:latin typeface="Calibri" panose="020F0502020204030204" pitchFamily="34" charset="0"/>
-              </a:defRPr>
-            </a:lvl3pPr>
-            <a:lvl4pPr marL="1600200" indent="-228600">
-              <a:defRPr>
-                <a:solidFill>
-                  <a:schemeClr val="tx1"/>
-                </a:solidFill>
-                <a:latin typeface="Calibri" panose="020F0502020204030204" pitchFamily="34" charset="0"/>
-              </a:defRPr>
-            </a:lvl4pPr>
-            <a:lvl5pPr marL="2057400" indent="-228600">
-              <a:defRPr>
-                <a:solidFill>
-                  <a:schemeClr val="tx1"/>
-                </a:solidFill>
-                <a:latin typeface="Calibri" panose="020F0502020204030204" pitchFamily="34" charset="0"/>
-              </a:defRPr>
-            </a:lvl5pPr>
-            <a:lvl6pPr marL="2514600" indent="-228600" eaLnBrk="0" fontAlgn="base" hangingPunct="0">
-              <a:spcBef>
-                <a:spcPct val="0"/>
-              </a:spcBef>
-              <a:spcAft>
-                <a:spcPct val="0"/>
-              </a:spcAft>
-              <a:defRPr>
-                <a:solidFill>
-                  <a:schemeClr val="tx1"/>
-                </a:solidFill>
-                <a:latin typeface="Calibri" panose="020F0502020204030204" pitchFamily="34" charset="0"/>
-              </a:defRPr>
-            </a:lvl6pPr>
-            <a:lvl7pPr marL="2971800" indent="-228600" eaLnBrk="0" fontAlgn="base" hangingPunct="0">
-              <a:spcBef>
-                <a:spcPct val="0"/>
-              </a:spcBef>
-              <a:spcAft>
-                <a:spcPct val="0"/>
-              </a:spcAft>
-              <a:defRPr>
-                <a:solidFill>
-                  <a:schemeClr val="tx1"/>
-                </a:solidFill>
-                <a:latin typeface="Calibri" panose="020F0502020204030204" pitchFamily="34" charset="0"/>
-              </a:defRPr>
-            </a:lvl7pPr>
-            <a:lvl8pPr marL="3429000" indent="-228600" eaLnBrk="0" fontAlgn="base" hangingPunct="0">
-              <a:spcBef>
-                <a:spcPct val="0"/>
-              </a:spcBef>
-              <a:spcAft>
-                <a:spcPct val="0"/>
-              </a:spcAft>
-              <a:defRPr>
-                <a:solidFill>
-                  <a:schemeClr val="tx1"/>
-                </a:solidFill>
-                <a:latin typeface="Calibri" panose="020F0502020204030204" pitchFamily="34" charset="0"/>
-              </a:defRPr>
-            </a:lvl8pPr>
-            <a:lvl9pPr marL="3886200" indent="-228600" eaLnBrk="0" fontAlgn="base" hangingPunct="0">
-              <a:spcBef>
-                <a:spcPct val="0"/>
-              </a:spcBef>
-              <a:spcAft>
-                <a:spcPct val="0"/>
-              </a:spcAft>
-              <a:defRPr>
-                <a:solidFill>
-                  <a:schemeClr val="tx1"/>
-                </a:solidFill>
-                <a:latin typeface="Calibri" panose="020F0502020204030204" pitchFamily="34" charset="0"/>
-              </a:defRPr>
-            </a:lvl9pPr>
-          </a:lstStyle>
-          <a:p>
-            <a:pPr algn="ctr" eaLnBrk="1" hangingPunct="1"/>
-            <a:r>
-              <a:rPr lang="en-US" altLang="en-US" sz="1200" b="1" dirty="0">
-                <a:latin typeface="Arial" panose="020B0604020202020204" pitchFamily="34" charset="0"/>
-                <a:ea typeface="Amazon Ember" panose="020B0603020204020204" pitchFamily="34" charset="0"/>
-                <a:cs typeface="Arial" panose="020B0604020202020204" pitchFamily="34" charset="0"/>
               </a:rPr>
-              <a:t>Lambda</a:t>
+              <a:t>(injeolmi)</a:t>
             </a:r>
           </a:p>
         </p:txBody>
       </p:sp>
       <p:pic>
         <p:nvPicPr>
-          <p:cNvPr id="14" name="Picture 13">
-            <a:extLst>
-              <a:ext uri="{FF2B5EF4-FFF2-40B4-BE49-F238E27FC236}">
-                <a16:creationId xmlns:a16="http://schemas.microsoft.com/office/drawing/2014/main" id="{962497D9-47A7-11CF-6A95-D2A86CFD1BD9}"/>
+          <p:cNvPr id="108" name="Graphic 20">
+            <a:extLst>
+              <a:ext uri="{FF2B5EF4-FFF2-40B4-BE49-F238E27FC236}">
+                <a16:creationId xmlns:a16="http://schemas.microsoft.com/office/drawing/2014/main" id="{A5D1DDB5-2C52-E13F-C026-E6A40737A147}"/>
               </a:ext>
             </a:extLst>
           </p:cNvPr>
           <p:cNvPicPr>
-            <a:picLocks noChangeAspect="1"/>
+            <a:picLocks noChangeAspect="1" noChangeArrowheads="1"/>
           </p:cNvPicPr>
           <p:nvPr/>
         </p:nvPicPr>
         <p:blipFill>
-          <a:blip r:embed="rId5"/>
+          <a:blip r:embed="rId4">
+            <a:extLst>
+              <a:ext uri="{28A0092B-C50C-407E-A947-70E740481C1C}">
+                <a14:useLocalDpi xmlns:a14="http://schemas.microsoft.com/office/drawing/2010/main" val="0"/>
+              </a:ext>
+            </a:extLst>
+          </a:blip>
+          <a:srcRect/>
           <a:stretch>
             <a:fillRect/>
           </a:stretch>
         </p:blipFill>
-        <p:spPr>
-          <a:xfrm>
-            <a:off x="2163452" y="1584172"/>
-            <a:ext cx="540000" cy="540000"/>
-          </a:xfrm>
-          <a:prstGeom prst="rect">
-            <a:avLst/>
-          </a:prstGeom>
-        </p:spPr>
-      </p:pic>
-      <p:sp>
-        <p:nvSpPr>
-          <p:cNvPr id="15" name="TextBox 12">
-            <a:extLst>
-              <a:ext uri="{FF2B5EF4-FFF2-40B4-BE49-F238E27FC236}">
-                <a16:creationId xmlns:a16="http://schemas.microsoft.com/office/drawing/2014/main" id="{EB78414E-8D65-E561-AD47-2100C1865C5D}"/>
-              </a:ext>
-            </a:extLst>
-          </p:cNvPr>
-          <p:cNvSpPr txBox="1">
-            <a:spLocks noChangeArrowheads="1"/>
-          </p:cNvSpPr>
-          <p:nvPr/>
-        </p:nvSpPr>
         <p:spPr bwMode="auto">
           <a:xfrm>
-            <a:off x="1293627" y="2124172"/>
-            <a:ext cx="2279650" cy="276999"/>
+            <a:off x="6389435" y="1061159"/>
+            <a:ext cx="251999" cy="251999"/>
           </a:xfrm>
           <a:prstGeom prst="rect">
             <a:avLst/>
@@ -6590,147 +12494,378 @@
             </a:ext>
           </a:extLst>
         </p:spPr>
-        <p:txBody>
-          <a:bodyPr>
-            <a:spAutoFit/>
-          </a:bodyPr>
-          <a:lstStyle>
-            <a:lvl1pPr>
-              <a:defRPr>
-                <a:solidFill>
-                  <a:schemeClr val="tx1"/>
-                </a:solidFill>
-                <a:latin typeface="Calibri" panose="020F0502020204030204" pitchFamily="34" charset="0"/>
-              </a:defRPr>
-            </a:lvl1pPr>
-            <a:lvl2pPr marL="742950" indent="-285750">
-              <a:defRPr>
-                <a:solidFill>
-                  <a:schemeClr val="tx1"/>
-                </a:solidFill>
-                <a:latin typeface="Calibri" panose="020F0502020204030204" pitchFamily="34" charset="0"/>
-              </a:defRPr>
-            </a:lvl2pPr>
-            <a:lvl3pPr marL="1143000" indent="-228600">
-              <a:defRPr>
-                <a:solidFill>
-                  <a:schemeClr val="tx1"/>
-                </a:solidFill>
-                <a:latin typeface="Calibri" panose="020F0502020204030204" pitchFamily="34" charset="0"/>
-              </a:defRPr>
-            </a:lvl3pPr>
-            <a:lvl4pPr marL="1600200" indent="-228600">
-              <a:defRPr>
-                <a:solidFill>
-                  <a:schemeClr val="tx1"/>
-                </a:solidFill>
-                <a:latin typeface="Calibri" panose="020F0502020204030204" pitchFamily="34" charset="0"/>
-              </a:defRPr>
-            </a:lvl4pPr>
-            <a:lvl5pPr marL="2057400" indent="-228600">
-              <a:defRPr>
-                <a:solidFill>
-                  <a:schemeClr val="tx1"/>
-                </a:solidFill>
-                <a:latin typeface="Calibri" panose="020F0502020204030204" pitchFamily="34" charset="0"/>
-              </a:defRPr>
-            </a:lvl5pPr>
-            <a:lvl6pPr marL="2514600" indent="-228600" eaLnBrk="0" fontAlgn="base" hangingPunct="0">
-              <a:spcBef>
-                <a:spcPct val="0"/>
-              </a:spcBef>
-              <a:spcAft>
-                <a:spcPct val="0"/>
-              </a:spcAft>
-              <a:defRPr>
-                <a:solidFill>
-                  <a:schemeClr val="tx1"/>
-                </a:solidFill>
-                <a:latin typeface="Calibri" panose="020F0502020204030204" pitchFamily="34" charset="0"/>
-              </a:defRPr>
-            </a:lvl6pPr>
-            <a:lvl7pPr marL="2971800" indent="-228600" eaLnBrk="0" fontAlgn="base" hangingPunct="0">
-              <a:spcBef>
-                <a:spcPct val="0"/>
-              </a:spcBef>
-              <a:spcAft>
-                <a:spcPct val="0"/>
-              </a:spcAft>
-              <a:defRPr>
-                <a:solidFill>
-                  <a:schemeClr val="tx1"/>
-                </a:solidFill>
-                <a:latin typeface="Calibri" panose="020F0502020204030204" pitchFamily="34" charset="0"/>
-              </a:defRPr>
-            </a:lvl7pPr>
-            <a:lvl8pPr marL="3429000" indent="-228600" eaLnBrk="0" fontAlgn="base" hangingPunct="0">
-              <a:spcBef>
-                <a:spcPct val="0"/>
-              </a:spcBef>
-              <a:spcAft>
-                <a:spcPct val="0"/>
-              </a:spcAft>
-              <a:defRPr>
-                <a:solidFill>
-                  <a:schemeClr val="tx1"/>
-                </a:solidFill>
-                <a:latin typeface="Calibri" panose="020F0502020204030204" pitchFamily="34" charset="0"/>
-              </a:defRPr>
-            </a:lvl8pPr>
-            <a:lvl9pPr marL="3886200" indent="-228600" eaLnBrk="0" fontAlgn="base" hangingPunct="0">
-              <a:spcBef>
-                <a:spcPct val="0"/>
-              </a:spcBef>
-              <a:spcAft>
-                <a:spcPct val="0"/>
-              </a:spcAft>
-              <a:defRPr>
-                <a:solidFill>
-                  <a:schemeClr val="tx1"/>
-                </a:solidFill>
-                <a:latin typeface="Calibri" panose="020F0502020204030204" pitchFamily="34" charset="0"/>
-              </a:defRPr>
-            </a:lvl9pPr>
-          </a:lstStyle>
-          <a:p>
-            <a:pPr algn="ctr" eaLnBrk="1" hangingPunct="1"/>
-            <a:r>
-              <a:rPr lang="en-US" altLang="en-US" sz="1200" b="1" dirty="0">
-                <a:latin typeface="Arial" panose="020B0604020202020204" pitchFamily="34" charset="0"/>
-                <a:ea typeface="Amazon Ember" panose="020B0603020204020204" pitchFamily="34" charset="0"/>
-                <a:cs typeface="Arial" panose="020B0604020202020204" pitchFamily="34" charset="0"/>
-              </a:rPr>
-              <a:t>Gitlab</a:t>
-            </a:r>
-          </a:p>
-        </p:txBody>
-      </p:sp>
-      <p:cxnSp>
-        <p:nvCxnSpPr>
-          <p:cNvPr id="17" name="Straight Arrow Connector 16">
-            <a:extLst>
-              <a:ext uri="{FF2B5EF4-FFF2-40B4-BE49-F238E27FC236}">
-                <a16:creationId xmlns:a16="http://schemas.microsoft.com/office/drawing/2014/main" id="{D4003FC5-2B54-E7CC-80A8-B000D2738BE7}"/>
-              </a:ext>
-            </a:extLst>
-          </p:cNvPr>
-          <p:cNvCxnSpPr>
-            <a:stCxn id="14" idx="3"/>
-            <a:endCxn id="6" idx="1"/>
-          </p:cNvCxnSpPr>
-          <p:nvPr/>
-        </p:nvCxnSpPr>
-        <p:spPr>
-          <a:xfrm>
-            <a:off x="2703452" y="1854172"/>
-            <a:ext cx="2005085" cy="0"/>
-          </a:xfrm>
-          <a:prstGeom prst="straightConnector1">
-            <a:avLst/>
-          </a:prstGeom>
+      </p:pic>
+      <p:sp>
+        <p:nvSpPr>
+          <p:cNvPr id="109" name="Rectangle 108">
+            <a:extLst>
+              <a:ext uri="{FF2B5EF4-FFF2-40B4-BE49-F238E27FC236}">
+                <a16:creationId xmlns:a16="http://schemas.microsoft.com/office/drawing/2014/main" id="{90D86EEA-E2CC-C44F-3F69-D0C983E70647}"/>
+              </a:ext>
+            </a:extLst>
+          </p:cNvPr>
+          <p:cNvSpPr/>
+          <p:nvPr/>
+        </p:nvSpPr>
+        <p:spPr>
+          <a:xfrm>
+            <a:off x="4602391" y="1402633"/>
+            <a:ext cx="1200176" cy="1292859"/>
+          </a:xfrm>
+          <a:prstGeom prst="rect">
+            <a:avLst/>
+          </a:prstGeom>
+          <a:noFill/>
           <a:ln w="12700">
             <a:solidFill>
               <a:schemeClr val="tx1"/>
+            </a:solidFill>
+            <a:prstDash val="solid"/>
+          </a:ln>
+        </p:spPr>
+        <p:style>
+          <a:lnRef idx="2">
+            <a:schemeClr val="accent1">
+              <a:shade val="50000"/>
+            </a:schemeClr>
+          </a:lnRef>
+          <a:fillRef idx="1">
+            <a:schemeClr val="accent1"/>
+          </a:fillRef>
+          <a:effectRef idx="0">
+            <a:schemeClr val="accent1"/>
+          </a:effectRef>
+          <a:fontRef idx="minor">
+            <a:schemeClr val="lt1"/>
+          </a:fontRef>
+        </p:style>
+        <p:txBody>
+          <a:bodyPr lIns="457200" tIns="91440"/>
+          <a:lstStyle/>
+          <a:p>
+            <a:pPr eaLnBrk="1" fontAlgn="auto" hangingPunct="1">
+              <a:spcBef>
+                <a:spcPts val="0"/>
+              </a:spcBef>
+              <a:spcAft>
+                <a:spcPts val="0"/>
+              </a:spcAft>
+              <a:defRPr/>
+            </a:pPr>
+            <a:endParaRPr lang="en-US" sz="1200" b="1" dirty="0">
+              <a:noFill/>
+              <a:latin typeface="Arial" panose="020B0604020202020204" pitchFamily="34" charset="0"/>
+              <a:cs typeface="Arial" panose="020B0604020202020204" pitchFamily="34" charset="0"/>
+            </a:endParaRPr>
+          </a:p>
+        </p:txBody>
+      </p:sp>
+      <p:pic>
+        <p:nvPicPr>
+          <p:cNvPr id="142" name="Picture 141">
+            <a:extLst>
+              <a:ext uri="{FF2B5EF4-FFF2-40B4-BE49-F238E27FC236}">
+                <a16:creationId xmlns:a16="http://schemas.microsoft.com/office/drawing/2014/main" id="{3711B9BB-23A3-074D-436B-04961A45AAF0}"/>
+              </a:ext>
+            </a:extLst>
+          </p:cNvPr>
+          <p:cNvPicPr>
+            <a:picLocks noChangeAspect="1"/>
+          </p:cNvPicPr>
+          <p:nvPr/>
+        </p:nvPicPr>
+        <p:blipFill>
+          <a:blip r:embed="rId5"/>
+          <a:stretch>
+            <a:fillRect/>
+          </a:stretch>
+        </p:blipFill>
+        <p:spPr>
+          <a:xfrm>
+            <a:off x="1856975" y="1059298"/>
+            <a:ext cx="251999" cy="251999"/>
+          </a:xfrm>
+          <a:prstGeom prst="rect">
+            <a:avLst/>
+          </a:prstGeom>
+        </p:spPr>
+      </p:pic>
+      <p:sp>
+        <p:nvSpPr>
+          <p:cNvPr id="150" name="TextBox 149">
+            <a:extLst>
+              <a:ext uri="{FF2B5EF4-FFF2-40B4-BE49-F238E27FC236}">
+                <a16:creationId xmlns:a16="http://schemas.microsoft.com/office/drawing/2014/main" id="{7435DC62-1B50-B164-1D28-12898C693837}"/>
+              </a:ext>
+            </a:extLst>
+          </p:cNvPr>
+          <p:cNvSpPr txBox="1"/>
+          <p:nvPr/>
+        </p:nvSpPr>
+        <p:spPr>
+          <a:xfrm>
+            <a:off x="2108974" y="1062186"/>
+            <a:ext cx="1040920" cy="246221"/>
+          </a:xfrm>
+          <a:prstGeom prst="rect">
+            <a:avLst/>
+          </a:prstGeom>
+          <a:noFill/>
+        </p:spPr>
+        <p:txBody>
+          <a:bodyPr wrap="square" rtlCol="0">
+            <a:spAutoFit/>
+          </a:bodyPr>
+          <a:lstStyle/>
+          <a:p>
+            <a:r>
+              <a:rPr lang="en-KR" sz="1000" b="1" dirty="0"/>
+              <a:t>Gitlab project</a:t>
+            </a:r>
+          </a:p>
+        </p:txBody>
+      </p:sp>
+      <p:sp>
+        <p:nvSpPr>
+          <p:cNvPr id="151" name="TextBox 150">
+            <a:extLst>
+              <a:ext uri="{FF2B5EF4-FFF2-40B4-BE49-F238E27FC236}">
+                <a16:creationId xmlns:a16="http://schemas.microsoft.com/office/drawing/2014/main" id="{C60EB272-BD85-97FF-14D0-4AA5BC067A38}"/>
+              </a:ext>
+            </a:extLst>
+          </p:cNvPr>
+          <p:cNvSpPr txBox="1"/>
+          <p:nvPr/>
+        </p:nvSpPr>
+        <p:spPr>
+          <a:xfrm>
+            <a:off x="6645054" y="1062186"/>
+            <a:ext cx="1040920" cy="246221"/>
+          </a:xfrm>
+          <a:prstGeom prst="rect">
+            <a:avLst/>
+          </a:prstGeom>
+          <a:noFill/>
+        </p:spPr>
+        <p:txBody>
+          <a:bodyPr wrap="square" rtlCol="0">
+            <a:spAutoFit/>
+          </a:bodyPr>
+          <a:lstStyle/>
+          <a:p>
+            <a:r>
+              <a:rPr lang="en-KR" sz="1000" b="1" dirty="0"/>
+              <a:t>AWS</a:t>
+            </a:r>
+          </a:p>
+        </p:txBody>
+      </p:sp>
+      <p:sp>
+        <p:nvSpPr>
+          <p:cNvPr id="156" name="TextBox 155">
+            <a:extLst>
+              <a:ext uri="{FF2B5EF4-FFF2-40B4-BE49-F238E27FC236}">
+                <a16:creationId xmlns:a16="http://schemas.microsoft.com/office/drawing/2014/main" id="{802731D7-5B4F-BF60-05C9-A81031665ED9}"/>
+              </a:ext>
+            </a:extLst>
+          </p:cNvPr>
+          <p:cNvSpPr txBox="1"/>
+          <p:nvPr/>
+        </p:nvSpPr>
+        <p:spPr>
+          <a:xfrm>
+            <a:off x="4785604" y="2268688"/>
+            <a:ext cx="851537" cy="215444"/>
+          </a:xfrm>
+          <a:prstGeom prst="rect">
+            <a:avLst/>
+          </a:prstGeom>
+          <a:noFill/>
+          <a:ln cap="rnd">
+            <a:solidFill>
+              <a:schemeClr val="tx1"/>
+            </a:solidFill>
+            <a:bevel/>
+            <a:extLst>
+              <a:ext uri="{C807C97D-BFC1-408E-A445-0C87EB9F89A2}">
+                <ask:lineSketchStyleProps xmlns:ask="http://schemas.microsoft.com/office/drawing/2018/sketchyshapes" sd="1219033472">
+                  <a:custGeom>
+                    <a:avLst/>
+                    <a:gdLst>
+                      <a:gd name="connsiteX0" fmla="*/ 0 w 1879700"/>
+                      <a:gd name="connsiteY0" fmla="*/ 0 h 215444"/>
+                      <a:gd name="connsiteX1" fmla="*/ 451128 w 1879700"/>
+                      <a:gd name="connsiteY1" fmla="*/ 0 h 215444"/>
+                      <a:gd name="connsiteX2" fmla="*/ 864662 w 1879700"/>
+                      <a:gd name="connsiteY2" fmla="*/ 0 h 215444"/>
+                      <a:gd name="connsiteX3" fmla="*/ 1372181 w 1879700"/>
+                      <a:gd name="connsiteY3" fmla="*/ 0 h 215444"/>
+                      <a:gd name="connsiteX4" fmla="*/ 1879700 w 1879700"/>
+                      <a:gd name="connsiteY4" fmla="*/ 0 h 215444"/>
+                      <a:gd name="connsiteX5" fmla="*/ 1879700 w 1879700"/>
+                      <a:gd name="connsiteY5" fmla="*/ 215444 h 215444"/>
+                      <a:gd name="connsiteX6" fmla="*/ 1447369 w 1879700"/>
+                      <a:gd name="connsiteY6" fmla="*/ 215444 h 215444"/>
+                      <a:gd name="connsiteX7" fmla="*/ 1015038 w 1879700"/>
+                      <a:gd name="connsiteY7" fmla="*/ 215444 h 215444"/>
+                      <a:gd name="connsiteX8" fmla="*/ 507519 w 1879700"/>
+                      <a:gd name="connsiteY8" fmla="*/ 215444 h 215444"/>
+                      <a:gd name="connsiteX9" fmla="*/ 0 w 1879700"/>
+                      <a:gd name="connsiteY9" fmla="*/ 215444 h 215444"/>
+                      <a:gd name="connsiteX10" fmla="*/ 0 w 1879700"/>
+                      <a:gd name="connsiteY10" fmla="*/ 0 h 215444"/>
+                    </a:gdLst>
+                    <a:ahLst/>
+                    <a:cxnLst>
+                      <a:cxn ang="0">
+                        <a:pos x="connsiteX0" y="connsiteY0"/>
+                      </a:cxn>
+                      <a:cxn ang="0">
+                        <a:pos x="connsiteX1" y="connsiteY1"/>
+                      </a:cxn>
+                      <a:cxn ang="0">
+                        <a:pos x="connsiteX2" y="connsiteY2"/>
+                      </a:cxn>
+                      <a:cxn ang="0">
+                        <a:pos x="connsiteX3" y="connsiteY3"/>
+                      </a:cxn>
+                      <a:cxn ang="0">
+                        <a:pos x="connsiteX4" y="connsiteY4"/>
+                      </a:cxn>
+                      <a:cxn ang="0">
+                        <a:pos x="connsiteX5" y="connsiteY5"/>
+                      </a:cxn>
+                      <a:cxn ang="0">
+                        <a:pos x="connsiteX6" y="connsiteY6"/>
+                      </a:cxn>
+                      <a:cxn ang="0">
+                        <a:pos x="connsiteX7" y="connsiteY7"/>
+                      </a:cxn>
+                      <a:cxn ang="0">
+                        <a:pos x="connsiteX8" y="connsiteY8"/>
+                      </a:cxn>
+                      <a:cxn ang="0">
+                        <a:pos x="connsiteX9" y="connsiteY9"/>
+                      </a:cxn>
+                      <a:cxn ang="0">
+                        <a:pos x="connsiteX10" y="connsiteY10"/>
+                      </a:cxn>
+                    </a:cxnLst>
+                    <a:rect l="l" t="t" r="r" b="b"/>
+                    <a:pathLst>
+                      <a:path w="1879700" h="215444" extrusionOk="0">
+                        <a:moveTo>
+                          <a:pt x="0" y="0"/>
+                        </a:moveTo>
+                        <a:cubicBezTo>
+                          <a:pt x="144942" y="-577"/>
+                          <a:pt x="318370" y="3267"/>
+                          <a:pt x="451128" y="0"/>
+                        </a:cubicBezTo>
+                        <a:cubicBezTo>
+                          <a:pt x="583886" y="-3267"/>
+                          <a:pt x="742478" y="29300"/>
+                          <a:pt x="864662" y="0"/>
+                        </a:cubicBezTo>
+                        <a:cubicBezTo>
+                          <a:pt x="986846" y="-29300"/>
+                          <a:pt x="1197216" y="23725"/>
+                          <a:pt x="1372181" y="0"/>
+                        </a:cubicBezTo>
+                        <a:cubicBezTo>
+                          <a:pt x="1547146" y="-23725"/>
+                          <a:pt x="1680517" y="31914"/>
+                          <a:pt x="1879700" y="0"/>
+                        </a:cubicBezTo>
+                        <a:cubicBezTo>
+                          <a:pt x="1882440" y="70980"/>
+                          <a:pt x="1862355" y="144352"/>
+                          <a:pt x="1879700" y="215444"/>
+                        </a:cubicBezTo>
+                        <a:cubicBezTo>
+                          <a:pt x="1771231" y="256425"/>
+                          <a:pt x="1622159" y="164623"/>
+                          <a:pt x="1447369" y="215444"/>
+                        </a:cubicBezTo>
+                        <a:cubicBezTo>
+                          <a:pt x="1272579" y="266265"/>
+                          <a:pt x="1176959" y="179090"/>
+                          <a:pt x="1015038" y="215444"/>
+                        </a:cubicBezTo>
+                        <a:cubicBezTo>
+                          <a:pt x="853117" y="251798"/>
+                          <a:pt x="695042" y="169593"/>
+                          <a:pt x="507519" y="215444"/>
+                        </a:cubicBezTo>
+                        <a:cubicBezTo>
+                          <a:pt x="319996" y="261295"/>
+                          <a:pt x="221599" y="194491"/>
+                          <a:pt x="0" y="215444"/>
+                        </a:cubicBezTo>
+                        <a:cubicBezTo>
+                          <a:pt x="-22738" y="124398"/>
+                          <a:pt x="1890" y="63076"/>
+                          <a:pt x="0" y="0"/>
+                        </a:cubicBezTo>
+                        <a:close/>
+                      </a:path>
+                    </a:pathLst>
+                  </a:custGeom>
+                  <ask:type>
+                    <ask:lineSketchNone/>
+                  </ask:type>
+                </ask:lineSketchStyleProps>
+              </a:ext>
+            </a:extLst>
+          </a:ln>
+        </p:spPr>
+        <p:txBody>
+          <a:bodyPr wrap="square" rtlCol="0" anchor="ctr">
+            <a:spAutoFit/>
+          </a:bodyPr>
+          <a:lstStyle/>
+          <a:p>
+            <a:pPr algn="ctr"/>
+            <a:r>
+              <a:rPr lang="en-US" sz="800" i="1" dirty="0"/>
+              <a:t>pipeline</a:t>
+            </a:r>
+            <a:r>
+              <a:rPr lang="en-KR" sz="800" i="1" dirty="0"/>
+              <a:t> event</a:t>
+            </a:r>
+          </a:p>
+        </p:txBody>
+      </p:sp>
+      <p:cxnSp>
+        <p:nvCxnSpPr>
+          <p:cNvPr id="50" name="Straight Arrow Connector 90">
+            <a:extLst>
+              <a:ext uri="{FF2B5EF4-FFF2-40B4-BE49-F238E27FC236}">
+                <a16:creationId xmlns:a16="http://schemas.microsoft.com/office/drawing/2014/main" id="{E95D9D69-913B-8700-7821-7B5712F16169}"/>
+              </a:ext>
+            </a:extLst>
+          </p:cNvPr>
+          <p:cNvCxnSpPr>
+            <a:cxnSpLocks/>
+            <a:stCxn id="82" idx="3"/>
+            <a:endCxn id="156" idx="1"/>
+          </p:cNvCxnSpPr>
+          <p:nvPr/>
+        </p:nvCxnSpPr>
+        <p:spPr>
+          <a:xfrm flipV="1">
+            <a:off x="4087423" y="2376410"/>
+            <a:ext cx="698181" cy="1891505"/>
+          </a:xfrm>
+          <a:prstGeom prst="bentConnector3">
+            <a:avLst>
+              <a:gd name="adj1" fmla="val 62989"/>
+            </a:avLst>
+          </a:prstGeom>
+          <a:ln w="12700">
+            <a:solidFill>
+              <a:srgbClr val="FF0000"/>
             </a:solidFill>
             <a:tailEnd type="arrow"/>
           </a:ln>
@@ -6752,32 +12887,35 @@
       </p:cxnSp>
       <p:cxnSp>
         <p:nvCxnSpPr>
-          <p:cNvPr id="18" name="Straight Arrow Connector 17">
-            <a:extLst>
-              <a:ext uri="{FF2B5EF4-FFF2-40B4-BE49-F238E27FC236}">
-                <a16:creationId xmlns:a16="http://schemas.microsoft.com/office/drawing/2014/main" id="{4897C640-B46F-AC5F-D6AC-282F9C1FE2D0}"/>
+          <p:cNvPr id="56" name="Straight Arrow Connector 90">
+            <a:extLst>
+              <a:ext uri="{FF2B5EF4-FFF2-40B4-BE49-F238E27FC236}">
+                <a16:creationId xmlns:a16="http://schemas.microsoft.com/office/drawing/2014/main" id="{087C5254-F770-9EB1-B019-B1A73DBAA522}"/>
               </a:ext>
             </a:extLst>
           </p:cNvPr>
           <p:cNvCxnSpPr>
             <a:cxnSpLocks/>
-            <a:stCxn id="10" idx="2"/>
-            <a:endCxn id="8" idx="0"/>
+            <a:stCxn id="156" idx="3"/>
+            <a:endCxn id="98" idx="1"/>
           </p:cNvCxnSpPr>
           <p:nvPr/>
         </p:nvCxnSpPr>
         <p:spPr>
-          <a:xfrm>
-            <a:off x="4978537" y="2401171"/>
-            <a:ext cx="0" cy="516466"/>
-          </a:xfrm>
-          <a:prstGeom prst="straightConnector1">
-            <a:avLst/>
+          <a:xfrm flipV="1">
+            <a:off x="5637141" y="2093159"/>
+            <a:ext cx="1152099" cy="283251"/>
+          </a:xfrm>
+          <a:prstGeom prst="bentConnector3">
+            <a:avLst>
+              <a:gd name="adj1" fmla="val 50000"/>
+            </a:avLst>
           </a:prstGeom>
           <a:ln w="12700">
             <a:solidFill>
-              <a:schemeClr val="tx1"/>
+              <a:srgbClr val="FF0000"/>
             </a:solidFill>
+            <a:headEnd type="arrow"/>
             <a:tailEnd type="arrow"/>
           </a:ln>
         </p:spPr>
@@ -6798,32 +12936,33 @@
       </p:cxnSp>
       <p:cxnSp>
         <p:nvCxnSpPr>
-          <p:cNvPr id="21" name="Straight Arrow Connector 20">
-            <a:extLst>
-              <a:ext uri="{FF2B5EF4-FFF2-40B4-BE49-F238E27FC236}">
-                <a16:creationId xmlns:a16="http://schemas.microsoft.com/office/drawing/2014/main" id="{8A4DC7C5-5992-D3E4-E577-4DEBF3A943E7}"/>
+          <p:cNvPr id="59" name="Straight Arrow Connector 90">
+            <a:extLst>
+              <a:ext uri="{FF2B5EF4-FFF2-40B4-BE49-F238E27FC236}">
+                <a16:creationId xmlns:a16="http://schemas.microsoft.com/office/drawing/2014/main" id="{A30C0E54-8345-2FBB-63A3-C500AF56BF77}"/>
               </a:ext>
             </a:extLst>
           </p:cNvPr>
           <p:cNvCxnSpPr>
             <a:cxnSpLocks/>
-            <a:stCxn id="8" idx="1"/>
-            <a:endCxn id="15" idx="2"/>
+            <a:stCxn id="99" idx="0"/>
+            <a:endCxn id="100" idx="2"/>
           </p:cNvCxnSpPr>
           <p:nvPr/>
         </p:nvCxnSpPr>
         <p:spPr>
-          <a:xfrm rot="10800000">
-            <a:off x="2433453" y="2401171"/>
-            <a:ext cx="2275085" cy="786466"/>
-          </a:xfrm>
-          <a:prstGeom prst="bentConnector2">
+          <a:xfrm flipV="1">
+            <a:off x="7005240" y="2709269"/>
+            <a:ext cx="0" cy="877033"/>
+          </a:xfrm>
+          <a:prstGeom prst="straightConnector1">
             <a:avLst/>
           </a:prstGeom>
           <a:ln w="12700">
             <a:solidFill>
-              <a:schemeClr val="tx1"/>
+              <a:srgbClr val="FF0000"/>
             </a:solidFill>
+            <a:headEnd type="arrow"/>
             <a:tailEnd type="arrow"/>
           </a:ln>
         </p:spPr>
@@ -6842,12 +12981,58 @@
           </a:fontRef>
         </p:style>
       </p:cxnSp>
-      <p:sp>
-        <p:nvSpPr>
-          <p:cNvPr id="24" name="TextBox 23">
-            <a:extLst>
-              <a:ext uri="{FF2B5EF4-FFF2-40B4-BE49-F238E27FC236}">
-                <a16:creationId xmlns:a16="http://schemas.microsoft.com/office/drawing/2014/main" id="{57E6CF46-6BD9-EC15-E119-1B36B103BEC6}"/>
+      <p:cxnSp>
+        <p:nvCxnSpPr>
+          <p:cNvPr id="62" name="Straight Arrow Connector 90">
+            <a:extLst>
+              <a:ext uri="{FF2B5EF4-FFF2-40B4-BE49-F238E27FC236}">
+                <a16:creationId xmlns:a16="http://schemas.microsoft.com/office/drawing/2014/main" id="{04B61E48-674C-AAD4-58E4-B858C4BD238D}"/>
+              </a:ext>
+            </a:extLst>
+          </p:cNvPr>
+          <p:cNvCxnSpPr>
+            <a:cxnSpLocks/>
+          </p:cNvCxnSpPr>
+          <p:nvPr/>
+        </p:nvCxnSpPr>
+        <p:spPr>
+          <a:xfrm rot="10800000">
+            <a:off x="4135884" y="2376410"/>
+            <a:ext cx="2653356" cy="1425892"/>
+          </a:xfrm>
+          <a:prstGeom prst="bentConnector3">
+            <a:avLst>
+              <a:gd name="adj1" fmla="val 88853"/>
+            </a:avLst>
+          </a:prstGeom>
+          <a:ln w="12700">
+            <a:solidFill>
+              <a:srgbClr val="0070C0"/>
+            </a:solidFill>
+            <a:tailEnd type="arrow"/>
+          </a:ln>
+        </p:spPr>
+        <p:style>
+          <a:lnRef idx="1">
+            <a:schemeClr val="accent1"/>
+          </a:lnRef>
+          <a:fillRef idx="0">
+            <a:schemeClr val="accent1"/>
+          </a:fillRef>
+          <a:effectRef idx="0">
+            <a:schemeClr val="accent1"/>
+          </a:effectRef>
+          <a:fontRef idx="minor">
+            <a:schemeClr val="tx1"/>
+          </a:fontRef>
+        </p:style>
+      </p:cxnSp>
+      <p:sp>
+        <p:nvSpPr>
+          <p:cNvPr id="71" name="TextBox 70">
+            <a:extLst>
+              <a:ext uri="{FF2B5EF4-FFF2-40B4-BE49-F238E27FC236}">
+                <a16:creationId xmlns:a16="http://schemas.microsoft.com/office/drawing/2014/main" id="{7C5A76A9-A7EF-CF5B-3E2D-C827F569A464}"/>
               </a:ext>
             </a:extLst>
           </p:cNvPr>
@@ -6856,8 +13041,8 @@
         </p:nvSpPr>
         <p:spPr>
           <a:xfrm>
-            <a:off x="2992253" y="1516033"/>
-            <a:ext cx="894347" cy="307777"/>
+            <a:off x="4574002" y="2842033"/>
+            <a:ext cx="1011816" cy="215444"/>
           </a:xfrm>
           <a:prstGeom prst="rect">
             <a:avLst/>
@@ -6870,23 +13055,29 @@
           </a:bodyPr>
           <a:lstStyle/>
           <a:p>
-            <a:r>
-              <a:rPr lang="en-KR" sz="1400" b="1" i="1" dirty="0">
+            <a:pPr algn="ctr"/>
+            <a:r>
+              <a:rPr lang="en-US" sz="800" b="1" i="1" dirty="0">
                 <a:solidFill>
                   <a:srgbClr val="FF0000"/>
                 </a:solidFill>
               </a:rPr>
-              <a:t>Webhook</a:t>
-            </a:r>
-          </a:p>
-        </p:txBody>
-      </p:sp>
-      <p:sp>
-        <p:nvSpPr>
-          <p:cNvPr id="25" name="TextBox 24">
-            <a:extLst>
-              <a:ext uri="{FF2B5EF4-FFF2-40B4-BE49-F238E27FC236}">
-                <a16:creationId xmlns:a16="http://schemas.microsoft.com/office/drawing/2014/main" id="{F1551D3C-57EB-C2E0-95CD-46872AF8A1FB}"/>
+              <a:t>1. Trigger webhook</a:t>
+            </a:r>
+            <a:endParaRPr lang="en-KR" sz="800" b="1" i="1" dirty="0">
+              <a:solidFill>
+                <a:srgbClr val="FF0000"/>
+              </a:solidFill>
+            </a:endParaRPr>
+          </a:p>
+        </p:txBody>
+      </p:sp>
+      <p:sp>
+        <p:nvSpPr>
+          <p:cNvPr id="72" name="TextBox 71">
+            <a:extLst>
+              <a:ext uri="{FF2B5EF4-FFF2-40B4-BE49-F238E27FC236}">
+                <a16:creationId xmlns:a16="http://schemas.microsoft.com/office/drawing/2014/main" id="{E735650F-BCEF-EBFF-5FE1-F1B20694B6AE}"/>
               </a:ext>
             </a:extLst>
           </p:cNvPr>
@@ -6895,8 +13086,8 @@
         </p:nvSpPr>
         <p:spPr>
           <a:xfrm>
-            <a:off x="2977024" y="2860972"/>
-            <a:ext cx="933269" cy="307777"/>
+            <a:off x="5884353" y="1823854"/>
+            <a:ext cx="941283" cy="215444"/>
           </a:xfrm>
           <a:prstGeom prst="rect">
             <a:avLst/>
@@ -6909,21 +13100,284 @@
           </a:bodyPr>
           <a:lstStyle/>
           <a:p>
-            <a:r>
-              <a:rPr lang="en-KR" sz="1400" b="1" i="1" dirty="0">
+            <a:pPr algn="ctr"/>
+            <a:r>
+              <a:rPr lang="en-US" sz="800" b="1" i="1" dirty="0">
                 <a:solidFill>
                   <a:srgbClr val="FF0000"/>
                 </a:solidFill>
               </a:rPr>
-              <a:t>Gitlab API</a:t>
-            </a:r>
-          </a:p>
-        </p:txBody>
-      </p:sp>
+              <a:t>2. Send event info</a:t>
+            </a:r>
+            <a:endParaRPr lang="en-KR" sz="800" b="1" i="1" dirty="0">
+              <a:solidFill>
+                <a:srgbClr val="FF0000"/>
+              </a:solidFill>
+            </a:endParaRPr>
+          </a:p>
+        </p:txBody>
+      </p:sp>
+      <p:sp>
+        <p:nvSpPr>
+          <p:cNvPr id="73" name="TextBox 72">
+            <a:extLst>
+              <a:ext uri="{FF2B5EF4-FFF2-40B4-BE49-F238E27FC236}">
+                <a16:creationId xmlns:a16="http://schemas.microsoft.com/office/drawing/2014/main" id="{D767A246-3F0F-BBDF-CD12-5165B7801AF7}"/>
+              </a:ext>
+            </a:extLst>
+          </p:cNvPr>
+          <p:cNvSpPr txBox="1"/>
+          <p:nvPr/>
+        </p:nvSpPr>
+        <p:spPr>
+          <a:xfrm>
+            <a:off x="7005240" y="3186192"/>
+            <a:ext cx="960520" cy="215444"/>
+          </a:xfrm>
+          <a:prstGeom prst="rect">
+            <a:avLst/>
+          </a:prstGeom>
+          <a:noFill/>
+        </p:spPr>
+        <p:txBody>
+          <a:bodyPr wrap="none" rtlCol="0">
+            <a:spAutoFit/>
+          </a:bodyPr>
+          <a:lstStyle/>
+          <a:p>
+            <a:pPr algn="ctr"/>
+            <a:r>
+              <a:rPr lang="en-US" sz="800" b="1" i="1" dirty="0">
+                <a:solidFill>
+                  <a:srgbClr val="FF0000"/>
+                </a:solidFill>
+              </a:rPr>
+              <a:t>3. Execute lambda</a:t>
+            </a:r>
+            <a:endParaRPr lang="en-KR" sz="800" b="1" i="1" dirty="0">
+              <a:solidFill>
+                <a:srgbClr val="FF0000"/>
+              </a:solidFill>
+            </a:endParaRPr>
+          </a:p>
+        </p:txBody>
+      </p:sp>
+      <p:sp>
+        <p:nvSpPr>
+          <p:cNvPr id="74" name="TextBox 73">
+            <a:extLst>
+              <a:ext uri="{FF2B5EF4-FFF2-40B4-BE49-F238E27FC236}">
+                <a16:creationId xmlns:a16="http://schemas.microsoft.com/office/drawing/2014/main" id="{6527C5FF-3739-F4CD-6979-1A11E19D400F}"/>
+              </a:ext>
+            </a:extLst>
+          </p:cNvPr>
+          <p:cNvSpPr txBox="1"/>
+          <p:nvPr/>
+        </p:nvSpPr>
+        <p:spPr>
+          <a:xfrm>
+            <a:off x="5985582" y="3191086"/>
+            <a:ext cx="934871" cy="338554"/>
+          </a:xfrm>
+          <a:prstGeom prst="rect">
+            <a:avLst/>
+          </a:prstGeom>
+          <a:noFill/>
+        </p:spPr>
+        <p:txBody>
+          <a:bodyPr wrap="none" rtlCol="0">
+            <a:spAutoFit/>
+          </a:bodyPr>
+          <a:lstStyle/>
+          <a:p>
+            <a:pPr algn="ctr"/>
+            <a:r>
+              <a:rPr lang="en-US" sz="800" b="1" i="1" dirty="0">
+                <a:solidFill>
+                  <a:srgbClr val="FF0000"/>
+                </a:solidFill>
+              </a:rPr>
+              <a:t>5. Send message, </a:t>
+            </a:r>
+            <a:br>
+              <a:rPr lang="en-US" sz="800" b="1" i="1" dirty="0">
+                <a:solidFill>
+                  <a:srgbClr val="FF0000"/>
+                </a:solidFill>
+              </a:rPr>
+            </a:br>
+            <a:r>
+              <a:rPr lang="en-US" sz="800" b="1" i="1" dirty="0">
+                <a:solidFill>
+                  <a:srgbClr val="FF0000"/>
+                </a:solidFill>
+              </a:rPr>
+              <a:t>status code</a:t>
+            </a:r>
+            <a:endParaRPr lang="en-KR" sz="800" b="1" i="1" dirty="0">
+              <a:solidFill>
+                <a:srgbClr val="FF0000"/>
+              </a:solidFill>
+            </a:endParaRPr>
+          </a:p>
+        </p:txBody>
+      </p:sp>
+      <p:sp>
+        <p:nvSpPr>
+          <p:cNvPr id="77" name="TextBox 76">
+            <a:extLst>
+              <a:ext uri="{FF2B5EF4-FFF2-40B4-BE49-F238E27FC236}">
+                <a16:creationId xmlns:a16="http://schemas.microsoft.com/office/drawing/2014/main" id="{F671535C-80D8-5478-F8D4-30A3E8536C2E}"/>
+              </a:ext>
+            </a:extLst>
+          </p:cNvPr>
+          <p:cNvSpPr txBox="1"/>
+          <p:nvPr/>
+        </p:nvSpPr>
+        <p:spPr>
+          <a:xfrm>
+            <a:off x="5884353" y="2377234"/>
+            <a:ext cx="934872" cy="338554"/>
+          </a:xfrm>
+          <a:prstGeom prst="rect">
+            <a:avLst/>
+          </a:prstGeom>
+          <a:noFill/>
+        </p:spPr>
+        <p:txBody>
+          <a:bodyPr wrap="none" rtlCol="0">
+            <a:spAutoFit/>
+          </a:bodyPr>
+          <a:lstStyle/>
+          <a:p>
+            <a:pPr algn="ctr"/>
+            <a:r>
+              <a:rPr lang="en-US" sz="800" b="1" i="1" dirty="0">
+                <a:solidFill>
+                  <a:srgbClr val="FF0000"/>
+                </a:solidFill>
+              </a:rPr>
+              <a:t>6. Send message, </a:t>
+            </a:r>
+            <a:br>
+              <a:rPr lang="en-US" sz="800" b="1" i="1" dirty="0">
+                <a:solidFill>
+                  <a:srgbClr val="FF0000"/>
+                </a:solidFill>
+              </a:rPr>
+            </a:br>
+            <a:r>
+              <a:rPr lang="en-US" sz="800" b="1" i="1" dirty="0">
+                <a:solidFill>
+                  <a:srgbClr val="FF0000"/>
+                </a:solidFill>
+              </a:rPr>
+              <a:t>status code</a:t>
+            </a:r>
+            <a:endParaRPr lang="en-KR" sz="800" b="1" i="1" dirty="0">
+              <a:solidFill>
+                <a:srgbClr val="FF0000"/>
+              </a:solidFill>
+            </a:endParaRPr>
+          </a:p>
+        </p:txBody>
+      </p:sp>
+      <p:sp>
+        <p:nvSpPr>
+          <p:cNvPr id="80" name="TextBox 79">
+            <a:extLst>
+              <a:ext uri="{FF2B5EF4-FFF2-40B4-BE49-F238E27FC236}">
+                <a16:creationId xmlns:a16="http://schemas.microsoft.com/office/drawing/2014/main" id="{0C71E9E0-EA4B-6427-EAC3-6F3688624476}"/>
+              </a:ext>
+            </a:extLst>
+          </p:cNvPr>
+          <p:cNvSpPr txBox="1"/>
+          <p:nvPr/>
+        </p:nvSpPr>
+        <p:spPr>
+          <a:xfrm>
+            <a:off x="4481622" y="3523130"/>
+            <a:ext cx="1023037" cy="215444"/>
+          </a:xfrm>
+          <a:prstGeom prst="rect">
+            <a:avLst/>
+          </a:prstGeom>
+          <a:noFill/>
+        </p:spPr>
+        <p:txBody>
+          <a:bodyPr wrap="none" rtlCol="0">
+            <a:spAutoFit/>
+          </a:bodyPr>
+          <a:lstStyle/>
+          <a:p>
+            <a:pPr algn="ctr"/>
+            <a:r>
+              <a:rPr lang="en-US" sz="800" b="1" i="1" dirty="0">
+                <a:solidFill>
+                  <a:srgbClr val="0070C0"/>
+                </a:solidFill>
+              </a:rPr>
+              <a:t>4. Update comment</a:t>
+            </a:r>
+            <a:endParaRPr lang="en-KR" sz="800" b="1" i="1" dirty="0">
+              <a:solidFill>
+                <a:srgbClr val="0070C0"/>
+              </a:solidFill>
+            </a:endParaRPr>
+          </a:p>
+        </p:txBody>
+      </p:sp>
+      <p:cxnSp>
+        <p:nvCxnSpPr>
+          <p:cNvPr id="90" name="Straight Arrow Connector 90">
+            <a:extLst>
+              <a:ext uri="{FF2B5EF4-FFF2-40B4-BE49-F238E27FC236}">
+                <a16:creationId xmlns:a16="http://schemas.microsoft.com/office/drawing/2014/main" id="{4AD064C9-0231-1D9B-0112-856A3F3E17E2}"/>
+              </a:ext>
+            </a:extLst>
+          </p:cNvPr>
+          <p:cNvCxnSpPr>
+            <a:cxnSpLocks/>
+            <a:stCxn id="89" idx="3"/>
+            <a:endCxn id="98" idx="1"/>
+          </p:cNvCxnSpPr>
+          <p:nvPr/>
+        </p:nvCxnSpPr>
+        <p:spPr>
+          <a:xfrm>
+            <a:off x="5637141" y="2093159"/>
+            <a:ext cx="1152099" cy="0"/>
+          </a:xfrm>
+          <a:prstGeom prst="straightConnector1">
+            <a:avLst/>
+          </a:prstGeom>
+          <a:ln w="6350">
+            <a:solidFill>
+              <a:schemeClr val="tx1"/>
+            </a:solidFill>
+            <a:prstDash val="sysDash"/>
+            <a:tailEnd type="arrow"/>
+          </a:ln>
+        </p:spPr>
+        <p:style>
+          <a:lnRef idx="1">
+            <a:schemeClr val="accent1"/>
+          </a:lnRef>
+          <a:fillRef idx="0">
+            <a:schemeClr val="accent1"/>
+          </a:fillRef>
+          <a:effectRef idx="0">
+            <a:schemeClr val="accent1"/>
+          </a:effectRef>
+          <a:fontRef idx="minor">
+            <a:schemeClr val="tx1"/>
+          </a:fontRef>
+        </p:style>
+      </p:cxnSp>
     </p:spTree>
     <p:extLst>
       <p:ext uri="{BB962C8B-B14F-4D97-AF65-F5344CB8AC3E}">
-        <p14:creationId xmlns:p14="http://schemas.microsoft.com/office/powerpoint/2010/main" val="1035254044"/>
+        <p14:creationId xmlns:p14="http://schemas.microsoft.com/office/powerpoint/2010/main" val="2533537909"/>
       </p:ext>
     </p:extLst>
   </p:cSld>
